--- a/ppt/转正答辩汇报_郑宇亮.pptx
+++ b/ppt/转正答辩汇报_郑宇亮.pptx
@@ -5,7 +5,7 @@
     <p:sldMasterId id="2147483648" r:id="rId1"/>
   </p:sldMasterIdLst>
   <p:notesMasterIdLst>
-    <p:notesMasterId r:id="rId26"/>
+    <p:notesMasterId r:id="rId33"/>
   </p:notesMasterIdLst>
   <p:sldIdLst>
     <p:sldId id="256" r:id="rId2"/>
@@ -27,16 +27,23 @@
     <p:sldId id="361" r:id="rId18"/>
     <p:sldId id="353" r:id="rId19"/>
     <p:sldId id="302" r:id="rId20"/>
-    <p:sldId id="406" r:id="rId21"/>
-    <p:sldId id="408" r:id="rId22"/>
-    <p:sldId id="303" r:id="rId23"/>
-    <p:sldId id="290" r:id="rId24"/>
-    <p:sldId id="292" r:id="rId25"/>
+    <p:sldId id="409" r:id="rId21"/>
+    <p:sldId id="410" r:id="rId22"/>
+    <p:sldId id="411" r:id="rId23"/>
+    <p:sldId id="406" r:id="rId24"/>
+    <p:sldId id="408" r:id="rId25"/>
+    <p:sldId id="415" r:id="rId26"/>
+    <p:sldId id="412" r:id="rId27"/>
+    <p:sldId id="413" r:id="rId28"/>
+    <p:sldId id="414" r:id="rId29"/>
+    <p:sldId id="303" r:id="rId30"/>
+    <p:sldId id="290" r:id="rId31"/>
+    <p:sldId id="292" r:id="rId32"/>
   </p:sldIdLst>
   <p:sldSz cx="9144000" cy="6858000" type="screen4x3"/>
   <p:notesSz cx="6858000" cy="9144000"/>
   <p:custDataLst>
-    <p:tags r:id="rId27"/>
+    <p:tags r:id="rId34"/>
   </p:custDataLst>
   <p:defaultTextStyle>
     <a:defPPr>
@@ -2606,11 +2613,18 @@
         <a:lstStyle/>
         <a:p>
           <a:r>
+            <a:rPr lang="zh-CN" altLang="en-US" sz="1200" b="0" i="0" dirty="0" smtClean="0">
+              <a:latin typeface="微软雅黑" pitchFamily="34" charset="-122"/>
+              <a:ea typeface="微软雅黑" pitchFamily="34" charset="-122"/>
+            </a:rPr>
+            <a:t>步步高教育电子有限公司</a:t>
+          </a:r>
+          <a:r>
             <a:rPr lang="zh-CN" altLang="en-US" sz="1200" b="0" dirty="0" smtClean="0">
               <a:latin typeface="微软雅黑" panose="020B0503020204020204" pitchFamily="34" charset="-122"/>
               <a:ea typeface="微软雅黑" panose="020B0503020204020204" pitchFamily="34" charset="-122"/>
             </a:rPr>
-            <a:t>珠海惠付通科技有限公司 </a:t>
+            <a:t> </a:t>
           </a:r>
           <a:r>
             <a:rPr lang="en-US" altLang="zh-CN" sz="1200" b="0" dirty="0" smtClean="0">
@@ -2631,7 +2645,7 @@
               <a:latin typeface="微软雅黑" panose="020B0503020204020204" pitchFamily="34" charset="-122"/>
               <a:ea typeface="微软雅黑" panose="020B0503020204020204" pitchFamily="34" charset="-122"/>
             </a:rPr>
-            <a:t>2017.07-2019.08</a:t>
+            <a:t>2013.11-2015.12</a:t>
           </a:r>
           <a:endParaRPr lang="zh-CN" altLang="en-US" sz="1200" b="0" dirty="0">
             <a:latin typeface="微软雅黑" panose="020B0503020204020204" pitchFamily="34" charset="-122"/>
@@ -2792,28 +2806,28 @@
         <a:lstStyle/>
         <a:p>
           <a:r>
-            <a:rPr lang="zh-CN" altLang="en-US" sz="1200" b="0" smtClean="0">
+            <a:rPr lang="zh-CN" altLang="en-US" sz="1200" b="0" dirty="0" smtClean="0">
               <a:latin typeface="微软雅黑" panose="020B0503020204020204" pitchFamily="34" charset="-122"/>
               <a:ea typeface="微软雅黑" panose="020B0503020204020204" pitchFamily="34" charset="-122"/>
             </a:rPr>
             <a:t>远光软件开发有限公司 </a:t>
           </a:r>
           <a:r>
-            <a:rPr lang="en-US" altLang="zh-CN" sz="1200" b="0" smtClean="0">
+            <a:rPr lang="en-US" altLang="zh-CN" sz="1200" b="0" dirty="0" smtClean="0">
               <a:latin typeface="微软雅黑" panose="020B0503020204020204" pitchFamily="34" charset="-122"/>
               <a:ea typeface="微软雅黑" panose="020B0503020204020204" pitchFamily="34" charset="-122"/>
             </a:rPr>
             <a:t>– </a:t>
           </a:r>
           <a:r>
-            <a:rPr lang="zh-CN" altLang="en-US" sz="1200" b="0" smtClean="0">
+            <a:rPr lang="zh-CN" altLang="en-US" sz="1200" b="0" dirty="0" smtClean="0">
               <a:latin typeface="微软雅黑" panose="020B0503020204020204" pitchFamily="34" charset="-122"/>
               <a:ea typeface="微软雅黑" panose="020B0503020204020204" pitchFamily="34" charset="-122"/>
             </a:rPr>
             <a:t>前端开发工程师  </a:t>
           </a:r>
           <a:r>
-            <a:rPr lang="en-US" altLang="zh-CN" sz="1200" b="0" smtClean="0">
+            <a:rPr lang="en-US" altLang="zh-CN" sz="1200" b="0" dirty="0" smtClean="0">
               <a:latin typeface="微软雅黑" panose="020B0503020204020204" pitchFamily="34" charset="-122"/>
               <a:ea typeface="微软雅黑" panose="020B0503020204020204" pitchFamily="34" charset="-122"/>
             </a:rPr>
@@ -3103,8 +3117,8 @@
     <dgm:cxn modelId="{66AE38F9-3655-477C-BDF2-F5B08678D9EA}" srcId="{36383102-C4A5-4AB2-86E8-1CC9EB7887E5}" destId="{0D251C19-869E-4092-94AD-DB4DF351FA57}" srcOrd="0" destOrd="0" parTransId="{F5AD29CF-B77E-469E-99D9-F258C8481FE0}" sibTransId="{4920EAA6-7CF9-449D-B7A4-A5493CF86A21}"/>
     <dgm:cxn modelId="{DAC6C06D-FA56-4364-9240-B4FA3BB7D31E}" type="presOf" srcId="{33B003F0-E37F-4205-A64A-9AC49FCCB873}" destId="{3811D72C-8F61-4CB1-AC5F-ED1D6685F642}" srcOrd="0" destOrd="1" presId="urn:microsoft.com/office/officeart/2005/8/layout/chevron2"/>
     <dgm:cxn modelId="{F2AE960D-A419-4ADB-B535-85517F94A0E2}" type="presOf" srcId="{0D251C19-869E-4092-94AD-DB4DF351FA57}" destId="{3811D72C-8F61-4CB1-AC5F-ED1D6685F642}" srcOrd="0" destOrd="0" presId="urn:microsoft.com/office/officeart/2005/8/layout/chevron2"/>
+    <dgm:cxn modelId="{B474481B-3F46-46AB-B6DA-DB9B9691E745}" srcId="{79236024-69A6-4E00-8988-8B12DFFF1110}" destId="{F9A6B6BC-06EF-429B-ACB1-729247A6BB64}" srcOrd="0" destOrd="0" parTransId="{62203386-90CC-4F4F-8ADF-69F6F130F523}" sibTransId="{2930AB3E-9CAA-4E4C-B366-C75C50A79A5B}"/>
     <dgm:cxn modelId="{78047BE2-C02B-48E2-AF21-D17779F8EB5A}" type="presOf" srcId="{8A329AF0-C8F5-40CE-B7A7-27228E8DFF44}" destId="{51272D72-EB19-4CEA-9B11-84F55514CDC0}" srcOrd="0" destOrd="0" presId="urn:microsoft.com/office/officeart/2005/8/layout/chevron2"/>
-    <dgm:cxn modelId="{B474481B-3F46-46AB-B6DA-DB9B9691E745}" srcId="{79236024-69A6-4E00-8988-8B12DFFF1110}" destId="{F9A6B6BC-06EF-429B-ACB1-729247A6BB64}" srcOrd="0" destOrd="0" parTransId="{62203386-90CC-4F4F-8ADF-69F6F130F523}" sibTransId="{2930AB3E-9CAA-4E4C-B366-C75C50A79A5B}"/>
     <dgm:cxn modelId="{55355AF4-9464-4F67-B561-F149015976C6}" srcId="{A58EFF1E-5EDD-401C-A3C8-EAA3E9780CF3}" destId="{8A329AF0-C8F5-40CE-B7A7-27228E8DFF44}" srcOrd="1" destOrd="0" parTransId="{374F0322-5BCA-4944-ABE0-D5E2D15A1132}" sibTransId="{DEB53654-6EBD-4598-915F-A187DA070402}"/>
     <dgm:cxn modelId="{9157CC88-13C5-492F-88A4-023E177D29BF}" srcId="{A58EFF1E-5EDD-401C-A3C8-EAA3E9780CF3}" destId="{79236024-69A6-4E00-8988-8B12DFFF1110}" srcOrd="0" destOrd="0" parTransId="{3C61549D-BF06-471A-A13B-94E0BDD0A7EF}" sibTransId="{1CBADB6D-BC2A-4139-B3CF-04D3DA56FD70}"/>
     <dgm:cxn modelId="{6F357D65-E864-43D3-A828-6E694671AF94}" type="presOf" srcId="{BCB65DAB-9693-4EBE-A2A8-F8487A939FC9}" destId="{3811D72C-8F61-4CB1-AC5F-ED1D6685F642}" srcOrd="0" destOrd="2" presId="urn:microsoft.com/office/officeart/2005/8/layout/chevron2"/>
@@ -4263,11 +4277,18 @@
             <a:buChar char="••"/>
           </a:pPr>
           <a:r>
+            <a:rPr lang="zh-CN" altLang="en-US" sz="1200" b="0" i="0" kern="1200" dirty="0" smtClean="0">
+              <a:latin typeface="微软雅黑" pitchFamily="34" charset="-122"/>
+              <a:ea typeface="微软雅黑" pitchFamily="34" charset="-122"/>
+            </a:rPr>
+            <a:t>步步高教育电子有限公司</a:t>
+          </a:r>
+          <a:r>
             <a:rPr lang="zh-CN" altLang="en-US" sz="1200" b="0" kern="1200" dirty="0" smtClean="0">
               <a:latin typeface="微软雅黑" panose="020B0503020204020204" pitchFamily="34" charset="-122"/>
               <a:ea typeface="微软雅黑" panose="020B0503020204020204" pitchFamily="34" charset="-122"/>
             </a:rPr>
-            <a:t>珠海惠付通科技有限公司 </a:t>
+            <a:t> </a:t>
           </a:r>
           <a:r>
             <a:rPr lang="en-US" altLang="zh-CN" sz="1200" b="0" kern="1200" dirty="0" smtClean="0">
@@ -4288,7 +4309,7 @@
               <a:latin typeface="微软雅黑" panose="020B0503020204020204" pitchFamily="34" charset="-122"/>
               <a:ea typeface="微软雅黑" panose="020B0503020204020204" pitchFamily="34" charset="-122"/>
             </a:rPr>
-            <a:t>2017.07-2019.08</a:t>
+            <a:t>2013.11-2015.12</a:t>
           </a:r>
           <a:endParaRPr lang="zh-CN" altLang="en-US" sz="1200" b="0" kern="1200" dirty="0">
             <a:latin typeface="微软雅黑" panose="020B0503020204020204" pitchFamily="34" charset="-122"/>
@@ -4475,28 +4496,28 @@
             <a:buChar char="••"/>
           </a:pPr>
           <a:r>
-            <a:rPr lang="zh-CN" altLang="en-US" sz="1200" b="0" kern="1200" smtClean="0">
+            <a:rPr lang="zh-CN" altLang="en-US" sz="1200" b="0" kern="1200" dirty="0" smtClean="0">
               <a:latin typeface="微软雅黑" panose="020B0503020204020204" pitchFamily="34" charset="-122"/>
               <a:ea typeface="微软雅黑" panose="020B0503020204020204" pitchFamily="34" charset="-122"/>
             </a:rPr>
             <a:t>远光软件开发有限公司 </a:t>
           </a:r>
           <a:r>
-            <a:rPr lang="en-US" altLang="zh-CN" sz="1200" b="0" kern="1200" smtClean="0">
+            <a:rPr lang="en-US" altLang="zh-CN" sz="1200" b="0" kern="1200" dirty="0" smtClean="0">
               <a:latin typeface="微软雅黑" panose="020B0503020204020204" pitchFamily="34" charset="-122"/>
               <a:ea typeface="微软雅黑" panose="020B0503020204020204" pitchFamily="34" charset="-122"/>
             </a:rPr>
             <a:t>– </a:t>
           </a:r>
           <a:r>
-            <a:rPr lang="zh-CN" altLang="en-US" sz="1200" b="0" kern="1200" smtClean="0">
+            <a:rPr lang="zh-CN" altLang="en-US" sz="1200" b="0" kern="1200" dirty="0" smtClean="0">
               <a:latin typeface="微软雅黑" panose="020B0503020204020204" pitchFamily="34" charset="-122"/>
               <a:ea typeface="微软雅黑" panose="020B0503020204020204" pitchFamily="34" charset="-122"/>
             </a:rPr>
             <a:t>前端开发工程师  </a:t>
           </a:r>
           <a:r>
-            <a:rPr lang="en-US" altLang="zh-CN" sz="1200" b="0" kern="1200" smtClean="0">
+            <a:rPr lang="en-US" altLang="zh-CN" sz="1200" b="0" kern="1200" dirty="0" smtClean="0">
               <a:latin typeface="微软雅黑" panose="020B0503020204020204" pitchFamily="34" charset="-122"/>
               <a:ea typeface="微软雅黑" panose="020B0503020204020204" pitchFamily="34" charset="-122"/>
             </a:rPr>
@@ -7263,7 +7284,7 @@
           <a:p>
             <a:fld id="{7A5659CC-E672-481F-B602-8819D7C259F7}" type="datetimeFigureOut">
               <a:rPr lang="zh-CN" altLang="en-US" smtClean="0"/>
-              <a:t>2019/12/2</a:t>
+              <a:t>2019/12/3</a:t>
             </a:fld>
             <a:endParaRPr lang="zh-CN" altLang="en-US"/>
           </a:p>
@@ -12191,6 +12212,13 @@
     <a:masterClrMapping/>
   </p:clrMapOvr>
   <p:transition/>
+  <p:timing>
+    <p:tnLst>
+      <p:par>
+        <p:cTn id="1" dur="indefinite" restart="never" nodeType="tmRoot"/>
+      </p:par>
+    </p:tnLst>
+  </p:timing>
 </p:sld>
 </file>
 
@@ -13102,13 +13130,7 @@
               <a:rPr lang="en-US" altLang="zh-CN" sz="1400" b="0" dirty="0" err="1" smtClean="0">
                 <a:latin typeface="微软雅黑" panose="020B0503020204020204" pitchFamily="34" charset="-122"/>
               </a:rPr>
-              <a:t>，</a:t>
-            </a:r>
-            <a:r>
-              <a:rPr lang="en-US" altLang="zh-CN" sz="1400" b="0" dirty="0" err="1" smtClean="0">
-                <a:latin typeface="微软雅黑" panose="020B0503020204020204" pitchFamily="34" charset="-122"/>
-              </a:rPr>
-              <a:t>掌握了vue-cli</a:t>
+              <a:t>，掌握了vue-cli</a:t>
             </a:r>
             <a:r>
               <a:rPr lang="zh-CN" altLang="en-US" sz="1400" b="0" dirty="0" smtClean="0">
@@ -13445,19 +13467,7 @@
               <a:rPr lang="zh-CN" altLang="en-US" sz="1400" dirty="0" smtClean="0">
                 <a:ea typeface="微软雅黑" panose="020B0503020204020204" pitchFamily="34" charset="-122"/>
               </a:rPr>
-              <a:t>非常</a:t>
-            </a:r>
-            <a:r>
-              <a:rPr lang="zh-CN" altLang="en-US" sz="1400" dirty="0" smtClean="0">
-                <a:ea typeface="微软雅黑" panose="020B0503020204020204" pitchFamily="34" charset="-122"/>
-              </a:rPr>
-              <a:t>感谢导师和组长，以及项目组的小伙伴的支持</a:t>
-            </a:r>
-            <a:r>
-              <a:rPr lang="zh-CN" altLang="en-US" sz="1400" dirty="0" smtClean="0">
-                <a:ea typeface="微软雅黑" panose="020B0503020204020204" pitchFamily="34" charset="-122"/>
-              </a:rPr>
-              <a:t>。</a:t>
+              <a:t>非常感谢导师和组长，以及项目组的小伙伴的支持。</a:t>
             </a:r>
             <a:endParaRPr lang="en-US" altLang="zh-CN" sz="1400" dirty="0">
               <a:ea typeface="微软雅黑" panose="020B0503020204020204" pitchFamily="34" charset="-122"/>
@@ -14896,6 +14906,4449 @@
       </p:grpSpPr>
       <p:sp>
         <p:nvSpPr>
+          <p:cNvPr id="4" name="灯片编号占位符 3"/>
+          <p:cNvSpPr>
+            <a:spLocks noGrp="1"/>
+          </p:cNvSpPr>
+          <p:nvPr>
+            <p:ph type="sldNum" sz="quarter" idx="10"/>
+          </p:nvPr>
+        </p:nvSpPr>
+        <p:spPr/>
+        <p:txBody>
+          <a:bodyPr/>
+          <a:lstStyle/>
+          <a:p>
+            <a:pPr>
+              <a:defRPr/>
+            </a:pPr>
+            <a:fld id="{4816A599-0D7A-4ED1-B317-DB57F830172B}" type="slidenum">
+              <a:rPr lang="zh-CN" altLang="en-US" smtClean="0"/>
+              <a:t>20</a:t>
+            </a:fld>
+            <a:endParaRPr lang="zh-CN" altLang="en-US"/>
+          </a:p>
+        </p:txBody>
+      </p:sp>
+      <p:sp>
+        <p:nvSpPr>
+          <p:cNvPr id="5" name="标题 4"/>
+          <p:cNvSpPr txBox="1">
+            <a:spLocks/>
+          </p:cNvSpPr>
+          <p:nvPr/>
+        </p:nvSpPr>
+        <p:spPr bwMode="auto">
+          <a:xfrm>
+            <a:off x="696913" y="188640"/>
+            <a:ext cx="5867400" cy="563562"/>
+          </a:xfrm>
+          <a:prstGeom prst="rect">
+            <a:avLst/>
+          </a:prstGeom>
+          <a:noFill/>
+          <a:ln w="9525">
+            <a:noFill/>
+            <a:miter lim="800000"/>
+          </a:ln>
+        </p:spPr>
+        <p:txBody>
+          <a:bodyPr vert="horz" wrap="square" lIns="91440" tIns="45720" rIns="91440" bIns="45720" numCol="1" anchor="ctr" anchorCtr="0" compatLnSpc="1"/>
+          <a:lstStyle>
+            <a:lvl1pPr algn="l" rtl="0" eaLnBrk="0" fontAlgn="base" hangingPunct="0">
+              <a:spcBef>
+                <a:spcPct val="0"/>
+              </a:spcBef>
+              <a:spcAft>
+                <a:spcPct val="0"/>
+              </a:spcAft>
+              <a:defRPr sz="2800" b="1">
+                <a:solidFill>
+                  <a:schemeClr val="bg1"/>
+                </a:solidFill>
+                <a:latin typeface="黑体" panose="02010609060101010101" pitchFamily="2" charset="-122"/>
+                <a:ea typeface="黑体" panose="02010609060101010101" pitchFamily="2" charset="-122"/>
+                <a:cs typeface="+mj-cs"/>
+              </a:defRPr>
+            </a:lvl1pPr>
+            <a:lvl2pPr algn="l" rtl="0" eaLnBrk="0" fontAlgn="base" hangingPunct="0">
+              <a:spcBef>
+                <a:spcPct val="0"/>
+              </a:spcBef>
+              <a:spcAft>
+                <a:spcPct val="0"/>
+              </a:spcAft>
+              <a:defRPr sz="2800" b="1">
+                <a:solidFill>
+                  <a:schemeClr val="bg1"/>
+                </a:solidFill>
+                <a:latin typeface="黑体" panose="02010609060101010101" pitchFamily="2" charset="-122"/>
+                <a:ea typeface="黑体" panose="02010609060101010101" pitchFamily="2" charset="-122"/>
+              </a:defRPr>
+            </a:lvl2pPr>
+            <a:lvl3pPr algn="l" rtl="0" eaLnBrk="0" fontAlgn="base" hangingPunct="0">
+              <a:spcBef>
+                <a:spcPct val="0"/>
+              </a:spcBef>
+              <a:spcAft>
+                <a:spcPct val="0"/>
+              </a:spcAft>
+              <a:defRPr sz="2800" b="1">
+                <a:solidFill>
+                  <a:schemeClr val="bg1"/>
+                </a:solidFill>
+                <a:latin typeface="黑体" panose="02010609060101010101" pitchFamily="2" charset="-122"/>
+                <a:ea typeface="黑体" panose="02010609060101010101" pitchFamily="2" charset="-122"/>
+              </a:defRPr>
+            </a:lvl3pPr>
+            <a:lvl4pPr algn="l" rtl="0" eaLnBrk="0" fontAlgn="base" hangingPunct="0">
+              <a:spcBef>
+                <a:spcPct val="0"/>
+              </a:spcBef>
+              <a:spcAft>
+                <a:spcPct val="0"/>
+              </a:spcAft>
+              <a:defRPr sz="2800" b="1">
+                <a:solidFill>
+                  <a:schemeClr val="bg1"/>
+                </a:solidFill>
+                <a:latin typeface="黑体" panose="02010609060101010101" pitchFamily="2" charset="-122"/>
+                <a:ea typeface="黑体" panose="02010609060101010101" pitchFamily="2" charset="-122"/>
+              </a:defRPr>
+            </a:lvl4pPr>
+            <a:lvl5pPr algn="l" rtl="0" eaLnBrk="0" fontAlgn="base" hangingPunct="0">
+              <a:spcBef>
+                <a:spcPct val="0"/>
+              </a:spcBef>
+              <a:spcAft>
+                <a:spcPct val="0"/>
+              </a:spcAft>
+              <a:defRPr sz="2800" b="1">
+                <a:solidFill>
+                  <a:schemeClr val="bg1"/>
+                </a:solidFill>
+                <a:latin typeface="黑体" panose="02010609060101010101" pitchFamily="2" charset="-122"/>
+                <a:ea typeface="黑体" panose="02010609060101010101" pitchFamily="2" charset="-122"/>
+              </a:defRPr>
+            </a:lvl5pPr>
+            <a:lvl6pPr marL="457200" algn="l" rtl="0" eaLnBrk="1" fontAlgn="base" hangingPunct="1">
+              <a:spcBef>
+                <a:spcPct val="0"/>
+              </a:spcBef>
+              <a:spcAft>
+                <a:spcPct val="0"/>
+              </a:spcAft>
+              <a:defRPr sz="2800" b="1">
+                <a:solidFill>
+                  <a:schemeClr val="bg1"/>
+                </a:solidFill>
+                <a:latin typeface="Arial" panose="020B0604020202020204" pitchFamily="34" charset="0"/>
+                <a:ea typeface="黑体" panose="02010609060101010101" pitchFamily="2" charset="-122"/>
+              </a:defRPr>
+            </a:lvl6pPr>
+            <a:lvl7pPr marL="914400" algn="l" rtl="0" eaLnBrk="1" fontAlgn="base" hangingPunct="1">
+              <a:spcBef>
+                <a:spcPct val="0"/>
+              </a:spcBef>
+              <a:spcAft>
+                <a:spcPct val="0"/>
+              </a:spcAft>
+              <a:defRPr sz="2800" b="1">
+                <a:solidFill>
+                  <a:schemeClr val="bg1"/>
+                </a:solidFill>
+                <a:latin typeface="Arial" panose="020B0604020202020204" pitchFamily="34" charset="0"/>
+                <a:ea typeface="黑体" panose="02010609060101010101" pitchFamily="2" charset="-122"/>
+              </a:defRPr>
+            </a:lvl7pPr>
+            <a:lvl8pPr marL="1371600" algn="l" rtl="0" eaLnBrk="1" fontAlgn="base" hangingPunct="1">
+              <a:spcBef>
+                <a:spcPct val="0"/>
+              </a:spcBef>
+              <a:spcAft>
+                <a:spcPct val="0"/>
+              </a:spcAft>
+              <a:defRPr sz="2800" b="1">
+                <a:solidFill>
+                  <a:schemeClr val="bg1"/>
+                </a:solidFill>
+                <a:latin typeface="Arial" panose="020B0604020202020204" pitchFamily="34" charset="0"/>
+                <a:ea typeface="黑体" panose="02010609060101010101" pitchFamily="2" charset="-122"/>
+              </a:defRPr>
+            </a:lvl8pPr>
+            <a:lvl9pPr marL="1828800" algn="l" rtl="0" eaLnBrk="1" fontAlgn="base" hangingPunct="1">
+              <a:spcBef>
+                <a:spcPct val="0"/>
+              </a:spcBef>
+              <a:spcAft>
+                <a:spcPct val="0"/>
+              </a:spcAft>
+              <a:defRPr sz="2800" b="1">
+                <a:solidFill>
+                  <a:schemeClr val="bg1"/>
+                </a:solidFill>
+                <a:latin typeface="Arial" panose="020B0604020202020204" pitchFamily="34" charset="0"/>
+                <a:ea typeface="黑体" panose="02010609060101010101" pitchFamily="2" charset="-122"/>
+              </a:defRPr>
+            </a:lvl9pPr>
+          </a:lstStyle>
+          <a:p>
+            <a:r>
+              <a:rPr lang="zh-CN" altLang="en-US" dirty="0" smtClean="0">
+                <a:latin typeface="微软雅黑" pitchFamily="34" charset="-122"/>
+                <a:ea typeface="微软雅黑" pitchFamily="34" charset="-122"/>
+              </a:rPr>
+              <a:t>个人自评：岗位胜任情况</a:t>
+            </a:r>
+            <a:endParaRPr lang="zh-CN" altLang="en-US" dirty="0">
+              <a:latin typeface="微软雅黑" pitchFamily="34" charset="-122"/>
+              <a:ea typeface="微软雅黑" pitchFamily="34" charset="-122"/>
+            </a:endParaRPr>
+          </a:p>
+        </p:txBody>
+      </p:sp>
+      <p:graphicFrame>
+        <p:nvGraphicFramePr>
+          <p:cNvPr id="8" name="表格 7"/>
+          <p:cNvGraphicFramePr>
+            <a:graphicFrameLocks noGrp="1"/>
+          </p:cNvGraphicFramePr>
+          <p:nvPr>
+            <p:extLst>
+              <p:ext uri="{D42A27DB-BD31-4B8C-83A1-F6EECF244321}">
+                <p14:modId xmlns:p14="http://schemas.microsoft.com/office/powerpoint/2010/main" val="2483952535"/>
+              </p:ext>
+            </p:extLst>
+          </p:nvPr>
+        </p:nvGraphicFramePr>
+        <p:xfrm>
+          <a:off x="470571" y="1605528"/>
+          <a:ext cx="8205884" cy="2255520"/>
+        </p:xfrm>
+        <a:graphic>
+          <a:graphicData uri="http://schemas.openxmlformats.org/drawingml/2006/table">
+            <a:tbl>
+              <a:tblPr/>
+              <a:tblGrid>
+                <a:gridCol w="937030"/>
+                <a:gridCol w="1029164"/>
+                <a:gridCol w="3105336"/>
+                <a:gridCol w="3134354"/>
+              </a:tblGrid>
+              <a:tr h="196808">
+                <a:tc rowSpan="2">
+                  <a:txBody>
+                    <a:bodyPr/>
+                    <a:lstStyle/>
+                    <a:p>
+                      <a:pPr algn="ctr" fontAlgn="ctr"/>
+                      <a:r>
+                        <a:rPr lang="zh-CN" altLang="en-US" sz="1400" b="1" i="0" u="none" strike="noStrike" dirty="0">
+                          <a:solidFill>
+                            <a:schemeClr val="tx1"/>
+                          </a:solidFill>
+                          <a:latin typeface="微软雅黑" pitchFamily="34" charset="-122"/>
+                          <a:ea typeface="微软雅黑" pitchFamily="34" charset="-122"/>
+                        </a:rPr>
+                        <a:t>学历</a:t>
+                      </a:r>
+                      <a:r>
+                        <a:rPr lang="en-US" altLang="zh-CN" sz="1400" b="1" i="0" u="none" strike="noStrike" dirty="0">
+                          <a:solidFill>
+                            <a:schemeClr val="tx1"/>
+                          </a:solidFill>
+                          <a:latin typeface="微软雅黑" pitchFamily="34" charset="-122"/>
+                          <a:ea typeface="微软雅黑" pitchFamily="34" charset="-122"/>
+                        </a:rPr>
+                        <a:t>/</a:t>
+                      </a:r>
+                      <a:r>
+                        <a:rPr lang="zh-CN" altLang="en-US" sz="1400" b="1" i="0" u="none" strike="noStrike" dirty="0">
+                          <a:solidFill>
+                            <a:schemeClr val="tx1"/>
+                          </a:solidFill>
+                          <a:latin typeface="微软雅黑" pitchFamily="34" charset="-122"/>
+                          <a:ea typeface="微软雅黑" pitchFamily="34" charset="-122"/>
+                        </a:rPr>
+                        <a:t>专业</a:t>
+                      </a:r>
+                    </a:p>
+                  </a:txBody>
+                  <a:tcPr marL="45720" marR="45720" anchor="ctr">
+                    <a:lnL w="6350" cap="flat" cmpd="sng" algn="ctr">
+                      <a:solidFill>
+                        <a:srgbClr val="000000"/>
+                      </a:solidFill>
+                      <a:prstDash val="solid"/>
+                      <a:round/>
+                      <a:headEnd type="none" w="med" len="med"/>
+                      <a:tailEnd type="none" w="med" len="med"/>
+                    </a:lnL>
+                    <a:lnR w="6350" cap="flat" cmpd="sng" algn="ctr">
+                      <a:solidFill>
+                        <a:srgbClr val="000000"/>
+                      </a:solidFill>
+                      <a:prstDash val="solid"/>
+                      <a:round/>
+                      <a:headEnd type="none" w="med" len="med"/>
+                      <a:tailEnd type="none" w="med" len="med"/>
+                    </a:lnR>
+                    <a:lnT w="6350" cap="flat" cmpd="sng" algn="ctr">
+                      <a:solidFill>
+                        <a:srgbClr val="000000"/>
+                      </a:solidFill>
+                      <a:prstDash val="solid"/>
+                      <a:round/>
+                      <a:headEnd type="none" w="med" len="med"/>
+                      <a:tailEnd type="none" w="med" len="med"/>
+                    </a:lnT>
+                    <a:lnB w="6350" cap="flat" cmpd="sng" algn="ctr">
+                      <a:solidFill>
+                        <a:srgbClr val="000000"/>
+                      </a:solidFill>
+                      <a:prstDash val="solid"/>
+                      <a:round/>
+                      <a:headEnd type="none" w="med" len="med"/>
+                      <a:tailEnd type="none" w="med" len="med"/>
+                    </a:lnB>
+                  </a:tcPr>
+                </a:tc>
+                <a:tc>
+                  <a:txBody>
+                    <a:bodyPr/>
+                    <a:lstStyle/>
+                    <a:p>
+                      <a:pPr algn="ctr" fontAlgn="ctr"/>
+                      <a:r>
+                        <a:rPr lang="zh-CN" altLang="en-US" sz="1400" b="0" i="0" u="none" strike="noStrike">
+                          <a:solidFill>
+                            <a:schemeClr val="tx1"/>
+                          </a:solidFill>
+                          <a:latin typeface="微软雅黑" pitchFamily="34" charset="-122"/>
+                          <a:ea typeface="微软雅黑" pitchFamily="34" charset="-122"/>
+                        </a:rPr>
+                        <a:t>理想要求</a:t>
+                      </a:r>
+                    </a:p>
+                  </a:txBody>
+                  <a:tcPr marL="45720" marR="45720" anchor="ctr">
+                    <a:lnL w="6350" cap="flat" cmpd="sng" algn="ctr">
+                      <a:solidFill>
+                        <a:srgbClr val="000000"/>
+                      </a:solidFill>
+                      <a:prstDash val="solid"/>
+                      <a:round/>
+                      <a:headEnd type="none" w="med" len="med"/>
+                      <a:tailEnd type="none" w="med" len="med"/>
+                    </a:lnL>
+                    <a:lnR w="6350" cap="flat" cmpd="sng" algn="ctr">
+                      <a:solidFill>
+                        <a:srgbClr val="000000"/>
+                      </a:solidFill>
+                      <a:prstDash val="solid"/>
+                      <a:round/>
+                      <a:headEnd type="none" w="med" len="med"/>
+                      <a:tailEnd type="none" w="med" len="med"/>
+                    </a:lnR>
+                    <a:lnT w="6350" cap="flat" cmpd="sng" algn="ctr">
+                      <a:solidFill>
+                        <a:srgbClr val="000000"/>
+                      </a:solidFill>
+                      <a:prstDash val="solid"/>
+                      <a:round/>
+                      <a:headEnd type="none" w="med" len="med"/>
+                      <a:tailEnd type="none" w="med" len="med"/>
+                    </a:lnT>
+                    <a:lnB w="6350" cap="flat" cmpd="sng" algn="ctr">
+                      <a:solidFill>
+                        <a:srgbClr val="000000"/>
+                      </a:solidFill>
+                      <a:prstDash val="solid"/>
+                      <a:round/>
+                      <a:headEnd type="none" w="med" len="med"/>
+                      <a:tailEnd type="none" w="med" len="med"/>
+                    </a:lnB>
+                  </a:tcPr>
+                </a:tc>
+                <a:tc>
+                  <a:txBody>
+                    <a:bodyPr/>
+                    <a:lstStyle/>
+                    <a:p>
+                      <a:pPr algn="l" fontAlgn="ctr"/>
+                      <a:r>
+                        <a:rPr lang="zh-CN" altLang="en-US" sz="1400" dirty="0" smtClean="0">
+                          <a:solidFill>
+                            <a:schemeClr val="tx1"/>
+                          </a:solidFill>
+                          <a:effectLst/>
+                          <a:latin typeface="微软雅黑" pitchFamily="34" charset="-122"/>
+                          <a:ea typeface="微软雅黑" pitchFamily="34" charset="-122"/>
+                        </a:rPr>
+                        <a:t>本科学历，计算机及相关专业</a:t>
+                      </a:r>
+                      <a:endParaRPr lang="zh-CN" altLang="en-US" sz="1400" b="0" i="0" u="none" strike="noStrike" dirty="0">
+                        <a:solidFill>
+                          <a:schemeClr val="tx1"/>
+                        </a:solidFill>
+                        <a:latin typeface="微软雅黑" pitchFamily="34" charset="-122"/>
+                        <a:ea typeface="微软雅黑" pitchFamily="34" charset="-122"/>
+                      </a:endParaRPr>
+                    </a:p>
+                  </a:txBody>
+                  <a:tcPr marL="45720" marR="45720" anchor="ctr">
+                    <a:lnL w="6350" cap="flat" cmpd="sng" algn="ctr">
+                      <a:solidFill>
+                        <a:srgbClr val="000000"/>
+                      </a:solidFill>
+                      <a:prstDash val="solid"/>
+                      <a:round/>
+                      <a:headEnd type="none" w="med" len="med"/>
+                      <a:tailEnd type="none" w="med" len="med"/>
+                    </a:lnL>
+                    <a:lnR w="6350" cap="flat" cmpd="sng" algn="ctr">
+                      <a:solidFill>
+                        <a:srgbClr val="000000"/>
+                      </a:solidFill>
+                      <a:prstDash val="solid"/>
+                      <a:round/>
+                      <a:headEnd type="none" w="med" len="med"/>
+                      <a:tailEnd type="none" w="med" len="med"/>
+                    </a:lnR>
+                    <a:lnT w="6350" cap="flat" cmpd="sng" algn="ctr">
+                      <a:solidFill>
+                        <a:srgbClr val="000000"/>
+                      </a:solidFill>
+                      <a:prstDash val="solid"/>
+                      <a:round/>
+                      <a:headEnd type="none" w="med" len="med"/>
+                      <a:tailEnd type="none" w="med" len="med"/>
+                    </a:lnT>
+                    <a:lnB w="6350" cap="flat" cmpd="sng" algn="ctr">
+                      <a:solidFill>
+                        <a:srgbClr val="000000"/>
+                      </a:solidFill>
+                      <a:prstDash val="solid"/>
+                      <a:round/>
+                      <a:headEnd type="none" w="med" len="med"/>
+                      <a:tailEnd type="none" w="med" len="med"/>
+                    </a:lnB>
+                  </a:tcPr>
+                </a:tc>
+                <a:tc rowSpan="2">
+                  <a:txBody>
+                    <a:bodyPr/>
+                    <a:lstStyle/>
+                    <a:p>
+                      <a:pPr marL="0" marR="0" indent="0" algn="l" defTabSz="914400" rtl="0" eaLnBrk="1" fontAlgn="ctr" latinLnBrk="0" hangingPunct="1">
+                        <a:lnSpc>
+                          <a:spcPct val="100000"/>
+                        </a:lnSpc>
+                        <a:spcBef>
+                          <a:spcPts val="0"/>
+                        </a:spcBef>
+                        <a:spcAft>
+                          <a:spcPts val="0"/>
+                        </a:spcAft>
+                        <a:buClrTx/>
+                        <a:buSzTx/>
+                        <a:buFontTx/>
+                        <a:buNone/>
+                        <a:tabLst/>
+                        <a:defRPr/>
+                      </a:pPr>
+                      <a:r>
+                        <a:rPr lang="zh-CN" altLang="en-US" sz="1400" dirty="0" smtClean="0">
+                          <a:solidFill>
+                            <a:schemeClr val="tx1"/>
+                          </a:solidFill>
+                          <a:effectLst/>
+                          <a:latin typeface="微软雅黑" pitchFamily="34" charset="-122"/>
+                          <a:ea typeface="微软雅黑" pitchFamily="34" charset="-122"/>
+                        </a:rPr>
+                        <a:t>本科，工程学院工业设计</a:t>
+                      </a:r>
+                      <a:endParaRPr lang="en-US" altLang="zh-CN" sz="1400" dirty="0" smtClean="0">
+                        <a:solidFill>
+                          <a:schemeClr val="tx1"/>
+                        </a:solidFill>
+                        <a:effectLst/>
+                        <a:latin typeface="微软雅黑" pitchFamily="34" charset="-122"/>
+                        <a:ea typeface="微软雅黑" pitchFamily="34" charset="-122"/>
+                      </a:endParaRPr>
+                    </a:p>
+                  </a:txBody>
+                  <a:tcPr marL="45720" marR="45720" anchor="ctr">
+                    <a:lnL w="6350" cap="flat" cmpd="sng" algn="ctr">
+                      <a:solidFill>
+                        <a:srgbClr val="000000"/>
+                      </a:solidFill>
+                      <a:prstDash val="solid"/>
+                      <a:round/>
+                      <a:headEnd type="none" w="med" len="med"/>
+                      <a:tailEnd type="none" w="med" len="med"/>
+                    </a:lnL>
+                    <a:lnR w="6350" cap="flat" cmpd="sng" algn="ctr">
+                      <a:solidFill>
+                        <a:srgbClr val="000000"/>
+                      </a:solidFill>
+                      <a:prstDash val="solid"/>
+                      <a:round/>
+                      <a:headEnd type="none" w="med" len="med"/>
+                      <a:tailEnd type="none" w="med" len="med"/>
+                    </a:lnR>
+                    <a:lnT w="6350" cap="flat" cmpd="sng" algn="ctr">
+                      <a:solidFill>
+                        <a:srgbClr val="000000"/>
+                      </a:solidFill>
+                      <a:prstDash val="solid"/>
+                      <a:round/>
+                      <a:headEnd type="none" w="med" len="med"/>
+                      <a:tailEnd type="none" w="med" len="med"/>
+                    </a:lnT>
+                    <a:lnB w="6350" cap="flat" cmpd="sng" algn="ctr">
+                      <a:solidFill>
+                        <a:srgbClr val="000000"/>
+                      </a:solidFill>
+                      <a:prstDash val="solid"/>
+                      <a:round/>
+                      <a:headEnd type="none" w="med" len="med"/>
+                      <a:tailEnd type="none" w="med" len="med"/>
+                    </a:lnB>
+                  </a:tcPr>
+                </a:tc>
+              </a:tr>
+              <a:tr h="196808">
+                <a:tc vMerge="1">
+                  <a:txBody>
+                    <a:bodyPr/>
+                    <a:lstStyle/>
+                    <a:p>
+                      <a:endParaRPr lang="zh-CN" altLang="en-US"/>
+                    </a:p>
+                  </a:txBody>
+                  <a:tcPr/>
+                </a:tc>
+                <a:tc>
+                  <a:txBody>
+                    <a:bodyPr/>
+                    <a:lstStyle/>
+                    <a:p>
+                      <a:pPr algn="ctr" fontAlgn="ctr"/>
+                      <a:r>
+                        <a:rPr lang="zh-CN" altLang="en-US" sz="1400" b="0" i="0" u="none" strike="noStrike">
+                          <a:solidFill>
+                            <a:schemeClr val="tx1"/>
+                          </a:solidFill>
+                          <a:latin typeface="微软雅黑" pitchFamily="34" charset="-122"/>
+                          <a:ea typeface="微软雅黑" pitchFamily="34" charset="-122"/>
+                        </a:rPr>
+                        <a:t>最低要求</a:t>
+                      </a:r>
+                    </a:p>
+                  </a:txBody>
+                  <a:tcPr marL="45720" marR="45720" anchor="ctr">
+                    <a:lnL w="6350" cap="flat" cmpd="sng" algn="ctr">
+                      <a:solidFill>
+                        <a:srgbClr val="000000"/>
+                      </a:solidFill>
+                      <a:prstDash val="solid"/>
+                      <a:round/>
+                      <a:headEnd type="none" w="med" len="med"/>
+                      <a:tailEnd type="none" w="med" len="med"/>
+                    </a:lnL>
+                    <a:lnR w="6350" cap="flat" cmpd="sng" algn="ctr">
+                      <a:solidFill>
+                        <a:srgbClr val="000000"/>
+                      </a:solidFill>
+                      <a:prstDash val="solid"/>
+                      <a:round/>
+                      <a:headEnd type="none" w="med" len="med"/>
+                      <a:tailEnd type="none" w="med" len="med"/>
+                    </a:lnR>
+                    <a:lnT w="6350" cap="flat" cmpd="sng" algn="ctr">
+                      <a:solidFill>
+                        <a:srgbClr val="000000"/>
+                      </a:solidFill>
+                      <a:prstDash val="solid"/>
+                      <a:round/>
+                      <a:headEnd type="none" w="med" len="med"/>
+                      <a:tailEnd type="none" w="med" len="med"/>
+                    </a:lnT>
+                    <a:lnB w="6350" cap="flat" cmpd="sng" algn="ctr">
+                      <a:solidFill>
+                        <a:srgbClr val="000000"/>
+                      </a:solidFill>
+                      <a:prstDash val="solid"/>
+                      <a:round/>
+                      <a:headEnd type="none" w="med" len="med"/>
+                      <a:tailEnd type="none" w="med" len="med"/>
+                    </a:lnB>
+                  </a:tcPr>
+                </a:tc>
+                <a:tc>
+                  <a:txBody>
+                    <a:bodyPr/>
+                    <a:lstStyle/>
+                    <a:p>
+                      <a:pPr algn="l" fontAlgn="ctr"/>
+                      <a:r>
+                        <a:rPr lang="zh-CN" altLang="en-US" sz="1400" dirty="0" smtClean="0">
+                          <a:solidFill>
+                            <a:schemeClr val="tx1"/>
+                          </a:solidFill>
+                          <a:effectLst/>
+                          <a:latin typeface="微软雅黑" pitchFamily="34" charset="-122"/>
+                          <a:ea typeface="微软雅黑" pitchFamily="34" charset="-122"/>
+                        </a:rPr>
+                        <a:t>相当本科学历，计算机及相关专业</a:t>
+                      </a:r>
+                      <a:endParaRPr lang="zh-CN" altLang="en-US" sz="1400" b="0" i="0" u="none" strike="noStrike" dirty="0">
+                        <a:solidFill>
+                          <a:schemeClr val="tx1"/>
+                        </a:solidFill>
+                        <a:latin typeface="微软雅黑" pitchFamily="34" charset="-122"/>
+                        <a:ea typeface="微软雅黑" pitchFamily="34" charset="-122"/>
+                      </a:endParaRPr>
+                    </a:p>
+                  </a:txBody>
+                  <a:tcPr marL="45720" marR="45720" anchor="ctr">
+                    <a:lnL w="6350" cap="flat" cmpd="sng" algn="ctr">
+                      <a:solidFill>
+                        <a:srgbClr val="000000"/>
+                      </a:solidFill>
+                      <a:prstDash val="solid"/>
+                      <a:round/>
+                      <a:headEnd type="none" w="med" len="med"/>
+                      <a:tailEnd type="none" w="med" len="med"/>
+                    </a:lnL>
+                    <a:lnR w="6350" cap="flat" cmpd="sng" algn="ctr">
+                      <a:solidFill>
+                        <a:srgbClr val="000000"/>
+                      </a:solidFill>
+                      <a:prstDash val="solid"/>
+                      <a:round/>
+                      <a:headEnd type="none" w="med" len="med"/>
+                      <a:tailEnd type="none" w="med" len="med"/>
+                    </a:lnR>
+                    <a:lnT w="6350" cap="flat" cmpd="sng" algn="ctr">
+                      <a:solidFill>
+                        <a:srgbClr val="000000"/>
+                      </a:solidFill>
+                      <a:prstDash val="solid"/>
+                      <a:round/>
+                      <a:headEnd type="none" w="med" len="med"/>
+                      <a:tailEnd type="none" w="med" len="med"/>
+                    </a:lnT>
+                    <a:lnB w="6350" cap="flat" cmpd="sng" algn="ctr">
+                      <a:solidFill>
+                        <a:srgbClr val="000000"/>
+                      </a:solidFill>
+                      <a:prstDash val="solid"/>
+                      <a:round/>
+                      <a:headEnd type="none" w="med" len="med"/>
+                      <a:tailEnd type="none" w="med" len="med"/>
+                    </a:lnB>
+                  </a:tcPr>
+                </a:tc>
+                <a:tc vMerge="1">
+                  <a:txBody>
+                    <a:bodyPr/>
+                    <a:lstStyle/>
+                    <a:p>
+                      <a:endParaRPr lang="zh-CN" altLang="en-US"/>
+                    </a:p>
+                  </a:txBody>
+                  <a:tcPr/>
+                </a:tc>
+              </a:tr>
+              <a:tr h="196808">
+                <a:tc rowSpan="2">
+                  <a:txBody>
+                    <a:bodyPr/>
+                    <a:lstStyle/>
+                    <a:p>
+                      <a:pPr algn="ctr" fontAlgn="ctr"/>
+                      <a:r>
+                        <a:rPr lang="zh-CN" altLang="en-US" sz="1400" b="1" i="0" u="none" strike="noStrike">
+                          <a:solidFill>
+                            <a:schemeClr val="tx1"/>
+                          </a:solidFill>
+                          <a:latin typeface="微软雅黑" pitchFamily="34" charset="-122"/>
+                          <a:ea typeface="微软雅黑" pitchFamily="34" charset="-122"/>
+                        </a:rPr>
+                        <a:t>必备知识</a:t>
+                      </a:r>
+                    </a:p>
+                  </a:txBody>
+                  <a:tcPr marL="45720" marR="45720" anchor="ctr">
+                    <a:lnL w="6350" cap="flat" cmpd="sng" algn="ctr">
+                      <a:solidFill>
+                        <a:srgbClr val="000000"/>
+                      </a:solidFill>
+                      <a:prstDash val="solid"/>
+                      <a:round/>
+                      <a:headEnd type="none" w="med" len="med"/>
+                      <a:tailEnd type="none" w="med" len="med"/>
+                    </a:lnL>
+                    <a:lnR w="6350" cap="flat" cmpd="sng" algn="ctr">
+                      <a:solidFill>
+                        <a:srgbClr val="000000"/>
+                      </a:solidFill>
+                      <a:prstDash val="solid"/>
+                      <a:round/>
+                      <a:headEnd type="none" w="med" len="med"/>
+                      <a:tailEnd type="none" w="med" len="med"/>
+                    </a:lnR>
+                    <a:lnT w="6350" cap="flat" cmpd="sng" algn="ctr">
+                      <a:solidFill>
+                        <a:srgbClr val="000000"/>
+                      </a:solidFill>
+                      <a:prstDash val="solid"/>
+                      <a:round/>
+                      <a:headEnd type="none" w="med" len="med"/>
+                      <a:tailEnd type="none" w="med" len="med"/>
+                    </a:lnT>
+                    <a:lnB w="6350" cap="flat" cmpd="sng" algn="ctr">
+                      <a:solidFill>
+                        <a:srgbClr val="000000"/>
+                      </a:solidFill>
+                      <a:prstDash val="solid"/>
+                      <a:round/>
+                      <a:headEnd type="none" w="med" len="med"/>
+                      <a:tailEnd type="none" w="med" len="med"/>
+                    </a:lnB>
+                  </a:tcPr>
+                </a:tc>
+                <a:tc>
+                  <a:txBody>
+                    <a:bodyPr/>
+                    <a:lstStyle/>
+                    <a:p>
+                      <a:pPr algn="ctr" fontAlgn="ctr"/>
+                      <a:r>
+                        <a:rPr lang="zh-CN" altLang="en-US" sz="1400" b="0" i="0" u="none" strike="noStrike" dirty="0">
+                          <a:solidFill>
+                            <a:schemeClr val="tx1"/>
+                          </a:solidFill>
+                          <a:latin typeface="微软雅黑" pitchFamily="34" charset="-122"/>
+                          <a:ea typeface="微软雅黑" pitchFamily="34" charset="-122"/>
+                        </a:rPr>
+                        <a:t>专业知识</a:t>
+                      </a:r>
+                    </a:p>
+                  </a:txBody>
+                  <a:tcPr marL="45720" marR="45720" anchor="ctr">
+                    <a:lnL w="6350" cap="flat" cmpd="sng" algn="ctr">
+                      <a:solidFill>
+                        <a:srgbClr val="000000"/>
+                      </a:solidFill>
+                      <a:prstDash val="solid"/>
+                      <a:round/>
+                      <a:headEnd type="none" w="med" len="med"/>
+                      <a:tailEnd type="none" w="med" len="med"/>
+                    </a:lnL>
+                    <a:lnR w="6350" cap="flat" cmpd="sng" algn="ctr">
+                      <a:solidFill>
+                        <a:srgbClr val="000000"/>
+                      </a:solidFill>
+                      <a:prstDash val="solid"/>
+                      <a:round/>
+                      <a:headEnd type="none" w="med" len="med"/>
+                      <a:tailEnd type="none" w="med" len="med"/>
+                    </a:lnR>
+                    <a:lnT w="6350" cap="flat" cmpd="sng" algn="ctr">
+                      <a:solidFill>
+                        <a:srgbClr val="000000"/>
+                      </a:solidFill>
+                      <a:prstDash val="solid"/>
+                      <a:round/>
+                      <a:headEnd type="none" w="med" len="med"/>
+                      <a:tailEnd type="none" w="med" len="med"/>
+                    </a:lnT>
+                    <a:lnB w="6350" cap="flat" cmpd="sng" algn="ctr">
+                      <a:solidFill>
+                        <a:srgbClr val="000000"/>
+                      </a:solidFill>
+                      <a:prstDash val="solid"/>
+                      <a:round/>
+                      <a:headEnd type="none" w="med" len="med"/>
+                      <a:tailEnd type="none" w="med" len="med"/>
+                    </a:lnB>
+                  </a:tcPr>
+                </a:tc>
+                <a:tc>
+                  <a:txBody>
+                    <a:bodyPr/>
+                    <a:lstStyle/>
+                    <a:p>
+                      <a:pPr algn="l" fontAlgn="ctr"/>
+                      <a:r>
+                        <a:rPr lang="en-US" altLang="zh-CN" sz="1400" b="0" i="0" u="none" strike="noStrike" dirty="0" smtClean="0">
+                          <a:solidFill>
+                            <a:schemeClr val="tx1"/>
+                          </a:solidFill>
+                          <a:latin typeface="微软雅黑" pitchFamily="34" charset="-122"/>
+                          <a:ea typeface="微软雅黑" pitchFamily="34" charset="-122"/>
+                        </a:rPr>
+                        <a:t>1.</a:t>
+                      </a:r>
+                      <a:r>
+                        <a:rPr lang="zh-CN" altLang="en-US" sz="1400" b="0" i="0" u="none" strike="noStrike" dirty="0" smtClean="0">
+                          <a:solidFill>
+                            <a:schemeClr val="tx1"/>
+                          </a:solidFill>
+                          <a:latin typeface="微软雅黑" pitchFamily="34" charset="-122"/>
+                          <a:ea typeface="微软雅黑" pitchFamily="34" charset="-122"/>
+                        </a:rPr>
+                        <a:t>掌握计算机相关专业基础知识，熟悉相关计算机软件开发规范、标准；  </a:t>
+                      </a:r>
+                    </a:p>
+                    <a:p>
+                      <a:pPr algn="l" fontAlgn="ctr"/>
+                      <a:r>
+                        <a:rPr lang="en-US" altLang="zh-CN" sz="1400" b="0" i="0" u="none" strike="noStrike" dirty="0" smtClean="0">
+                          <a:solidFill>
+                            <a:schemeClr val="tx1"/>
+                          </a:solidFill>
+                          <a:latin typeface="微软雅黑" pitchFamily="34" charset="-122"/>
+                          <a:ea typeface="微软雅黑" pitchFamily="34" charset="-122"/>
+                        </a:rPr>
+                        <a:t>2.</a:t>
+                      </a:r>
+                      <a:r>
+                        <a:rPr lang="zh-CN" altLang="en-US" sz="1400" b="0" i="0" u="none" strike="noStrike" dirty="0" smtClean="0">
+                          <a:solidFill>
+                            <a:schemeClr val="tx1"/>
+                          </a:solidFill>
+                          <a:latin typeface="微软雅黑" pitchFamily="34" charset="-122"/>
+                          <a:ea typeface="微软雅黑" pitchFamily="34" charset="-122"/>
+                        </a:rPr>
+                        <a:t>熟悉产品设计流程</a:t>
+                      </a:r>
+                    </a:p>
+                  </a:txBody>
+                  <a:tcPr marL="45720" marR="45720" anchor="ctr">
+                    <a:lnL w="6350" cap="flat" cmpd="sng" algn="ctr">
+                      <a:solidFill>
+                        <a:srgbClr val="000000"/>
+                      </a:solidFill>
+                      <a:prstDash val="solid"/>
+                      <a:round/>
+                      <a:headEnd type="none" w="med" len="med"/>
+                      <a:tailEnd type="none" w="med" len="med"/>
+                    </a:lnL>
+                    <a:lnR w="6350" cap="flat" cmpd="sng" algn="ctr">
+                      <a:solidFill>
+                        <a:srgbClr val="000000"/>
+                      </a:solidFill>
+                      <a:prstDash val="solid"/>
+                      <a:round/>
+                      <a:headEnd type="none" w="med" len="med"/>
+                      <a:tailEnd type="none" w="med" len="med"/>
+                    </a:lnR>
+                    <a:lnT w="6350" cap="flat" cmpd="sng" algn="ctr">
+                      <a:solidFill>
+                        <a:srgbClr val="000000"/>
+                      </a:solidFill>
+                      <a:prstDash val="solid"/>
+                      <a:round/>
+                      <a:headEnd type="none" w="med" len="med"/>
+                      <a:tailEnd type="none" w="med" len="med"/>
+                    </a:lnT>
+                    <a:lnB w="6350" cap="flat" cmpd="sng" algn="ctr">
+                      <a:solidFill>
+                        <a:srgbClr val="000000"/>
+                      </a:solidFill>
+                      <a:prstDash val="solid"/>
+                      <a:round/>
+                      <a:headEnd type="none" w="med" len="med"/>
+                      <a:tailEnd type="none" w="med" len="med"/>
+                    </a:lnB>
+                  </a:tcPr>
+                </a:tc>
+                <a:tc>
+                  <a:txBody>
+                    <a:bodyPr/>
+                    <a:lstStyle/>
+                    <a:p>
+                      <a:pPr algn="l" fontAlgn="ctr"/>
+                      <a:r>
+                        <a:rPr lang="zh-CN" altLang="en-US" sz="1400" b="0" i="0" u="none" strike="noStrike" dirty="0" smtClean="0">
+                          <a:solidFill>
+                            <a:schemeClr val="tx1"/>
+                          </a:solidFill>
+                          <a:latin typeface="微软雅黑" pitchFamily="34" charset="-122"/>
+                          <a:ea typeface="微软雅黑" pitchFamily="34" charset="-122"/>
+                        </a:rPr>
+                        <a:t>工作</a:t>
+                      </a:r>
+                      <a:r>
+                        <a:rPr lang="en-US" altLang="zh-CN" sz="1400" b="0" i="0" u="none" strike="noStrike" dirty="0" smtClean="0">
+                          <a:solidFill>
+                            <a:schemeClr val="tx1"/>
+                          </a:solidFill>
+                          <a:latin typeface="微软雅黑" pitchFamily="34" charset="-122"/>
+                          <a:ea typeface="微软雅黑" pitchFamily="34" charset="-122"/>
+                        </a:rPr>
+                        <a:t>11</a:t>
+                      </a:r>
+                      <a:r>
+                        <a:rPr lang="zh-CN" altLang="en-US" sz="1400" b="0" i="0" u="none" strike="noStrike" dirty="0" smtClean="0">
+                          <a:solidFill>
+                            <a:schemeClr val="tx1"/>
+                          </a:solidFill>
+                          <a:latin typeface="微软雅黑" pitchFamily="34" charset="-122"/>
+                          <a:ea typeface="微软雅黑" pitchFamily="34" charset="-122"/>
+                        </a:rPr>
+                        <a:t>年，多家公司工作经验</a:t>
+                      </a:r>
+                      <a:endParaRPr lang="zh-CN" altLang="en-US" sz="1400" b="0" i="0" u="none" strike="noStrike" dirty="0">
+                        <a:solidFill>
+                          <a:schemeClr val="tx1"/>
+                        </a:solidFill>
+                        <a:latin typeface="微软雅黑" pitchFamily="34" charset="-122"/>
+                        <a:ea typeface="微软雅黑" pitchFamily="34" charset="-122"/>
+                      </a:endParaRPr>
+                    </a:p>
+                  </a:txBody>
+                  <a:tcPr marL="45720" marR="45720" anchor="ctr">
+                    <a:lnL w="6350" cap="flat" cmpd="sng" algn="ctr">
+                      <a:solidFill>
+                        <a:srgbClr val="000000"/>
+                      </a:solidFill>
+                      <a:prstDash val="solid"/>
+                      <a:round/>
+                      <a:headEnd type="none" w="med" len="med"/>
+                      <a:tailEnd type="none" w="med" len="med"/>
+                    </a:lnL>
+                    <a:lnR w="6350" cap="flat" cmpd="sng" algn="ctr">
+                      <a:solidFill>
+                        <a:srgbClr val="000000"/>
+                      </a:solidFill>
+                      <a:prstDash val="solid"/>
+                      <a:round/>
+                      <a:headEnd type="none" w="med" len="med"/>
+                      <a:tailEnd type="none" w="med" len="med"/>
+                    </a:lnR>
+                    <a:lnT w="6350" cap="flat" cmpd="sng" algn="ctr">
+                      <a:solidFill>
+                        <a:srgbClr val="000000"/>
+                      </a:solidFill>
+                      <a:prstDash val="solid"/>
+                      <a:round/>
+                      <a:headEnd type="none" w="med" len="med"/>
+                      <a:tailEnd type="none" w="med" len="med"/>
+                    </a:lnT>
+                    <a:lnB w="6350" cap="flat" cmpd="sng" algn="ctr">
+                      <a:solidFill>
+                        <a:srgbClr val="000000"/>
+                      </a:solidFill>
+                      <a:prstDash val="solid"/>
+                      <a:round/>
+                      <a:headEnd type="none" w="med" len="med"/>
+                      <a:tailEnd type="none" w="med" len="med"/>
+                    </a:lnB>
+                  </a:tcPr>
+                </a:tc>
+              </a:tr>
+              <a:tr h="196808">
+                <a:tc vMerge="1">
+                  <a:txBody>
+                    <a:bodyPr/>
+                    <a:lstStyle/>
+                    <a:p>
+                      <a:endParaRPr lang="zh-CN" altLang="en-US"/>
+                    </a:p>
+                  </a:txBody>
+                  <a:tcPr/>
+                </a:tc>
+                <a:tc>
+                  <a:txBody>
+                    <a:bodyPr/>
+                    <a:lstStyle/>
+                    <a:p>
+                      <a:pPr algn="ctr" fontAlgn="ctr"/>
+                      <a:r>
+                        <a:rPr lang="zh-CN" altLang="en-US" sz="1400" b="0" i="0" u="none" strike="noStrike">
+                          <a:solidFill>
+                            <a:schemeClr val="tx1"/>
+                          </a:solidFill>
+                          <a:latin typeface="微软雅黑" pitchFamily="34" charset="-122"/>
+                          <a:ea typeface="微软雅黑" pitchFamily="34" charset="-122"/>
+                        </a:rPr>
+                        <a:t>外语要求</a:t>
+                      </a:r>
+                    </a:p>
+                  </a:txBody>
+                  <a:tcPr marL="45720" marR="45720" anchor="ctr">
+                    <a:lnL w="6350" cap="flat" cmpd="sng" algn="ctr">
+                      <a:solidFill>
+                        <a:srgbClr val="000000"/>
+                      </a:solidFill>
+                      <a:prstDash val="solid"/>
+                      <a:round/>
+                      <a:headEnd type="none" w="med" len="med"/>
+                      <a:tailEnd type="none" w="med" len="med"/>
+                    </a:lnL>
+                    <a:lnR w="6350" cap="flat" cmpd="sng" algn="ctr">
+                      <a:solidFill>
+                        <a:srgbClr val="000000"/>
+                      </a:solidFill>
+                      <a:prstDash val="solid"/>
+                      <a:round/>
+                      <a:headEnd type="none" w="med" len="med"/>
+                      <a:tailEnd type="none" w="med" len="med"/>
+                    </a:lnR>
+                    <a:lnT w="6350" cap="flat" cmpd="sng" algn="ctr">
+                      <a:solidFill>
+                        <a:srgbClr val="000000"/>
+                      </a:solidFill>
+                      <a:prstDash val="solid"/>
+                      <a:round/>
+                      <a:headEnd type="none" w="med" len="med"/>
+                      <a:tailEnd type="none" w="med" len="med"/>
+                    </a:lnT>
+                    <a:lnB w="6350" cap="flat" cmpd="sng" algn="ctr">
+                      <a:solidFill>
+                        <a:srgbClr val="000000"/>
+                      </a:solidFill>
+                      <a:prstDash val="solid"/>
+                      <a:round/>
+                      <a:headEnd type="none" w="med" len="med"/>
+                      <a:tailEnd type="none" w="med" len="med"/>
+                    </a:lnB>
+                  </a:tcPr>
+                </a:tc>
+                <a:tc>
+                  <a:txBody>
+                    <a:bodyPr/>
+                    <a:lstStyle/>
+                    <a:p>
+                      <a:pPr algn="l" fontAlgn="ctr"/>
+                      <a:r>
+                        <a:rPr lang="zh-CN" altLang="en-US" sz="1400" dirty="0" smtClean="0">
+                          <a:solidFill>
+                            <a:schemeClr val="tx1"/>
+                          </a:solidFill>
+                          <a:effectLst/>
+                          <a:latin typeface="微软雅黑" pitchFamily="34" charset="-122"/>
+                          <a:ea typeface="微软雅黑" pitchFamily="34" charset="-122"/>
+                        </a:rPr>
+                        <a:t>英语四级以上，能阅读专业英文资料</a:t>
+                      </a:r>
+                      <a:endParaRPr lang="zh-CN" altLang="en-US" sz="1400" b="0" i="0" u="none" strike="noStrike" dirty="0">
+                        <a:solidFill>
+                          <a:schemeClr val="tx1"/>
+                        </a:solidFill>
+                        <a:latin typeface="微软雅黑" pitchFamily="34" charset="-122"/>
+                        <a:ea typeface="微软雅黑" pitchFamily="34" charset="-122"/>
+                      </a:endParaRPr>
+                    </a:p>
+                  </a:txBody>
+                  <a:tcPr marL="45720" marR="45720" anchor="ctr">
+                    <a:lnL w="6350" cap="flat" cmpd="sng" algn="ctr">
+                      <a:solidFill>
+                        <a:srgbClr val="000000"/>
+                      </a:solidFill>
+                      <a:prstDash val="solid"/>
+                      <a:round/>
+                      <a:headEnd type="none" w="med" len="med"/>
+                      <a:tailEnd type="none" w="med" len="med"/>
+                    </a:lnL>
+                    <a:lnR w="6350" cap="flat" cmpd="sng" algn="ctr">
+                      <a:solidFill>
+                        <a:srgbClr val="000000"/>
+                      </a:solidFill>
+                      <a:prstDash val="solid"/>
+                      <a:round/>
+                      <a:headEnd type="none" w="med" len="med"/>
+                      <a:tailEnd type="none" w="med" len="med"/>
+                    </a:lnR>
+                    <a:lnT w="6350" cap="flat" cmpd="sng" algn="ctr">
+                      <a:solidFill>
+                        <a:srgbClr val="000000"/>
+                      </a:solidFill>
+                      <a:prstDash val="solid"/>
+                      <a:round/>
+                      <a:headEnd type="none" w="med" len="med"/>
+                      <a:tailEnd type="none" w="med" len="med"/>
+                    </a:lnT>
+                    <a:lnB w="6350" cap="flat" cmpd="sng" algn="ctr">
+                      <a:solidFill>
+                        <a:srgbClr val="000000"/>
+                      </a:solidFill>
+                      <a:prstDash val="solid"/>
+                      <a:round/>
+                      <a:headEnd type="none" w="med" len="med"/>
+                      <a:tailEnd type="none" w="med" len="med"/>
+                    </a:lnB>
+                  </a:tcPr>
+                </a:tc>
+                <a:tc>
+                  <a:txBody>
+                    <a:bodyPr/>
+                    <a:lstStyle/>
+                    <a:p>
+                      <a:pPr algn="l" fontAlgn="ctr"/>
+                      <a:r>
+                        <a:rPr lang="zh-CN" altLang="en-US" sz="1400" b="0" i="0" u="none" strike="noStrike" dirty="0" smtClean="0">
+                          <a:solidFill>
+                            <a:schemeClr val="tx1"/>
+                          </a:solidFill>
+                          <a:latin typeface="微软雅黑" pitchFamily="34" charset="-122"/>
+                          <a:ea typeface="微软雅黑" pitchFamily="34" charset="-122"/>
+                        </a:rPr>
+                        <a:t>能基本阅读英文资料</a:t>
+                      </a:r>
+                      <a:endParaRPr lang="en-US" sz="1400" b="0" i="0" u="none" strike="noStrike" dirty="0">
+                        <a:solidFill>
+                          <a:schemeClr val="tx1"/>
+                        </a:solidFill>
+                        <a:latin typeface="微软雅黑" pitchFamily="34" charset="-122"/>
+                        <a:ea typeface="微软雅黑" pitchFamily="34" charset="-122"/>
+                      </a:endParaRPr>
+                    </a:p>
+                  </a:txBody>
+                  <a:tcPr marL="45720" marR="45720" anchor="ctr">
+                    <a:lnL w="6350" cap="flat" cmpd="sng" algn="ctr">
+                      <a:solidFill>
+                        <a:srgbClr val="000000"/>
+                      </a:solidFill>
+                      <a:prstDash val="solid"/>
+                      <a:round/>
+                      <a:headEnd type="none" w="med" len="med"/>
+                      <a:tailEnd type="none" w="med" len="med"/>
+                    </a:lnL>
+                    <a:lnR w="6350" cap="flat" cmpd="sng" algn="ctr">
+                      <a:solidFill>
+                        <a:srgbClr val="000000"/>
+                      </a:solidFill>
+                      <a:prstDash val="solid"/>
+                      <a:round/>
+                      <a:headEnd type="none" w="med" len="med"/>
+                      <a:tailEnd type="none" w="med" len="med"/>
+                    </a:lnR>
+                    <a:lnT w="6350" cap="flat" cmpd="sng" algn="ctr">
+                      <a:solidFill>
+                        <a:srgbClr val="000000"/>
+                      </a:solidFill>
+                      <a:prstDash val="solid"/>
+                      <a:round/>
+                      <a:headEnd type="none" w="med" len="med"/>
+                      <a:tailEnd type="none" w="med" len="med"/>
+                    </a:lnT>
+                    <a:lnB w="6350" cap="flat" cmpd="sng" algn="ctr">
+                      <a:solidFill>
+                        <a:srgbClr val="000000"/>
+                      </a:solidFill>
+                      <a:prstDash val="solid"/>
+                      <a:round/>
+                      <a:headEnd type="none" w="med" len="med"/>
+                      <a:tailEnd type="none" w="med" len="med"/>
+                    </a:lnB>
+                  </a:tcPr>
+                </a:tc>
+              </a:tr>
+              <a:tr h="196808">
+                <a:tc rowSpan="2">
+                  <a:txBody>
+                    <a:bodyPr/>
+                    <a:lstStyle/>
+                    <a:p>
+                      <a:pPr algn="ctr" fontAlgn="ctr"/>
+                      <a:r>
+                        <a:rPr lang="zh-CN" altLang="en-US" sz="1400" b="1" i="0" u="none" strike="noStrike" dirty="0">
+                          <a:solidFill>
+                            <a:schemeClr val="tx1"/>
+                          </a:solidFill>
+                          <a:latin typeface="微软雅黑" pitchFamily="34" charset="-122"/>
+                          <a:ea typeface="微软雅黑" pitchFamily="34" charset="-122"/>
+                        </a:rPr>
+                        <a:t>工作经验</a:t>
+                      </a:r>
+                    </a:p>
+                  </a:txBody>
+                  <a:tcPr marL="45720" marR="45720" anchor="ctr">
+                    <a:lnL w="6350" cap="flat" cmpd="sng" algn="ctr">
+                      <a:solidFill>
+                        <a:srgbClr val="000000"/>
+                      </a:solidFill>
+                      <a:prstDash val="solid"/>
+                      <a:round/>
+                      <a:headEnd type="none" w="med" len="med"/>
+                      <a:tailEnd type="none" w="med" len="med"/>
+                    </a:lnL>
+                    <a:lnR w="6350" cap="flat" cmpd="sng" algn="ctr">
+                      <a:solidFill>
+                        <a:srgbClr val="000000"/>
+                      </a:solidFill>
+                      <a:prstDash val="solid"/>
+                      <a:round/>
+                      <a:headEnd type="none" w="med" len="med"/>
+                      <a:tailEnd type="none" w="med" len="med"/>
+                    </a:lnR>
+                    <a:lnT w="6350" cap="flat" cmpd="sng" algn="ctr">
+                      <a:solidFill>
+                        <a:srgbClr val="000000"/>
+                      </a:solidFill>
+                      <a:prstDash val="solid"/>
+                      <a:round/>
+                      <a:headEnd type="none" w="med" len="med"/>
+                      <a:tailEnd type="none" w="med" len="med"/>
+                    </a:lnT>
+                    <a:lnB w="6350" cap="flat" cmpd="sng" algn="ctr">
+                      <a:solidFill>
+                        <a:srgbClr val="000000"/>
+                      </a:solidFill>
+                      <a:prstDash val="solid"/>
+                      <a:round/>
+                      <a:headEnd type="none" w="med" len="med"/>
+                      <a:tailEnd type="none" w="med" len="med"/>
+                    </a:lnB>
+                  </a:tcPr>
+                </a:tc>
+                <a:tc>
+                  <a:txBody>
+                    <a:bodyPr/>
+                    <a:lstStyle/>
+                    <a:p>
+                      <a:pPr algn="ctr" fontAlgn="ctr"/>
+                      <a:r>
+                        <a:rPr lang="zh-CN" altLang="en-US" sz="1400" b="0" i="0" u="none" strike="noStrike" dirty="0">
+                          <a:solidFill>
+                            <a:schemeClr val="tx1"/>
+                          </a:solidFill>
+                          <a:latin typeface="微软雅黑" pitchFamily="34" charset="-122"/>
+                          <a:ea typeface="微软雅黑" pitchFamily="34" charset="-122"/>
+                        </a:rPr>
+                        <a:t>理想要求</a:t>
+                      </a:r>
+                    </a:p>
+                  </a:txBody>
+                  <a:tcPr marL="45720" marR="45720" anchor="ctr">
+                    <a:lnL w="6350" cap="flat" cmpd="sng" algn="ctr">
+                      <a:solidFill>
+                        <a:srgbClr val="000000"/>
+                      </a:solidFill>
+                      <a:prstDash val="solid"/>
+                      <a:round/>
+                      <a:headEnd type="none" w="med" len="med"/>
+                      <a:tailEnd type="none" w="med" len="med"/>
+                    </a:lnL>
+                    <a:lnR w="6350" cap="flat" cmpd="sng" algn="ctr">
+                      <a:solidFill>
+                        <a:srgbClr val="000000"/>
+                      </a:solidFill>
+                      <a:prstDash val="solid"/>
+                      <a:round/>
+                      <a:headEnd type="none" w="med" len="med"/>
+                      <a:tailEnd type="none" w="med" len="med"/>
+                    </a:lnR>
+                    <a:lnT w="6350" cap="flat" cmpd="sng" algn="ctr">
+                      <a:solidFill>
+                        <a:srgbClr val="000000"/>
+                      </a:solidFill>
+                      <a:prstDash val="solid"/>
+                      <a:round/>
+                      <a:headEnd type="none" w="med" len="med"/>
+                      <a:tailEnd type="none" w="med" len="med"/>
+                    </a:lnT>
+                    <a:lnB w="6350" cap="flat" cmpd="sng" algn="ctr">
+                      <a:solidFill>
+                        <a:srgbClr val="000000"/>
+                      </a:solidFill>
+                      <a:prstDash val="solid"/>
+                      <a:round/>
+                      <a:headEnd type="none" w="med" len="med"/>
+                      <a:tailEnd type="none" w="med" len="med"/>
+                    </a:lnB>
+                  </a:tcPr>
+                </a:tc>
+                <a:tc>
+                  <a:txBody>
+                    <a:bodyPr/>
+                    <a:lstStyle/>
+                    <a:p>
+                      <a:pPr algn="l" fontAlgn="ctr"/>
+                      <a:r>
+                        <a:rPr lang="zh-CN" altLang="en-US" sz="1400" dirty="0" smtClean="0">
+                          <a:solidFill>
+                            <a:schemeClr val="tx1"/>
+                          </a:solidFill>
+                          <a:effectLst/>
+                          <a:latin typeface="微软雅黑" pitchFamily="34" charset="-122"/>
+                          <a:ea typeface="微软雅黑" pitchFamily="34" charset="-122"/>
+                        </a:rPr>
+                        <a:t>二年以上同行业相关软件开发经验</a:t>
+                      </a:r>
+                      <a:endParaRPr lang="zh-CN" altLang="en-US" sz="1400" b="0" i="0" u="none" strike="noStrike" dirty="0">
+                        <a:solidFill>
+                          <a:schemeClr val="tx1"/>
+                        </a:solidFill>
+                        <a:latin typeface="微软雅黑" pitchFamily="34" charset="-122"/>
+                        <a:ea typeface="微软雅黑" pitchFamily="34" charset="-122"/>
+                      </a:endParaRPr>
+                    </a:p>
+                  </a:txBody>
+                  <a:tcPr marL="45720" marR="45720" anchor="ctr">
+                    <a:lnL w="6350" cap="flat" cmpd="sng" algn="ctr">
+                      <a:solidFill>
+                        <a:srgbClr val="000000"/>
+                      </a:solidFill>
+                      <a:prstDash val="solid"/>
+                      <a:round/>
+                      <a:headEnd type="none" w="med" len="med"/>
+                      <a:tailEnd type="none" w="med" len="med"/>
+                    </a:lnL>
+                    <a:lnR w="6350" cap="flat" cmpd="sng" algn="ctr">
+                      <a:solidFill>
+                        <a:srgbClr val="000000"/>
+                      </a:solidFill>
+                      <a:prstDash val="solid"/>
+                      <a:round/>
+                      <a:headEnd type="none" w="med" len="med"/>
+                      <a:tailEnd type="none" w="med" len="med"/>
+                    </a:lnR>
+                    <a:lnT w="6350" cap="flat" cmpd="sng" algn="ctr">
+                      <a:solidFill>
+                        <a:srgbClr val="000000"/>
+                      </a:solidFill>
+                      <a:prstDash val="solid"/>
+                      <a:round/>
+                      <a:headEnd type="none" w="med" len="med"/>
+                      <a:tailEnd type="none" w="med" len="med"/>
+                    </a:lnT>
+                    <a:lnB w="6350" cap="flat" cmpd="sng" algn="ctr">
+                      <a:solidFill>
+                        <a:srgbClr val="000000"/>
+                      </a:solidFill>
+                      <a:prstDash val="solid"/>
+                      <a:round/>
+                      <a:headEnd type="none" w="med" len="med"/>
+                      <a:tailEnd type="none" w="med" len="med"/>
+                    </a:lnB>
+                  </a:tcPr>
+                </a:tc>
+                <a:tc rowSpan="2">
+                  <a:txBody>
+                    <a:bodyPr/>
+                    <a:lstStyle/>
+                    <a:p>
+                      <a:pPr algn="l" fontAlgn="ctr"/>
+                      <a:r>
+                        <a:rPr lang="en-US" altLang="zh-CN" sz="1400" b="0" i="0" u="none" strike="noStrike" dirty="0" smtClean="0">
+                          <a:solidFill>
+                            <a:schemeClr val="tx1"/>
+                          </a:solidFill>
+                          <a:latin typeface="微软雅黑" pitchFamily="34" charset="-122"/>
+                          <a:ea typeface="微软雅黑" pitchFamily="34" charset="-122"/>
+                        </a:rPr>
+                        <a:t>8</a:t>
+                      </a:r>
+                      <a:r>
+                        <a:rPr lang="zh-CN" altLang="en-US" sz="1400" b="0" i="0" u="none" strike="noStrike" dirty="0" smtClean="0">
+                          <a:solidFill>
+                            <a:schemeClr val="tx1"/>
+                          </a:solidFill>
+                          <a:latin typeface="微软雅黑" pitchFamily="34" charset="-122"/>
+                          <a:ea typeface="微软雅黑" pitchFamily="34" charset="-122"/>
+                        </a:rPr>
+                        <a:t>年</a:t>
+                      </a:r>
+                      <a:r>
+                        <a:rPr lang="zh-CN" altLang="en-US" sz="1400" b="0" i="0" u="none" strike="noStrike" dirty="0" smtClean="0">
+                          <a:solidFill>
+                            <a:schemeClr val="tx1"/>
+                          </a:solidFill>
+                          <a:latin typeface="微软雅黑" pitchFamily="34" charset="-122"/>
+                          <a:ea typeface="微软雅黑" pitchFamily="34" charset="-122"/>
+                        </a:rPr>
+                        <a:t>软件开发经验</a:t>
+                      </a:r>
+                      <a:endParaRPr lang="zh-CN" altLang="en-US" sz="1400" b="0" i="0" u="none" strike="noStrike" dirty="0">
+                        <a:solidFill>
+                          <a:schemeClr val="tx1"/>
+                        </a:solidFill>
+                        <a:latin typeface="微软雅黑" pitchFamily="34" charset="-122"/>
+                        <a:ea typeface="微软雅黑" pitchFamily="34" charset="-122"/>
+                      </a:endParaRPr>
+                    </a:p>
+                  </a:txBody>
+                  <a:tcPr marL="45720" marR="45720" anchor="ctr">
+                    <a:lnL w="6350" cap="flat" cmpd="sng" algn="ctr">
+                      <a:solidFill>
+                        <a:srgbClr val="000000"/>
+                      </a:solidFill>
+                      <a:prstDash val="solid"/>
+                      <a:round/>
+                      <a:headEnd type="none" w="med" len="med"/>
+                      <a:tailEnd type="none" w="med" len="med"/>
+                    </a:lnL>
+                    <a:lnR w="6350" cap="flat" cmpd="sng" algn="ctr">
+                      <a:solidFill>
+                        <a:srgbClr val="000000"/>
+                      </a:solidFill>
+                      <a:prstDash val="solid"/>
+                      <a:round/>
+                      <a:headEnd type="none" w="med" len="med"/>
+                      <a:tailEnd type="none" w="med" len="med"/>
+                    </a:lnR>
+                    <a:lnT w="6350" cap="flat" cmpd="sng" algn="ctr">
+                      <a:solidFill>
+                        <a:srgbClr val="000000"/>
+                      </a:solidFill>
+                      <a:prstDash val="solid"/>
+                      <a:round/>
+                      <a:headEnd type="none" w="med" len="med"/>
+                      <a:tailEnd type="none" w="med" len="med"/>
+                    </a:lnT>
+                    <a:lnB w="6350" cap="flat" cmpd="sng" algn="ctr">
+                      <a:solidFill>
+                        <a:srgbClr val="000000"/>
+                      </a:solidFill>
+                      <a:prstDash val="solid"/>
+                      <a:round/>
+                      <a:headEnd type="none" w="med" len="med"/>
+                      <a:tailEnd type="none" w="med" len="med"/>
+                    </a:lnB>
+                  </a:tcPr>
+                </a:tc>
+              </a:tr>
+              <a:tr h="196808">
+                <a:tc vMerge="1">
+                  <a:txBody>
+                    <a:bodyPr/>
+                    <a:lstStyle/>
+                    <a:p>
+                      <a:endParaRPr lang="zh-CN" altLang="en-US"/>
+                    </a:p>
+                  </a:txBody>
+                  <a:tcPr/>
+                </a:tc>
+                <a:tc>
+                  <a:txBody>
+                    <a:bodyPr/>
+                    <a:lstStyle/>
+                    <a:p>
+                      <a:pPr algn="ctr" fontAlgn="ctr"/>
+                      <a:r>
+                        <a:rPr lang="zh-CN" altLang="en-US" sz="1400" b="0" i="0" u="none" strike="noStrike">
+                          <a:solidFill>
+                            <a:schemeClr val="tx1"/>
+                          </a:solidFill>
+                          <a:latin typeface="微软雅黑" pitchFamily="34" charset="-122"/>
+                          <a:ea typeface="微软雅黑" pitchFamily="34" charset="-122"/>
+                        </a:rPr>
+                        <a:t>最低要求</a:t>
+                      </a:r>
+                    </a:p>
+                  </a:txBody>
+                  <a:tcPr marL="45720" marR="45720" anchor="ctr">
+                    <a:lnL w="6350" cap="flat" cmpd="sng" algn="ctr">
+                      <a:solidFill>
+                        <a:srgbClr val="000000"/>
+                      </a:solidFill>
+                      <a:prstDash val="solid"/>
+                      <a:round/>
+                      <a:headEnd type="none" w="med" len="med"/>
+                      <a:tailEnd type="none" w="med" len="med"/>
+                    </a:lnL>
+                    <a:lnR w="6350" cap="flat" cmpd="sng" algn="ctr">
+                      <a:solidFill>
+                        <a:srgbClr val="000000"/>
+                      </a:solidFill>
+                      <a:prstDash val="solid"/>
+                      <a:round/>
+                      <a:headEnd type="none" w="med" len="med"/>
+                      <a:tailEnd type="none" w="med" len="med"/>
+                    </a:lnR>
+                    <a:lnT w="6350" cap="flat" cmpd="sng" algn="ctr">
+                      <a:solidFill>
+                        <a:srgbClr val="000000"/>
+                      </a:solidFill>
+                      <a:prstDash val="solid"/>
+                      <a:round/>
+                      <a:headEnd type="none" w="med" len="med"/>
+                      <a:tailEnd type="none" w="med" len="med"/>
+                    </a:lnT>
+                    <a:lnB w="6350" cap="flat" cmpd="sng" algn="ctr">
+                      <a:solidFill>
+                        <a:srgbClr val="000000"/>
+                      </a:solidFill>
+                      <a:prstDash val="solid"/>
+                      <a:round/>
+                      <a:headEnd type="none" w="med" len="med"/>
+                      <a:tailEnd type="none" w="med" len="med"/>
+                    </a:lnB>
+                  </a:tcPr>
+                </a:tc>
+                <a:tc>
+                  <a:txBody>
+                    <a:bodyPr/>
+                    <a:lstStyle/>
+                    <a:p>
+                      <a:pPr algn="l" fontAlgn="ctr"/>
+                      <a:r>
+                        <a:rPr lang="zh-CN" altLang="en-US" sz="1400" b="0" i="0" u="none" strike="noStrike" dirty="0" smtClean="0">
+                          <a:solidFill>
+                            <a:schemeClr val="tx1"/>
+                          </a:solidFill>
+                          <a:latin typeface="微软雅黑" pitchFamily="34" charset="-122"/>
+                          <a:ea typeface="微软雅黑" pitchFamily="34" charset="-122"/>
+                        </a:rPr>
+                        <a:t>无</a:t>
+                      </a:r>
+                      <a:endParaRPr lang="zh-CN" altLang="en-US" sz="1400" b="0" i="0" u="none" strike="noStrike" dirty="0">
+                        <a:solidFill>
+                          <a:schemeClr val="tx1"/>
+                        </a:solidFill>
+                        <a:latin typeface="微软雅黑" pitchFamily="34" charset="-122"/>
+                        <a:ea typeface="微软雅黑" pitchFamily="34" charset="-122"/>
+                      </a:endParaRPr>
+                    </a:p>
+                  </a:txBody>
+                  <a:tcPr marL="45720" marR="45720" anchor="ctr">
+                    <a:lnL w="6350" cap="flat" cmpd="sng" algn="ctr">
+                      <a:solidFill>
+                        <a:srgbClr val="000000"/>
+                      </a:solidFill>
+                      <a:prstDash val="solid"/>
+                      <a:round/>
+                      <a:headEnd type="none" w="med" len="med"/>
+                      <a:tailEnd type="none" w="med" len="med"/>
+                    </a:lnL>
+                    <a:lnR w="6350" cap="flat" cmpd="sng" algn="ctr">
+                      <a:solidFill>
+                        <a:srgbClr val="000000"/>
+                      </a:solidFill>
+                      <a:prstDash val="solid"/>
+                      <a:round/>
+                      <a:headEnd type="none" w="med" len="med"/>
+                      <a:tailEnd type="none" w="med" len="med"/>
+                    </a:lnR>
+                    <a:lnT w="6350" cap="flat" cmpd="sng" algn="ctr">
+                      <a:solidFill>
+                        <a:srgbClr val="000000"/>
+                      </a:solidFill>
+                      <a:prstDash val="solid"/>
+                      <a:round/>
+                      <a:headEnd type="none" w="med" len="med"/>
+                      <a:tailEnd type="none" w="med" len="med"/>
+                    </a:lnT>
+                    <a:lnB w="6350" cap="flat" cmpd="sng" algn="ctr">
+                      <a:solidFill>
+                        <a:srgbClr val="000000"/>
+                      </a:solidFill>
+                      <a:prstDash val="solid"/>
+                      <a:round/>
+                      <a:headEnd type="none" w="med" len="med"/>
+                      <a:tailEnd type="none" w="med" len="med"/>
+                    </a:lnB>
+                  </a:tcPr>
+                </a:tc>
+                <a:tc vMerge="1">
+                  <a:txBody>
+                    <a:bodyPr/>
+                    <a:lstStyle/>
+                    <a:p>
+                      <a:endParaRPr lang="zh-CN" altLang="en-US"/>
+                    </a:p>
+                  </a:txBody>
+                  <a:tcPr/>
+                </a:tc>
+              </a:tr>
+            </a:tbl>
+          </a:graphicData>
+        </a:graphic>
+      </p:graphicFrame>
+      <p:sp>
+        <p:nvSpPr>
+          <p:cNvPr id="9" name="内容占位符 5"/>
+          <p:cNvSpPr txBox="1">
+            <a:spLocks/>
+          </p:cNvSpPr>
+          <p:nvPr/>
+        </p:nvSpPr>
+        <p:spPr bwMode="auto">
+          <a:xfrm>
+            <a:off x="467544" y="1071546"/>
+            <a:ext cx="8208912" cy="428628"/>
+          </a:xfrm>
+          <a:prstGeom prst="rect">
+            <a:avLst/>
+          </a:prstGeom>
+          <a:noFill/>
+          <a:ln w="9525">
+            <a:noFill/>
+            <a:miter lim="800000"/>
+            <a:headEnd/>
+            <a:tailEnd/>
+          </a:ln>
+        </p:spPr>
+        <p:txBody>
+          <a:bodyPr vert="horz" wrap="square" lIns="91440" tIns="45720" rIns="91440" bIns="45720" numCol="1" anchor="t" anchorCtr="0" compatLnSpc="1">
+            <a:prstTxWarp prst="textNoShape">
+              <a:avLst/>
+            </a:prstTxWarp>
+          </a:bodyPr>
+          <a:lstStyle/>
+          <a:p>
+            <a:pPr marL="0" marR="0" lvl="0" indent="0" algn="just" defTabSz="914400" rtl="0" eaLnBrk="0" fontAlgn="base" latinLnBrk="0" hangingPunct="0">
+              <a:lnSpc>
+                <a:spcPct val="120000"/>
+              </a:lnSpc>
+              <a:spcBef>
+                <a:spcPts val="0"/>
+              </a:spcBef>
+              <a:spcAft>
+                <a:spcPts val="0"/>
+              </a:spcAft>
+              <a:buClr>
+                <a:srgbClr val="5DB2FF"/>
+              </a:buClr>
+              <a:buSzPct val="80000"/>
+              <a:buFont typeface="方正书宋简体" pitchFamily="65" charset="-122"/>
+              <a:buNone/>
+              <a:tabLst/>
+              <a:defRPr/>
+            </a:pPr>
+            <a:r>
+              <a:rPr kumimoji="0" lang="zh-CN" altLang="en-US" sz="1600" b="1" i="0" u="none" strike="noStrike" kern="0" cap="none" spc="0" normalizeH="0" baseline="0" noProof="0" dirty="0" smtClean="0">
+                <a:ln>
+                  <a:noFill/>
+                </a:ln>
+                <a:solidFill>
+                  <a:srgbClr val="0070C0"/>
+                </a:solidFill>
+                <a:effectLst/>
+                <a:uLnTx/>
+                <a:uFillTx/>
+                <a:latin typeface="+mn-lt"/>
+                <a:ea typeface="微软雅黑" pitchFamily="34" charset="-122"/>
+                <a:cs typeface="+mn-cs"/>
+              </a:rPr>
+              <a:t>任职条件</a:t>
+            </a:r>
+            <a:endParaRPr kumimoji="0" lang="en-US" altLang="zh-CN" sz="1600" b="1" i="0" u="none" strike="noStrike" kern="0" cap="none" spc="0" normalizeH="0" baseline="0" noProof="0" dirty="0" smtClean="0">
+              <a:ln>
+                <a:noFill/>
+              </a:ln>
+              <a:solidFill>
+                <a:srgbClr val="0070C0"/>
+              </a:solidFill>
+              <a:effectLst/>
+              <a:uLnTx/>
+              <a:uFillTx/>
+              <a:latin typeface="+mn-lt"/>
+              <a:ea typeface="微软雅黑" pitchFamily="34" charset="-122"/>
+              <a:cs typeface="+mn-cs"/>
+            </a:endParaRPr>
+          </a:p>
+        </p:txBody>
+      </p:sp>
+    </p:spTree>
+    <p:extLst>
+      <p:ext uri="{BB962C8B-B14F-4D97-AF65-F5344CB8AC3E}">
+        <p14:creationId xmlns:p14="http://schemas.microsoft.com/office/powerpoint/2010/main" val="3788819189"/>
+      </p:ext>
+    </p:extLst>
+  </p:cSld>
+  <p:clrMapOvr>
+    <a:masterClrMapping/>
+  </p:clrMapOvr>
+  <p:transition/>
+  <p:timing>
+    <p:tnLst>
+      <p:par>
+        <p:cTn id="1" dur="indefinite" restart="never" nodeType="tmRoot"/>
+      </p:par>
+    </p:tnLst>
+  </p:timing>
+</p:sld>
+</file>
+
+<file path=ppt/slides/slide21.xml><?xml version="1.0" encoding="utf-8"?>
+<p:sld xmlns:a="http://schemas.openxmlformats.org/drawingml/2006/main" xmlns:r="http://schemas.openxmlformats.org/officeDocument/2006/relationships" xmlns:p="http://schemas.openxmlformats.org/presentationml/2006/main">
+  <p:cSld>
+    <p:spTree>
+      <p:nvGrpSpPr>
+        <p:cNvPr id="1" name=""/>
+        <p:cNvGrpSpPr/>
+        <p:nvPr/>
+      </p:nvGrpSpPr>
+      <p:grpSpPr>
+        <a:xfrm>
+          <a:off x="0" y="0"/>
+          <a:ext cx="0" cy="0"/>
+          <a:chOff x="0" y="0"/>
+          <a:chExt cx="0" cy="0"/>
+        </a:xfrm>
+      </p:grpSpPr>
+      <p:sp>
+        <p:nvSpPr>
+          <p:cNvPr id="4" name="灯片编号占位符 3"/>
+          <p:cNvSpPr>
+            <a:spLocks noGrp="1"/>
+          </p:cNvSpPr>
+          <p:nvPr>
+            <p:ph type="sldNum" sz="quarter" idx="10"/>
+          </p:nvPr>
+        </p:nvSpPr>
+        <p:spPr/>
+        <p:txBody>
+          <a:bodyPr/>
+          <a:lstStyle/>
+          <a:p>
+            <a:pPr>
+              <a:defRPr/>
+            </a:pPr>
+            <a:fld id="{4816A599-0D7A-4ED1-B317-DB57F830172B}" type="slidenum">
+              <a:rPr lang="zh-CN" altLang="en-US" smtClean="0"/>
+              <a:t>21</a:t>
+            </a:fld>
+            <a:endParaRPr lang="zh-CN" altLang="en-US"/>
+          </a:p>
+        </p:txBody>
+      </p:sp>
+      <p:sp>
+        <p:nvSpPr>
+          <p:cNvPr id="5" name="内容占位符 5"/>
+          <p:cNvSpPr txBox="1">
+            <a:spLocks/>
+          </p:cNvSpPr>
+          <p:nvPr/>
+        </p:nvSpPr>
+        <p:spPr bwMode="auto">
+          <a:xfrm>
+            <a:off x="251520" y="923890"/>
+            <a:ext cx="3286148" cy="428628"/>
+          </a:xfrm>
+          <a:prstGeom prst="rect">
+            <a:avLst/>
+          </a:prstGeom>
+          <a:noFill/>
+          <a:ln w="9525">
+            <a:noFill/>
+            <a:miter lim="800000"/>
+            <a:headEnd/>
+            <a:tailEnd/>
+          </a:ln>
+        </p:spPr>
+        <p:txBody>
+          <a:bodyPr vert="horz" wrap="square" lIns="91440" tIns="45720" rIns="91440" bIns="45720" numCol="1" anchor="t" anchorCtr="0" compatLnSpc="1">
+            <a:prstTxWarp prst="textNoShape">
+              <a:avLst/>
+            </a:prstTxWarp>
+          </a:bodyPr>
+          <a:lstStyle/>
+          <a:p>
+            <a:pPr marL="0" marR="0" lvl="0" indent="0" algn="just" defTabSz="914400" rtl="0" eaLnBrk="0" fontAlgn="base" latinLnBrk="0" hangingPunct="0">
+              <a:lnSpc>
+                <a:spcPct val="120000"/>
+              </a:lnSpc>
+              <a:spcBef>
+                <a:spcPts val="0"/>
+              </a:spcBef>
+              <a:spcAft>
+                <a:spcPts val="0"/>
+              </a:spcAft>
+              <a:buClr>
+                <a:srgbClr val="5DB2FF"/>
+              </a:buClr>
+              <a:buSzPct val="80000"/>
+              <a:buFont typeface="方正书宋简体" pitchFamily="65" charset="-122"/>
+              <a:buNone/>
+              <a:tabLst/>
+              <a:defRPr/>
+            </a:pPr>
+            <a:r>
+              <a:rPr kumimoji="0" lang="zh-CN" altLang="en-US" sz="1600" b="1" i="0" u="none" strike="noStrike" kern="0" cap="none" spc="0" normalizeH="0" baseline="0" noProof="0" dirty="0" smtClean="0">
+                <a:ln>
+                  <a:noFill/>
+                </a:ln>
+                <a:solidFill>
+                  <a:srgbClr val="0070C0"/>
+                </a:solidFill>
+                <a:effectLst/>
+                <a:uLnTx/>
+                <a:uFillTx/>
+                <a:latin typeface="+mn-lt"/>
+                <a:ea typeface="微软雅黑" pitchFamily="34" charset="-122"/>
+                <a:cs typeface="+mn-cs"/>
+              </a:rPr>
+              <a:t>工作职责和工作任务</a:t>
+            </a:r>
+            <a:endParaRPr kumimoji="0" lang="en-US" altLang="zh-CN" sz="1600" b="1" i="0" u="none" strike="noStrike" kern="0" cap="none" spc="0" normalizeH="0" baseline="0" noProof="0" dirty="0" smtClean="0">
+              <a:ln>
+                <a:noFill/>
+              </a:ln>
+              <a:solidFill>
+                <a:srgbClr val="0070C0"/>
+              </a:solidFill>
+              <a:effectLst/>
+              <a:uLnTx/>
+              <a:uFillTx/>
+              <a:latin typeface="+mn-lt"/>
+              <a:ea typeface="微软雅黑" pitchFamily="34" charset="-122"/>
+              <a:cs typeface="+mn-cs"/>
+            </a:endParaRPr>
+          </a:p>
+        </p:txBody>
+      </p:sp>
+      <p:graphicFrame>
+        <p:nvGraphicFramePr>
+          <p:cNvPr id="6" name="表格 5"/>
+          <p:cNvGraphicFramePr>
+            <a:graphicFrameLocks noGrp="1"/>
+          </p:cNvGraphicFramePr>
+          <p:nvPr>
+            <p:extLst>
+              <p:ext uri="{D42A27DB-BD31-4B8C-83A1-F6EECF244321}">
+                <p14:modId xmlns:p14="http://schemas.microsoft.com/office/powerpoint/2010/main" val="1449076989"/>
+              </p:ext>
+            </p:extLst>
+          </p:nvPr>
+        </p:nvGraphicFramePr>
+        <p:xfrm>
+          <a:off x="223806" y="1412776"/>
+          <a:ext cx="8668675" cy="4822581"/>
+        </p:xfrm>
+        <a:graphic>
+          <a:graphicData uri="http://schemas.openxmlformats.org/drawingml/2006/table">
+            <a:tbl>
+              <a:tblPr/>
+              <a:tblGrid>
+                <a:gridCol w="624116"/>
+                <a:gridCol w="832196"/>
+                <a:gridCol w="5825370"/>
+                <a:gridCol w="1386993"/>
+              </a:tblGrid>
+              <a:tr h="215085">
+                <a:tc rowSpan="6">
+                  <a:txBody>
+                    <a:bodyPr/>
+                    <a:lstStyle/>
+                    <a:p>
+                      <a:pPr algn="ctr" fontAlgn="ctr"/>
+                      <a:r>
+                        <a:rPr lang="zh-CN" altLang="en-US" sz="1400" b="0" i="0" u="none" strike="noStrike" dirty="0">
+                          <a:solidFill>
+                            <a:srgbClr val="000000"/>
+                          </a:solidFill>
+                          <a:latin typeface="宋体"/>
+                        </a:rPr>
+                        <a:t>职责和任务</a:t>
+                      </a:r>
+                      <a:r>
+                        <a:rPr lang="en-US" altLang="zh-CN" sz="1400" b="0" i="0" u="none" strike="noStrike" dirty="0">
+                          <a:solidFill>
+                            <a:srgbClr val="000000"/>
+                          </a:solidFill>
+                          <a:latin typeface="宋体"/>
+                        </a:rPr>
+                        <a:t>1</a:t>
+                      </a:r>
+                    </a:p>
+                  </a:txBody>
+                  <a:tcPr marL="6137" marR="6137" marT="6137" marB="0" anchor="ctr">
+                    <a:lnL w="6350" cap="flat" cmpd="sng" algn="ctr">
+                      <a:solidFill>
+                        <a:srgbClr val="000000"/>
+                      </a:solidFill>
+                      <a:prstDash val="solid"/>
+                      <a:round/>
+                      <a:headEnd type="none" w="med" len="med"/>
+                      <a:tailEnd type="none" w="med" len="med"/>
+                    </a:lnL>
+                    <a:lnR w="6350" cap="flat" cmpd="sng" algn="ctr">
+                      <a:solidFill>
+                        <a:srgbClr val="000000"/>
+                      </a:solidFill>
+                      <a:prstDash val="solid"/>
+                      <a:round/>
+                      <a:headEnd type="none" w="med" len="med"/>
+                      <a:tailEnd type="none" w="med" len="med"/>
+                    </a:lnR>
+                    <a:lnT w="6350" cap="flat" cmpd="sng" algn="ctr">
+                      <a:solidFill>
+                        <a:srgbClr val="000000"/>
+                      </a:solidFill>
+                      <a:prstDash val="solid"/>
+                      <a:round/>
+                      <a:headEnd type="none" w="med" len="med"/>
+                      <a:tailEnd type="none" w="med" len="med"/>
+                    </a:lnT>
+                    <a:lnB w="6350" cap="flat" cmpd="sng" algn="ctr">
+                      <a:solidFill>
+                        <a:srgbClr val="000000"/>
+                      </a:solidFill>
+                      <a:prstDash val="solid"/>
+                      <a:round/>
+                      <a:headEnd type="none" w="med" len="med"/>
+                      <a:tailEnd type="none" w="med" len="med"/>
+                    </a:lnB>
+                  </a:tcPr>
+                </a:tc>
+                <a:tc>
+                  <a:txBody>
+                    <a:bodyPr/>
+                    <a:lstStyle/>
+                    <a:p>
+                      <a:pPr algn="ctr" fontAlgn="ctr"/>
+                      <a:r>
+                        <a:rPr lang="zh-CN" altLang="en-US" sz="1400" b="0" i="0" u="none" strike="noStrike">
+                          <a:solidFill>
+                            <a:srgbClr val="000000"/>
+                          </a:solidFill>
+                          <a:latin typeface="宋体"/>
+                        </a:rPr>
+                        <a:t>职责描述</a:t>
+                      </a:r>
+                    </a:p>
+                  </a:txBody>
+                  <a:tcPr marL="6137" marR="6137" marT="6137" marB="0" anchor="ctr">
+                    <a:lnL w="6350" cap="flat" cmpd="sng" algn="ctr">
+                      <a:solidFill>
+                        <a:srgbClr val="000000"/>
+                      </a:solidFill>
+                      <a:prstDash val="solid"/>
+                      <a:round/>
+                      <a:headEnd type="none" w="med" len="med"/>
+                      <a:tailEnd type="none" w="med" len="med"/>
+                    </a:lnL>
+                    <a:lnR w="6350" cap="flat" cmpd="sng" algn="ctr">
+                      <a:solidFill>
+                        <a:srgbClr val="000000"/>
+                      </a:solidFill>
+                      <a:prstDash val="solid"/>
+                      <a:round/>
+                      <a:headEnd type="none" w="med" len="med"/>
+                      <a:tailEnd type="none" w="med" len="med"/>
+                    </a:lnR>
+                    <a:lnT w="6350" cap="flat" cmpd="sng" algn="ctr">
+                      <a:solidFill>
+                        <a:srgbClr val="000000"/>
+                      </a:solidFill>
+                      <a:prstDash val="solid"/>
+                      <a:round/>
+                      <a:headEnd type="none" w="med" len="med"/>
+                      <a:tailEnd type="none" w="med" len="med"/>
+                    </a:lnT>
+                    <a:lnB w="6350" cap="flat" cmpd="sng" algn="ctr">
+                      <a:solidFill>
+                        <a:srgbClr val="000000"/>
+                      </a:solidFill>
+                      <a:prstDash val="solid"/>
+                      <a:round/>
+                      <a:headEnd type="none" w="med" len="med"/>
+                      <a:tailEnd type="none" w="med" len="med"/>
+                    </a:lnB>
+                  </a:tcPr>
+                </a:tc>
+                <a:tc>
+                  <a:txBody>
+                    <a:bodyPr/>
+                    <a:lstStyle/>
+                    <a:p>
+                      <a:pPr algn="l" fontAlgn="ctr"/>
+                      <a:r>
+                        <a:rPr lang="zh-CN" altLang="en-US" sz="1400" b="0" i="0" u="none" strike="noStrike" dirty="0">
+                          <a:solidFill>
+                            <a:srgbClr val="000000"/>
+                          </a:solidFill>
+                          <a:latin typeface="宋体"/>
+                        </a:rPr>
+                        <a:t>负责公司</a:t>
+                      </a:r>
+                      <a:r>
+                        <a:rPr lang="en-US" sz="1400" b="0" i="0" u="none" strike="noStrike" dirty="0">
+                          <a:solidFill>
+                            <a:srgbClr val="000000"/>
+                          </a:solidFill>
+                          <a:latin typeface="宋体"/>
+                        </a:rPr>
+                        <a:t>PC</a:t>
+                      </a:r>
+                      <a:r>
+                        <a:rPr lang="zh-CN" altLang="en-US" sz="1400" b="0" i="0" u="none" strike="noStrike" dirty="0">
+                          <a:solidFill>
+                            <a:srgbClr val="000000"/>
+                          </a:solidFill>
+                          <a:latin typeface="宋体"/>
+                        </a:rPr>
+                        <a:t>软件项目的开发。</a:t>
+                      </a:r>
+                    </a:p>
+                  </a:txBody>
+                  <a:tcPr marL="6137" marR="6137" marT="6137" marB="0" anchor="ctr">
+                    <a:lnL w="6350" cap="flat" cmpd="sng" algn="ctr">
+                      <a:solidFill>
+                        <a:srgbClr val="000000"/>
+                      </a:solidFill>
+                      <a:prstDash val="solid"/>
+                      <a:round/>
+                      <a:headEnd type="none" w="med" len="med"/>
+                      <a:tailEnd type="none" w="med" len="med"/>
+                    </a:lnL>
+                    <a:lnR w="6350" cap="flat" cmpd="sng" algn="ctr">
+                      <a:solidFill>
+                        <a:srgbClr val="000000"/>
+                      </a:solidFill>
+                      <a:prstDash val="solid"/>
+                      <a:round/>
+                      <a:headEnd type="none" w="med" len="med"/>
+                      <a:tailEnd type="none" w="med" len="med"/>
+                    </a:lnR>
+                    <a:lnT w="6350" cap="flat" cmpd="sng" algn="ctr">
+                      <a:solidFill>
+                        <a:srgbClr val="000000"/>
+                      </a:solidFill>
+                      <a:prstDash val="solid"/>
+                      <a:round/>
+                      <a:headEnd type="none" w="med" len="med"/>
+                      <a:tailEnd type="none" w="med" len="med"/>
+                    </a:lnT>
+                    <a:lnB w="6350" cap="flat" cmpd="sng" algn="ctr">
+                      <a:solidFill>
+                        <a:srgbClr val="000000"/>
+                      </a:solidFill>
+                      <a:prstDash val="solid"/>
+                      <a:round/>
+                      <a:headEnd type="none" w="med" len="med"/>
+                      <a:tailEnd type="none" w="med" len="med"/>
+                    </a:lnB>
+                  </a:tcPr>
+                </a:tc>
+                <a:tc rowSpan="6">
+                  <a:txBody>
+                    <a:bodyPr/>
+                    <a:lstStyle/>
+                    <a:p>
+                      <a:pPr algn="ctr" fontAlgn="ctr"/>
+                      <a:r>
+                        <a:rPr lang="zh-CN" altLang="en-US" sz="1400" b="0" i="0" u="none" strike="noStrike" dirty="0" smtClean="0">
+                          <a:solidFill>
+                            <a:schemeClr val="tx1"/>
+                          </a:solidFill>
+                          <a:latin typeface="宋体"/>
+                        </a:rPr>
+                        <a:t>在项目研讨中能提出个人的观点和建议，经常与组员保持沟通，能按公司规范独立承担部分模块开发</a:t>
+                      </a:r>
+                      <a:endParaRPr lang="zh-CN" altLang="en-US" sz="1400" b="0" i="0" u="none" strike="noStrike" dirty="0">
+                        <a:solidFill>
+                          <a:schemeClr val="tx1"/>
+                        </a:solidFill>
+                        <a:latin typeface="宋体"/>
+                      </a:endParaRPr>
+                    </a:p>
+                  </a:txBody>
+                  <a:tcPr marL="6137" marR="6137" marT="6137" marB="0" anchor="ctr">
+                    <a:lnL w="6350" cap="flat" cmpd="sng" algn="ctr">
+                      <a:solidFill>
+                        <a:srgbClr val="000000"/>
+                      </a:solidFill>
+                      <a:prstDash val="solid"/>
+                      <a:round/>
+                      <a:headEnd type="none" w="med" len="med"/>
+                      <a:tailEnd type="none" w="med" len="med"/>
+                    </a:lnL>
+                    <a:lnR w="6350" cap="flat" cmpd="sng" algn="ctr">
+                      <a:solidFill>
+                        <a:srgbClr val="000000"/>
+                      </a:solidFill>
+                      <a:prstDash val="solid"/>
+                      <a:round/>
+                      <a:headEnd type="none" w="med" len="med"/>
+                      <a:tailEnd type="none" w="med" len="med"/>
+                    </a:lnR>
+                    <a:lnT w="6350" cap="flat" cmpd="sng" algn="ctr">
+                      <a:solidFill>
+                        <a:srgbClr val="000000"/>
+                      </a:solidFill>
+                      <a:prstDash val="solid"/>
+                      <a:round/>
+                      <a:headEnd type="none" w="med" len="med"/>
+                      <a:tailEnd type="none" w="med" len="med"/>
+                    </a:lnT>
+                    <a:lnB w="6350" cap="flat" cmpd="sng" algn="ctr">
+                      <a:solidFill>
+                        <a:srgbClr val="000000"/>
+                      </a:solidFill>
+                      <a:prstDash val="solid"/>
+                      <a:round/>
+                      <a:headEnd type="none" w="med" len="med"/>
+                      <a:tailEnd type="none" w="med" len="med"/>
+                    </a:lnB>
+                  </a:tcPr>
+                </a:tc>
+              </a:tr>
+              <a:tr h="265808">
+                <a:tc vMerge="1">
+                  <a:txBody>
+                    <a:bodyPr/>
+                    <a:lstStyle/>
+                    <a:p>
+                      <a:endParaRPr lang="zh-CN" altLang="en-US"/>
+                    </a:p>
+                  </a:txBody>
+                  <a:tcPr/>
+                </a:tc>
+                <a:tc rowSpan="5">
+                  <a:txBody>
+                    <a:bodyPr/>
+                    <a:lstStyle/>
+                    <a:p>
+                      <a:pPr algn="ctr" fontAlgn="ctr"/>
+                      <a:r>
+                        <a:rPr lang="zh-CN" altLang="en-US" sz="1400" b="0" i="0" u="none" strike="noStrike" dirty="0">
+                          <a:solidFill>
+                            <a:srgbClr val="000000"/>
+                          </a:solidFill>
+                          <a:latin typeface="宋体"/>
+                        </a:rPr>
+                        <a:t>工作任务</a:t>
+                      </a:r>
+                    </a:p>
+                  </a:txBody>
+                  <a:tcPr marL="6137" marR="6137" marT="6137" marB="0" anchor="ctr">
+                    <a:lnL w="6350" cap="flat" cmpd="sng" algn="ctr">
+                      <a:solidFill>
+                        <a:srgbClr val="000000"/>
+                      </a:solidFill>
+                      <a:prstDash val="solid"/>
+                      <a:round/>
+                      <a:headEnd type="none" w="med" len="med"/>
+                      <a:tailEnd type="none" w="med" len="med"/>
+                    </a:lnL>
+                    <a:lnR w="6350" cap="flat" cmpd="sng" algn="ctr">
+                      <a:solidFill>
+                        <a:srgbClr val="000000"/>
+                      </a:solidFill>
+                      <a:prstDash val="solid"/>
+                      <a:round/>
+                      <a:headEnd type="none" w="med" len="med"/>
+                      <a:tailEnd type="none" w="med" len="med"/>
+                    </a:lnR>
+                    <a:lnT w="6350" cap="flat" cmpd="sng" algn="ctr">
+                      <a:solidFill>
+                        <a:srgbClr val="000000"/>
+                      </a:solidFill>
+                      <a:prstDash val="solid"/>
+                      <a:round/>
+                      <a:headEnd type="none" w="med" len="med"/>
+                      <a:tailEnd type="none" w="med" len="med"/>
+                    </a:lnT>
+                    <a:lnB w="6350" cap="flat" cmpd="sng" algn="ctr">
+                      <a:solidFill>
+                        <a:srgbClr val="000000"/>
+                      </a:solidFill>
+                      <a:prstDash val="solid"/>
+                      <a:round/>
+                      <a:headEnd type="none" w="med" len="med"/>
+                      <a:tailEnd type="none" w="med" len="med"/>
+                    </a:lnB>
+                  </a:tcPr>
+                </a:tc>
+                <a:tc>
+                  <a:txBody>
+                    <a:bodyPr/>
+                    <a:lstStyle/>
+                    <a:p>
+                      <a:pPr algn="l" fontAlgn="ctr"/>
+                      <a:r>
+                        <a:rPr lang="en-US" sz="1400" b="0" i="0" u="none" strike="noStrike" dirty="0">
+                          <a:solidFill>
+                            <a:srgbClr val="000000"/>
+                          </a:solidFill>
+                          <a:latin typeface="宋体"/>
+                        </a:rPr>
+                        <a:t>a)</a:t>
+                      </a:r>
+                      <a:r>
+                        <a:rPr lang="zh-CN" altLang="en-US" sz="1400" b="0" i="0" u="none" strike="noStrike" dirty="0">
+                          <a:solidFill>
+                            <a:srgbClr val="000000"/>
+                          </a:solidFill>
+                          <a:latin typeface="宋体"/>
+                        </a:rPr>
+                        <a:t>参加项目研讨，对设计方案和阶段工作内容提出合理化建议。</a:t>
+                      </a:r>
+                    </a:p>
+                  </a:txBody>
+                  <a:tcPr marL="6137" marR="6137" marT="6137" marB="0" anchor="ctr">
+                    <a:lnL w="6350" cap="flat" cmpd="sng" algn="ctr">
+                      <a:solidFill>
+                        <a:srgbClr val="000000"/>
+                      </a:solidFill>
+                      <a:prstDash val="solid"/>
+                      <a:round/>
+                      <a:headEnd type="none" w="med" len="med"/>
+                      <a:tailEnd type="none" w="med" len="med"/>
+                    </a:lnL>
+                    <a:lnR w="6350" cap="flat" cmpd="sng" algn="ctr">
+                      <a:solidFill>
+                        <a:srgbClr val="000000"/>
+                      </a:solidFill>
+                      <a:prstDash val="solid"/>
+                      <a:round/>
+                      <a:headEnd type="none" w="med" len="med"/>
+                      <a:tailEnd type="none" w="med" len="med"/>
+                    </a:lnR>
+                    <a:lnT w="6350" cap="flat" cmpd="sng" algn="ctr">
+                      <a:solidFill>
+                        <a:srgbClr val="000000"/>
+                      </a:solidFill>
+                      <a:prstDash val="solid"/>
+                      <a:round/>
+                      <a:headEnd type="none" w="med" len="med"/>
+                      <a:tailEnd type="none" w="med" len="med"/>
+                    </a:lnT>
+                    <a:lnB>
+                      <a:noFill/>
+                    </a:lnB>
+                  </a:tcPr>
+                </a:tc>
+                <a:tc vMerge="1">
+                  <a:txBody>
+                    <a:bodyPr/>
+                    <a:lstStyle/>
+                    <a:p>
+                      <a:endParaRPr lang="zh-CN" altLang="en-US"/>
+                    </a:p>
+                  </a:txBody>
+                  <a:tcPr/>
+                </a:tc>
+              </a:tr>
+              <a:tr h="265808">
+                <a:tc vMerge="1">
+                  <a:txBody>
+                    <a:bodyPr/>
+                    <a:lstStyle/>
+                    <a:p>
+                      <a:endParaRPr lang="zh-CN" altLang="en-US"/>
+                    </a:p>
+                  </a:txBody>
+                  <a:tcPr/>
+                </a:tc>
+                <a:tc vMerge="1">
+                  <a:txBody>
+                    <a:bodyPr/>
+                    <a:lstStyle/>
+                    <a:p>
+                      <a:endParaRPr lang="zh-CN" altLang="en-US"/>
+                    </a:p>
+                  </a:txBody>
+                  <a:tcPr/>
+                </a:tc>
+                <a:tc>
+                  <a:txBody>
+                    <a:bodyPr/>
+                    <a:lstStyle/>
+                    <a:p>
+                      <a:pPr algn="l" fontAlgn="ctr"/>
+                      <a:r>
+                        <a:rPr lang="en-US" sz="1400" b="0" i="0" u="none" strike="noStrike" dirty="0">
+                          <a:solidFill>
+                            <a:srgbClr val="000000"/>
+                          </a:solidFill>
+                          <a:latin typeface="宋体"/>
+                        </a:rPr>
+                        <a:t>b)</a:t>
+                      </a:r>
+                      <a:r>
+                        <a:rPr lang="zh-CN" altLang="en-US" sz="1400" b="0" i="0" u="none" strike="noStrike" dirty="0">
+                          <a:solidFill>
+                            <a:srgbClr val="000000"/>
+                          </a:solidFill>
+                          <a:latin typeface="宋体"/>
+                        </a:rPr>
+                        <a:t>在研发项目中，保持与项目经理和组员的沟通，承担并及时完成项目任务。</a:t>
+                      </a:r>
+                    </a:p>
+                  </a:txBody>
+                  <a:tcPr marL="6137" marR="6137" marT="6137" marB="0" anchor="ctr">
+                    <a:lnL w="6350" cap="flat" cmpd="sng" algn="ctr">
+                      <a:solidFill>
+                        <a:srgbClr val="000000"/>
+                      </a:solidFill>
+                      <a:prstDash val="solid"/>
+                      <a:round/>
+                      <a:headEnd type="none" w="med" len="med"/>
+                      <a:tailEnd type="none" w="med" len="med"/>
+                    </a:lnL>
+                    <a:lnR w="6350" cap="flat" cmpd="sng" algn="ctr">
+                      <a:solidFill>
+                        <a:srgbClr val="000000"/>
+                      </a:solidFill>
+                      <a:prstDash val="solid"/>
+                      <a:round/>
+                      <a:headEnd type="none" w="med" len="med"/>
+                      <a:tailEnd type="none" w="med" len="med"/>
+                    </a:lnR>
+                    <a:lnT>
+                      <a:noFill/>
+                    </a:lnT>
+                    <a:lnB>
+                      <a:noFill/>
+                    </a:lnB>
+                  </a:tcPr>
+                </a:tc>
+                <a:tc vMerge="1">
+                  <a:txBody>
+                    <a:bodyPr/>
+                    <a:lstStyle/>
+                    <a:p>
+                      <a:endParaRPr lang="zh-CN" altLang="en-US"/>
+                    </a:p>
+                  </a:txBody>
+                  <a:tcPr/>
+                </a:tc>
+              </a:tr>
+              <a:tr h="215085">
+                <a:tc vMerge="1">
+                  <a:txBody>
+                    <a:bodyPr/>
+                    <a:lstStyle/>
+                    <a:p>
+                      <a:endParaRPr lang="zh-CN" altLang="en-US"/>
+                    </a:p>
+                  </a:txBody>
+                  <a:tcPr/>
+                </a:tc>
+                <a:tc vMerge="1">
+                  <a:txBody>
+                    <a:bodyPr/>
+                    <a:lstStyle/>
+                    <a:p>
+                      <a:endParaRPr lang="zh-CN" altLang="en-US"/>
+                    </a:p>
+                  </a:txBody>
+                  <a:tcPr/>
+                </a:tc>
+                <a:tc>
+                  <a:txBody>
+                    <a:bodyPr/>
+                    <a:lstStyle/>
+                    <a:p>
+                      <a:pPr algn="l" fontAlgn="ctr"/>
+                      <a:r>
+                        <a:rPr lang="en-US" sz="1400" b="0" i="0" u="none" strike="noStrike" dirty="0">
+                          <a:solidFill>
+                            <a:srgbClr val="000000"/>
+                          </a:solidFill>
+                          <a:latin typeface="宋体"/>
+                        </a:rPr>
+                        <a:t>c)</a:t>
+                      </a:r>
+                      <a:r>
+                        <a:rPr lang="zh-CN" altLang="en-US" sz="1400" b="0" i="0" u="none" strike="noStrike" dirty="0">
+                          <a:solidFill>
+                            <a:srgbClr val="000000"/>
+                          </a:solidFill>
+                          <a:latin typeface="宋体"/>
+                        </a:rPr>
+                        <a:t>依据公司的流程、规范和标准进行设计开发活动。</a:t>
+                      </a:r>
+                    </a:p>
+                  </a:txBody>
+                  <a:tcPr marL="6137" marR="6137" marT="6137" marB="0" anchor="ctr">
+                    <a:lnL w="6350" cap="flat" cmpd="sng" algn="ctr">
+                      <a:solidFill>
+                        <a:srgbClr val="000000"/>
+                      </a:solidFill>
+                      <a:prstDash val="solid"/>
+                      <a:round/>
+                      <a:headEnd type="none" w="med" len="med"/>
+                      <a:tailEnd type="none" w="med" len="med"/>
+                    </a:lnL>
+                    <a:lnR w="6350" cap="flat" cmpd="sng" algn="ctr">
+                      <a:solidFill>
+                        <a:srgbClr val="000000"/>
+                      </a:solidFill>
+                      <a:prstDash val="solid"/>
+                      <a:round/>
+                      <a:headEnd type="none" w="med" len="med"/>
+                      <a:tailEnd type="none" w="med" len="med"/>
+                    </a:lnR>
+                    <a:lnT>
+                      <a:noFill/>
+                    </a:lnT>
+                    <a:lnB>
+                      <a:noFill/>
+                    </a:lnB>
+                  </a:tcPr>
+                </a:tc>
+                <a:tc vMerge="1">
+                  <a:txBody>
+                    <a:bodyPr/>
+                    <a:lstStyle/>
+                    <a:p>
+                      <a:endParaRPr lang="zh-CN" altLang="en-US"/>
+                    </a:p>
+                  </a:txBody>
+                  <a:tcPr/>
+                </a:tc>
+              </a:tr>
+              <a:tr h="424155">
+                <a:tc vMerge="1">
+                  <a:txBody>
+                    <a:bodyPr/>
+                    <a:lstStyle/>
+                    <a:p>
+                      <a:endParaRPr lang="zh-CN" altLang="en-US"/>
+                    </a:p>
+                  </a:txBody>
+                  <a:tcPr/>
+                </a:tc>
+                <a:tc vMerge="1">
+                  <a:txBody>
+                    <a:bodyPr/>
+                    <a:lstStyle/>
+                    <a:p>
+                      <a:endParaRPr lang="zh-CN" altLang="en-US"/>
+                    </a:p>
+                  </a:txBody>
+                  <a:tcPr/>
+                </a:tc>
+                <a:tc>
+                  <a:txBody>
+                    <a:bodyPr/>
+                    <a:lstStyle/>
+                    <a:p>
+                      <a:pPr algn="l" fontAlgn="ctr"/>
+                      <a:r>
+                        <a:rPr lang="en-US" sz="1400" b="0" i="0" u="none" strike="noStrike" dirty="0">
+                          <a:solidFill>
+                            <a:srgbClr val="000000"/>
+                          </a:solidFill>
+                          <a:latin typeface="宋体"/>
+                        </a:rPr>
+                        <a:t>d)</a:t>
+                      </a:r>
+                      <a:r>
+                        <a:rPr lang="zh-CN" altLang="en-US" sz="1400" b="0" i="0" u="none" strike="noStrike" dirty="0">
+                          <a:solidFill>
+                            <a:srgbClr val="000000"/>
+                          </a:solidFill>
+                          <a:latin typeface="宋体"/>
+                        </a:rPr>
+                        <a:t>协助嵌入式产品技术平台和开发工具库的建设并维护，保证产品的开发能高效和顺利地进行。</a:t>
+                      </a:r>
+                    </a:p>
+                  </a:txBody>
+                  <a:tcPr marL="6137" marR="6137" marT="6137" marB="0" anchor="ctr">
+                    <a:lnL w="6350" cap="flat" cmpd="sng" algn="ctr">
+                      <a:solidFill>
+                        <a:srgbClr val="000000"/>
+                      </a:solidFill>
+                      <a:prstDash val="solid"/>
+                      <a:round/>
+                      <a:headEnd type="none" w="med" len="med"/>
+                      <a:tailEnd type="none" w="med" len="med"/>
+                    </a:lnL>
+                    <a:lnR w="6350" cap="flat" cmpd="sng" algn="ctr">
+                      <a:solidFill>
+                        <a:srgbClr val="000000"/>
+                      </a:solidFill>
+                      <a:prstDash val="solid"/>
+                      <a:round/>
+                      <a:headEnd type="none" w="med" len="med"/>
+                      <a:tailEnd type="none" w="med" len="med"/>
+                    </a:lnR>
+                    <a:lnT>
+                      <a:noFill/>
+                    </a:lnT>
+                    <a:lnB>
+                      <a:noFill/>
+                    </a:lnB>
+                  </a:tcPr>
+                </a:tc>
+                <a:tc vMerge="1">
+                  <a:txBody>
+                    <a:bodyPr/>
+                    <a:lstStyle/>
+                    <a:p>
+                      <a:endParaRPr lang="zh-CN" altLang="en-US"/>
+                    </a:p>
+                  </a:txBody>
+                  <a:tcPr/>
+                </a:tc>
+              </a:tr>
+              <a:tr h="265808">
+                <a:tc vMerge="1">
+                  <a:txBody>
+                    <a:bodyPr/>
+                    <a:lstStyle/>
+                    <a:p>
+                      <a:endParaRPr lang="zh-CN" altLang="en-US"/>
+                    </a:p>
+                  </a:txBody>
+                  <a:tcPr/>
+                </a:tc>
+                <a:tc vMerge="1">
+                  <a:txBody>
+                    <a:bodyPr/>
+                    <a:lstStyle/>
+                    <a:p>
+                      <a:endParaRPr lang="zh-CN" altLang="en-US"/>
+                    </a:p>
+                  </a:txBody>
+                  <a:tcPr/>
+                </a:tc>
+                <a:tc>
+                  <a:txBody>
+                    <a:bodyPr/>
+                    <a:lstStyle/>
+                    <a:p>
+                      <a:pPr algn="l" fontAlgn="ctr"/>
+                      <a:r>
+                        <a:rPr lang="en-US" sz="1400" b="0" i="0" u="none" strike="noStrike">
+                          <a:solidFill>
+                            <a:srgbClr val="000000"/>
+                          </a:solidFill>
+                          <a:latin typeface="宋体"/>
+                        </a:rPr>
+                        <a:t>e)</a:t>
+                      </a:r>
+                      <a:r>
+                        <a:rPr lang="zh-CN" altLang="en-US" sz="1400" b="0" i="0" u="none" strike="noStrike">
+                          <a:solidFill>
+                            <a:srgbClr val="000000"/>
+                          </a:solidFill>
+                          <a:latin typeface="宋体"/>
+                        </a:rPr>
+                        <a:t>积极配合项目中其它部门所承担的研发任务，保证公司项目的顺利完成。</a:t>
+                      </a:r>
+                    </a:p>
+                  </a:txBody>
+                  <a:tcPr marL="6137" marR="6137" marT="6137" marB="0" anchor="ctr">
+                    <a:lnL w="6350" cap="flat" cmpd="sng" algn="ctr">
+                      <a:solidFill>
+                        <a:srgbClr val="000000"/>
+                      </a:solidFill>
+                      <a:prstDash val="solid"/>
+                      <a:round/>
+                      <a:headEnd type="none" w="med" len="med"/>
+                      <a:tailEnd type="none" w="med" len="med"/>
+                    </a:lnL>
+                    <a:lnR w="6350" cap="flat" cmpd="sng" algn="ctr">
+                      <a:solidFill>
+                        <a:srgbClr val="000000"/>
+                      </a:solidFill>
+                      <a:prstDash val="solid"/>
+                      <a:round/>
+                      <a:headEnd type="none" w="med" len="med"/>
+                      <a:tailEnd type="none" w="med" len="med"/>
+                    </a:lnR>
+                    <a:lnT>
+                      <a:noFill/>
+                    </a:lnT>
+                    <a:lnB w="6350" cap="flat" cmpd="sng" algn="ctr">
+                      <a:solidFill>
+                        <a:srgbClr val="000000"/>
+                      </a:solidFill>
+                      <a:prstDash val="solid"/>
+                      <a:round/>
+                      <a:headEnd type="none" w="med" len="med"/>
+                      <a:tailEnd type="none" w="med" len="med"/>
+                    </a:lnB>
+                  </a:tcPr>
+                </a:tc>
+                <a:tc vMerge="1">
+                  <a:txBody>
+                    <a:bodyPr/>
+                    <a:lstStyle/>
+                    <a:p>
+                      <a:endParaRPr lang="zh-CN" altLang="en-US"/>
+                    </a:p>
+                  </a:txBody>
+                  <a:tcPr/>
+                </a:tc>
+              </a:tr>
+              <a:tr h="215085">
+                <a:tc rowSpan="4">
+                  <a:txBody>
+                    <a:bodyPr/>
+                    <a:lstStyle/>
+                    <a:p>
+                      <a:pPr algn="ctr" fontAlgn="ctr"/>
+                      <a:r>
+                        <a:rPr lang="zh-CN" altLang="en-US" sz="1400" b="0" i="0" u="none" strike="noStrike">
+                          <a:solidFill>
+                            <a:srgbClr val="000000"/>
+                          </a:solidFill>
+                          <a:latin typeface="宋体"/>
+                        </a:rPr>
+                        <a:t>职责和任务</a:t>
+                      </a:r>
+                      <a:r>
+                        <a:rPr lang="en-US" altLang="zh-CN" sz="1400" b="0" i="0" u="none" strike="noStrike">
+                          <a:solidFill>
+                            <a:srgbClr val="000000"/>
+                          </a:solidFill>
+                          <a:latin typeface="宋体"/>
+                        </a:rPr>
+                        <a:t>2</a:t>
+                      </a:r>
+                    </a:p>
+                  </a:txBody>
+                  <a:tcPr marL="6137" marR="6137" marT="6137" marB="0" anchor="ctr">
+                    <a:lnL w="6350" cap="flat" cmpd="sng" algn="ctr">
+                      <a:solidFill>
+                        <a:srgbClr val="000000"/>
+                      </a:solidFill>
+                      <a:prstDash val="solid"/>
+                      <a:round/>
+                      <a:headEnd type="none" w="med" len="med"/>
+                      <a:tailEnd type="none" w="med" len="med"/>
+                    </a:lnL>
+                    <a:lnR w="6350" cap="flat" cmpd="sng" algn="ctr">
+                      <a:solidFill>
+                        <a:srgbClr val="000000"/>
+                      </a:solidFill>
+                      <a:prstDash val="solid"/>
+                      <a:round/>
+                      <a:headEnd type="none" w="med" len="med"/>
+                      <a:tailEnd type="none" w="med" len="med"/>
+                    </a:lnR>
+                    <a:lnT w="6350" cap="flat" cmpd="sng" algn="ctr">
+                      <a:solidFill>
+                        <a:srgbClr val="000000"/>
+                      </a:solidFill>
+                      <a:prstDash val="solid"/>
+                      <a:round/>
+                      <a:headEnd type="none" w="med" len="med"/>
+                      <a:tailEnd type="none" w="med" len="med"/>
+                    </a:lnT>
+                    <a:lnB w="6350" cap="flat" cmpd="sng" algn="ctr">
+                      <a:solidFill>
+                        <a:srgbClr val="000000"/>
+                      </a:solidFill>
+                      <a:prstDash val="solid"/>
+                      <a:round/>
+                      <a:headEnd type="none" w="med" len="med"/>
+                      <a:tailEnd type="none" w="med" len="med"/>
+                    </a:lnB>
+                  </a:tcPr>
+                </a:tc>
+                <a:tc>
+                  <a:txBody>
+                    <a:bodyPr/>
+                    <a:lstStyle/>
+                    <a:p>
+                      <a:pPr algn="ctr" fontAlgn="ctr"/>
+                      <a:r>
+                        <a:rPr lang="zh-CN" altLang="en-US" sz="1400" b="0" i="0" u="none" strike="noStrike">
+                          <a:solidFill>
+                            <a:srgbClr val="000000"/>
+                          </a:solidFill>
+                          <a:latin typeface="宋体"/>
+                        </a:rPr>
+                        <a:t>职责描述</a:t>
+                      </a:r>
+                    </a:p>
+                  </a:txBody>
+                  <a:tcPr marL="6137" marR="6137" marT="6137" marB="0" anchor="ctr">
+                    <a:lnL w="6350" cap="flat" cmpd="sng" algn="ctr">
+                      <a:solidFill>
+                        <a:srgbClr val="000000"/>
+                      </a:solidFill>
+                      <a:prstDash val="solid"/>
+                      <a:round/>
+                      <a:headEnd type="none" w="med" len="med"/>
+                      <a:tailEnd type="none" w="med" len="med"/>
+                    </a:lnL>
+                    <a:lnR w="6350" cap="flat" cmpd="sng" algn="ctr">
+                      <a:solidFill>
+                        <a:srgbClr val="000000"/>
+                      </a:solidFill>
+                      <a:prstDash val="solid"/>
+                      <a:round/>
+                      <a:headEnd type="none" w="med" len="med"/>
+                      <a:tailEnd type="none" w="med" len="med"/>
+                    </a:lnR>
+                    <a:lnT w="6350" cap="flat" cmpd="sng" algn="ctr">
+                      <a:solidFill>
+                        <a:srgbClr val="000000"/>
+                      </a:solidFill>
+                      <a:prstDash val="solid"/>
+                      <a:round/>
+                      <a:headEnd type="none" w="med" len="med"/>
+                      <a:tailEnd type="none" w="med" len="med"/>
+                    </a:lnT>
+                    <a:lnB w="6350" cap="flat" cmpd="sng" algn="ctr">
+                      <a:solidFill>
+                        <a:srgbClr val="000000"/>
+                      </a:solidFill>
+                      <a:prstDash val="solid"/>
+                      <a:round/>
+                      <a:headEnd type="none" w="med" len="med"/>
+                      <a:tailEnd type="none" w="med" len="med"/>
+                    </a:lnB>
+                  </a:tcPr>
+                </a:tc>
+                <a:tc>
+                  <a:txBody>
+                    <a:bodyPr/>
+                    <a:lstStyle/>
+                    <a:p>
+                      <a:pPr algn="l" fontAlgn="ctr"/>
+                      <a:r>
+                        <a:rPr lang="zh-CN" altLang="en-US" sz="1400" b="0" i="0" u="none" strike="noStrike" dirty="0">
+                          <a:solidFill>
+                            <a:srgbClr val="000000"/>
+                          </a:solidFill>
+                          <a:latin typeface="宋体"/>
+                        </a:rPr>
+                        <a:t>负责设计、开发文档的编写和维护，参与设计规范的制订。</a:t>
+                      </a:r>
+                    </a:p>
+                  </a:txBody>
+                  <a:tcPr marL="6137" marR="6137" marT="6137" marB="0" anchor="ctr">
+                    <a:lnL w="6350" cap="flat" cmpd="sng" algn="ctr">
+                      <a:solidFill>
+                        <a:srgbClr val="000000"/>
+                      </a:solidFill>
+                      <a:prstDash val="solid"/>
+                      <a:round/>
+                      <a:headEnd type="none" w="med" len="med"/>
+                      <a:tailEnd type="none" w="med" len="med"/>
+                    </a:lnL>
+                    <a:lnR w="6350" cap="flat" cmpd="sng" algn="ctr">
+                      <a:solidFill>
+                        <a:srgbClr val="000000"/>
+                      </a:solidFill>
+                      <a:prstDash val="solid"/>
+                      <a:round/>
+                      <a:headEnd type="none" w="med" len="med"/>
+                      <a:tailEnd type="none" w="med" len="med"/>
+                    </a:lnR>
+                    <a:lnT w="6350" cap="flat" cmpd="sng" algn="ctr">
+                      <a:solidFill>
+                        <a:srgbClr val="000000"/>
+                      </a:solidFill>
+                      <a:prstDash val="solid"/>
+                      <a:round/>
+                      <a:headEnd type="none" w="med" len="med"/>
+                      <a:tailEnd type="none" w="med" len="med"/>
+                    </a:lnT>
+                    <a:lnB w="6350" cap="flat" cmpd="sng" algn="ctr">
+                      <a:solidFill>
+                        <a:srgbClr val="000000"/>
+                      </a:solidFill>
+                      <a:prstDash val="solid"/>
+                      <a:round/>
+                      <a:headEnd type="none" w="med" len="med"/>
+                      <a:tailEnd type="none" w="med" len="med"/>
+                    </a:lnB>
+                  </a:tcPr>
+                </a:tc>
+                <a:tc rowSpan="4">
+                  <a:txBody>
+                    <a:bodyPr/>
+                    <a:lstStyle/>
+                    <a:p>
+                      <a:pPr algn="ctr" fontAlgn="ctr"/>
+                      <a:r>
+                        <a:rPr lang="zh-CN" altLang="en-US" sz="1400" b="0" i="0" u="none" strike="noStrike" dirty="0" smtClean="0">
+                          <a:solidFill>
+                            <a:schemeClr val="tx1"/>
+                          </a:solidFill>
+                          <a:latin typeface="宋体"/>
+                        </a:rPr>
+                        <a:t>能根据公司文档规范编写设计开发相关文档</a:t>
+                      </a:r>
+                      <a:endParaRPr lang="zh-CN" altLang="en-US" sz="1400" b="0" i="0" u="none" strike="noStrike" dirty="0">
+                        <a:solidFill>
+                          <a:schemeClr val="tx1"/>
+                        </a:solidFill>
+                        <a:latin typeface="宋体"/>
+                      </a:endParaRPr>
+                    </a:p>
+                  </a:txBody>
+                  <a:tcPr marL="6137" marR="6137" marT="6137" marB="0" anchor="ctr">
+                    <a:lnL w="6350" cap="flat" cmpd="sng" algn="ctr">
+                      <a:solidFill>
+                        <a:srgbClr val="000000"/>
+                      </a:solidFill>
+                      <a:prstDash val="solid"/>
+                      <a:round/>
+                      <a:headEnd type="none" w="med" len="med"/>
+                      <a:tailEnd type="none" w="med" len="med"/>
+                    </a:lnL>
+                    <a:lnR w="6350" cap="flat" cmpd="sng" algn="ctr">
+                      <a:solidFill>
+                        <a:srgbClr val="000000"/>
+                      </a:solidFill>
+                      <a:prstDash val="solid"/>
+                      <a:round/>
+                      <a:headEnd type="none" w="med" len="med"/>
+                      <a:tailEnd type="none" w="med" len="med"/>
+                    </a:lnR>
+                    <a:lnT w="6350" cap="flat" cmpd="sng" algn="ctr">
+                      <a:solidFill>
+                        <a:srgbClr val="000000"/>
+                      </a:solidFill>
+                      <a:prstDash val="solid"/>
+                      <a:round/>
+                      <a:headEnd type="none" w="med" len="med"/>
+                      <a:tailEnd type="none" w="med" len="med"/>
+                    </a:lnT>
+                    <a:lnB w="6350" cap="flat" cmpd="sng" algn="ctr">
+                      <a:solidFill>
+                        <a:srgbClr val="000000"/>
+                      </a:solidFill>
+                      <a:prstDash val="solid"/>
+                      <a:round/>
+                      <a:headEnd type="none" w="med" len="med"/>
+                      <a:tailEnd type="none" w="med" len="med"/>
+                    </a:lnB>
+                  </a:tcPr>
+                </a:tc>
+              </a:tr>
+              <a:tr h="265808">
+                <a:tc vMerge="1">
+                  <a:txBody>
+                    <a:bodyPr/>
+                    <a:lstStyle/>
+                    <a:p>
+                      <a:endParaRPr lang="zh-CN" altLang="en-US"/>
+                    </a:p>
+                  </a:txBody>
+                  <a:tcPr/>
+                </a:tc>
+                <a:tc rowSpan="3">
+                  <a:txBody>
+                    <a:bodyPr/>
+                    <a:lstStyle/>
+                    <a:p>
+                      <a:pPr algn="ctr" fontAlgn="ctr"/>
+                      <a:r>
+                        <a:rPr lang="zh-CN" altLang="en-US" sz="1400" b="0" i="0" u="none" strike="noStrike">
+                          <a:solidFill>
+                            <a:srgbClr val="000000"/>
+                          </a:solidFill>
+                          <a:latin typeface="宋体"/>
+                        </a:rPr>
+                        <a:t>工作任务</a:t>
+                      </a:r>
+                    </a:p>
+                  </a:txBody>
+                  <a:tcPr marL="6137" marR="6137" marT="6137" marB="0" anchor="ctr">
+                    <a:lnL w="6350" cap="flat" cmpd="sng" algn="ctr">
+                      <a:solidFill>
+                        <a:srgbClr val="000000"/>
+                      </a:solidFill>
+                      <a:prstDash val="solid"/>
+                      <a:round/>
+                      <a:headEnd type="none" w="med" len="med"/>
+                      <a:tailEnd type="none" w="med" len="med"/>
+                    </a:lnL>
+                    <a:lnR w="6350" cap="flat" cmpd="sng" algn="ctr">
+                      <a:solidFill>
+                        <a:srgbClr val="000000"/>
+                      </a:solidFill>
+                      <a:prstDash val="solid"/>
+                      <a:round/>
+                      <a:headEnd type="none" w="med" len="med"/>
+                      <a:tailEnd type="none" w="med" len="med"/>
+                    </a:lnR>
+                    <a:lnT w="6350" cap="flat" cmpd="sng" algn="ctr">
+                      <a:solidFill>
+                        <a:srgbClr val="000000"/>
+                      </a:solidFill>
+                      <a:prstDash val="solid"/>
+                      <a:round/>
+                      <a:headEnd type="none" w="med" len="med"/>
+                      <a:tailEnd type="none" w="med" len="med"/>
+                    </a:lnT>
+                    <a:lnB w="6350" cap="flat" cmpd="sng" algn="ctr">
+                      <a:solidFill>
+                        <a:srgbClr val="000000"/>
+                      </a:solidFill>
+                      <a:prstDash val="solid"/>
+                      <a:round/>
+                      <a:headEnd type="none" w="med" len="med"/>
+                      <a:tailEnd type="none" w="med" len="med"/>
+                    </a:lnB>
+                  </a:tcPr>
+                </a:tc>
+                <a:tc>
+                  <a:txBody>
+                    <a:bodyPr/>
+                    <a:lstStyle/>
+                    <a:p>
+                      <a:pPr algn="l" fontAlgn="ctr"/>
+                      <a:r>
+                        <a:rPr lang="en-US" sz="1400" b="0" i="0" u="none" strike="noStrike" dirty="0">
+                          <a:solidFill>
+                            <a:srgbClr val="000000"/>
+                          </a:solidFill>
+                          <a:latin typeface="宋体"/>
+                        </a:rPr>
+                        <a:t>a)</a:t>
+                      </a:r>
+                      <a:r>
+                        <a:rPr lang="zh-CN" altLang="en-US" sz="1400" b="0" i="0" u="none" strike="noStrike" dirty="0">
+                          <a:solidFill>
+                            <a:srgbClr val="000000"/>
+                          </a:solidFill>
+                          <a:latin typeface="宋体"/>
+                        </a:rPr>
+                        <a:t>按照公司的规范标准完成设计文档的编写，保证文档的完整性和规范性。</a:t>
+                      </a:r>
+                    </a:p>
+                  </a:txBody>
+                  <a:tcPr marL="6137" marR="6137" marT="6137" marB="0" anchor="ctr">
+                    <a:lnL w="6350" cap="flat" cmpd="sng" algn="ctr">
+                      <a:solidFill>
+                        <a:srgbClr val="000000"/>
+                      </a:solidFill>
+                      <a:prstDash val="solid"/>
+                      <a:round/>
+                      <a:headEnd type="none" w="med" len="med"/>
+                      <a:tailEnd type="none" w="med" len="med"/>
+                    </a:lnL>
+                    <a:lnR w="6350" cap="flat" cmpd="sng" algn="ctr">
+                      <a:solidFill>
+                        <a:srgbClr val="000000"/>
+                      </a:solidFill>
+                      <a:prstDash val="solid"/>
+                      <a:round/>
+                      <a:headEnd type="none" w="med" len="med"/>
+                      <a:tailEnd type="none" w="med" len="med"/>
+                    </a:lnR>
+                    <a:lnT w="6350" cap="flat" cmpd="sng" algn="ctr">
+                      <a:solidFill>
+                        <a:srgbClr val="000000"/>
+                      </a:solidFill>
+                      <a:prstDash val="solid"/>
+                      <a:round/>
+                      <a:headEnd type="none" w="med" len="med"/>
+                      <a:tailEnd type="none" w="med" len="med"/>
+                    </a:lnT>
+                    <a:lnB>
+                      <a:noFill/>
+                    </a:lnB>
+                  </a:tcPr>
+                </a:tc>
+                <a:tc vMerge="1">
+                  <a:txBody>
+                    <a:bodyPr/>
+                    <a:lstStyle/>
+                    <a:p>
+                      <a:endParaRPr lang="zh-CN" altLang="en-US"/>
+                    </a:p>
+                  </a:txBody>
+                  <a:tcPr/>
+                </a:tc>
+              </a:tr>
+              <a:tr h="215085">
+                <a:tc vMerge="1">
+                  <a:txBody>
+                    <a:bodyPr/>
+                    <a:lstStyle/>
+                    <a:p>
+                      <a:endParaRPr lang="zh-CN" altLang="en-US"/>
+                    </a:p>
+                  </a:txBody>
+                  <a:tcPr/>
+                </a:tc>
+                <a:tc vMerge="1">
+                  <a:txBody>
+                    <a:bodyPr/>
+                    <a:lstStyle/>
+                    <a:p>
+                      <a:endParaRPr lang="zh-CN" altLang="en-US"/>
+                    </a:p>
+                  </a:txBody>
+                  <a:tcPr/>
+                </a:tc>
+                <a:tc>
+                  <a:txBody>
+                    <a:bodyPr/>
+                    <a:lstStyle/>
+                    <a:p>
+                      <a:pPr algn="l" fontAlgn="ctr"/>
+                      <a:r>
+                        <a:rPr lang="en-US" sz="1400" b="0" i="0" u="none" strike="noStrike" dirty="0">
+                          <a:solidFill>
+                            <a:srgbClr val="000000"/>
+                          </a:solidFill>
+                          <a:latin typeface="宋体"/>
+                        </a:rPr>
+                        <a:t>b)</a:t>
+                      </a:r>
+                      <a:r>
+                        <a:rPr lang="zh-CN" altLang="en-US" sz="1400" b="0" i="0" u="none" strike="noStrike" dirty="0">
+                          <a:solidFill>
+                            <a:srgbClr val="000000"/>
+                          </a:solidFill>
+                          <a:latin typeface="宋体"/>
+                        </a:rPr>
+                        <a:t>根据产品的维护内容，及时对设计文档进行升级和受控。</a:t>
+                      </a:r>
+                    </a:p>
+                  </a:txBody>
+                  <a:tcPr marL="6137" marR="6137" marT="6137" marB="0" anchor="ctr">
+                    <a:lnL w="6350" cap="flat" cmpd="sng" algn="ctr">
+                      <a:solidFill>
+                        <a:srgbClr val="000000"/>
+                      </a:solidFill>
+                      <a:prstDash val="solid"/>
+                      <a:round/>
+                      <a:headEnd type="none" w="med" len="med"/>
+                      <a:tailEnd type="none" w="med" len="med"/>
+                    </a:lnL>
+                    <a:lnR w="6350" cap="flat" cmpd="sng" algn="ctr">
+                      <a:solidFill>
+                        <a:srgbClr val="000000"/>
+                      </a:solidFill>
+                      <a:prstDash val="solid"/>
+                      <a:round/>
+                      <a:headEnd type="none" w="med" len="med"/>
+                      <a:tailEnd type="none" w="med" len="med"/>
+                    </a:lnR>
+                    <a:lnT>
+                      <a:noFill/>
+                    </a:lnT>
+                    <a:lnB>
+                      <a:noFill/>
+                    </a:lnB>
+                  </a:tcPr>
+                </a:tc>
+                <a:tc vMerge="1">
+                  <a:txBody>
+                    <a:bodyPr/>
+                    <a:lstStyle/>
+                    <a:p>
+                      <a:endParaRPr lang="zh-CN" altLang="en-US"/>
+                    </a:p>
+                  </a:txBody>
+                  <a:tcPr/>
+                </a:tc>
+              </a:tr>
+              <a:tr h="265808">
+                <a:tc vMerge="1">
+                  <a:txBody>
+                    <a:bodyPr/>
+                    <a:lstStyle/>
+                    <a:p>
+                      <a:endParaRPr lang="zh-CN" altLang="en-US"/>
+                    </a:p>
+                  </a:txBody>
+                  <a:tcPr/>
+                </a:tc>
+                <a:tc vMerge="1">
+                  <a:txBody>
+                    <a:bodyPr/>
+                    <a:lstStyle/>
+                    <a:p>
+                      <a:endParaRPr lang="zh-CN" altLang="en-US"/>
+                    </a:p>
+                  </a:txBody>
+                  <a:tcPr/>
+                </a:tc>
+                <a:tc>
+                  <a:txBody>
+                    <a:bodyPr/>
+                    <a:lstStyle/>
+                    <a:p>
+                      <a:pPr algn="l" fontAlgn="ctr"/>
+                      <a:r>
+                        <a:rPr lang="en-US" sz="1400" b="0" i="0" u="none" strike="noStrike" dirty="0">
+                          <a:solidFill>
+                            <a:srgbClr val="000000"/>
+                          </a:solidFill>
+                          <a:latin typeface="宋体"/>
+                        </a:rPr>
+                        <a:t>c)</a:t>
+                      </a:r>
+                      <a:r>
+                        <a:rPr lang="zh-CN" altLang="en-US" sz="1400" b="0" i="0" u="none" strike="noStrike" dirty="0">
+                          <a:solidFill>
+                            <a:srgbClr val="000000"/>
+                          </a:solidFill>
+                          <a:latin typeface="宋体"/>
+                        </a:rPr>
+                        <a:t>参与设计规范、标准、文档模板等的制订、维护，保证开发过程的标准化。</a:t>
+                      </a:r>
+                    </a:p>
+                  </a:txBody>
+                  <a:tcPr marL="6137" marR="6137" marT="6137" marB="0" anchor="ctr">
+                    <a:lnL w="6350" cap="flat" cmpd="sng" algn="ctr">
+                      <a:solidFill>
+                        <a:srgbClr val="000000"/>
+                      </a:solidFill>
+                      <a:prstDash val="solid"/>
+                      <a:round/>
+                      <a:headEnd type="none" w="med" len="med"/>
+                      <a:tailEnd type="none" w="med" len="med"/>
+                    </a:lnL>
+                    <a:lnR w="6350" cap="flat" cmpd="sng" algn="ctr">
+                      <a:solidFill>
+                        <a:srgbClr val="000000"/>
+                      </a:solidFill>
+                      <a:prstDash val="solid"/>
+                      <a:round/>
+                      <a:headEnd type="none" w="med" len="med"/>
+                      <a:tailEnd type="none" w="med" len="med"/>
+                    </a:lnR>
+                    <a:lnT>
+                      <a:noFill/>
+                    </a:lnT>
+                    <a:lnB w="6350" cap="flat" cmpd="sng" algn="ctr">
+                      <a:solidFill>
+                        <a:srgbClr val="000000"/>
+                      </a:solidFill>
+                      <a:prstDash val="solid"/>
+                      <a:round/>
+                      <a:headEnd type="none" w="med" len="med"/>
+                      <a:tailEnd type="none" w="med" len="med"/>
+                    </a:lnB>
+                  </a:tcPr>
+                </a:tc>
+                <a:tc vMerge="1">
+                  <a:txBody>
+                    <a:bodyPr/>
+                    <a:lstStyle/>
+                    <a:p>
+                      <a:endParaRPr lang="zh-CN" altLang="en-US"/>
+                    </a:p>
+                  </a:txBody>
+                  <a:tcPr/>
+                </a:tc>
+              </a:tr>
+              <a:tr h="265808">
+                <a:tc rowSpan="5">
+                  <a:txBody>
+                    <a:bodyPr/>
+                    <a:lstStyle/>
+                    <a:p>
+                      <a:pPr algn="ctr" fontAlgn="ctr"/>
+                      <a:r>
+                        <a:rPr lang="zh-CN" altLang="en-US" sz="1400" b="0" i="0" u="none" strike="noStrike">
+                          <a:solidFill>
+                            <a:srgbClr val="000000"/>
+                          </a:solidFill>
+                          <a:latin typeface="宋体"/>
+                        </a:rPr>
+                        <a:t>职责和任务</a:t>
+                      </a:r>
+                      <a:r>
+                        <a:rPr lang="en-US" altLang="zh-CN" sz="1400" b="0" i="0" u="none" strike="noStrike">
+                          <a:solidFill>
+                            <a:srgbClr val="000000"/>
+                          </a:solidFill>
+                          <a:latin typeface="宋体"/>
+                        </a:rPr>
+                        <a:t>3</a:t>
+                      </a:r>
+                    </a:p>
+                  </a:txBody>
+                  <a:tcPr marL="6137" marR="6137" marT="6137" marB="0" anchor="ctr">
+                    <a:lnL w="6350" cap="flat" cmpd="sng" algn="ctr">
+                      <a:solidFill>
+                        <a:srgbClr val="000000"/>
+                      </a:solidFill>
+                      <a:prstDash val="solid"/>
+                      <a:round/>
+                      <a:headEnd type="none" w="med" len="med"/>
+                      <a:tailEnd type="none" w="med" len="med"/>
+                    </a:lnL>
+                    <a:lnR w="6350" cap="flat" cmpd="sng" algn="ctr">
+                      <a:solidFill>
+                        <a:srgbClr val="000000"/>
+                      </a:solidFill>
+                      <a:prstDash val="solid"/>
+                      <a:round/>
+                      <a:headEnd type="none" w="med" len="med"/>
+                      <a:tailEnd type="none" w="med" len="med"/>
+                    </a:lnR>
+                    <a:lnT w="6350" cap="flat" cmpd="sng" algn="ctr">
+                      <a:solidFill>
+                        <a:srgbClr val="000000"/>
+                      </a:solidFill>
+                      <a:prstDash val="solid"/>
+                      <a:round/>
+                      <a:headEnd type="none" w="med" len="med"/>
+                      <a:tailEnd type="none" w="med" len="med"/>
+                    </a:lnT>
+                    <a:lnB w="6350" cap="flat" cmpd="sng" algn="ctr">
+                      <a:solidFill>
+                        <a:srgbClr val="000000"/>
+                      </a:solidFill>
+                      <a:prstDash val="solid"/>
+                      <a:round/>
+                      <a:headEnd type="none" w="med" len="med"/>
+                      <a:tailEnd type="none" w="med" len="med"/>
+                    </a:lnB>
+                  </a:tcPr>
+                </a:tc>
+                <a:tc>
+                  <a:txBody>
+                    <a:bodyPr/>
+                    <a:lstStyle/>
+                    <a:p>
+                      <a:pPr algn="ctr" fontAlgn="ctr"/>
+                      <a:r>
+                        <a:rPr lang="zh-CN" altLang="en-US" sz="1400" b="0" i="0" u="none" strike="noStrike">
+                          <a:solidFill>
+                            <a:srgbClr val="000000"/>
+                          </a:solidFill>
+                          <a:latin typeface="宋体"/>
+                        </a:rPr>
+                        <a:t>职责描述</a:t>
+                      </a:r>
+                    </a:p>
+                  </a:txBody>
+                  <a:tcPr marL="6137" marR="6137" marT="6137" marB="0" anchor="ctr">
+                    <a:lnL w="6350" cap="flat" cmpd="sng" algn="ctr">
+                      <a:solidFill>
+                        <a:srgbClr val="000000"/>
+                      </a:solidFill>
+                      <a:prstDash val="solid"/>
+                      <a:round/>
+                      <a:headEnd type="none" w="med" len="med"/>
+                      <a:tailEnd type="none" w="med" len="med"/>
+                    </a:lnL>
+                    <a:lnR w="6350" cap="flat" cmpd="sng" algn="ctr">
+                      <a:solidFill>
+                        <a:srgbClr val="000000"/>
+                      </a:solidFill>
+                      <a:prstDash val="solid"/>
+                      <a:round/>
+                      <a:headEnd type="none" w="med" len="med"/>
+                      <a:tailEnd type="none" w="med" len="med"/>
+                    </a:lnR>
+                    <a:lnT w="6350" cap="flat" cmpd="sng" algn="ctr">
+                      <a:solidFill>
+                        <a:srgbClr val="000000"/>
+                      </a:solidFill>
+                      <a:prstDash val="solid"/>
+                      <a:round/>
+                      <a:headEnd type="none" w="med" len="med"/>
+                      <a:tailEnd type="none" w="med" len="med"/>
+                    </a:lnT>
+                    <a:lnB w="6350" cap="flat" cmpd="sng" algn="ctr">
+                      <a:solidFill>
+                        <a:srgbClr val="000000"/>
+                      </a:solidFill>
+                      <a:prstDash val="solid"/>
+                      <a:round/>
+                      <a:headEnd type="none" w="med" len="med"/>
+                      <a:tailEnd type="none" w="med" len="med"/>
+                    </a:lnB>
+                  </a:tcPr>
+                </a:tc>
+                <a:tc>
+                  <a:txBody>
+                    <a:bodyPr/>
+                    <a:lstStyle/>
+                    <a:p>
+                      <a:pPr algn="l" fontAlgn="ctr"/>
+                      <a:r>
+                        <a:rPr lang="zh-CN" altLang="en-US" sz="1400" b="0" i="0" u="none" strike="noStrike">
+                          <a:solidFill>
+                            <a:srgbClr val="000000"/>
+                          </a:solidFill>
+                          <a:latin typeface="宋体"/>
+                        </a:rPr>
+                        <a:t>提供产品售前和售后的技术支持，保证公司产品现场的正常运行。</a:t>
+                      </a:r>
+                    </a:p>
+                  </a:txBody>
+                  <a:tcPr marL="6137" marR="6137" marT="6137" marB="0" anchor="ctr">
+                    <a:lnL w="6350" cap="flat" cmpd="sng" algn="ctr">
+                      <a:solidFill>
+                        <a:srgbClr val="000000"/>
+                      </a:solidFill>
+                      <a:prstDash val="solid"/>
+                      <a:round/>
+                      <a:headEnd type="none" w="med" len="med"/>
+                      <a:tailEnd type="none" w="med" len="med"/>
+                    </a:lnL>
+                    <a:lnR w="6350" cap="flat" cmpd="sng" algn="ctr">
+                      <a:solidFill>
+                        <a:srgbClr val="000000"/>
+                      </a:solidFill>
+                      <a:prstDash val="solid"/>
+                      <a:round/>
+                      <a:headEnd type="none" w="med" len="med"/>
+                      <a:tailEnd type="none" w="med" len="med"/>
+                    </a:lnR>
+                    <a:lnT w="6350" cap="flat" cmpd="sng" algn="ctr">
+                      <a:solidFill>
+                        <a:srgbClr val="000000"/>
+                      </a:solidFill>
+                      <a:prstDash val="solid"/>
+                      <a:round/>
+                      <a:headEnd type="none" w="med" len="med"/>
+                      <a:tailEnd type="none" w="med" len="med"/>
+                    </a:lnT>
+                    <a:lnB w="6350" cap="flat" cmpd="sng" algn="ctr">
+                      <a:solidFill>
+                        <a:srgbClr val="000000"/>
+                      </a:solidFill>
+                      <a:prstDash val="solid"/>
+                      <a:round/>
+                      <a:headEnd type="none" w="med" len="med"/>
+                      <a:tailEnd type="none" w="med" len="med"/>
+                    </a:lnB>
+                  </a:tcPr>
+                </a:tc>
+                <a:tc rowSpan="5">
+                  <a:txBody>
+                    <a:bodyPr/>
+                    <a:lstStyle/>
+                    <a:p>
+                      <a:pPr algn="ctr" fontAlgn="ctr"/>
+                      <a:r>
+                        <a:rPr lang="zh-CN" altLang="en-US" sz="1400" b="0" i="0" u="none" strike="noStrike" dirty="0" smtClean="0">
+                          <a:solidFill>
+                            <a:schemeClr val="tx1"/>
+                          </a:solidFill>
+                          <a:latin typeface="宋体"/>
+                        </a:rPr>
+                        <a:t>由于试用期内没做过此类任务，后期遇到此类任务一定没问题</a:t>
+                      </a:r>
+                      <a:endParaRPr lang="zh-CN" altLang="en-US" sz="1400" b="0" i="0" u="none" strike="noStrike" dirty="0">
+                        <a:solidFill>
+                          <a:schemeClr val="tx1"/>
+                        </a:solidFill>
+                        <a:latin typeface="宋体"/>
+                      </a:endParaRPr>
+                    </a:p>
+                  </a:txBody>
+                  <a:tcPr marL="6137" marR="6137" marT="6137" marB="0" anchor="ctr">
+                    <a:lnL w="6350" cap="flat" cmpd="sng" algn="ctr">
+                      <a:solidFill>
+                        <a:srgbClr val="000000"/>
+                      </a:solidFill>
+                      <a:prstDash val="solid"/>
+                      <a:round/>
+                      <a:headEnd type="none" w="med" len="med"/>
+                      <a:tailEnd type="none" w="med" len="med"/>
+                    </a:lnL>
+                    <a:lnR w="6350" cap="flat" cmpd="sng" algn="ctr">
+                      <a:solidFill>
+                        <a:srgbClr val="000000"/>
+                      </a:solidFill>
+                      <a:prstDash val="solid"/>
+                      <a:round/>
+                      <a:headEnd type="none" w="med" len="med"/>
+                      <a:tailEnd type="none" w="med" len="med"/>
+                    </a:lnR>
+                    <a:lnT w="6350" cap="flat" cmpd="sng" algn="ctr">
+                      <a:solidFill>
+                        <a:srgbClr val="000000"/>
+                      </a:solidFill>
+                      <a:prstDash val="solid"/>
+                      <a:round/>
+                      <a:headEnd type="none" w="med" len="med"/>
+                      <a:tailEnd type="none" w="med" len="med"/>
+                    </a:lnT>
+                    <a:lnB w="6350" cap="flat" cmpd="sng" algn="ctr">
+                      <a:solidFill>
+                        <a:srgbClr val="000000"/>
+                      </a:solidFill>
+                      <a:prstDash val="solid"/>
+                      <a:round/>
+                      <a:headEnd type="none" w="med" len="med"/>
+                      <a:tailEnd type="none" w="med" len="med"/>
+                    </a:lnB>
+                  </a:tcPr>
+                </a:tc>
+              </a:tr>
+              <a:tr h="215085">
+                <a:tc vMerge="1">
+                  <a:txBody>
+                    <a:bodyPr/>
+                    <a:lstStyle/>
+                    <a:p>
+                      <a:endParaRPr lang="zh-CN" altLang="en-US"/>
+                    </a:p>
+                  </a:txBody>
+                  <a:tcPr/>
+                </a:tc>
+                <a:tc rowSpan="4">
+                  <a:txBody>
+                    <a:bodyPr/>
+                    <a:lstStyle/>
+                    <a:p>
+                      <a:pPr algn="ctr" fontAlgn="ctr"/>
+                      <a:r>
+                        <a:rPr lang="zh-CN" altLang="en-US" sz="1400" b="0" i="0" u="none" strike="noStrike">
+                          <a:solidFill>
+                            <a:srgbClr val="000000"/>
+                          </a:solidFill>
+                          <a:latin typeface="宋体"/>
+                        </a:rPr>
+                        <a:t>工作任务</a:t>
+                      </a:r>
+                    </a:p>
+                  </a:txBody>
+                  <a:tcPr marL="6137" marR="6137" marT="6137" marB="0" anchor="ctr">
+                    <a:lnL w="6350" cap="flat" cmpd="sng" algn="ctr">
+                      <a:solidFill>
+                        <a:srgbClr val="000000"/>
+                      </a:solidFill>
+                      <a:prstDash val="solid"/>
+                      <a:round/>
+                      <a:headEnd type="none" w="med" len="med"/>
+                      <a:tailEnd type="none" w="med" len="med"/>
+                    </a:lnL>
+                    <a:lnR w="6350" cap="flat" cmpd="sng" algn="ctr">
+                      <a:solidFill>
+                        <a:srgbClr val="000000"/>
+                      </a:solidFill>
+                      <a:prstDash val="solid"/>
+                      <a:round/>
+                      <a:headEnd type="none" w="med" len="med"/>
+                      <a:tailEnd type="none" w="med" len="med"/>
+                    </a:lnR>
+                    <a:lnT w="6350" cap="flat" cmpd="sng" algn="ctr">
+                      <a:solidFill>
+                        <a:srgbClr val="000000"/>
+                      </a:solidFill>
+                      <a:prstDash val="solid"/>
+                      <a:round/>
+                      <a:headEnd type="none" w="med" len="med"/>
+                      <a:tailEnd type="none" w="med" len="med"/>
+                    </a:lnT>
+                    <a:lnB w="6350" cap="flat" cmpd="sng" algn="ctr">
+                      <a:solidFill>
+                        <a:srgbClr val="000000"/>
+                      </a:solidFill>
+                      <a:prstDash val="solid"/>
+                      <a:round/>
+                      <a:headEnd type="none" w="med" len="med"/>
+                      <a:tailEnd type="none" w="med" len="med"/>
+                    </a:lnB>
+                  </a:tcPr>
+                </a:tc>
+                <a:tc>
+                  <a:txBody>
+                    <a:bodyPr/>
+                    <a:lstStyle/>
+                    <a:p>
+                      <a:pPr algn="l" fontAlgn="ctr"/>
+                      <a:r>
+                        <a:rPr lang="en-US" sz="1400" b="0" i="0" u="none" strike="noStrike">
+                          <a:solidFill>
+                            <a:srgbClr val="000000"/>
+                          </a:solidFill>
+                          <a:latin typeface="宋体"/>
+                        </a:rPr>
+                        <a:t>a)</a:t>
+                      </a:r>
+                      <a:r>
+                        <a:rPr lang="zh-CN" altLang="en-US" sz="1400" b="0" i="0" u="none" strike="noStrike">
+                          <a:solidFill>
+                            <a:srgbClr val="000000"/>
+                          </a:solidFill>
+                          <a:latin typeface="宋体"/>
+                        </a:rPr>
+                        <a:t>支持销售人员解决产品售前的技术问题。</a:t>
+                      </a:r>
+                    </a:p>
+                  </a:txBody>
+                  <a:tcPr marL="6137" marR="6137" marT="6137" marB="0" anchor="ctr">
+                    <a:lnL w="6350" cap="flat" cmpd="sng" algn="ctr">
+                      <a:solidFill>
+                        <a:srgbClr val="000000"/>
+                      </a:solidFill>
+                      <a:prstDash val="solid"/>
+                      <a:round/>
+                      <a:headEnd type="none" w="med" len="med"/>
+                      <a:tailEnd type="none" w="med" len="med"/>
+                    </a:lnL>
+                    <a:lnR w="6350" cap="flat" cmpd="sng" algn="ctr">
+                      <a:solidFill>
+                        <a:srgbClr val="000000"/>
+                      </a:solidFill>
+                      <a:prstDash val="solid"/>
+                      <a:round/>
+                      <a:headEnd type="none" w="med" len="med"/>
+                      <a:tailEnd type="none" w="med" len="med"/>
+                    </a:lnR>
+                    <a:lnT w="6350" cap="flat" cmpd="sng" algn="ctr">
+                      <a:solidFill>
+                        <a:srgbClr val="000000"/>
+                      </a:solidFill>
+                      <a:prstDash val="solid"/>
+                      <a:round/>
+                      <a:headEnd type="none" w="med" len="med"/>
+                      <a:tailEnd type="none" w="med" len="med"/>
+                    </a:lnT>
+                    <a:lnB>
+                      <a:noFill/>
+                    </a:lnB>
+                  </a:tcPr>
+                </a:tc>
+                <a:tc vMerge="1">
+                  <a:txBody>
+                    <a:bodyPr/>
+                    <a:lstStyle/>
+                    <a:p>
+                      <a:endParaRPr lang="zh-CN" altLang="en-US"/>
+                    </a:p>
+                  </a:txBody>
+                  <a:tcPr/>
+                </a:tc>
+              </a:tr>
+              <a:tr h="215085">
+                <a:tc vMerge="1">
+                  <a:txBody>
+                    <a:bodyPr/>
+                    <a:lstStyle/>
+                    <a:p>
+                      <a:endParaRPr lang="zh-CN" altLang="en-US"/>
+                    </a:p>
+                  </a:txBody>
+                  <a:tcPr/>
+                </a:tc>
+                <a:tc vMerge="1">
+                  <a:txBody>
+                    <a:bodyPr/>
+                    <a:lstStyle/>
+                    <a:p>
+                      <a:endParaRPr lang="zh-CN" altLang="en-US"/>
+                    </a:p>
+                  </a:txBody>
+                  <a:tcPr/>
+                </a:tc>
+                <a:tc>
+                  <a:txBody>
+                    <a:bodyPr/>
+                    <a:lstStyle/>
+                    <a:p>
+                      <a:pPr algn="l" fontAlgn="ctr"/>
+                      <a:r>
+                        <a:rPr lang="en-US" sz="1400" b="0" i="0" u="none" strike="noStrike">
+                          <a:solidFill>
+                            <a:srgbClr val="000000"/>
+                          </a:solidFill>
+                          <a:latin typeface="宋体"/>
+                        </a:rPr>
+                        <a:t>b)</a:t>
+                      </a:r>
+                      <a:r>
+                        <a:rPr lang="zh-CN" altLang="en-US" sz="1400" b="0" i="0" u="none" strike="noStrike">
+                          <a:solidFill>
+                            <a:srgbClr val="000000"/>
+                          </a:solidFill>
+                          <a:latin typeface="宋体"/>
+                        </a:rPr>
+                        <a:t>根据项目实施的需要，为现场工程提供技术支持。</a:t>
+                      </a:r>
+                    </a:p>
+                  </a:txBody>
+                  <a:tcPr marL="6137" marR="6137" marT="6137" marB="0" anchor="ctr">
+                    <a:lnL w="6350" cap="flat" cmpd="sng" algn="ctr">
+                      <a:solidFill>
+                        <a:srgbClr val="000000"/>
+                      </a:solidFill>
+                      <a:prstDash val="solid"/>
+                      <a:round/>
+                      <a:headEnd type="none" w="med" len="med"/>
+                      <a:tailEnd type="none" w="med" len="med"/>
+                    </a:lnL>
+                    <a:lnR w="6350" cap="flat" cmpd="sng" algn="ctr">
+                      <a:solidFill>
+                        <a:srgbClr val="000000"/>
+                      </a:solidFill>
+                      <a:prstDash val="solid"/>
+                      <a:round/>
+                      <a:headEnd type="none" w="med" len="med"/>
+                      <a:tailEnd type="none" w="med" len="med"/>
+                    </a:lnR>
+                    <a:lnT>
+                      <a:noFill/>
+                    </a:lnT>
+                    <a:lnB>
+                      <a:noFill/>
+                    </a:lnB>
+                  </a:tcPr>
+                </a:tc>
+                <a:tc vMerge="1">
+                  <a:txBody>
+                    <a:bodyPr/>
+                    <a:lstStyle/>
+                    <a:p>
+                      <a:endParaRPr lang="zh-CN" altLang="en-US"/>
+                    </a:p>
+                  </a:txBody>
+                  <a:tcPr/>
+                </a:tc>
+              </a:tr>
+              <a:tr h="265808">
+                <a:tc vMerge="1">
+                  <a:txBody>
+                    <a:bodyPr/>
+                    <a:lstStyle/>
+                    <a:p>
+                      <a:endParaRPr lang="zh-CN" altLang="en-US"/>
+                    </a:p>
+                  </a:txBody>
+                  <a:tcPr/>
+                </a:tc>
+                <a:tc vMerge="1">
+                  <a:txBody>
+                    <a:bodyPr/>
+                    <a:lstStyle/>
+                    <a:p>
+                      <a:endParaRPr lang="zh-CN" altLang="en-US"/>
+                    </a:p>
+                  </a:txBody>
+                  <a:tcPr/>
+                </a:tc>
+                <a:tc>
+                  <a:txBody>
+                    <a:bodyPr/>
+                    <a:lstStyle/>
+                    <a:p>
+                      <a:pPr algn="l" fontAlgn="ctr"/>
+                      <a:r>
+                        <a:rPr lang="en-US" sz="1400" b="0" i="0" u="none" strike="noStrike" dirty="0">
+                          <a:solidFill>
+                            <a:srgbClr val="000000"/>
+                          </a:solidFill>
+                          <a:latin typeface="宋体"/>
+                        </a:rPr>
+                        <a:t>c)</a:t>
+                      </a:r>
+                      <a:r>
+                        <a:rPr lang="zh-CN" altLang="en-US" sz="1400" b="0" i="0" u="none" strike="noStrike" dirty="0">
+                          <a:solidFill>
+                            <a:srgbClr val="000000"/>
+                          </a:solidFill>
+                          <a:latin typeface="宋体"/>
+                        </a:rPr>
+                        <a:t>依据变更流程，完成产品维护阶段的优化改进和设计变更任务。</a:t>
+                      </a:r>
+                    </a:p>
+                  </a:txBody>
+                  <a:tcPr marL="6137" marR="6137" marT="6137" marB="0" anchor="ctr">
+                    <a:lnL w="6350" cap="flat" cmpd="sng" algn="ctr">
+                      <a:solidFill>
+                        <a:srgbClr val="000000"/>
+                      </a:solidFill>
+                      <a:prstDash val="solid"/>
+                      <a:round/>
+                      <a:headEnd type="none" w="med" len="med"/>
+                      <a:tailEnd type="none" w="med" len="med"/>
+                    </a:lnL>
+                    <a:lnR w="6350" cap="flat" cmpd="sng" algn="ctr">
+                      <a:solidFill>
+                        <a:srgbClr val="000000"/>
+                      </a:solidFill>
+                      <a:prstDash val="solid"/>
+                      <a:round/>
+                      <a:headEnd type="none" w="med" len="med"/>
+                      <a:tailEnd type="none" w="med" len="med"/>
+                    </a:lnR>
+                    <a:lnT>
+                      <a:noFill/>
+                    </a:lnT>
+                    <a:lnB>
+                      <a:noFill/>
+                    </a:lnB>
+                  </a:tcPr>
+                </a:tc>
+                <a:tc vMerge="1">
+                  <a:txBody>
+                    <a:bodyPr/>
+                    <a:lstStyle/>
+                    <a:p>
+                      <a:endParaRPr lang="zh-CN" altLang="en-US"/>
+                    </a:p>
+                  </a:txBody>
+                  <a:tcPr/>
+                </a:tc>
+              </a:tr>
+              <a:tr h="215085">
+                <a:tc vMerge="1">
+                  <a:txBody>
+                    <a:bodyPr/>
+                    <a:lstStyle/>
+                    <a:p>
+                      <a:endParaRPr lang="zh-CN" altLang="en-US"/>
+                    </a:p>
+                  </a:txBody>
+                  <a:tcPr/>
+                </a:tc>
+                <a:tc vMerge="1">
+                  <a:txBody>
+                    <a:bodyPr/>
+                    <a:lstStyle/>
+                    <a:p>
+                      <a:endParaRPr lang="zh-CN" altLang="en-US"/>
+                    </a:p>
+                  </a:txBody>
+                  <a:tcPr/>
+                </a:tc>
+                <a:tc>
+                  <a:txBody>
+                    <a:bodyPr/>
+                    <a:lstStyle/>
+                    <a:p>
+                      <a:pPr algn="l" fontAlgn="ctr"/>
+                      <a:r>
+                        <a:rPr lang="en-US" sz="1400" b="0" i="0" u="none" strike="noStrike" dirty="0">
+                          <a:solidFill>
+                            <a:srgbClr val="000000"/>
+                          </a:solidFill>
+                          <a:latin typeface="宋体"/>
+                        </a:rPr>
+                        <a:t>d)</a:t>
+                      </a:r>
+                      <a:r>
+                        <a:rPr lang="zh-CN" altLang="en-US" sz="1400" b="0" i="0" u="none" strike="noStrike" dirty="0">
+                          <a:solidFill>
+                            <a:srgbClr val="000000"/>
+                          </a:solidFill>
+                          <a:latin typeface="宋体"/>
+                        </a:rPr>
+                        <a:t>协助产品的销售工作，对相关人员完成产品的技术培训。</a:t>
+                      </a:r>
+                    </a:p>
+                  </a:txBody>
+                  <a:tcPr marL="6137" marR="6137" marT="6137" marB="0" anchor="ctr">
+                    <a:lnL w="6350" cap="flat" cmpd="sng" algn="ctr">
+                      <a:solidFill>
+                        <a:srgbClr val="000000"/>
+                      </a:solidFill>
+                      <a:prstDash val="solid"/>
+                      <a:round/>
+                      <a:headEnd type="none" w="med" len="med"/>
+                      <a:tailEnd type="none" w="med" len="med"/>
+                    </a:lnL>
+                    <a:lnR w="6350" cap="flat" cmpd="sng" algn="ctr">
+                      <a:solidFill>
+                        <a:srgbClr val="000000"/>
+                      </a:solidFill>
+                      <a:prstDash val="solid"/>
+                      <a:round/>
+                      <a:headEnd type="none" w="med" len="med"/>
+                      <a:tailEnd type="none" w="med" len="med"/>
+                    </a:lnR>
+                    <a:lnT>
+                      <a:noFill/>
+                    </a:lnT>
+                    <a:lnB w="6350" cap="flat" cmpd="sng" algn="ctr">
+                      <a:solidFill>
+                        <a:srgbClr val="000000"/>
+                      </a:solidFill>
+                      <a:prstDash val="solid"/>
+                      <a:round/>
+                      <a:headEnd type="none" w="med" len="med"/>
+                      <a:tailEnd type="none" w="med" len="med"/>
+                    </a:lnB>
+                  </a:tcPr>
+                </a:tc>
+                <a:tc vMerge="1">
+                  <a:txBody>
+                    <a:bodyPr/>
+                    <a:lstStyle/>
+                    <a:p>
+                      <a:endParaRPr lang="zh-CN" altLang="en-US"/>
+                    </a:p>
+                  </a:txBody>
+                  <a:tcPr/>
+                </a:tc>
+              </a:tr>
+              <a:tr h="215085">
+                <a:tc rowSpan="3">
+                  <a:txBody>
+                    <a:bodyPr/>
+                    <a:lstStyle/>
+                    <a:p>
+                      <a:pPr algn="ctr" fontAlgn="ctr"/>
+                      <a:r>
+                        <a:rPr lang="zh-CN" altLang="en-US" sz="1400" b="0" i="0" u="none" strike="noStrike">
+                          <a:solidFill>
+                            <a:srgbClr val="000000"/>
+                          </a:solidFill>
+                          <a:latin typeface="宋体"/>
+                        </a:rPr>
+                        <a:t>职责和任务</a:t>
+                      </a:r>
+                      <a:r>
+                        <a:rPr lang="en-US" altLang="zh-CN" sz="1400" b="0" i="0" u="none" strike="noStrike">
+                          <a:solidFill>
+                            <a:srgbClr val="000000"/>
+                          </a:solidFill>
+                          <a:latin typeface="宋体"/>
+                        </a:rPr>
+                        <a:t>4</a:t>
+                      </a:r>
+                    </a:p>
+                  </a:txBody>
+                  <a:tcPr marL="6137" marR="6137" marT="6137" marB="0" anchor="ctr">
+                    <a:lnL w="6350" cap="flat" cmpd="sng" algn="ctr">
+                      <a:solidFill>
+                        <a:srgbClr val="000000"/>
+                      </a:solidFill>
+                      <a:prstDash val="solid"/>
+                      <a:round/>
+                      <a:headEnd type="none" w="med" len="med"/>
+                      <a:tailEnd type="none" w="med" len="med"/>
+                    </a:lnL>
+                    <a:lnR w="6350" cap="flat" cmpd="sng" algn="ctr">
+                      <a:solidFill>
+                        <a:srgbClr val="000000"/>
+                      </a:solidFill>
+                      <a:prstDash val="solid"/>
+                      <a:round/>
+                      <a:headEnd type="none" w="med" len="med"/>
+                      <a:tailEnd type="none" w="med" len="med"/>
+                    </a:lnR>
+                    <a:lnT w="6350" cap="flat" cmpd="sng" algn="ctr">
+                      <a:solidFill>
+                        <a:srgbClr val="000000"/>
+                      </a:solidFill>
+                      <a:prstDash val="solid"/>
+                      <a:round/>
+                      <a:headEnd type="none" w="med" len="med"/>
+                      <a:tailEnd type="none" w="med" len="med"/>
+                    </a:lnT>
+                    <a:lnB w="6350" cap="flat" cmpd="sng" algn="ctr">
+                      <a:solidFill>
+                        <a:srgbClr val="000000"/>
+                      </a:solidFill>
+                      <a:prstDash val="solid"/>
+                      <a:round/>
+                      <a:headEnd type="none" w="med" len="med"/>
+                      <a:tailEnd type="none" w="med" len="med"/>
+                    </a:lnB>
+                  </a:tcPr>
+                </a:tc>
+                <a:tc>
+                  <a:txBody>
+                    <a:bodyPr/>
+                    <a:lstStyle/>
+                    <a:p>
+                      <a:pPr algn="ctr" fontAlgn="ctr"/>
+                      <a:r>
+                        <a:rPr lang="zh-CN" altLang="en-US" sz="1400" b="0" i="0" u="none" strike="noStrike">
+                          <a:solidFill>
+                            <a:srgbClr val="000000"/>
+                          </a:solidFill>
+                          <a:latin typeface="宋体"/>
+                        </a:rPr>
+                        <a:t>职责描述</a:t>
+                      </a:r>
+                    </a:p>
+                  </a:txBody>
+                  <a:tcPr marL="6137" marR="6137" marT="6137" marB="0" anchor="ctr">
+                    <a:lnL w="6350" cap="flat" cmpd="sng" algn="ctr">
+                      <a:solidFill>
+                        <a:srgbClr val="000000"/>
+                      </a:solidFill>
+                      <a:prstDash val="solid"/>
+                      <a:round/>
+                      <a:headEnd type="none" w="med" len="med"/>
+                      <a:tailEnd type="none" w="med" len="med"/>
+                    </a:lnL>
+                    <a:lnR w="6350" cap="flat" cmpd="sng" algn="ctr">
+                      <a:solidFill>
+                        <a:srgbClr val="000000"/>
+                      </a:solidFill>
+                      <a:prstDash val="solid"/>
+                      <a:round/>
+                      <a:headEnd type="none" w="med" len="med"/>
+                      <a:tailEnd type="none" w="med" len="med"/>
+                    </a:lnR>
+                    <a:lnT w="6350" cap="flat" cmpd="sng" algn="ctr">
+                      <a:solidFill>
+                        <a:srgbClr val="000000"/>
+                      </a:solidFill>
+                      <a:prstDash val="solid"/>
+                      <a:round/>
+                      <a:headEnd type="none" w="med" len="med"/>
+                      <a:tailEnd type="none" w="med" len="med"/>
+                    </a:lnT>
+                    <a:lnB w="6350" cap="flat" cmpd="sng" algn="ctr">
+                      <a:solidFill>
+                        <a:srgbClr val="000000"/>
+                      </a:solidFill>
+                      <a:prstDash val="solid"/>
+                      <a:round/>
+                      <a:headEnd type="none" w="med" len="med"/>
+                      <a:tailEnd type="none" w="med" len="med"/>
+                    </a:lnB>
+                  </a:tcPr>
+                </a:tc>
+                <a:tc>
+                  <a:txBody>
+                    <a:bodyPr/>
+                    <a:lstStyle/>
+                    <a:p>
+                      <a:pPr algn="l" fontAlgn="ctr"/>
+                      <a:r>
+                        <a:rPr lang="zh-CN" altLang="en-US" sz="1400" b="0" i="0" u="none" strike="noStrike">
+                          <a:solidFill>
+                            <a:srgbClr val="000000"/>
+                          </a:solidFill>
+                          <a:latin typeface="宋体"/>
+                        </a:rPr>
+                        <a:t>遵守公司的规章制度，主动汇报工作情况。</a:t>
+                      </a:r>
+                    </a:p>
+                  </a:txBody>
+                  <a:tcPr marL="6137" marR="6137" marT="6137" marB="0" anchor="ctr">
+                    <a:lnL w="6350" cap="flat" cmpd="sng" algn="ctr">
+                      <a:solidFill>
+                        <a:srgbClr val="000000"/>
+                      </a:solidFill>
+                      <a:prstDash val="solid"/>
+                      <a:round/>
+                      <a:headEnd type="none" w="med" len="med"/>
+                      <a:tailEnd type="none" w="med" len="med"/>
+                    </a:lnL>
+                    <a:lnR w="6350" cap="flat" cmpd="sng" algn="ctr">
+                      <a:solidFill>
+                        <a:srgbClr val="000000"/>
+                      </a:solidFill>
+                      <a:prstDash val="solid"/>
+                      <a:round/>
+                      <a:headEnd type="none" w="med" len="med"/>
+                      <a:tailEnd type="none" w="med" len="med"/>
+                    </a:lnR>
+                    <a:lnT w="6350" cap="flat" cmpd="sng" algn="ctr">
+                      <a:solidFill>
+                        <a:srgbClr val="000000"/>
+                      </a:solidFill>
+                      <a:prstDash val="solid"/>
+                      <a:round/>
+                      <a:headEnd type="none" w="med" len="med"/>
+                      <a:tailEnd type="none" w="med" len="med"/>
+                    </a:lnT>
+                    <a:lnB w="6350" cap="flat" cmpd="sng" algn="ctr">
+                      <a:solidFill>
+                        <a:srgbClr val="000000"/>
+                      </a:solidFill>
+                      <a:prstDash val="solid"/>
+                      <a:round/>
+                      <a:headEnd type="none" w="med" len="med"/>
+                      <a:tailEnd type="none" w="med" len="med"/>
+                    </a:lnB>
+                  </a:tcPr>
+                </a:tc>
+                <a:tc rowSpan="3">
+                  <a:txBody>
+                    <a:bodyPr/>
+                    <a:lstStyle/>
+                    <a:p>
+                      <a:pPr algn="ctr" fontAlgn="ctr"/>
+                      <a:r>
+                        <a:rPr lang="zh-CN" altLang="en-US" sz="1400" b="0" i="0" u="none" strike="noStrike" dirty="0" smtClean="0">
+                          <a:solidFill>
+                            <a:schemeClr val="tx1"/>
+                          </a:solidFill>
+                          <a:latin typeface="宋体"/>
+                        </a:rPr>
+                        <a:t>遇到问题主动交流和汇报，遵守公司规章制度</a:t>
+                      </a:r>
+                      <a:endParaRPr lang="zh-CN" altLang="en-US" sz="1400" b="0" i="0" u="none" strike="noStrike" dirty="0">
+                        <a:solidFill>
+                          <a:schemeClr val="tx1"/>
+                        </a:solidFill>
+                        <a:latin typeface="宋体"/>
+                      </a:endParaRPr>
+                    </a:p>
+                  </a:txBody>
+                  <a:tcPr marL="6137" marR="6137" marT="6137" marB="0" anchor="ctr">
+                    <a:lnL w="6350" cap="flat" cmpd="sng" algn="ctr">
+                      <a:solidFill>
+                        <a:srgbClr val="000000"/>
+                      </a:solidFill>
+                      <a:prstDash val="solid"/>
+                      <a:round/>
+                      <a:headEnd type="none" w="med" len="med"/>
+                      <a:tailEnd type="none" w="med" len="med"/>
+                    </a:lnL>
+                    <a:lnR w="6350" cap="flat" cmpd="sng" algn="ctr">
+                      <a:solidFill>
+                        <a:srgbClr val="000000"/>
+                      </a:solidFill>
+                      <a:prstDash val="solid"/>
+                      <a:round/>
+                      <a:headEnd type="none" w="med" len="med"/>
+                      <a:tailEnd type="none" w="med" len="med"/>
+                    </a:lnR>
+                    <a:lnT w="6350" cap="flat" cmpd="sng" algn="ctr">
+                      <a:solidFill>
+                        <a:srgbClr val="000000"/>
+                      </a:solidFill>
+                      <a:prstDash val="solid"/>
+                      <a:round/>
+                      <a:headEnd type="none" w="med" len="med"/>
+                      <a:tailEnd type="none" w="med" len="med"/>
+                    </a:lnT>
+                    <a:lnB w="6350" cap="flat" cmpd="sng" algn="ctr">
+                      <a:solidFill>
+                        <a:srgbClr val="000000"/>
+                      </a:solidFill>
+                      <a:prstDash val="solid"/>
+                      <a:round/>
+                      <a:headEnd type="none" w="med" len="med"/>
+                      <a:tailEnd type="none" w="med" len="med"/>
+                    </a:lnB>
+                  </a:tcPr>
+                </a:tc>
+              </a:tr>
+              <a:tr h="215085">
+                <a:tc vMerge="1">
+                  <a:txBody>
+                    <a:bodyPr/>
+                    <a:lstStyle/>
+                    <a:p>
+                      <a:endParaRPr lang="zh-CN" altLang="en-US"/>
+                    </a:p>
+                  </a:txBody>
+                  <a:tcPr/>
+                </a:tc>
+                <a:tc rowSpan="2">
+                  <a:txBody>
+                    <a:bodyPr/>
+                    <a:lstStyle/>
+                    <a:p>
+                      <a:pPr algn="ctr" fontAlgn="ctr"/>
+                      <a:r>
+                        <a:rPr lang="zh-CN" altLang="en-US" sz="1400" b="0" i="0" u="none" strike="noStrike">
+                          <a:solidFill>
+                            <a:srgbClr val="000000"/>
+                          </a:solidFill>
+                          <a:latin typeface="宋体"/>
+                        </a:rPr>
+                        <a:t>工作任务</a:t>
+                      </a:r>
+                    </a:p>
+                  </a:txBody>
+                  <a:tcPr marL="6137" marR="6137" marT="6137" marB="0" anchor="ctr">
+                    <a:lnL w="6350" cap="flat" cmpd="sng" algn="ctr">
+                      <a:solidFill>
+                        <a:srgbClr val="000000"/>
+                      </a:solidFill>
+                      <a:prstDash val="solid"/>
+                      <a:round/>
+                      <a:headEnd type="none" w="med" len="med"/>
+                      <a:tailEnd type="none" w="med" len="med"/>
+                    </a:lnL>
+                    <a:lnR w="6350" cap="flat" cmpd="sng" algn="ctr">
+                      <a:solidFill>
+                        <a:srgbClr val="000000"/>
+                      </a:solidFill>
+                      <a:prstDash val="solid"/>
+                      <a:round/>
+                      <a:headEnd type="none" w="med" len="med"/>
+                      <a:tailEnd type="none" w="med" len="med"/>
+                    </a:lnR>
+                    <a:lnT w="6350" cap="flat" cmpd="sng" algn="ctr">
+                      <a:solidFill>
+                        <a:srgbClr val="000000"/>
+                      </a:solidFill>
+                      <a:prstDash val="solid"/>
+                      <a:round/>
+                      <a:headEnd type="none" w="med" len="med"/>
+                      <a:tailEnd type="none" w="med" len="med"/>
+                    </a:lnT>
+                    <a:lnB w="6350" cap="flat" cmpd="sng" algn="ctr">
+                      <a:solidFill>
+                        <a:srgbClr val="000000"/>
+                      </a:solidFill>
+                      <a:prstDash val="solid"/>
+                      <a:round/>
+                      <a:headEnd type="none" w="med" len="med"/>
+                      <a:tailEnd type="none" w="med" len="med"/>
+                    </a:lnB>
+                  </a:tcPr>
+                </a:tc>
+                <a:tc>
+                  <a:txBody>
+                    <a:bodyPr/>
+                    <a:lstStyle/>
+                    <a:p>
+                      <a:pPr algn="l" fontAlgn="ctr"/>
+                      <a:r>
+                        <a:rPr lang="en-US" sz="1400" b="0" i="0" u="none" strike="noStrike">
+                          <a:solidFill>
+                            <a:srgbClr val="000000"/>
+                          </a:solidFill>
+                          <a:latin typeface="宋体"/>
+                        </a:rPr>
+                        <a:t>a)</a:t>
+                      </a:r>
+                      <a:r>
+                        <a:rPr lang="zh-CN" altLang="en-US" sz="1400" b="0" i="0" u="none" strike="noStrike">
+                          <a:solidFill>
+                            <a:srgbClr val="000000"/>
+                          </a:solidFill>
+                          <a:latin typeface="宋体"/>
+                        </a:rPr>
+                        <a:t>对工作的进展情况及遇到的问题，进行汇报和反馈。</a:t>
+                      </a:r>
+                    </a:p>
+                  </a:txBody>
+                  <a:tcPr marL="6137" marR="6137" marT="6137" marB="0" anchor="ctr">
+                    <a:lnL w="6350" cap="flat" cmpd="sng" algn="ctr">
+                      <a:solidFill>
+                        <a:srgbClr val="000000"/>
+                      </a:solidFill>
+                      <a:prstDash val="solid"/>
+                      <a:round/>
+                      <a:headEnd type="none" w="med" len="med"/>
+                      <a:tailEnd type="none" w="med" len="med"/>
+                    </a:lnL>
+                    <a:lnR w="6350" cap="flat" cmpd="sng" algn="ctr">
+                      <a:solidFill>
+                        <a:srgbClr val="000000"/>
+                      </a:solidFill>
+                      <a:prstDash val="solid"/>
+                      <a:round/>
+                      <a:headEnd type="none" w="med" len="med"/>
+                      <a:tailEnd type="none" w="med" len="med"/>
+                    </a:lnR>
+                    <a:lnT w="6350" cap="flat" cmpd="sng" algn="ctr">
+                      <a:solidFill>
+                        <a:srgbClr val="000000"/>
+                      </a:solidFill>
+                      <a:prstDash val="solid"/>
+                      <a:round/>
+                      <a:headEnd type="none" w="med" len="med"/>
+                      <a:tailEnd type="none" w="med" len="med"/>
+                    </a:lnT>
+                    <a:lnB>
+                      <a:noFill/>
+                    </a:lnB>
+                  </a:tcPr>
+                </a:tc>
+                <a:tc vMerge="1">
+                  <a:txBody>
+                    <a:bodyPr/>
+                    <a:lstStyle/>
+                    <a:p>
+                      <a:endParaRPr lang="zh-CN" altLang="en-US"/>
+                    </a:p>
+                  </a:txBody>
+                  <a:tcPr/>
+                </a:tc>
+              </a:tr>
+              <a:tr h="215085">
+                <a:tc vMerge="1">
+                  <a:txBody>
+                    <a:bodyPr/>
+                    <a:lstStyle/>
+                    <a:p>
+                      <a:endParaRPr lang="zh-CN" altLang="en-US"/>
+                    </a:p>
+                  </a:txBody>
+                  <a:tcPr/>
+                </a:tc>
+                <a:tc vMerge="1">
+                  <a:txBody>
+                    <a:bodyPr/>
+                    <a:lstStyle/>
+                    <a:p>
+                      <a:endParaRPr lang="zh-CN" altLang="en-US"/>
+                    </a:p>
+                  </a:txBody>
+                  <a:tcPr/>
+                </a:tc>
+                <a:tc>
+                  <a:txBody>
+                    <a:bodyPr/>
+                    <a:lstStyle/>
+                    <a:p>
+                      <a:pPr algn="l" fontAlgn="ctr"/>
+                      <a:r>
+                        <a:rPr lang="en-US" sz="1400" b="0" i="0" u="none" strike="noStrike" dirty="0">
+                          <a:solidFill>
+                            <a:srgbClr val="000000"/>
+                          </a:solidFill>
+                          <a:latin typeface="宋体"/>
+                        </a:rPr>
+                        <a:t>b)</a:t>
+                      </a:r>
+                      <a:r>
+                        <a:rPr lang="zh-CN" altLang="en-US" sz="1400" b="0" i="0" u="none" strike="noStrike" dirty="0">
+                          <a:solidFill>
+                            <a:srgbClr val="000000"/>
+                          </a:solidFill>
+                          <a:latin typeface="宋体"/>
+                        </a:rPr>
+                        <a:t>遵守公司的规章制度，参与公司的企业文化活动。</a:t>
+                      </a:r>
+                    </a:p>
+                  </a:txBody>
+                  <a:tcPr marL="6137" marR="6137" marT="6137" marB="0" anchor="ctr">
+                    <a:lnL w="6350" cap="flat" cmpd="sng" algn="ctr">
+                      <a:solidFill>
+                        <a:srgbClr val="000000"/>
+                      </a:solidFill>
+                      <a:prstDash val="solid"/>
+                      <a:round/>
+                      <a:headEnd type="none" w="med" len="med"/>
+                      <a:tailEnd type="none" w="med" len="med"/>
+                    </a:lnL>
+                    <a:lnR w="6350" cap="flat" cmpd="sng" algn="ctr">
+                      <a:solidFill>
+                        <a:srgbClr val="000000"/>
+                      </a:solidFill>
+                      <a:prstDash val="solid"/>
+                      <a:round/>
+                      <a:headEnd type="none" w="med" len="med"/>
+                      <a:tailEnd type="none" w="med" len="med"/>
+                    </a:lnR>
+                    <a:lnT>
+                      <a:noFill/>
+                    </a:lnT>
+                    <a:lnB w="6350" cap="flat" cmpd="sng" algn="ctr">
+                      <a:solidFill>
+                        <a:srgbClr val="000000"/>
+                      </a:solidFill>
+                      <a:prstDash val="solid"/>
+                      <a:round/>
+                      <a:headEnd type="none" w="med" len="med"/>
+                      <a:tailEnd type="none" w="med" len="med"/>
+                    </a:lnB>
+                  </a:tcPr>
+                </a:tc>
+                <a:tc vMerge="1">
+                  <a:txBody>
+                    <a:bodyPr/>
+                    <a:lstStyle/>
+                    <a:p>
+                      <a:endParaRPr lang="zh-CN" altLang="en-US"/>
+                    </a:p>
+                  </a:txBody>
+                  <a:tcPr/>
+                </a:tc>
+              </a:tr>
+            </a:tbl>
+          </a:graphicData>
+        </a:graphic>
+      </p:graphicFrame>
+      <p:sp>
+        <p:nvSpPr>
+          <p:cNvPr id="7" name="标题 4"/>
+          <p:cNvSpPr txBox="1">
+            <a:spLocks/>
+          </p:cNvSpPr>
+          <p:nvPr/>
+        </p:nvSpPr>
+        <p:spPr bwMode="auto">
+          <a:xfrm>
+            <a:off x="696913" y="188640"/>
+            <a:ext cx="5867400" cy="563562"/>
+          </a:xfrm>
+          <a:prstGeom prst="rect">
+            <a:avLst/>
+          </a:prstGeom>
+          <a:noFill/>
+          <a:ln w="9525">
+            <a:noFill/>
+            <a:miter lim="800000"/>
+          </a:ln>
+        </p:spPr>
+        <p:txBody>
+          <a:bodyPr vert="horz" wrap="square" lIns="91440" tIns="45720" rIns="91440" bIns="45720" numCol="1" anchor="ctr" anchorCtr="0" compatLnSpc="1"/>
+          <a:lstStyle>
+            <a:lvl1pPr algn="l" rtl="0" eaLnBrk="0" fontAlgn="base" hangingPunct="0">
+              <a:spcBef>
+                <a:spcPct val="0"/>
+              </a:spcBef>
+              <a:spcAft>
+                <a:spcPct val="0"/>
+              </a:spcAft>
+              <a:defRPr sz="2800" b="1">
+                <a:solidFill>
+                  <a:schemeClr val="bg1"/>
+                </a:solidFill>
+                <a:latin typeface="黑体" panose="02010609060101010101" pitchFamily="2" charset="-122"/>
+                <a:ea typeface="黑体" panose="02010609060101010101" pitchFamily="2" charset="-122"/>
+                <a:cs typeface="+mj-cs"/>
+              </a:defRPr>
+            </a:lvl1pPr>
+            <a:lvl2pPr algn="l" rtl="0" eaLnBrk="0" fontAlgn="base" hangingPunct="0">
+              <a:spcBef>
+                <a:spcPct val="0"/>
+              </a:spcBef>
+              <a:spcAft>
+                <a:spcPct val="0"/>
+              </a:spcAft>
+              <a:defRPr sz="2800" b="1">
+                <a:solidFill>
+                  <a:schemeClr val="bg1"/>
+                </a:solidFill>
+                <a:latin typeface="黑体" panose="02010609060101010101" pitchFamily="2" charset="-122"/>
+                <a:ea typeface="黑体" panose="02010609060101010101" pitchFamily="2" charset="-122"/>
+              </a:defRPr>
+            </a:lvl2pPr>
+            <a:lvl3pPr algn="l" rtl="0" eaLnBrk="0" fontAlgn="base" hangingPunct="0">
+              <a:spcBef>
+                <a:spcPct val="0"/>
+              </a:spcBef>
+              <a:spcAft>
+                <a:spcPct val="0"/>
+              </a:spcAft>
+              <a:defRPr sz="2800" b="1">
+                <a:solidFill>
+                  <a:schemeClr val="bg1"/>
+                </a:solidFill>
+                <a:latin typeface="黑体" panose="02010609060101010101" pitchFamily="2" charset="-122"/>
+                <a:ea typeface="黑体" panose="02010609060101010101" pitchFamily="2" charset="-122"/>
+              </a:defRPr>
+            </a:lvl3pPr>
+            <a:lvl4pPr algn="l" rtl="0" eaLnBrk="0" fontAlgn="base" hangingPunct="0">
+              <a:spcBef>
+                <a:spcPct val="0"/>
+              </a:spcBef>
+              <a:spcAft>
+                <a:spcPct val="0"/>
+              </a:spcAft>
+              <a:defRPr sz="2800" b="1">
+                <a:solidFill>
+                  <a:schemeClr val="bg1"/>
+                </a:solidFill>
+                <a:latin typeface="黑体" panose="02010609060101010101" pitchFamily="2" charset="-122"/>
+                <a:ea typeface="黑体" panose="02010609060101010101" pitchFamily="2" charset="-122"/>
+              </a:defRPr>
+            </a:lvl4pPr>
+            <a:lvl5pPr algn="l" rtl="0" eaLnBrk="0" fontAlgn="base" hangingPunct="0">
+              <a:spcBef>
+                <a:spcPct val="0"/>
+              </a:spcBef>
+              <a:spcAft>
+                <a:spcPct val="0"/>
+              </a:spcAft>
+              <a:defRPr sz="2800" b="1">
+                <a:solidFill>
+                  <a:schemeClr val="bg1"/>
+                </a:solidFill>
+                <a:latin typeface="黑体" panose="02010609060101010101" pitchFamily="2" charset="-122"/>
+                <a:ea typeface="黑体" panose="02010609060101010101" pitchFamily="2" charset="-122"/>
+              </a:defRPr>
+            </a:lvl5pPr>
+            <a:lvl6pPr marL="457200" algn="l" rtl="0" eaLnBrk="1" fontAlgn="base" hangingPunct="1">
+              <a:spcBef>
+                <a:spcPct val="0"/>
+              </a:spcBef>
+              <a:spcAft>
+                <a:spcPct val="0"/>
+              </a:spcAft>
+              <a:defRPr sz="2800" b="1">
+                <a:solidFill>
+                  <a:schemeClr val="bg1"/>
+                </a:solidFill>
+                <a:latin typeface="Arial" panose="020B0604020202020204" pitchFamily="34" charset="0"/>
+                <a:ea typeface="黑体" panose="02010609060101010101" pitchFamily="2" charset="-122"/>
+              </a:defRPr>
+            </a:lvl6pPr>
+            <a:lvl7pPr marL="914400" algn="l" rtl="0" eaLnBrk="1" fontAlgn="base" hangingPunct="1">
+              <a:spcBef>
+                <a:spcPct val="0"/>
+              </a:spcBef>
+              <a:spcAft>
+                <a:spcPct val="0"/>
+              </a:spcAft>
+              <a:defRPr sz="2800" b="1">
+                <a:solidFill>
+                  <a:schemeClr val="bg1"/>
+                </a:solidFill>
+                <a:latin typeface="Arial" panose="020B0604020202020204" pitchFamily="34" charset="0"/>
+                <a:ea typeface="黑体" panose="02010609060101010101" pitchFamily="2" charset="-122"/>
+              </a:defRPr>
+            </a:lvl7pPr>
+            <a:lvl8pPr marL="1371600" algn="l" rtl="0" eaLnBrk="1" fontAlgn="base" hangingPunct="1">
+              <a:spcBef>
+                <a:spcPct val="0"/>
+              </a:spcBef>
+              <a:spcAft>
+                <a:spcPct val="0"/>
+              </a:spcAft>
+              <a:defRPr sz="2800" b="1">
+                <a:solidFill>
+                  <a:schemeClr val="bg1"/>
+                </a:solidFill>
+                <a:latin typeface="Arial" panose="020B0604020202020204" pitchFamily="34" charset="0"/>
+                <a:ea typeface="黑体" panose="02010609060101010101" pitchFamily="2" charset="-122"/>
+              </a:defRPr>
+            </a:lvl8pPr>
+            <a:lvl9pPr marL="1828800" algn="l" rtl="0" eaLnBrk="1" fontAlgn="base" hangingPunct="1">
+              <a:spcBef>
+                <a:spcPct val="0"/>
+              </a:spcBef>
+              <a:spcAft>
+                <a:spcPct val="0"/>
+              </a:spcAft>
+              <a:defRPr sz="2800" b="1">
+                <a:solidFill>
+                  <a:schemeClr val="bg1"/>
+                </a:solidFill>
+                <a:latin typeface="Arial" panose="020B0604020202020204" pitchFamily="34" charset="0"/>
+                <a:ea typeface="黑体" panose="02010609060101010101" pitchFamily="2" charset="-122"/>
+              </a:defRPr>
+            </a:lvl9pPr>
+          </a:lstStyle>
+          <a:p>
+            <a:r>
+              <a:rPr lang="zh-CN" altLang="en-US" dirty="0" smtClean="0">
+                <a:latin typeface="微软雅黑" pitchFamily="34" charset="-122"/>
+                <a:ea typeface="微软雅黑" pitchFamily="34" charset="-122"/>
+              </a:rPr>
+              <a:t>个人自评：岗位胜任情况</a:t>
+            </a:r>
+            <a:endParaRPr lang="zh-CN" altLang="en-US" dirty="0">
+              <a:latin typeface="微软雅黑" pitchFamily="34" charset="-122"/>
+              <a:ea typeface="微软雅黑" pitchFamily="34" charset="-122"/>
+            </a:endParaRPr>
+          </a:p>
+        </p:txBody>
+      </p:sp>
+    </p:spTree>
+    <p:extLst>
+      <p:ext uri="{BB962C8B-B14F-4D97-AF65-F5344CB8AC3E}">
+        <p14:creationId xmlns:p14="http://schemas.microsoft.com/office/powerpoint/2010/main" val="3756856956"/>
+      </p:ext>
+    </p:extLst>
+  </p:cSld>
+  <p:clrMapOvr>
+    <a:masterClrMapping/>
+  </p:clrMapOvr>
+  <p:transition/>
+  <p:timing>
+    <p:tnLst>
+      <p:par>
+        <p:cTn id="1" dur="indefinite" restart="never" nodeType="tmRoot"/>
+      </p:par>
+    </p:tnLst>
+  </p:timing>
+</p:sld>
+</file>
+
+<file path=ppt/slides/slide22.xml><?xml version="1.0" encoding="utf-8"?>
+<p:sld xmlns:a="http://schemas.openxmlformats.org/drawingml/2006/main" xmlns:r="http://schemas.openxmlformats.org/officeDocument/2006/relationships" xmlns:p="http://schemas.openxmlformats.org/presentationml/2006/main">
+  <p:cSld>
+    <p:spTree>
+      <p:nvGrpSpPr>
+        <p:cNvPr id="1" name=""/>
+        <p:cNvGrpSpPr/>
+        <p:nvPr/>
+      </p:nvGrpSpPr>
+      <p:grpSpPr>
+        <a:xfrm>
+          <a:off x="0" y="0"/>
+          <a:ext cx="0" cy="0"/>
+          <a:chOff x="0" y="0"/>
+          <a:chExt cx="0" cy="0"/>
+        </a:xfrm>
+      </p:grpSpPr>
+      <p:sp>
+        <p:nvSpPr>
           <p:cNvPr id="2" name="标题 1"/>
           <p:cNvSpPr>
             <a:spLocks noGrp="1"/>
@@ -14910,8 +19363,11 @@
           <a:lstStyle/>
           <a:p>
             <a:r>
-              <a:rPr lang="zh-CN" altLang="en-US" dirty="0" smtClean="0"/>
-              <a:t>个人自评</a:t>
+              <a:rPr lang="zh-CN" altLang="en-US" dirty="0">
+                <a:latin typeface="微软雅黑" pitchFamily="34" charset="-122"/>
+                <a:ea typeface="微软雅黑" pitchFamily="34" charset="-122"/>
+              </a:rPr>
+              <a:t>个人自评：任职资格认证</a:t>
             </a:r>
             <a:endParaRPr lang="zh-CN" altLang="en-US" dirty="0"/>
           </a:p>
@@ -14937,7 +19393,291 @@
             </a:pPr>
             <a:fld id="{4816A599-0D7A-4ED1-B317-DB57F830172B}" type="slidenum">
               <a:rPr lang="zh-CN" altLang="en-US" smtClean="0"/>
-              <a:t>20</a:t>
+              <a:t>22</a:t>
+            </a:fld>
+            <a:endParaRPr lang="zh-CN" altLang="en-US"/>
+          </a:p>
+        </p:txBody>
+      </p:sp>
+      <p:sp>
+        <p:nvSpPr>
+          <p:cNvPr id="5" name="内容占位符 5"/>
+          <p:cNvSpPr>
+            <a:spLocks noGrp="1"/>
+          </p:cNvSpPr>
+          <p:nvPr>
+            <p:ph idx="1"/>
+          </p:nvPr>
+        </p:nvSpPr>
+        <p:spPr>
+          <a:xfrm>
+            <a:off x="683568" y="1844824"/>
+            <a:ext cx="7776864" cy="1800200"/>
+          </a:xfrm>
+        </p:spPr>
+        <p:txBody>
+          <a:bodyPr/>
+          <a:lstStyle/>
+          <a:p>
+            <a:pPr>
+              <a:spcBef>
+                <a:spcPts val="600"/>
+              </a:spcBef>
+              <a:spcAft>
+                <a:spcPts val="0"/>
+              </a:spcAft>
+              <a:buFont typeface="Wingdings" pitchFamily="2" charset="2"/>
+              <a:buChar char="n"/>
+            </a:pPr>
+            <a:r>
+              <a:rPr lang="zh-CN" altLang="en-US" sz="1600" b="0" dirty="0" smtClean="0">
+                <a:latin typeface="微软雅黑" pitchFamily="34" charset="-122"/>
+              </a:rPr>
+              <a:t>开发</a:t>
+            </a:r>
+            <a:r>
+              <a:rPr lang="zh-CN" altLang="en-US" sz="1600" b="0" dirty="0" smtClean="0">
+                <a:latin typeface="微软雅黑" pitchFamily="34" charset="-122"/>
+              </a:rPr>
+              <a:t>设计</a:t>
+            </a:r>
+            <a:r>
+              <a:rPr lang="zh-CN" altLang="en-US" sz="1600" b="0" dirty="0" smtClean="0">
+                <a:latin typeface="微软雅黑" pitchFamily="34" charset="-122"/>
+              </a:rPr>
+              <a:t>；</a:t>
+            </a:r>
+            <a:endParaRPr lang="en-US" altLang="zh-CN" sz="1600" b="0" dirty="0">
+              <a:latin typeface="微软雅黑" pitchFamily="34" charset="-122"/>
+            </a:endParaRPr>
+          </a:p>
+          <a:p>
+            <a:pPr>
+              <a:spcBef>
+                <a:spcPts val="600"/>
+              </a:spcBef>
+              <a:spcAft>
+                <a:spcPts val="0"/>
+              </a:spcAft>
+              <a:buFont typeface="Wingdings" pitchFamily="2" charset="2"/>
+              <a:buChar char="n"/>
+            </a:pPr>
+            <a:r>
+              <a:rPr lang="zh-CN" altLang="en-US" sz="1600" b="0" dirty="0" smtClean="0">
+                <a:latin typeface="微软雅黑" pitchFamily="34" charset="-122"/>
+              </a:rPr>
+              <a:t>规范</a:t>
+            </a:r>
+            <a:r>
+              <a:rPr lang="zh-CN" altLang="en-US" sz="1600" b="0" dirty="0" smtClean="0">
+                <a:latin typeface="微软雅黑" pitchFamily="34" charset="-122"/>
+              </a:rPr>
+              <a:t>与流程管理</a:t>
+            </a:r>
+            <a:endParaRPr lang="en-US" altLang="zh-CN" sz="1600" b="0" dirty="0" smtClean="0">
+              <a:latin typeface="微软雅黑" pitchFamily="34" charset="-122"/>
+            </a:endParaRPr>
+          </a:p>
+          <a:p>
+            <a:pPr>
+              <a:spcBef>
+                <a:spcPts val="600"/>
+              </a:spcBef>
+              <a:spcAft>
+                <a:spcPts val="0"/>
+              </a:spcAft>
+              <a:buFont typeface="Wingdings" pitchFamily="2" charset="2"/>
+              <a:buChar char="n"/>
+            </a:pPr>
+            <a:r>
+              <a:rPr lang="zh-CN" altLang="en-US" sz="1600" b="0" dirty="0" smtClean="0">
+                <a:latin typeface="微软雅黑" pitchFamily="34" charset="-122"/>
+              </a:rPr>
+              <a:t>内外部交流</a:t>
+            </a:r>
+            <a:endParaRPr lang="en-US" altLang="zh-CN" sz="1600" b="0" dirty="0" smtClean="0">
+              <a:latin typeface="微软雅黑" pitchFamily="34" charset="-122"/>
+            </a:endParaRPr>
+          </a:p>
+          <a:p>
+            <a:pPr>
+              <a:spcBef>
+                <a:spcPts val="600"/>
+              </a:spcBef>
+              <a:spcAft>
+                <a:spcPts val="0"/>
+              </a:spcAft>
+              <a:buFont typeface="Wingdings" pitchFamily="2" charset="2"/>
+              <a:buChar char="n"/>
+            </a:pPr>
+            <a:r>
+              <a:rPr lang="zh-CN" altLang="en-US" sz="1600" b="0" dirty="0" smtClean="0">
+                <a:latin typeface="微软雅黑" pitchFamily="34" charset="-122"/>
+              </a:rPr>
+              <a:t>学习与分享</a:t>
+            </a:r>
+            <a:endParaRPr lang="en-US" altLang="zh-CN" sz="1600" b="0" dirty="0" smtClean="0">
+              <a:latin typeface="微软雅黑" pitchFamily="34" charset="-122"/>
+            </a:endParaRPr>
+          </a:p>
+          <a:p>
+            <a:pPr>
+              <a:spcBef>
+                <a:spcPts val="600"/>
+              </a:spcBef>
+              <a:spcAft>
+                <a:spcPts val="0"/>
+              </a:spcAft>
+              <a:buFont typeface="Wingdings" pitchFamily="2" charset="2"/>
+              <a:buChar char="n"/>
+            </a:pPr>
+            <a:endParaRPr lang="en-US" altLang="zh-CN" sz="1600" b="0" dirty="0" smtClean="0">
+              <a:latin typeface="微软雅黑" pitchFamily="34" charset="-122"/>
+            </a:endParaRPr>
+          </a:p>
+        </p:txBody>
+      </p:sp>
+      <p:sp>
+        <p:nvSpPr>
+          <p:cNvPr id="7" name="矩形 6"/>
+          <p:cNvSpPr/>
+          <p:nvPr/>
+        </p:nvSpPr>
+        <p:spPr>
+          <a:xfrm>
+            <a:off x="611560" y="1268760"/>
+            <a:ext cx="3877985" cy="338554"/>
+          </a:xfrm>
+          <a:prstGeom prst="rect">
+            <a:avLst/>
+          </a:prstGeom>
+        </p:spPr>
+        <p:txBody>
+          <a:bodyPr wrap="none">
+            <a:spAutoFit/>
+          </a:bodyPr>
+          <a:lstStyle/>
+          <a:p>
+            <a:pPr>
+              <a:spcBef>
+                <a:spcPts val="600"/>
+              </a:spcBef>
+            </a:pPr>
+            <a:r>
+              <a:rPr lang="zh-CN" altLang="en-US" sz="1600" b="1" dirty="0">
+                <a:solidFill>
+                  <a:srgbClr val="0070C0"/>
+                </a:solidFill>
+                <a:latin typeface="微软雅黑" pitchFamily="34" charset="-122"/>
+                <a:ea typeface="微软雅黑" pitchFamily="34" charset="-122"/>
+              </a:rPr>
+              <a:t>本次转正答辩需认证的任职资格标准</a:t>
+            </a:r>
+            <a:r>
+              <a:rPr lang="zh-CN" altLang="en-US" sz="1600" b="1" dirty="0" smtClean="0">
+                <a:solidFill>
+                  <a:srgbClr val="0070C0"/>
+                </a:solidFill>
+                <a:latin typeface="微软雅黑" pitchFamily="34" charset="-122"/>
+                <a:ea typeface="微软雅黑" pitchFamily="34" charset="-122"/>
+              </a:rPr>
+              <a:t>要素</a:t>
+            </a:r>
+            <a:endParaRPr lang="en-US" altLang="zh-CN" sz="1600" b="1" dirty="0">
+              <a:solidFill>
+                <a:srgbClr val="0070C0"/>
+              </a:solidFill>
+              <a:latin typeface="微软雅黑" pitchFamily="34" charset="-122"/>
+              <a:ea typeface="微软雅黑" pitchFamily="34" charset="-122"/>
+            </a:endParaRPr>
+          </a:p>
+        </p:txBody>
+      </p:sp>
+    </p:spTree>
+    <p:extLst>
+      <p:ext uri="{BB962C8B-B14F-4D97-AF65-F5344CB8AC3E}">
+        <p14:creationId xmlns:p14="http://schemas.microsoft.com/office/powerpoint/2010/main" val="1816215390"/>
+      </p:ext>
+    </p:extLst>
+  </p:cSld>
+  <p:clrMapOvr>
+    <a:masterClrMapping/>
+  </p:clrMapOvr>
+  <p:transition/>
+  <p:timing>
+    <p:tnLst>
+      <p:par>
+        <p:cTn id="1" dur="indefinite" restart="never" nodeType="tmRoot"/>
+      </p:par>
+    </p:tnLst>
+  </p:timing>
+</p:sld>
+</file>
+
+<file path=ppt/slides/slide23.xml><?xml version="1.0" encoding="utf-8"?>
+<p:sld xmlns:a="http://schemas.openxmlformats.org/drawingml/2006/main" xmlns:r="http://schemas.openxmlformats.org/officeDocument/2006/relationships" xmlns:p="http://schemas.openxmlformats.org/presentationml/2006/main">
+  <p:cSld>
+    <p:spTree>
+      <p:nvGrpSpPr>
+        <p:cNvPr id="1" name=""/>
+        <p:cNvGrpSpPr/>
+        <p:nvPr/>
+      </p:nvGrpSpPr>
+      <p:grpSpPr>
+        <a:xfrm>
+          <a:off x="0" y="0"/>
+          <a:ext cx="0" cy="0"/>
+          <a:chOff x="0" y="0"/>
+          <a:chExt cx="0" cy="0"/>
+        </a:xfrm>
+      </p:grpSpPr>
+      <p:sp>
+        <p:nvSpPr>
+          <p:cNvPr id="2" name="标题 1"/>
+          <p:cNvSpPr>
+            <a:spLocks noGrp="1"/>
+          </p:cNvSpPr>
+          <p:nvPr>
+            <p:ph type="title"/>
+          </p:nvPr>
+        </p:nvSpPr>
+        <p:spPr/>
+        <p:txBody>
+          <a:bodyPr/>
+          <a:lstStyle/>
+          <a:p>
+            <a:r>
+              <a:rPr lang="zh-CN" altLang="en-US" dirty="0">
+                <a:latin typeface="微软雅黑" pitchFamily="34" charset="-122"/>
+                <a:ea typeface="微软雅黑" pitchFamily="34" charset="-122"/>
+              </a:rPr>
+              <a:t>个人自评：任职资格认证</a:t>
+            </a:r>
+            <a:endParaRPr lang="zh-CN" altLang="en-US" dirty="0"/>
+          </a:p>
+        </p:txBody>
+      </p:sp>
+      <p:sp>
+        <p:nvSpPr>
+          <p:cNvPr id="4" name="灯片编号占位符 3"/>
+          <p:cNvSpPr>
+            <a:spLocks noGrp="1"/>
+          </p:cNvSpPr>
+          <p:nvPr>
+            <p:ph type="sldNum" sz="quarter" idx="10"/>
+          </p:nvPr>
+        </p:nvSpPr>
+        <p:spPr/>
+        <p:txBody>
+          <a:bodyPr/>
+          <a:lstStyle/>
+          <a:p>
+            <a:pPr>
+              <a:defRPr/>
+            </a:pPr>
+            <a:fld id="{4816A599-0D7A-4ED1-B317-DB57F830172B}" type="slidenum">
+              <a:rPr lang="zh-CN" altLang="en-US" smtClean="0"/>
+              <a:t>23</a:t>
             </a:fld>
             <a:endParaRPr lang="zh-CN" altLang="en-US"/>
           </a:p>
@@ -15018,15 +19758,7 @@
             </a:r>
             <a:r>
               <a:rPr lang="zh-CN" altLang="en-US" sz="1600" b="0" dirty="0" smtClean="0"/>
-              <a:t>以及</a:t>
-            </a:r>
-            <a:r>
-              <a:rPr lang="zh-CN" altLang="en-US" sz="1600" b="0" dirty="0" smtClean="0"/>
-              <a:t>物联软硬件相接合</a:t>
-            </a:r>
-            <a:r>
-              <a:rPr lang="zh-CN" altLang="en-US" sz="1600" b="0" dirty="0" smtClean="0"/>
-              <a:t>的</a:t>
+              <a:t>以及物联软硬件相接合的</a:t>
             </a:r>
             <a:r>
               <a:rPr lang="zh-CN" altLang="en-US" sz="1600" b="0" dirty="0"/>
@@ -15253,25 +19985,7 @@
               <a:rPr lang="zh-CN" altLang="en-US" sz="1600" kern="0" dirty="0" smtClean="0">
                 <a:ea typeface="微软雅黑" panose="020B0503020204020204" pitchFamily="34" charset="-122"/>
               </a:rPr>
-              <a:t>     </a:t>
-            </a:r>
-            <a:r>
-              <a:rPr lang="zh-CN" altLang="en-US" sz="1600" kern="0" dirty="0" smtClean="0">
-                <a:ea typeface="微软雅黑" panose="020B0503020204020204" pitchFamily="34" charset="-122"/>
-              </a:rPr>
-              <a:t>项目开发、项目对接、测试、文档需求</a:t>
-            </a:r>
-            <a:r>
-              <a:rPr lang="zh-CN" altLang="en-US" sz="1600" kern="0" dirty="0" smtClean="0">
-                <a:ea typeface="微软雅黑" panose="020B0503020204020204" pitchFamily="34" charset="-122"/>
-              </a:rPr>
-              <a:t>、学习专业技术</a:t>
-            </a:r>
-            <a:r>
-              <a:rPr lang="zh-CN" altLang="en-US" sz="1600" kern="0" dirty="0" smtClean="0">
-                <a:ea typeface="微软雅黑" panose="020B0503020204020204" pitchFamily="34" charset="-122"/>
-              </a:rPr>
-              <a:t>等</a:t>
+              <a:t>     项目开发、项目对接、测试、文档需求、学习专业技术等</a:t>
             </a:r>
             <a:endParaRPr kumimoji="0" lang="en-US" altLang="zh-CN" sz="1600" b="1" i="0" u="none" strike="noStrike" kern="0" cap="none" spc="0" normalizeH="0" baseline="0" noProof="0" dirty="0" smtClean="0">
               <a:ln>
@@ -15366,7 +20080,7 @@
 </p:sld>
 </file>
 
-<file path=ppt/slides/slide21.xml><?xml version="1.0" encoding="utf-8"?>
+<file path=ppt/slides/slide24.xml><?xml version="1.0" encoding="utf-8"?>
 <p:sld xmlns:a="http://schemas.openxmlformats.org/drawingml/2006/main" xmlns:r="http://schemas.openxmlformats.org/officeDocument/2006/relationships" xmlns:p="http://schemas.openxmlformats.org/presentationml/2006/main">
   <p:cSld>
     <p:spTree>
@@ -15399,9 +20113,13 @@
           <a:lstStyle/>
           <a:p>
             <a:r>
-              <a:rPr lang="zh-CN" altLang="en-US" dirty="0"/>
-              <a:t>个人自评</a:t>
-            </a:r>
+              <a:rPr lang="zh-CN" altLang="en-US" dirty="0">
+                <a:latin typeface="微软雅黑" pitchFamily="34" charset="-122"/>
+                <a:ea typeface="微软雅黑" pitchFamily="34" charset="-122"/>
+              </a:rPr>
+              <a:t>个人自评：任职资格认证</a:t>
+            </a:r>
+            <a:endParaRPr lang="zh-CN" altLang="en-US" dirty="0"/>
           </a:p>
         </p:txBody>
       </p:sp>
@@ -15425,7 +20143,7 @@
             </a:pPr>
             <a:fld id="{4816A599-0D7A-4ED1-B317-DB57F830172B}" type="slidenum">
               <a:rPr lang="zh-CN" altLang="en-US" smtClean="0"/>
-              <a:t>21</a:t>
+              <a:t>24</a:t>
             </a:fld>
             <a:endParaRPr lang="zh-CN" altLang="en-US"/>
           </a:p>
@@ -15472,14 +20190,7 @@
                 <a:latin typeface="微软雅黑" pitchFamily="34" charset="-122"/>
                 <a:ea typeface="微软雅黑" pitchFamily="34" charset="-122"/>
               </a:rPr>
-              <a:t>能参与产品</a:t>
-            </a:r>
-            <a:r>
-              <a:rPr lang="zh-CN" altLang="en-US" sz="1400" dirty="0" smtClean="0">
-                <a:latin typeface="微软雅黑" pitchFamily="34" charset="-122"/>
-                <a:ea typeface="微软雅黑" pitchFamily="34" charset="-122"/>
-              </a:rPr>
-              <a:t>概要设计、详细设计，根据要求输出标准的技术文档；</a:t>
+              <a:t>能参与产品概要设计、详细设计，根据要求输出标准的技术文档；</a:t>
             </a:r>
             <a:endParaRPr lang="en-US" altLang="zh-CN" sz="1400" dirty="0" smtClean="0">
               <a:latin typeface="微软雅黑" pitchFamily="34" charset="-122"/>
@@ -15543,14 +20254,7 @@
                 <a:latin typeface="微软雅黑" panose="020B0503020204020204" pitchFamily="34" charset="-122"/>
                 <a:ea typeface="微软雅黑" panose="020B0503020204020204" pitchFamily="34" charset="-122"/>
               </a:rPr>
-              <a:t>开发</a:t>
-            </a:r>
-            <a:r>
-              <a:rPr lang="zh-CN" altLang="en-US" sz="1400" dirty="0" smtClean="0">
-                <a:latin typeface="微软雅黑" panose="020B0503020204020204" pitchFamily="34" charset="-122"/>
-                <a:ea typeface="微软雅黑" panose="020B0503020204020204" pitchFamily="34" charset="-122"/>
-              </a:rPr>
-              <a:t>过程</a:t>
+              <a:t>开发过程</a:t>
             </a:r>
             <a:r>
               <a:rPr lang="zh-CN" altLang="en-US" sz="1400" dirty="0">
@@ -15591,14 +20295,412 @@
       </p:sp>
       <p:sp>
         <p:nvSpPr>
-          <p:cNvPr id="6" name="内容占位符 5"/>
+          <p:cNvPr id="7" name="Rectangle 3"/>
+          <p:cNvSpPr>
+            <a:spLocks noChangeArrowheads="1"/>
+          </p:cNvSpPr>
+          <p:nvPr/>
+        </p:nvSpPr>
+        <p:spPr bwMode="auto">
+          <a:xfrm>
+            <a:off x="442794" y="1216133"/>
+            <a:ext cx="8080375" cy="340660"/>
+          </a:xfrm>
+          <a:prstGeom prst="rect">
+            <a:avLst/>
+          </a:prstGeom>
+          <a:noFill/>
+          <a:ln w="9525">
+            <a:noFill/>
+            <a:miter lim="800000"/>
+          </a:ln>
+        </p:spPr>
+        <p:txBody>
+          <a:bodyPr/>
+          <a:lstStyle/>
+          <a:p>
+            <a:pPr algn="l">
+              <a:lnSpc>
+                <a:spcPct val="120000"/>
+              </a:lnSpc>
+              <a:spcBef>
+                <a:spcPct val="50000"/>
+              </a:spcBef>
+              <a:buClr>
+                <a:srgbClr val="0070C0"/>
+              </a:buClr>
+            </a:pPr>
+            <a:r>
+              <a:rPr lang="zh-CN" altLang="en-US" sz="1600" b="1" dirty="0" smtClean="0">
+                <a:solidFill>
+                  <a:srgbClr val="0070C0"/>
+                </a:solidFill>
+                <a:latin typeface="微软雅黑" panose="020B0503020204020204" pitchFamily="34" charset="-122"/>
+                <a:ea typeface="微软雅黑" panose="020B0503020204020204" pitchFamily="34" charset="-122"/>
+              </a:rPr>
+              <a:t>开发</a:t>
+            </a:r>
+            <a:r>
+              <a:rPr lang="zh-CN" altLang="en-US" sz="1600" b="1" dirty="0" smtClean="0">
+                <a:solidFill>
+                  <a:srgbClr val="0070C0"/>
+                </a:solidFill>
+                <a:latin typeface="微软雅黑" panose="020B0503020204020204" pitchFamily="34" charset="-122"/>
+                <a:ea typeface="微软雅黑" panose="020B0503020204020204" pitchFamily="34" charset="-122"/>
+              </a:rPr>
+              <a:t>设计</a:t>
+            </a:r>
+            <a:endParaRPr lang="en-US" altLang="zh-CN" sz="1600" b="1" dirty="0">
+              <a:solidFill>
+                <a:srgbClr val="0070C0"/>
+              </a:solidFill>
+              <a:latin typeface="微软雅黑" panose="020B0503020204020204" pitchFamily="34" charset="-122"/>
+              <a:ea typeface="微软雅黑" panose="020B0503020204020204" pitchFamily="34" charset="-122"/>
+            </a:endParaRPr>
+          </a:p>
+        </p:txBody>
+      </p:sp>
+      <p:sp>
+        <p:nvSpPr>
+          <p:cNvPr id="9" name="TextBox 8"/>
+          <p:cNvSpPr txBox="1"/>
+          <p:nvPr/>
+        </p:nvSpPr>
+        <p:spPr>
+          <a:xfrm>
+            <a:off x="699195" y="3556694"/>
+            <a:ext cx="7272808" cy="307777"/>
+          </a:xfrm>
+          <a:prstGeom prst="rect">
+            <a:avLst/>
+          </a:prstGeom>
+          <a:noFill/>
+        </p:spPr>
+        <p:txBody>
+          <a:bodyPr wrap="square" rtlCol="0">
+            <a:spAutoFit/>
+          </a:bodyPr>
+          <a:lstStyle/>
+          <a:p>
+            <a:r>
+              <a:rPr lang="zh-CN" altLang="en-US" sz="1400" dirty="0" smtClean="0">
+                <a:latin typeface="微软雅黑" pitchFamily="34" charset="-122"/>
+                <a:ea typeface="微软雅黑" pitchFamily="34" charset="-122"/>
+              </a:rPr>
+              <a:t>以智通照明系统中设备管理为例：如下图</a:t>
+            </a:r>
+            <a:endParaRPr lang="zh-CN" altLang="en-US" sz="1400" dirty="0">
+              <a:latin typeface="微软雅黑" pitchFamily="34" charset="-122"/>
+              <a:ea typeface="微软雅黑" pitchFamily="34" charset="-122"/>
+            </a:endParaRPr>
+          </a:p>
+        </p:txBody>
+      </p:sp>
+    </p:spTree>
+    <p:extLst>
+      <p:ext uri="{BB962C8B-B14F-4D97-AF65-F5344CB8AC3E}">
+        <p14:creationId xmlns:p14="http://schemas.microsoft.com/office/powerpoint/2010/main" val="4242405480"/>
+      </p:ext>
+    </p:extLst>
+  </p:cSld>
+  <p:clrMapOvr>
+    <a:masterClrMapping/>
+  </p:clrMapOvr>
+  <p:transition/>
+  <p:timing>
+    <p:tnLst>
+      <p:par>
+        <p:cTn id="1" dur="indefinite" restart="never" nodeType="tmRoot"/>
+      </p:par>
+    </p:tnLst>
+  </p:timing>
+</p:sld>
+</file>
+
+<file path=ppt/slides/slide25.xml><?xml version="1.0" encoding="utf-8"?>
+<p:sld xmlns:a="http://schemas.openxmlformats.org/drawingml/2006/main" xmlns:r="http://schemas.openxmlformats.org/officeDocument/2006/relationships" xmlns:p="http://schemas.openxmlformats.org/presentationml/2006/main">
+  <p:cSld>
+    <p:spTree>
+      <p:nvGrpSpPr>
+        <p:cNvPr id="1" name=""/>
+        <p:cNvGrpSpPr/>
+        <p:nvPr/>
+      </p:nvGrpSpPr>
+      <p:grpSpPr>
+        <a:xfrm>
+          <a:off x="0" y="0"/>
+          <a:ext cx="0" cy="0"/>
+          <a:chOff x="0" y="0"/>
+          <a:chExt cx="0" cy="0"/>
+        </a:xfrm>
+      </p:grpSpPr>
+      <p:sp>
+        <p:nvSpPr>
+          <p:cNvPr id="2" name="标题 1"/>
+          <p:cNvSpPr>
+            <a:spLocks noGrp="1"/>
+          </p:cNvSpPr>
+          <p:nvPr>
+            <p:ph type="title"/>
+          </p:nvPr>
+        </p:nvSpPr>
+        <p:spPr/>
+        <p:txBody>
+          <a:bodyPr/>
+          <a:lstStyle/>
+          <a:p>
+            <a:r>
+              <a:rPr lang="zh-CN" altLang="en-US" dirty="0">
+                <a:latin typeface="微软雅黑" pitchFamily="34" charset="-122"/>
+                <a:ea typeface="微软雅黑" pitchFamily="34" charset="-122"/>
+              </a:rPr>
+              <a:t>个人自评：任职资格认证</a:t>
+            </a:r>
+            <a:endParaRPr lang="zh-CN" altLang="en-US" dirty="0"/>
+          </a:p>
+        </p:txBody>
+      </p:sp>
+      <p:sp>
+        <p:nvSpPr>
+          <p:cNvPr id="4" name="灯片编号占位符 3"/>
+          <p:cNvSpPr>
+            <a:spLocks noGrp="1"/>
+          </p:cNvSpPr>
+          <p:nvPr>
+            <p:ph type="sldNum" sz="quarter" idx="10"/>
+          </p:nvPr>
+        </p:nvSpPr>
+        <p:spPr/>
+        <p:txBody>
+          <a:bodyPr/>
+          <a:lstStyle/>
+          <a:p>
+            <a:pPr>
+              <a:defRPr/>
+            </a:pPr>
+            <a:fld id="{4816A599-0D7A-4ED1-B317-DB57F830172B}" type="slidenum">
+              <a:rPr lang="zh-CN" altLang="en-US" smtClean="0"/>
+              <a:t>25</a:t>
+            </a:fld>
+            <a:endParaRPr lang="zh-CN" altLang="en-US"/>
+          </a:p>
+        </p:txBody>
+      </p:sp>
+      <p:sp>
+        <p:nvSpPr>
+          <p:cNvPr id="5" name="TextBox 4"/>
+          <p:cNvSpPr txBox="1"/>
+          <p:nvPr/>
+        </p:nvSpPr>
+        <p:spPr>
+          <a:xfrm>
+            <a:off x="683568" y="1124744"/>
+            <a:ext cx="7272808" cy="307777"/>
+          </a:xfrm>
+          <a:prstGeom prst="rect">
+            <a:avLst/>
+          </a:prstGeom>
+          <a:noFill/>
+        </p:spPr>
+        <p:txBody>
+          <a:bodyPr wrap="square" rtlCol="0">
+            <a:spAutoFit/>
+          </a:bodyPr>
+          <a:lstStyle/>
+          <a:p>
+            <a:r>
+              <a:rPr lang="zh-CN" altLang="en-US" sz="1400" dirty="0" smtClean="0">
+                <a:latin typeface="微软雅黑" pitchFamily="34" charset="-122"/>
+                <a:ea typeface="微软雅黑" pitchFamily="34" charset="-122"/>
+              </a:rPr>
+              <a:t>智能照明系统</a:t>
+            </a:r>
+            <a:r>
+              <a:rPr lang="en-US" altLang="zh-CN" sz="1400" dirty="0" smtClean="0">
+                <a:latin typeface="微软雅黑" pitchFamily="34" charset="-122"/>
+                <a:ea typeface="微软雅黑" pitchFamily="34" charset="-122"/>
+              </a:rPr>
+              <a:t>-</a:t>
+            </a:r>
+            <a:r>
+              <a:rPr lang="zh-CN" altLang="en-US" sz="1400" dirty="0" smtClean="0">
+                <a:latin typeface="微软雅黑" pitchFamily="34" charset="-122"/>
+                <a:ea typeface="微软雅黑" pitchFamily="34" charset="-122"/>
+              </a:rPr>
+              <a:t>设备管理文档结构</a:t>
+            </a:r>
+            <a:endParaRPr lang="zh-CN" altLang="en-US" sz="1400" dirty="0">
+              <a:latin typeface="微软雅黑" pitchFamily="34" charset="-122"/>
+              <a:ea typeface="微软雅黑" pitchFamily="34" charset="-122"/>
+            </a:endParaRPr>
+          </a:p>
+        </p:txBody>
+      </p:sp>
+      <p:pic>
+        <p:nvPicPr>
+          <p:cNvPr id="6" name="图片 5"/>
+          <p:cNvPicPr>
+            <a:picLocks noChangeAspect="1"/>
+          </p:cNvPicPr>
+          <p:nvPr/>
+        </p:nvPicPr>
+        <p:blipFill rotWithShape="1">
+          <a:blip r:embed="rId2">
+            <a:extLst>
+              <a:ext uri="{28A0092B-C50C-407E-A947-70E740481C1C}">
+                <a14:useLocalDpi xmlns:a14="http://schemas.microsoft.com/office/drawing/2010/main" val="0"/>
+              </a:ext>
+            </a:extLst>
+          </a:blip>
+          <a:srcRect r="16228"/>
+          <a:stretch/>
+        </p:blipFill>
+        <p:spPr>
+          <a:xfrm>
+            <a:off x="827585" y="1556792"/>
+            <a:ext cx="7712232" cy="4013878"/>
+          </a:xfrm>
+          <a:prstGeom prst="rect">
+            <a:avLst/>
+          </a:prstGeom>
+        </p:spPr>
+      </p:pic>
+      <p:sp>
+        <p:nvSpPr>
+          <p:cNvPr id="7" name="TextBox 6"/>
+          <p:cNvSpPr txBox="1"/>
+          <p:nvPr/>
+        </p:nvSpPr>
+        <p:spPr>
+          <a:xfrm>
+            <a:off x="835967" y="5805264"/>
+            <a:ext cx="7703849" cy="307777"/>
+          </a:xfrm>
+          <a:prstGeom prst="rect">
+            <a:avLst/>
+          </a:prstGeom>
+          <a:noFill/>
+        </p:spPr>
+        <p:txBody>
+          <a:bodyPr wrap="square" rtlCol="0">
+            <a:spAutoFit/>
+          </a:bodyPr>
+          <a:lstStyle/>
+          <a:p>
+            <a:r>
+              <a:rPr lang="zh-CN" altLang="en-US" sz="1400" dirty="0" smtClean="0">
+                <a:latin typeface="微软雅黑" pitchFamily="34" charset="-122"/>
+                <a:ea typeface="微软雅黑" pitchFamily="34" charset="-122"/>
+              </a:rPr>
+              <a:t>页面切分为不同的组件，共同组件共用等功能</a:t>
+            </a:r>
+            <a:endParaRPr lang="zh-CN" altLang="en-US" sz="1400" dirty="0">
+              <a:latin typeface="微软雅黑" pitchFamily="34" charset="-122"/>
+              <a:ea typeface="微软雅黑" pitchFamily="34" charset="-122"/>
+            </a:endParaRPr>
+          </a:p>
+        </p:txBody>
+      </p:sp>
+    </p:spTree>
+    <p:extLst>
+      <p:ext uri="{BB962C8B-B14F-4D97-AF65-F5344CB8AC3E}">
+        <p14:creationId xmlns:p14="http://schemas.microsoft.com/office/powerpoint/2010/main" val="3133816942"/>
+      </p:ext>
+    </p:extLst>
+  </p:cSld>
+  <p:clrMapOvr>
+    <a:masterClrMapping/>
+  </p:clrMapOvr>
+  <p:transition/>
+  <p:timing>
+    <p:tnLst>
+      <p:par>
+        <p:cTn id="1" dur="indefinite" restart="never" nodeType="tmRoot"/>
+      </p:par>
+    </p:tnLst>
+  </p:timing>
+</p:sld>
+</file>
+
+<file path=ppt/slides/slide26.xml><?xml version="1.0" encoding="utf-8"?>
+<p:sld xmlns:a="http://schemas.openxmlformats.org/drawingml/2006/main" xmlns:r="http://schemas.openxmlformats.org/officeDocument/2006/relationships" xmlns:p="http://schemas.openxmlformats.org/presentationml/2006/main">
+  <p:cSld>
+    <p:spTree>
+      <p:nvGrpSpPr>
+        <p:cNvPr id="1" name=""/>
+        <p:cNvGrpSpPr/>
+        <p:nvPr/>
+      </p:nvGrpSpPr>
+      <p:grpSpPr>
+        <a:xfrm>
+          <a:off x="0" y="0"/>
+          <a:ext cx="0" cy="0"/>
+          <a:chOff x="0" y="0"/>
+          <a:chExt cx="0" cy="0"/>
+        </a:xfrm>
+      </p:grpSpPr>
+      <p:sp>
+        <p:nvSpPr>
+          <p:cNvPr id="2" name="标题 1"/>
+          <p:cNvSpPr>
+            <a:spLocks noGrp="1"/>
+          </p:cNvSpPr>
+          <p:nvPr>
+            <p:ph type="title"/>
+          </p:nvPr>
+        </p:nvSpPr>
+        <p:spPr/>
+        <p:txBody>
+          <a:bodyPr/>
+          <a:lstStyle/>
+          <a:p>
+            <a:r>
+              <a:rPr lang="zh-CN" altLang="en-US" dirty="0">
+                <a:latin typeface="微软雅黑" pitchFamily="34" charset="-122"/>
+                <a:ea typeface="微软雅黑" pitchFamily="34" charset="-122"/>
+              </a:rPr>
+              <a:t>个人自评：任职资格认证</a:t>
+            </a:r>
+            <a:endParaRPr lang="zh-CN" altLang="en-US" dirty="0"/>
+          </a:p>
+        </p:txBody>
+      </p:sp>
+      <p:sp>
+        <p:nvSpPr>
+          <p:cNvPr id="4" name="灯片编号占位符 3"/>
+          <p:cNvSpPr>
+            <a:spLocks noGrp="1"/>
+          </p:cNvSpPr>
+          <p:nvPr>
+            <p:ph type="sldNum" sz="quarter" idx="10"/>
+          </p:nvPr>
+        </p:nvSpPr>
+        <p:spPr/>
+        <p:txBody>
+          <a:bodyPr/>
+          <a:lstStyle/>
+          <a:p>
+            <a:pPr>
+              <a:defRPr/>
+            </a:pPr>
+            <a:fld id="{4816A599-0D7A-4ED1-B317-DB57F830172B}" type="slidenum">
+              <a:rPr lang="zh-CN" altLang="en-US" smtClean="0"/>
+              <a:t>26</a:t>
+            </a:fld>
+            <a:endParaRPr lang="zh-CN" altLang="en-US"/>
+          </a:p>
+        </p:txBody>
+      </p:sp>
+      <p:sp>
+        <p:nvSpPr>
+          <p:cNvPr id="5" name="内容占位符 5"/>
           <p:cNvSpPr txBox="1"/>
           <p:nvPr/>
         </p:nvSpPr>
         <p:spPr bwMode="auto">
           <a:xfrm>
-            <a:off x="539551" y="4293096"/>
-            <a:ext cx="8136017" cy="1296144"/>
+            <a:off x="539551" y="1681428"/>
+            <a:ext cx="8136017" cy="1315524"/>
           </a:xfrm>
           <a:prstGeom prst="rect">
             <a:avLst/>
@@ -15630,14 +20732,7 @@
                 <a:latin typeface="微软雅黑" panose="020B0503020204020204" pitchFamily="34" charset="-122"/>
                 <a:ea typeface="微软雅黑" panose="020B0503020204020204" pitchFamily="34" charset="-122"/>
               </a:rPr>
-              <a:t>具有</a:t>
-            </a:r>
-            <a:r>
-              <a:rPr lang="zh-CN" altLang="en-US" sz="1400" dirty="0" smtClean="0">
-                <a:latin typeface="微软雅黑" panose="020B0503020204020204" pitchFamily="34" charset="-122"/>
-                <a:ea typeface="微软雅黑" panose="020B0503020204020204" pitchFamily="34" charset="-122"/>
-              </a:rPr>
-              <a:t>积极的学习欲望，工作自觉，主动，为提升工作能力主动学习新知识、新方法，并运用在实际工作中；</a:t>
+              <a:t>具有积极的学习欲望，工作自觉，主动，为提升工作能力主动学习新知识、新方法，并运用在实际工作中；</a:t>
             </a:r>
           </a:p>
           <a:p>
@@ -15658,14 +20753,7 @@
                 <a:latin typeface="微软雅黑" panose="020B0503020204020204" pitchFamily="34" charset="-122"/>
                 <a:ea typeface="微软雅黑" panose="020B0503020204020204" pitchFamily="34" charset="-122"/>
               </a:rPr>
-              <a:t>能够</a:t>
-            </a:r>
-            <a:r>
-              <a:rPr lang="zh-CN" altLang="en-US" sz="1400" dirty="0" smtClean="0">
-                <a:latin typeface="微软雅黑" panose="020B0503020204020204" pitchFamily="34" charset="-122"/>
-                <a:ea typeface="微软雅黑" panose="020B0503020204020204" pitchFamily="34" charset="-122"/>
-              </a:rPr>
-              <a:t>对工作中遇到的问题、工作方法、失败或成功的经验进行总结和提炼，并与团队成员分享</a:t>
+              <a:t>能够对工作中遇到的问题、工作方法、失败或成功的经验进行总结和提炼，并与团队成员分享</a:t>
             </a:r>
             <a:r>
               <a:rPr lang="zh-CN" altLang="en-US" sz="1400" dirty="0" smtClean="0">
@@ -15674,6 +20762,24 @@
               </a:rPr>
               <a:t>；</a:t>
             </a:r>
+            <a:endParaRPr lang="en-US" altLang="zh-CN" sz="1400" dirty="0" smtClean="0">
+              <a:latin typeface="微软雅黑" panose="020B0503020204020204" pitchFamily="34" charset="-122"/>
+              <a:ea typeface="微软雅黑" panose="020B0503020204020204" pitchFamily="34" charset="-122"/>
+            </a:endParaRPr>
+          </a:p>
+          <a:p>
+            <a:pPr marL="342900" indent="-342900">
+              <a:lnSpc>
+                <a:spcPct val="150000"/>
+              </a:lnSpc>
+              <a:buClr>
+                <a:schemeClr val="accent1">
+                  <a:lumMod val="50000"/>
+                </a:schemeClr>
+              </a:buClr>
+              <a:buFont typeface="Wingdings" pitchFamily="2" charset="2"/>
+              <a:buChar char="ü"/>
+            </a:pPr>
             <a:endParaRPr lang="en-US" altLang="zh-CN" sz="1400" u="sng" dirty="0" smtClean="0">
               <a:solidFill>
                 <a:srgbClr val="00B050"/>
@@ -15734,7 +20840,7 @@
       </p:sp>
       <p:sp>
         <p:nvSpPr>
-          <p:cNvPr id="7" name="Rectangle 3"/>
+          <p:cNvPr id="6" name="Rectangle 3"/>
           <p:cNvSpPr>
             <a:spLocks noChangeArrowheads="1"/>
           </p:cNvSpPr>
@@ -15742,64 +20848,7 @@
         </p:nvSpPr>
         <p:spPr bwMode="auto">
           <a:xfrm>
-            <a:off x="442794" y="1216133"/>
-            <a:ext cx="8080375" cy="340660"/>
-          </a:xfrm>
-          <a:prstGeom prst="rect">
-            <a:avLst/>
-          </a:prstGeom>
-          <a:noFill/>
-          <a:ln w="9525">
-            <a:noFill/>
-            <a:miter lim="800000"/>
-          </a:ln>
-        </p:spPr>
-        <p:txBody>
-          <a:bodyPr/>
-          <a:lstStyle/>
-          <a:p>
-            <a:pPr algn="l">
-              <a:lnSpc>
-                <a:spcPct val="120000"/>
-              </a:lnSpc>
-              <a:spcBef>
-                <a:spcPct val="50000"/>
-              </a:spcBef>
-              <a:buClr>
-                <a:srgbClr val="0070C0"/>
-              </a:buClr>
-            </a:pPr>
-            <a:r>
-              <a:rPr lang="zh-CN" altLang="en-US" sz="1600" b="1" dirty="0" smtClean="0">
-                <a:solidFill>
-                  <a:srgbClr val="0070C0"/>
-                </a:solidFill>
-                <a:latin typeface="微软雅黑" panose="020B0503020204020204" pitchFamily="34" charset="-122"/>
-                <a:ea typeface="微软雅黑" panose="020B0503020204020204" pitchFamily="34" charset="-122"/>
-              </a:rPr>
-              <a:t>开发能力</a:t>
-            </a:r>
-            <a:endParaRPr lang="en-US" altLang="zh-CN" sz="1600" b="1" dirty="0">
-              <a:solidFill>
-                <a:srgbClr val="0070C0"/>
-              </a:solidFill>
-              <a:latin typeface="微软雅黑" panose="020B0503020204020204" pitchFamily="34" charset="-122"/>
-              <a:ea typeface="微软雅黑" panose="020B0503020204020204" pitchFamily="34" charset="-122"/>
-            </a:endParaRPr>
-          </a:p>
-        </p:txBody>
-      </p:sp>
-      <p:sp>
-        <p:nvSpPr>
-          <p:cNvPr id="8" name="Rectangle 3"/>
-          <p:cNvSpPr>
-            <a:spLocks noChangeArrowheads="1"/>
-          </p:cNvSpPr>
-          <p:nvPr/>
-        </p:nvSpPr>
-        <p:spPr bwMode="auto">
-          <a:xfrm>
-            <a:off x="442794" y="3880428"/>
+            <a:off x="442794" y="1268760"/>
             <a:ext cx="8232775" cy="340660"/>
           </a:xfrm>
           <a:prstGeom prst="rect">
@@ -15846,10 +20895,110 @@
           </a:p>
         </p:txBody>
       </p:sp>
+      <p:sp>
+        <p:nvSpPr>
+          <p:cNvPr id="8" name="TextBox 7"/>
+          <p:cNvSpPr txBox="1"/>
+          <p:nvPr/>
+        </p:nvSpPr>
+        <p:spPr>
+          <a:xfrm>
+            <a:off x="683568" y="3563724"/>
+            <a:ext cx="7272808" cy="369332"/>
+          </a:xfrm>
+          <a:prstGeom prst="rect">
+            <a:avLst/>
+          </a:prstGeom>
+          <a:noFill/>
+        </p:spPr>
+        <p:txBody>
+          <a:bodyPr wrap="square" rtlCol="0">
+            <a:spAutoFit/>
+          </a:bodyPr>
+          <a:lstStyle/>
+          <a:p>
+            <a:r>
+              <a:rPr lang="zh-CN" altLang="en-US" dirty="0" smtClean="0"/>
+              <a:t>自建的技术博客：</a:t>
+            </a:r>
+            <a:r>
+              <a:rPr lang="en-US" altLang="zh-CN" dirty="0">
+                <a:hlinkClick r:id="rId2"/>
+              </a:rPr>
+              <a:t>https://zhengyuliang.github.io/</a:t>
+            </a:r>
+            <a:endParaRPr lang="zh-CN" altLang="en-US" dirty="0"/>
+          </a:p>
+        </p:txBody>
+      </p:sp>
+      <p:sp>
+        <p:nvSpPr>
+          <p:cNvPr id="9" name="TextBox 8"/>
+          <p:cNvSpPr txBox="1"/>
+          <p:nvPr/>
+        </p:nvSpPr>
+        <p:spPr>
+          <a:xfrm>
+            <a:off x="683568" y="4067780"/>
+            <a:ext cx="7272808" cy="369332"/>
+          </a:xfrm>
+          <a:prstGeom prst="rect">
+            <a:avLst/>
+          </a:prstGeom>
+          <a:noFill/>
+        </p:spPr>
+        <p:txBody>
+          <a:bodyPr wrap="square" rtlCol="0">
+            <a:spAutoFit/>
+          </a:bodyPr>
+          <a:lstStyle/>
+          <a:p>
+            <a:r>
+              <a:rPr lang="zh-CN" altLang="en-US" dirty="0" smtClean="0"/>
+              <a:t>代码学习与分享平台：</a:t>
+            </a:r>
+            <a:r>
+              <a:rPr lang="en-US" altLang="zh-CN" dirty="0" err="1" smtClean="0"/>
+              <a:t>github</a:t>
+            </a:r>
+            <a:endParaRPr lang="zh-CN" altLang="en-US" dirty="0"/>
+          </a:p>
+        </p:txBody>
+      </p:sp>
+      <p:sp>
+        <p:nvSpPr>
+          <p:cNvPr id="10" name="TextBox 9"/>
+          <p:cNvSpPr txBox="1"/>
+          <p:nvPr/>
+        </p:nvSpPr>
+        <p:spPr>
+          <a:xfrm>
+            <a:off x="683568" y="4653136"/>
+            <a:ext cx="7272808" cy="369332"/>
+          </a:xfrm>
+          <a:prstGeom prst="rect">
+            <a:avLst/>
+          </a:prstGeom>
+          <a:noFill/>
+        </p:spPr>
+        <p:txBody>
+          <a:bodyPr wrap="square" rtlCol="0">
+            <a:spAutoFit/>
+          </a:bodyPr>
+          <a:lstStyle/>
+          <a:p>
+            <a:r>
+              <a:rPr lang="zh-CN" altLang="en-US" dirty="0" smtClean="0"/>
+              <a:t>详情如下图：</a:t>
+            </a:r>
+            <a:endParaRPr lang="zh-CN" altLang="en-US" dirty="0"/>
+          </a:p>
+        </p:txBody>
+      </p:sp>
     </p:spTree>
     <p:extLst>
       <p:ext uri="{BB962C8B-B14F-4D97-AF65-F5344CB8AC3E}">
-        <p14:creationId xmlns:p14="http://schemas.microsoft.com/office/powerpoint/2010/main" val="4242405480"/>
+        <p14:creationId xmlns:p14="http://schemas.microsoft.com/office/powerpoint/2010/main" val="2692302124"/>
       </p:ext>
     </p:extLst>
   </p:cSld>
@@ -15867,7 +21016,7 @@
 </p:sld>
 </file>
 
-<file path=ppt/slides/slide22.xml><?xml version="1.0" encoding="utf-8"?>
+<file path=ppt/slides/slide27.xml><?xml version="1.0" encoding="utf-8"?>
 <p:sld xmlns:a="http://schemas.openxmlformats.org/drawingml/2006/main" xmlns:r="http://schemas.openxmlformats.org/officeDocument/2006/relationships" xmlns:p="http://schemas.openxmlformats.org/presentationml/2006/main">
   <p:cSld>
     <p:spTree>
@@ -15900,6 +21049,344 @@
           <a:lstStyle/>
           <a:p>
             <a:r>
+              <a:rPr lang="zh-CN" altLang="en-US" dirty="0">
+                <a:latin typeface="微软雅黑" pitchFamily="34" charset="-122"/>
+                <a:ea typeface="微软雅黑" pitchFamily="34" charset="-122"/>
+              </a:rPr>
+              <a:t>个人自评：任职资格认证</a:t>
+            </a:r>
+            <a:endParaRPr lang="zh-CN" altLang="en-US" dirty="0"/>
+          </a:p>
+        </p:txBody>
+      </p:sp>
+      <p:sp>
+        <p:nvSpPr>
+          <p:cNvPr id="4" name="灯片编号占位符 3"/>
+          <p:cNvSpPr>
+            <a:spLocks noGrp="1"/>
+          </p:cNvSpPr>
+          <p:nvPr>
+            <p:ph type="sldNum" sz="quarter" idx="10"/>
+          </p:nvPr>
+        </p:nvSpPr>
+        <p:spPr/>
+        <p:txBody>
+          <a:bodyPr/>
+          <a:lstStyle/>
+          <a:p>
+            <a:pPr>
+              <a:defRPr/>
+            </a:pPr>
+            <a:fld id="{4816A599-0D7A-4ED1-B317-DB57F830172B}" type="slidenum">
+              <a:rPr lang="zh-CN" altLang="en-US" smtClean="0"/>
+              <a:t>27</a:t>
+            </a:fld>
+            <a:endParaRPr lang="zh-CN" altLang="en-US"/>
+          </a:p>
+        </p:txBody>
+      </p:sp>
+      <p:sp>
+        <p:nvSpPr>
+          <p:cNvPr id="5" name="TextBox 4"/>
+          <p:cNvSpPr txBox="1"/>
+          <p:nvPr/>
+        </p:nvSpPr>
+        <p:spPr>
+          <a:xfrm>
+            <a:off x="683568" y="1043444"/>
+            <a:ext cx="4240263" cy="338554"/>
+          </a:xfrm>
+          <a:prstGeom prst="rect">
+            <a:avLst/>
+          </a:prstGeom>
+          <a:noFill/>
+        </p:spPr>
+        <p:txBody>
+          <a:bodyPr wrap="none" rtlCol="0">
+            <a:spAutoFit/>
+          </a:bodyPr>
+          <a:lstStyle/>
+          <a:p>
+            <a:r>
+              <a:rPr lang="zh-CN" altLang="en-US" sz="1600" dirty="0" smtClean="0">
+                <a:latin typeface="微软雅黑" pitchFamily="34" charset="-122"/>
+                <a:ea typeface="微软雅黑" pitchFamily="34" charset="-122"/>
+              </a:rPr>
+              <a:t>个人技术博客</a:t>
+            </a:r>
+            <a:r>
+              <a:rPr lang="en-US" altLang="zh-CN" sz="1600" dirty="0" smtClean="0">
+                <a:latin typeface="微软雅黑" pitchFamily="34" charset="-122"/>
+                <a:ea typeface="微软雅黑" pitchFamily="34" charset="-122"/>
+              </a:rPr>
+              <a:t>: </a:t>
+            </a:r>
+            <a:r>
+              <a:rPr lang="en-US" altLang="zh-CN" sz="1600" dirty="0">
+                <a:hlinkClick r:id="rId2"/>
+              </a:rPr>
+              <a:t>https://zhengyuliang.github.io</a:t>
+            </a:r>
+            <a:r>
+              <a:rPr lang="en-US" altLang="zh-CN" sz="1600" dirty="0" smtClean="0">
+                <a:hlinkClick r:id="rId2"/>
+              </a:rPr>
+              <a:t>/</a:t>
+            </a:r>
+            <a:endParaRPr lang="zh-CN" altLang="en-US" sz="1600" dirty="0"/>
+          </a:p>
+        </p:txBody>
+      </p:sp>
+      <p:pic>
+        <p:nvPicPr>
+          <p:cNvPr id="6" name="图片 5"/>
+          <p:cNvPicPr>
+            <a:picLocks noChangeAspect="1"/>
+          </p:cNvPicPr>
+          <p:nvPr/>
+        </p:nvPicPr>
+        <p:blipFill>
+          <a:blip r:embed="rId3">
+            <a:extLst>
+              <a:ext uri="{28A0092B-C50C-407E-A947-70E740481C1C}">
+                <a14:useLocalDpi xmlns:a14="http://schemas.microsoft.com/office/drawing/2010/main" val="0"/>
+              </a:ext>
+            </a:extLst>
+          </a:blip>
+          <a:stretch>
+            <a:fillRect/>
+          </a:stretch>
+        </p:blipFill>
+        <p:spPr>
+          <a:xfrm>
+            <a:off x="527720" y="1556792"/>
+            <a:ext cx="8278391" cy="4656595"/>
+          </a:xfrm>
+          <a:prstGeom prst="rect">
+            <a:avLst/>
+          </a:prstGeom>
+        </p:spPr>
+      </p:pic>
+    </p:spTree>
+    <p:extLst>
+      <p:ext uri="{BB962C8B-B14F-4D97-AF65-F5344CB8AC3E}">
+        <p14:creationId xmlns:p14="http://schemas.microsoft.com/office/powerpoint/2010/main" val="3442720359"/>
+      </p:ext>
+    </p:extLst>
+  </p:cSld>
+  <p:clrMapOvr>
+    <a:masterClrMapping/>
+  </p:clrMapOvr>
+  <p:transition/>
+  <p:timing>
+    <p:tnLst>
+      <p:par>
+        <p:cTn id="1" dur="indefinite" restart="never" nodeType="tmRoot"/>
+      </p:par>
+    </p:tnLst>
+  </p:timing>
+</p:sld>
+</file>
+
+<file path=ppt/slides/slide28.xml><?xml version="1.0" encoding="utf-8"?>
+<p:sld xmlns:a="http://schemas.openxmlformats.org/drawingml/2006/main" xmlns:r="http://schemas.openxmlformats.org/officeDocument/2006/relationships" xmlns:p="http://schemas.openxmlformats.org/presentationml/2006/main">
+  <p:cSld>
+    <p:spTree>
+      <p:nvGrpSpPr>
+        <p:cNvPr id="1" name=""/>
+        <p:cNvGrpSpPr/>
+        <p:nvPr/>
+      </p:nvGrpSpPr>
+      <p:grpSpPr>
+        <a:xfrm>
+          <a:off x="0" y="0"/>
+          <a:ext cx="0" cy="0"/>
+          <a:chOff x="0" y="0"/>
+          <a:chExt cx="0" cy="0"/>
+        </a:xfrm>
+      </p:grpSpPr>
+      <p:sp>
+        <p:nvSpPr>
+          <p:cNvPr id="2" name="标题 1"/>
+          <p:cNvSpPr>
+            <a:spLocks noGrp="1"/>
+          </p:cNvSpPr>
+          <p:nvPr>
+            <p:ph type="title"/>
+          </p:nvPr>
+        </p:nvSpPr>
+        <p:spPr/>
+        <p:txBody>
+          <a:bodyPr/>
+          <a:lstStyle/>
+          <a:p>
+            <a:r>
+              <a:rPr lang="zh-CN" altLang="en-US" dirty="0">
+                <a:latin typeface="微软雅黑" pitchFamily="34" charset="-122"/>
+                <a:ea typeface="微软雅黑" pitchFamily="34" charset="-122"/>
+              </a:rPr>
+              <a:t>个人自评：任职资格认证</a:t>
+            </a:r>
+            <a:endParaRPr lang="zh-CN" altLang="en-US" dirty="0"/>
+          </a:p>
+        </p:txBody>
+      </p:sp>
+      <p:sp>
+        <p:nvSpPr>
+          <p:cNvPr id="4" name="灯片编号占位符 3"/>
+          <p:cNvSpPr>
+            <a:spLocks noGrp="1"/>
+          </p:cNvSpPr>
+          <p:nvPr>
+            <p:ph type="sldNum" sz="quarter" idx="10"/>
+          </p:nvPr>
+        </p:nvSpPr>
+        <p:spPr/>
+        <p:txBody>
+          <a:bodyPr/>
+          <a:lstStyle/>
+          <a:p>
+            <a:pPr>
+              <a:defRPr/>
+            </a:pPr>
+            <a:fld id="{4816A599-0D7A-4ED1-B317-DB57F830172B}" type="slidenum">
+              <a:rPr lang="zh-CN" altLang="en-US" smtClean="0"/>
+              <a:t>28</a:t>
+            </a:fld>
+            <a:endParaRPr lang="zh-CN" altLang="en-US"/>
+          </a:p>
+        </p:txBody>
+      </p:sp>
+      <p:sp>
+        <p:nvSpPr>
+          <p:cNvPr id="5" name="TextBox 4"/>
+          <p:cNvSpPr txBox="1"/>
+          <p:nvPr/>
+        </p:nvSpPr>
+        <p:spPr>
+          <a:xfrm>
+            <a:off x="683568" y="1043444"/>
+            <a:ext cx="5136342" cy="338554"/>
+          </a:xfrm>
+          <a:prstGeom prst="rect">
+            <a:avLst/>
+          </a:prstGeom>
+          <a:noFill/>
+        </p:spPr>
+        <p:txBody>
+          <a:bodyPr wrap="none" rtlCol="0">
+            <a:spAutoFit/>
+          </a:bodyPr>
+          <a:lstStyle/>
+          <a:p>
+            <a:r>
+              <a:rPr lang="zh-CN" altLang="en-US" sz="1600" dirty="0"/>
+              <a:t>代码学习与分享平台：</a:t>
+            </a:r>
+            <a:r>
+              <a:rPr lang="en-US" altLang="zh-CN" sz="1600" dirty="0" err="1" smtClean="0"/>
+              <a:t>github</a:t>
+            </a:r>
+            <a:r>
+              <a:rPr lang="en-US" altLang="zh-CN" sz="1600" dirty="0" smtClean="0"/>
+              <a:t>  </a:t>
+            </a:r>
+            <a:r>
+              <a:rPr lang="zh-CN" altLang="en-US" sz="1600" dirty="0" smtClean="0"/>
+              <a:t>帐号</a:t>
+            </a:r>
+            <a:r>
+              <a:rPr lang="en-US" altLang="zh-CN" sz="1600" dirty="0" smtClean="0"/>
+              <a:t>:htzyl206@163.com</a:t>
+            </a:r>
+            <a:endParaRPr lang="zh-CN" altLang="en-US" sz="1600" dirty="0"/>
+          </a:p>
+        </p:txBody>
+      </p:sp>
+      <p:pic>
+        <p:nvPicPr>
+          <p:cNvPr id="6" name="图片 5"/>
+          <p:cNvPicPr>
+            <a:picLocks noChangeAspect="1"/>
+          </p:cNvPicPr>
+          <p:nvPr/>
+        </p:nvPicPr>
+        <p:blipFill>
+          <a:blip r:embed="rId2">
+            <a:extLst>
+              <a:ext uri="{28A0092B-C50C-407E-A947-70E740481C1C}">
+                <a14:useLocalDpi xmlns:a14="http://schemas.microsoft.com/office/drawing/2010/main" val="0"/>
+              </a:ext>
+            </a:extLst>
+          </a:blip>
+          <a:stretch>
+            <a:fillRect/>
+          </a:stretch>
+        </p:blipFill>
+        <p:spPr>
+          <a:xfrm>
+            <a:off x="755576" y="1473349"/>
+            <a:ext cx="7272808" cy="4690778"/>
+          </a:xfrm>
+          <a:prstGeom prst="rect">
+            <a:avLst/>
+          </a:prstGeom>
+        </p:spPr>
+      </p:pic>
+    </p:spTree>
+    <p:extLst>
+      <p:ext uri="{BB962C8B-B14F-4D97-AF65-F5344CB8AC3E}">
+        <p14:creationId xmlns:p14="http://schemas.microsoft.com/office/powerpoint/2010/main" val="4194672297"/>
+      </p:ext>
+    </p:extLst>
+  </p:cSld>
+  <p:clrMapOvr>
+    <a:masterClrMapping/>
+  </p:clrMapOvr>
+  <p:transition/>
+  <p:timing>
+    <p:tnLst>
+      <p:par>
+        <p:cTn id="1" dur="indefinite" restart="never" nodeType="tmRoot"/>
+      </p:par>
+    </p:tnLst>
+  </p:timing>
+</p:sld>
+</file>
+
+<file path=ppt/slides/slide29.xml><?xml version="1.0" encoding="utf-8"?>
+<p:sld xmlns:a="http://schemas.openxmlformats.org/drawingml/2006/main" xmlns:r="http://schemas.openxmlformats.org/officeDocument/2006/relationships" xmlns:p="http://schemas.openxmlformats.org/presentationml/2006/main">
+  <p:cSld>
+    <p:spTree>
+      <p:nvGrpSpPr>
+        <p:cNvPr id="1" name=""/>
+        <p:cNvGrpSpPr/>
+        <p:nvPr/>
+      </p:nvGrpSpPr>
+      <p:grpSpPr>
+        <a:xfrm>
+          <a:off x="0" y="0"/>
+          <a:ext cx="0" cy="0"/>
+          <a:chOff x="0" y="0"/>
+          <a:chExt cx="0" cy="0"/>
+        </a:xfrm>
+      </p:grpSpPr>
+      <p:sp>
+        <p:nvSpPr>
+          <p:cNvPr id="2" name="标题 1"/>
+          <p:cNvSpPr>
+            <a:spLocks noGrp="1"/>
+          </p:cNvSpPr>
+          <p:nvPr>
+            <p:ph type="title"/>
+          </p:nvPr>
+        </p:nvSpPr>
+        <p:spPr/>
+        <p:txBody>
+          <a:bodyPr/>
+          <a:lstStyle/>
+          <a:p>
+            <a:r>
               <a:rPr lang="zh-CN" altLang="en-US" dirty="0" smtClean="0">
                 <a:latin typeface="微软雅黑" panose="020B0503020204020204" pitchFamily="34" charset="-122"/>
                 <a:ea typeface="微软雅黑" panose="020B0503020204020204" pitchFamily="34" charset="-122"/>
@@ -15933,7 +21420,7 @@
             </a:pPr>
             <a:fld id="{4816A599-0D7A-4ED1-B317-DB57F830172B}" type="slidenum">
               <a:rPr lang="zh-CN" altLang="en-US" smtClean="0"/>
-              <a:t>22</a:t>
+              <a:t>29</a:t>
             </a:fld>
             <a:endParaRPr lang="zh-CN" altLang="en-US"/>
           </a:p>
@@ -16511,7 +21998,7 @@
 </p:sld>
 </file>
 
-<file path=ppt/slides/slide23.xml><?xml version="1.0" encoding="utf-8"?>
+<file path=ppt/slides/slide3.xml><?xml version="1.0" encoding="utf-8"?>
 <p:sld xmlns:a="http://schemas.openxmlformats.org/drawingml/2006/main" xmlns:r="http://schemas.openxmlformats.org/officeDocument/2006/relationships" xmlns:p="http://schemas.openxmlformats.org/presentationml/2006/main">
   <p:cSld>
     <p:spTree>
@@ -16548,6 +22035,659 @@
                 <a:latin typeface="微软雅黑" panose="020B0503020204020204" pitchFamily="34" charset="-122"/>
                 <a:ea typeface="微软雅黑" panose="020B0503020204020204" pitchFamily="34" charset="-122"/>
               </a:rPr>
+              <a:t>个人简介</a:t>
+            </a:r>
+            <a:endParaRPr lang="zh-CN" altLang="en-US" dirty="0">
+              <a:latin typeface="微软雅黑" panose="020B0503020204020204" pitchFamily="34" charset="-122"/>
+              <a:ea typeface="微软雅黑" panose="020B0503020204020204" pitchFamily="34" charset="-122"/>
+            </a:endParaRPr>
+          </a:p>
+        </p:txBody>
+      </p:sp>
+      <p:sp>
+        <p:nvSpPr>
+          <p:cNvPr id="13" name="矩形 12"/>
+          <p:cNvSpPr/>
+          <p:nvPr/>
+        </p:nvSpPr>
+        <p:spPr>
+          <a:xfrm>
+            <a:off x="3069590" y="2413309"/>
+            <a:ext cx="3413114" cy="396583"/>
+          </a:xfrm>
+          <a:prstGeom prst="rect">
+            <a:avLst/>
+          </a:prstGeom>
+        </p:spPr>
+        <p:txBody>
+          <a:bodyPr wrap="square">
+            <a:spAutoFit/>
+          </a:bodyPr>
+          <a:lstStyle/>
+          <a:p>
+            <a:pPr>
+              <a:lnSpc>
+                <a:spcPct val="120000"/>
+              </a:lnSpc>
+              <a:spcBef>
+                <a:spcPct val="50000"/>
+              </a:spcBef>
+              <a:buClr>
+                <a:srgbClr val="0070C0"/>
+              </a:buClr>
+              <a:buSzPct val="80000"/>
+            </a:pPr>
+            <a:r>
+              <a:rPr lang="zh-CN" altLang="en-US" dirty="0" smtClean="0">
+                <a:latin typeface="微软雅黑" pitchFamily="34" charset="-122"/>
+                <a:ea typeface="微软雅黑" pitchFamily="34" charset="-122"/>
+              </a:rPr>
+              <a:t>姓名：</a:t>
+            </a:r>
+            <a:r>
+              <a:rPr lang="zh-CN" altLang="en-US" dirty="0" smtClean="0">
+                <a:solidFill>
+                  <a:schemeClr val="bg2">
+                    <a:lumMod val="75000"/>
+                  </a:schemeClr>
+                </a:solidFill>
+                <a:latin typeface="微软雅黑" pitchFamily="34" charset="-122"/>
+                <a:ea typeface="微软雅黑" pitchFamily="34" charset="-122"/>
+              </a:rPr>
+              <a:t>郑宇亮</a:t>
+            </a:r>
+            <a:endParaRPr lang="zh-CN" altLang="en-US" dirty="0">
+              <a:solidFill>
+                <a:schemeClr val="bg2">
+                  <a:lumMod val="75000"/>
+                </a:schemeClr>
+              </a:solidFill>
+              <a:latin typeface="微软雅黑" panose="020B0503020204020204" pitchFamily="34" charset="-122"/>
+              <a:ea typeface="微软雅黑" panose="020B0503020204020204" pitchFamily="34" charset="-122"/>
+            </a:endParaRPr>
+          </a:p>
+        </p:txBody>
+      </p:sp>
+      <p:sp>
+        <p:nvSpPr>
+          <p:cNvPr id="14" name="矩形 13"/>
+          <p:cNvSpPr/>
+          <p:nvPr/>
+        </p:nvSpPr>
+        <p:spPr>
+          <a:xfrm>
+            <a:off x="3069590" y="3005553"/>
+            <a:ext cx="3413114" cy="396583"/>
+          </a:xfrm>
+          <a:prstGeom prst="rect">
+            <a:avLst/>
+          </a:prstGeom>
+        </p:spPr>
+        <p:txBody>
+          <a:bodyPr wrap="square">
+            <a:spAutoFit/>
+          </a:bodyPr>
+          <a:lstStyle/>
+          <a:p>
+            <a:pPr>
+              <a:lnSpc>
+                <a:spcPct val="120000"/>
+              </a:lnSpc>
+              <a:spcBef>
+                <a:spcPct val="50000"/>
+              </a:spcBef>
+              <a:buClr>
+                <a:srgbClr val="0070C0"/>
+              </a:buClr>
+              <a:buSzPct val="80000"/>
+            </a:pPr>
+            <a:r>
+              <a:rPr lang="zh-CN" altLang="en-US" dirty="0" smtClean="0">
+                <a:latin typeface="微软雅黑" pitchFamily="34" charset="-122"/>
+                <a:ea typeface="微软雅黑" pitchFamily="34" charset="-122"/>
+              </a:rPr>
+              <a:t>籍贯：</a:t>
+            </a:r>
+            <a:r>
+              <a:rPr lang="zh-CN" altLang="en-US" dirty="0" smtClean="0">
+                <a:solidFill>
+                  <a:schemeClr val="bg2">
+                    <a:lumMod val="75000"/>
+                  </a:schemeClr>
+                </a:solidFill>
+                <a:latin typeface="微软雅黑" panose="020B0503020204020204" pitchFamily="34" charset="-122"/>
+                <a:ea typeface="微软雅黑" panose="020B0503020204020204" pitchFamily="34" charset="-122"/>
+              </a:rPr>
+              <a:t>广东惠州</a:t>
+            </a:r>
+            <a:endParaRPr lang="zh-CN" altLang="en-US" dirty="0">
+              <a:solidFill>
+                <a:schemeClr val="bg2">
+                  <a:lumMod val="75000"/>
+                </a:schemeClr>
+              </a:solidFill>
+              <a:latin typeface="微软雅黑" panose="020B0503020204020204" pitchFamily="34" charset="-122"/>
+              <a:ea typeface="微软雅黑" panose="020B0503020204020204" pitchFamily="34" charset="-122"/>
+            </a:endParaRPr>
+          </a:p>
+        </p:txBody>
+      </p:sp>
+      <p:sp>
+        <p:nvSpPr>
+          <p:cNvPr id="15" name="矩形 14"/>
+          <p:cNvSpPr/>
+          <p:nvPr/>
+        </p:nvSpPr>
+        <p:spPr>
+          <a:xfrm>
+            <a:off x="3069590" y="5487252"/>
+            <a:ext cx="3413114" cy="396583"/>
+          </a:xfrm>
+          <a:prstGeom prst="rect">
+            <a:avLst/>
+          </a:prstGeom>
+        </p:spPr>
+        <p:txBody>
+          <a:bodyPr wrap="square">
+            <a:spAutoFit/>
+          </a:bodyPr>
+          <a:lstStyle/>
+          <a:p>
+            <a:pPr>
+              <a:lnSpc>
+                <a:spcPct val="120000"/>
+              </a:lnSpc>
+              <a:spcBef>
+                <a:spcPct val="50000"/>
+              </a:spcBef>
+              <a:buClr>
+                <a:srgbClr val="0070C0"/>
+              </a:buClr>
+              <a:buSzPct val="80000"/>
+            </a:pPr>
+            <a:r>
+              <a:rPr lang="zh-CN" altLang="en-US" dirty="0" smtClean="0">
+                <a:latin typeface="微软雅黑" pitchFamily="34" charset="-122"/>
+                <a:ea typeface="微软雅黑" pitchFamily="34" charset="-122"/>
+              </a:rPr>
+              <a:t>导师：</a:t>
+            </a:r>
+            <a:r>
+              <a:rPr lang="zh-CN" altLang="en-US" dirty="0" smtClean="0">
+                <a:solidFill>
+                  <a:schemeClr val="bg2">
+                    <a:lumMod val="75000"/>
+                  </a:schemeClr>
+                </a:solidFill>
+                <a:latin typeface="微软雅黑" pitchFamily="34" charset="-122"/>
+                <a:ea typeface="微软雅黑" pitchFamily="34" charset="-122"/>
+              </a:rPr>
+              <a:t>李俊楠</a:t>
+            </a:r>
+            <a:endParaRPr lang="zh-CN" altLang="en-US" dirty="0">
+              <a:solidFill>
+                <a:schemeClr val="bg2">
+                  <a:lumMod val="75000"/>
+                </a:schemeClr>
+              </a:solidFill>
+              <a:latin typeface="微软雅黑" panose="020B0503020204020204" pitchFamily="34" charset="-122"/>
+              <a:ea typeface="微软雅黑" panose="020B0503020204020204" pitchFamily="34" charset="-122"/>
+            </a:endParaRPr>
+          </a:p>
+        </p:txBody>
+      </p:sp>
+      <p:sp>
+        <p:nvSpPr>
+          <p:cNvPr id="16" name="矩形 15"/>
+          <p:cNvSpPr/>
+          <p:nvPr/>
+        </p:nvSpPr>
+        <p:spPr>
+          <a:xfrm>
+            <a:off x="3069590" y="3597797"/>
+            <a:ext cx="3413114" cy="424732"/>
+          </a:xfrm>
+          <a:prstGeom prst="rect">
+            <a:avLst/>
+          </a:prstGeom>
+        </p:spPr>
+        <p:txBody>
+          <a:bodyPr wrap="square">
+            <a:spAutoFit/>
+          </a:bodyPr>
+          <a:lstStyle/>
+          <a:p>
+            <a:pPr>
+              <a:lnSpc>
+                <a:spcPct val="120000"/>
+              </a:lnSpc>
+              <a:spcBef>
+                <a:spcPct val="50000"/>
+              </a:spcBef>
+              <a:buClr>
+                <a:srgbClr val="0070C0"/>
+              </a:buClr>
+              <a:buSzPct val="80000"/>
+            </a:pPr>
+            <a:r>
+              <a:rPr lang="zh-CN" altLang="en-US" dirty="0" smtClean="0">
+                <a:latin typeface="微软雅黑" panose="020B0503020204020204" pitchFamily="34" charset="-122"/>
+                <a:ea typeface="微软雅黑" panose="020B0503020204020204" pitchFamily="34" charset="-122"/>
+              </a:rPr>
+              <a:t>入职日期：</a:t>
+            </a:r>
+            <a:r>
+              <a:rPr lang="en-US" altLang="zh-CN" dirty="0" smtClean="0">
+                <a:solidFill>
+                  <a:schemeClr val="bg2">
+                    <a:lumMod val="75000"/>
+                  </a:schemeClr>
+                </a:solidFill>
+                <a:latin typeface="微软雅黑" pitchFamily="34" charset="-122"/>
+                <a:ea typeface="微软雅黑" pitchFamily="34" charset="-122"/>
+                <a:cs typeface="Arial" panose="020B0604020202020204" pitchFamily="34" charset="0"/>
+              </a:rPr>
+              <a:t>2019.09.02</a:t>
+            </a:r>
+            <a:endParaRPr lang="zh-CN" altLang="en-US" dirty="0">
+              <a:solidFill>
+                <a:schemeClr val="bg2">
+                  <a:lumMod val="75000"/>
+                </a:schemeClr>
+              </a:solidFill>
+              <a:latin typeface="微软雅黑" pitchFamily="34" charset="-122"/>
+              <a:ea typeface="微软雅黑" pitchFamily="34" charset="-122"/>
+              <a:cs typeface="Arial" panose="020B0604020202020204" pitchFamily="34" charset="0"/>
+            </a:endParaRPr>
+          </a:p>
+        </p:txBody>
+      </p:sp>
+      <p:sp>
+        <p:nvSpPr>
+          <p:cNvPr id="17" name="矩形 16"/>
+          <p:cNvSpPr/>
+          <p:nvPr/>
+        </p:nvSpPr>
+        <p:spPr>
+          <a:xfrm>
+            <a:off x="3069590" y="4227615"/>
+            <a:ext cx="3413114" cy="396583"/>
+          </a:xfrm>
+          <a:prstGeom prst="rect">
+            <a:avLst/>
+          </a:prstGeom>
+        </p:spPr>
+        <p:txBody>
+          <a:bodyPr wrap="square">
+            <a:spAutoFit/>
+          </a:bodyPr>
+          <a:lstStyle/>
+          <a:p>
+            <a:pPr>
+              <a:lnSpc>
+                <a:spcPct val="120000"/>
+              </a:lnSpc>
+              <a:spcBef>
+                <a:spcPct val="50000"/>
+              </a:spcBef>
+              <a:buClr>
+                <a:srgbClr val="0070C0"/>
+              </a:buClr>
+              <a:buSzPct val="80000"/>
+            </a:pPr>
+            <a:r>
+              <a:rPr lang="zh-CN" altLang="en-US" dirty="0" smtClean="0">
+                <a:latin typeface="微软雅黑" pitchFamily="34" charset="-122"/>
+                <a:ea typeface="微软雅黑" pitchFamily="34" charset="-122"/>
+              </a:rPr>
+              <a:t>部门：</a:t>
+            </a:r>
+            <a:r>
+              <a:rPr lang="zh-CN" altLang="en-US" dirty="0" smtClean="0">
+                <a:solidFill>
+                  <a:schemeClr val="bg2">
+                    <a:lumMod val="75000"/>
+                  </a:schemeClr>
+                </a:solidFill>
+                <a:latin typeface="微软雅黑" pitchFamily="34" charset="-122"/>
+                <a:ea typeface="微软雅黑" pitchFamily="34" charset="-122"/>
+              </a:rPr>
+              <a:t>软件产品部</a:t>
+            </a:r>
+            <a:endParaRPr lang="zh-CN" altLang="en-US" dirty="0">
+              <a:solidFill>
+                <a:schemeClr val="bg2">
+                  <a:lumMod val="75000"/>
+                </a:schemeClr>
+              </a:solidFill>
+              <a:latin typeface="微软雅黑" panose="020B0503020204020204" pitchFamily="34" charset="-122"/>
+              <a:ea typeface="微软雅黑" panose="020B0503020204020204" pitchFamily="34" charset="-122"/>
+            </a:endParaRPr>
+          </a:p>
+        </p:txBody>
+      </p:sp>
+      <p:sp>
+        <p:nvSpPr>
+          <p:cNvPr id="18" name="矩形 17"/>
+          <p:cNvSpPr/>
+          <p:nvPr/>
+        </p:nvSpPr>
+        <p:spPr>
+          <a:xfrm>
+            <a:off x="3069590" y="4857433"/>
+            <a:ext cx="3413114" cy="396583"/>
+          </a:xfrm>
+          <a:prstGeom prst="rect">
+            <a:avLst/>
+          </a:prstGeom>
+        </p:spPr>
+        <p:txBody>
+          <a:bodyPr wrap="square">
+            <a:spAutoFit/>
+          </a:bodyPr>
+          <a:lstStyle/>
+          <a:p>
+            <a:pPr>
+              <a:lnSpc>
+                <a:spcPct val="120000"/>
+              </a:lnSpc>
+              <a:spcBef>
+                <a:spcPct val="50000"/>
+              </a:spcBef>
+              <a:buClr>
+                <a:srgbClr val="0070C0"/>
+              </a:buClr>
+              <a:buSzPct val="80000"/>
+            </a:pPr>
+            <a:r>
+              <a:rPr lang="zh-CN" altLang="en-US" dirty="0" smtClean="0">
+                <a:latin typeface="微软雅黑" panose="020B0503020204020204" pitchFamily="34" charset="-122"/>
+                <a:ea typeface="微软雅黑" panose="020B0503020204020204" pitchFamily="34" charset="-122"/>
+              </a:rPr>
+              <a:t>职位：</a:t>
+            </a:r>
+            <a:r>
+              <a:rPr lang="en-US" altLang="zh-CN" dirty="0" smtClean="0">
+                <a:solidFill>
+                  <a:schemeClr val="bg2">
+                    <a:lumMod val="75000"/>
+                  </a:schemeClr>
+                </a:solidFill>
+                <a:latin typeface="微软雅黑" panose="020B0503020204020204" pitchFamily="34" charset="-122"/>
+                <a:ea typeface="微软雅黑" panose="020B0503020204020204" pitchFamily="34" charset="-122"/>
+              </a:rPr>
+              <a:t>PC</a:t>
+            </a:r>
+            <a:r>
+              <a:rPr lang="zh-CN" altLang="en-US" dirty="0" smtClean="0">
+                <a:solidFill>
+                  <a:schemeClr val="bg2">
+                    <a:lumMod val="75000"/>
+                  </a:schemeClr>
+                </a:solidFill>
+                <a:latin typeface="微软雅黑" panose="020B0503020204020204" pitchFamily="34" charset="-122"/>
+                <a:ea typeface="微软雅黑" panose="020B0503020204020204" pitchFamily="34" charset="-122"/>
+              </a:rPr>
+              <a:t>软件工程师</a:t>
+            </a:r>
+            <a:endParaRPr lang="zh-CN" altLang="en-US" dirty="0">
+              <a:solidFill>
+                <a:schemeClr val="bg2">
+                  <a:lumMod val="75000"/>
+                </a:schemeClr>
+              </a:solidFill>
+              <a:latin typeface="微软雅黑" panose="020B0503020204020204" pitchFamily="34" charset="-122"/>
+              <a:ea typeface="微软雅黑" panose="020B0503020204020204" pitchFamily="34" charset="-122"/>
+            </a:endParaRPr>
+          </a:p>
+        </p:txBody>
+      </p:sp>
+      <p:sp>
+        <p:nvSpPr>
+          <p:cNvPr id="10" name="灯片编号占位符 9"/>
+          <p:cNvSpPr>
+            <a:spLocks noGrp="1"/>
+          </p:cNvSpPr>
+          <p:nvPr>
+            <p:ph type="sldNum" sz="quarter" idx="10"/>
+          </p:nvPr>
+        </p:nvSpPr>
+        <p:spPr/>
+        <p:txBody>
+          <a:bodyPr/>
+          <a:lstStyle/>
+          <a:p>
+            <a:pPr>
+              <a:defRPr/>
+            </a:pPr>
+            <a:fld id="{4816A599-0D7A-4ED1-B317-DB57F830172B}" type="slidenum">
+              <a:rPr lang="zh-CN" altLang="en-US" smtClean="0"/>
+              <a:t>3</a:t>
+            </a:fld>
+            <a:endParaRPr lang="zh-CN" altLang="en-US"/>
+          </a:p>
+        </p:txBody>
+      </p:sp>
+      <p:pic>
+        <p:nvPicPr>
+          <p:cNvPr id="11" name="图片 10" descr="IMG_20140203_144306.jpg"/>
+          <p:cNvPicPr>
+            <a:picLocks noChangeAspect="1"/>
+          </p:cNvPicPr>
+          <p:nvPr/>
+        </p:nvPicPr>
+        <p:blipFill>
+          <a:blip r:embed="rId2" cstate="print"/>
+          <a:stretch>
+            <a:fillRect/>
+          </a:stretch>
+        </p:blipFill>
+        <p:spPr>
+          <a:xfrm>
+            <a:off x="900430" y="1742688"/>
+            <a:ext cx="869950" cy="668655"/>
+          </a:xfrm>
+          <a:prstGeom prst="hexagon">
+            <a:avLst/>
+          </a:prstGeom>
+          <a:ln>
+            <a:solidFill>
+              <a:schemeClr val="tx2">
+                <a:lumMod val="60000"/>
+                <a:lumOff val="40000"/>
+              </a:schemeClr>
+            </a:solidFill>
+          </a:ln>
+        </p:spPr>
+      </p:pic>
+      <p:sp>
+        <p:nvSpPr>
+          <p:cNvPr id="12" name="TextBox 11"/>
+          <p:cNvSpPr txBox="1"/>
+          <p:nvPr/>
+        </p:nvSpPr>
+        <p:spPr>
+          <a:xfrm>
+            <a:off x="3841226" y="1586819"/>
+            <a:ext cx="1233170" cy="415290"/>
+          </a:xfrm>
+          <a:prstGeom prst="rect">
+            <a:avLst/>
+          </a:prstGeom>
+          <a:noFill/>
+        </p:spPr>
+        <p:txBody>
+          <a:bodyPr wrap="none" lIns="108850" tIns="54425" rIns="108850" bIns="54425" rtlCol="0">
+            <a:spAutoFit/>
+          </a:bodyPr>
+          <a:lstStyle/>
+          <a:p>
+            <a:r>
+              <a:rPr lang="zh-CN" altLang="en-US" sz="2000" dirty="0">
+                <a:solidFill>
+                  <a:schemeClr val="tx2">
+                    <a:lumMod val="75000"/>
+                  </a:schemeClr>
+                </a:solidFill>
+                <a:latin typeface="微软雅黑" panose="020B0503020204020204" pitchFamily="34" charset="-122"/>
+                <a:ea typeface="微软雅黑" panose="020B0503020204020204" pitchFamily="34" charset="-122"/>
+              </a:rPr>
+              <a:t>介绍</a:t>
+            </a:r>
+            <a:r>
+              <a:rPr lang="zh-CN" altLang="en-US" sz="2000" dirty="0">
+                <a:solidFill>
+                  <a:srgbClr val="C00000"/>
+                </a:solidFill>
+                <a:latin typeface="微软雅黑" panose="020B0503020204020204" pitchFamily="34" charset="-122"/>
+                <a:ea typeface="微软雅黑" panose="020B0503020204020204" pitchFamily="34" charset="-122"/>
+              </a:rPr>
+              <a:t>自己</a:t>
+            </a:r>
+          </a:p>
+        </p:txBody>
+      </p:sp>
+      <p:sp>
+        <p:nvSpPr>
+          <p:cNvPr id="19" name="TextBox 18"/>
+          <p:cNvSpPr txBox="1"/>
+          <p:nvPr/>
+        </p:nvSpPr>
+        <p:spPr>
+          <a:xfrm>
+            <a:off x="1770645" y="1485760"/>
+            <a:ext cx="1924332" cy="617744"/>
+          </a:xfrm>
+          <a:prstGeom prst="rect">
+            <a:avLst/>
+          </a:prstGeom>
+          <a:noFill/>
+        </p:spPr>
+        <p:txBody>
+          <a:bodyPr wrap="none" lIns="108850" tIns="54425" rIns="108850" bIns="54425" rtlCol="0">
+            <a:spAutoFit/>
+          </a:bodyPr>
+          <a:lstStyle/>
+          <a:p>
+            <a:r>
+              <a:rPr lang="en-US" sz="3300" b="1" i="1" dirty="0">
+                <a:solidFill>
+                  <a:schemeClr val="bg1">
+                    <a:lumMod val="50000"/>
+                  </a:schemeClr>
+                </a:solidFill>
+                <a:latin typeface="Adobe 黑体 Std R" panose="020B0400000000000000" pitchFamily="34" charset="-122"/>
+                <a:ea typeface="Adobe 黑体 Std R" panose="020B0400000000000000" pitchFamily="34" charset="-122"/>
+              </a:rPr>
+              <a:t>P</a:t>
+            </a:r>
+            <a:r>
+              <a:rPr lang="en-US" sz="1900" b="1" dirty="0">
+                <a:solidFill>
+                  <a:srgbClr val="C00000"/>
+                </a:solidFill>
+              </a:rPr>
+              <a:t>ersonal Profile</a:t>
+            </a:r>
+            <a:endParaRPr lang="zh-CN" altLang="en-US" sz="1900" dirty="0">
+              <a:solidFill>
+                <a:srgbClr val="C00000"/>
+              </a:solidFill>
+            </a:endParaRPr>
+          </a:p>
+        </p:txBody>
+      </p:sp>
+      <p:cxnSp>
+        <p:nvCxnSpPr>
+          <p:cNvPr id="20" name="直接连接符 19"/>
+          <p:cNvCxnSpPr/>
+          <p:nvPr/>
+        </p:nvCxnSpPr>
+        <p:spPr>
+          <a:xfrm flipV="1">
+            <a:off x="1771650" y="2060823"/>
+            <a:ext cx="7409180" cy="25400"/>
+          </a:xfrm>
+          <a:prstGeom prst="line">
+            <a:avLst/>
+          </a:prstGeom>
+          <a:ln>
+            <a:solidFill>
+              <a:schemeClr val="tx1">
+                <a:lumMod val="65000"/>
+                <a:lumOff val="35000"/>
+              </a:schemeClr>
+            </a:solidFill>
+          </a:ln>
+        </p:spPr>
+        <p:style>
+          <a:lnRef idx="1">
+            <a:schemeClr val="accent1"/>
+          </a:lnRef>
+          <a:fillRef idx="0">
+            <a:schemeClr val="accent1"/>
+          </a:fillRef>
+          <a:effectRef idx="0">
+            <a:schemeClr val="accent1"/>
+          </a:effectRef>
+          <a:fontRef idx="minor">
+            <a:schemeClr val="tx1"/>
+          </a:fontRef>
+        </p:style>
+      </p:cxnSp>
+    </p:spTree>
+  </p:cSld>
+  <p:clrMapOvr>
+    <a:masterClrMapping/>
+  </p:clrMapOvr>
+  <p:transition/>
+  <p:timing>
+    <p:tnLst>
+      <p:par>
+        <p:cTn id="1" dur="indefinite" restart="never" nodeType="tmRoot"/>
+      </p:par>
+    </p:tnLst>
+  </p:timing>
+</p:sld>
+</file>
+
+<file path=ppt/slides/slide30.xml><?xml version="1.0" encoding="utf-8"?>
+<p:sld xmlns:a="http://schemas.openxmlformats.org/drawingml/2006/main" xmlns:r="http://schemas.openxmlformats.org/officeDocument/2006/relationships" xmlns:p="http://schemas.openxmlformats.org/presentationml/2006/main">
+  <p:cSld>
+    <p:spTree>
+      <p:nvGrpSpPr>
+        <p:cNvPr id="1" name=""/>
+        <p:cNvGrpSpPr/>
+        <p:nvPr/>
+      </p:nvGrpSpPr>
+      <p:grpSpPr>
+        <a:xfrm>
+          <a:off x="0" y="0"/>
+          <a:ext cx="0" cy="0"/>
+          <a:chOff x="0" y="0"/>
+          <a:chExt cx="0" cy="0"/>
+        </a:xfrm>
+      </p:grpSpPr>
+      <p:sp>
+        <p:nvSpPr>
+          <p:cNvPr id="2" name="标题 1"/>
+          <p:cNvSpPr>
+            <a:spLocks noGrp="1"/>
+          </p:cNvSpPr>
+          <p:nvPr>
+            <p:ph type="title"/>
+          </p:nvPr>
+        </p:nvSpPr>
+        <p:spPr/>
+        <p:txBody>
+          <a:bodyPr/>
+          <a:lstStyle/>
+          <a:p>
+            <a:r>
+              <a:rPr lang="zh-CN" altLang="en-US" dirty="0" smtClean="0">
+                <a:latin typeface="微软雅黑" panose="020B0503020204020204" pitchFamily="34" charset="-122"/>
+                <a:ea typeface="微软雅黑" panose="020B0503020204020204" pitchFamily="34" charset="-122"/>
+              </a:rPr>
               <a:t>建议和意见</a:t>
             </a:r>
             <a:endParaRPr lang="zh-CN" altLang="en-US" dirty="0">
@@ -16648,7 +22788,7 @@
             </a:pPr>
             <a:fld id="{4816A599-0D7A-4ED1-B317-DB57F830172B}" type="slidenum">
               <a:rPr lang="zh-CN" altLang="en-US" smtClean="0"/>
-              <a:t>23</a:t>
+              <a:t>30</a:t>
             </a:fld>
             <a:endParaRPr lang="zh-CN" altLang="en-US"/>
           </a:p>
@@ -16670,7 +22810,7 @@
 </p:sld>
 </file>
 
-<file path=ppt/slides/slide24.xml><?xml version="1.0" encoding="utf-8"?>
+<file path=ppt/slides/slide31.xml><?xml version="1.0" encoding="utf-8"?>
 <p:sld xmlns:a="http://schemas.openxmlformats.org/drawingml/2006/main" xmlns:r="http://schemas.openxmlformats.org/officeDocument/2006/relationships" xmlns:p="http://schemas.openxmlformats.org/presentationml/2006/main">
   <p:cSld>
     <p:spTree>
@@ -19478,671 +25618,6 @@
 </p:sld>
 </file>
 
-<file path=ppt/slides/slide3.xml><?xml version="1.0" encoding="utf-8"?>
-<p:sld xmlns:a="http://schemas.openxmlformats.org/drawingml/2006/main" xmlns:r="http://schemas.openxmlformats.org/officeDocument/2006/relationships" xmlns:p="http://schemas.openxmlformats.org/presentationml/2006/main">
-  <p:cSld>
-    <p:spTree>
-      <p:nvGrpSpPr>
-        <p:cNvPr id="1" name=""/>
-        <p:cNvGrpSpPr/>
-        <p:nvPr/>
-      </p:nvGrpSpPr>
-      <p:grpSpPr>
-        <a:xfrm>
-          <a:off x="0" y="0"/>
-          <a:ext cx="0" cy="0"/>
-          <a:chOff x="0" y="0"/>
-          <a:chExt cx="0" cy="0"/>
-        </a:xfrm>
-      </p:grpSpPr>
-      <p:sp>
-        <p:nvSpPr>
-          <p:cNvPr id="2" name="标题 1"/>
-          <p:cNvSpPr>
-            <a:spLocks noGrp="1"/>
-          </p:cNvSpPr>
-          <p:nvPr>
-            <p:ph type="title"/>
-          </p:nvPr>
-        </p:nvSpPr>
-        <p:spPr/>
-        <p:txBody>
-          <a:bodyPr/>
-          <a:lstStyle/>
-          <a:p>
-            <a:r>
-              <a:rPr lang="zh-CN" altLang="en-US" dirty="0" smtClean="0">
-                <a:latin typeface="微软雅黑" panose="020B0503020204020204" pitchFamily="34" charset="-122"/>
-                <a:ea typeface="微软雅黑" panose="020B0503020204020204" pitchFamily="34" charset="-122"/>
-              </a:rPr>
-              <a:t>个人简介</a:t>
-            </a:r>
-            <a:endParaRPr lang="zh-CN" altLang="en-US" dirty="0">
-              <a:latin typeface="微软雅黑" panose="020B0503020204020204" pitchFamily="34" charset="-122"/>
-              <a:ea typeface="微软雅黑" panose="020B0503020204020204" pitchFamily="34" charset="-122"/>
-            </a:endParaRPr>
-          </a:p>
-        </p:txBody>
-      </p:sp>
-      <p:sp>
-        <p:nvSpPr>
-          <p:cNvPr id="13" name="矩形 12"/>
-          <p:cNvSpPr/>
-          <p:nvPr/>
-        </p:nvSpPr>
-        <p:spPr>
-          <a:xfrm>
-            <a:off x="3069590" y="2413309"/>
-            <a:ext cx="3413114" cy="396583"/>
-          </a:xfrm>
-          <a:prstGeom prst="rect">
-            <a:avLst/>
-          </a:prstGeom>
-        </p:spPr>
-        <p:txBody>
-          <a:bodyPr wrap="square">
-            <a:spAutoFit/>
-          </a:bodyPr>
-          <a:lstStyle/>
-          <a:p>
-            <a:pPr>
-              <a:lnSpc>
-                <a:spcPct val="120000"/>
-              </a:lnSpc>
-              <a:spcBef>
-                <a:spcPct val="50000"/>
-              </a:spcBef>
-              <a:buClr>
-                <a:srgbClr val="0070C0"/>
-              </a:buClr>
-              <a:buSzPct val="80000"/>
-            </a:pPr>
-            <a:r>
-              <a:rPr lang="zh-CN" altLang="en-US" dirty="0" smtClean="0">
-                <a:latin typeface="微软雅黑" pitchFamily="34" charset="-122"/>
-                <a:ea typeface="微软雅黑" pitchFamily="34" charset="-122"/>
-              </a:rPr>
-              <a:t>姓名：</a:t>
-            </a:r>
-            <a:r>
-              <a:rPr lang="zh-CN" altLang="en-US" dirty="0" smtClean="0">
-                <a:solidFill>
-                  <a:schemeClr val="bg2">
-                    <a:lumMod val="75000"/>
-                  </a:schemeClr>
-                </a:solidFill>
-                <a:latin typeface="微软雅黑" pitchFamily="34" charset="-122"/>
-                <a:ea typeface="微软雅黑" pitchFamily="34" charset="-122"/>
-              </a:rPr>
-              <a:t>郑宇亮</a:t>
-            </a:r>
-            <a:endParaRPr lang="zh-CN" altLang="en-US" dirty="0">
-              <a:solidFill>
-                <a:schemeClr val="bg2">
-                  <a:lumMod val="75000"/>
-                </a:schemeClr>
-              </a:solidFill>
-              <a:latin typeface="微软雅黑" panose="020B0503020204020204" pitchFamily="34" charset="-122"/>
-              <a:ea typeface="微软雅黑" panose="020B0503020204020204" pitchFamily="34" charset="-122"/>
-            </a:endParaRPr>
-          </a:p>
-        </p:txBody>
-      </p:sp>
-      <p:sp>
-        <p:nvSpPr>
-          <p:cNvPr id="14" name="矩形 13"/>
-          <p:cNvSpPr/>
-          <p:nvPr/>
-        </p:nvSpPr>
-        <p:spPr>
-          <a:xfrm>
-            <a:off x="3069590" y="3005553"/>
-            <a:ext cx="3413114" cy="396583"/>
-          </a:xfrm>
-          <a:prstGeom prst="rect">
-            <a:avLst/>
-          </a:prstGeom>
-        </p:spPr>
-        <p:txBody>
-          <a:bodyPr wrap="square">
-            <a:spAutoFit/>
-          </a:bodyPr>
-          <a:lstStyle/>
-          <a:p>
-            <a:pPr>
-              <a:lnSpc>
-                <a:spcPct val="120000"/>
-              </a:lnSpc>
-              <a:spcBef>
-                <a:spcPct val="50000"/>
-              </a:spcBef>
-              <a:buClr>
-                <a:srgbClr val="0070C0"/>
-              </a:buClr>
-              <a:buSzPct val="80000"/>
-            </a:pPr>
-            <a:r>
-              <a:rPr lang="zh-CN" altLang="en-US" dirty="0" smtClean="0">
-                <a:latin typeface="微软雅黑" pitchFamily="34" charset="-122"/>
-                <a:ea typeface="微软雅黑" pitchFamily="34" charset="-122"/>
-              </a:rPr>
-              <a:t>籍贯：</a:t>
-            </a:r>
-            <a:r>
-              <a:rPr lang="zh-CN" altLang="en-US" dirty="0" smtClean="0">
-                <a:solidFill>
-                  <a:schemeClr val="bg2">
-                    <a:lumMod val="75000"/>
-                  </a:schemeClr>
-                </a:solidFill>
-                <a:latin typeface="微软雅黑" panose="020B0503020204020204" pitchFamily="34" charset="-122"/>
-                <a:ea typeface="微软雅黑" panose="020B0503020204020204" pitchFamily="34" charset="-122"/>
-              </a:rPr>
-              <a:t>广东</a:t>
-            </a:r>
-            <a:r>
-              <a:rPr lang="zh-CN" altLang="en-US" dirty="0" smtClean="0">
-                <a:solidFill>
-                  <a:schemeClr val="bg2">
-                    <a:lumMod val="75000"/>
-                  </a:schemeClr>
-                </a:solidFill>
-                <a:latin typeface="微软雅黑" panose="020B0503020204020204" pitchFamily="34" charset="-122"/>
-                <a:ea typeface="微软雅黑" panose="020B0503020204020204" pitchFamily="34" charset="-122"/>
-              </a:rPr>
-              <a:t>惠州</a:t>
-            </a:r>
-            <a:endParaRPr lang="zh-CN" altLang="en-US" dirty="0">
-              <a:solidFill>
-                <a:schemeClr val="bg2">
-                  <a:lumMod val="75000"/>
-                </a:schemeClr>
-              </a:solidFill>
-              <a:latin typeface="微软雅黑" panose="020B0503020204020204" pitchFamily="34" charset="-122"/>
-              <a:ea typeface="微软雅黑" panose="020B0503020204020204" pitchFamily="34" charset="-122"/>
-            </a:endParaRPr>
-          </a:p>
-        </p:txBody>
-      </p:sp>
-      <p:sp>
-        <p:nvSpPr>
-          <p:cNvPr id="15" name="矩形 14"/>
-          <p:cNvSpPr/>
-          <p:nvPr/>
-        </p:nvSpPr>
-        <p:spPr>
-          <a:xfrm>
-            <a:off x="3069590" y="5487252"/>
-            <a:ext cx="3413114" cy="396583"/>
-          </a:xfrm>
-          <a:prstGeom prst="rect">
-            <a:avLst/>
-          </a:prstGeom>
-        </p:spPr>
-        <p:txBody>
-          <a:bodyPr wrap="square">
-            <a:spAutoFit/>
-          </a:bodyPr>
-          <a:lstStyle/>
-          <a:p>
-            <a:pPr>
-              <a:lnSpc>
-                <a:spcPct val="120000"/>
-              </a:lnSpc>
-              <a:spcBef>
-                <a:spcPct val="50000"/>
-              </a:spcBef>
-              <a:buClr>
-                <a:srgbClr val="0070C0"/>
-              </a:buClr>
-              <a:buSzPct val="80000"/>
-            </a:pPr>
-            <a:r>
-              <a:rPr lang="zh-CN" altLang="en-US" dirty="0" smtClean="0">
-                <a:latin typeface="微软雅黑" pitchFamily="34" charset="-122"/>
-                <a:ea typeface="微软雅黑" pitchFamily="34" charset="-122"/>
-              </a:rPr>
-              <a:t>导师：</a:t>
-            </a:r>
-            <a:r>
-              <a:rPr lang="zh-CN" altLang="en-US" dirty="0" smtClean="0">
-                <a:solidFill>
-                  <a:schemeClr val="bg2">
-                    <a:lumMod val="75000"/>
-                  </a:schemeClr>
-                </a:solidFill>
-                <a:latin typeface="微软雅黑" pitchFamily="34" charset="-122"/>
-                <a:ea typeface="微软雅黑" pitchFamily="34" charset="-122"/>
-              </a:rPr>
-              <a:t>李俊楠</a:t>
-            </a:r>
-            <a:endParaRPr lang="zh-CN" altLang="en-US" dirty="0">
-              <a:solidFill>
-                <a:schemeClr val="bg2">
-                  <a:lumMod val="75000"/>
-                </a:schemeClr>
-              </a:solidFill>
-              <a:latin typeface="微软雅黑" panose="020B0503020204020204" pitchFamily="34" charset="-122"/>
-              <a:ea typeface="微软雅黑" panose="020B0503020204020204" pitchFamily="34" charset="-122"/>
-            </a:endParaRPr>
-          </a:p>
-        </p:txBody>
-      </p:sp>
-      <p:sp>
-        <p:nvSpPr>
-          <p:cNvPr id="16" name="矩形 15"/>
-          <p:cNvSpPr/>
-          <p:nvPr/>
-        </p:nvSpPr>
-        <p:spPr>
-          <a:xfrm>
-            <a:off x="3069590" y="3597797"/>
-            <a:ext cx="3413114" cy="424732"/>
-          </a:xfrm>
-          <a:prstGeom prst="rect">
-            <a:avLst/>
-          </a:prstGeom>
-        </p:spPr>
-        <p:txBody>
-          <a:bodyPr wrap="square">
-            <a:spAutoFit/>
-          </a:bodyPr>
-          <a:lstStyle/>
-          <a:p>
-            <a:pPr>
-              <a:lnSpc>
-                <a:spcPct val="120000"/>
-              </a:lnSpc>
-              <a:spcBef>
-                <a:spcPct val="50000"/>
-              </a:spcBef>
-              <a:buClr>
-                <a:srgbClr val="0070C0"/>
-              </a:buClr>
-              <a:buSzPct val="80000"/>
-            </a:pPr>
-            <a:r>
-              <a:rPr lang="zh-CN" altLang="en-US" dirty="0" smtClean="0">
-                <a:latin typeface="微软雅黑" panose="020B0503020204020204" pitchFamily="34" charset="-122"/>
-                <a:ea typeface="微软雅黑" panose="020B0503020204020204" pitchFamily="34" charset="-122"/>
-              </a:rPr>
-              <a:t>入职日期：</a:t>
-            </a:r>
-            <a:r>
-              <a:rPr lang="en-US" altLang="zh-CN" dirty="0" smtClean="0">
-                <a:solidFill>
-                  <a:schemeClr val="bg2">
-                    <a:lumMod val="75000"/>
-                  </a:schemeClr>
-                </a:solidFill>
-                <a:latin typeface="微软雅黑" pitchFamily="34" charset="-122"/>
-                <a:ea typeface="微软雅黑" pitchFamily="34" charset="-122"/>
-                <a:cs typeface="Arial" panose="020B0604020202020204" pitchFamily="34" charset="0"/>
-              </a:rPr>
-              <a:t>2019.09.02</a:t>
-            </a:r>
-            <a:endParaRPr lang="zh-CN" altLang="en-US" dirty="0">
-              <a:solidFill>
-                <a:schemeClr val="bg2">
-                  <a:lumMod val="75000"/>
-                </a:schemeClr>
-              </a:solidFill>
-              <a:latin typeface="微软雅黑" pitchFamily="34" charset="-122"/>
-              <a:ea typeface="微软雅黑" pitchFamily="34" charset="-122"/>
-              <a:cs typeface="Arial" panose="020B0604020202020204" pitchFamily="34" charset="0"/>
-            </a:endParaRPr>
-          </a:p>
-        </p:txBody>
-      </p:sp>
-      <p:sp>
-        <p:nvSpPr>
-          <p:cNvPr id="17" name="矩形 16"/>
-          <p:cNvSpPr/>
-          <p:nvPr/>
-        </p:nvSpPr>
-        <p:spPr>
-          <a:xfrm>
-            <a:off x="3069590" y="4227615"/>
-            <a:ext cx="3413114" cy="396583"/>
-          </a:xfrm>
-          <a:prstGeom prst="rect">
-            <a:avLst/>
-          </a:prstGeom>
-        </p:spPr>
-        <p:txBody>
-          <a:bodyPr wrap="square">
-            <a:spAutoFit/>
-          </a:bodyPr>
-          <a:lstStyle/>
-          <a:p>
-            <a:pPr>
-              <a:lnSpc>
-                <a:spcPct val="120000"/>
-              </a:lnSpc>
-              <a:spcBef>
-                <a:spcPct val="50000"/>
-              </a:spcBef>
-              <a:buClr>
-                <a:srgbClr val="0070C0"/>
-              </a:buClr>
-              <a:buSzPct val="80000"/>
-            </a:pPr>
-            <a:r>
-              <a:rPr lang="zh-CN" altLang="en-US" dirty="0" smtClean="0">
-                <a:latin typeface="微软雅黑" pitchFamily="34" charset="-122"/>
-                <a:ea typeface="微软雅黑" pitchFamily="34" charset="-122"/>
-              </a:rPr>
-              <a:t>部门：</a:t>
-            </a:r>
-            <a:r>
-              <a:rPr lang="zh-CN" altLang="en-US" dirty="0" smtClean="0">
-                <a:solidFill>
-                  <a:schemeClr val="bg2">
-                    <a:lumMod val="75000"/>
-                  </a:schemeClr>
-                </a:solidFill>
-                <a:latin typeface="微软雅黑" pitchFamily="34" charset="-122"/>
-                <a:ea typeface="微软雅黑" pitchFamily="34" charset="-122"/>
-              </a:rPr>
-              <a:t>软件产品部</a:t>
-            </a:r>
-            <a:endParaRPr lang="zh-CN" altLang="en-US" dirty="0">
-              <a:solidFill>
-                <a:schemeClr val="bg2">
-                  <a:lumMod val="75000"/>
-                </a:schemeClr>
-              </a:solidFill>
-              <a:latin typeface="微软雅黑" panose="020B0503020204020204" pitchFamily="34" charset="-122"/>
-              <a:ea typeface="微软雅黑" panose="020B0503020204020204" pitchFamily="34" charset="-122"/>
-            </a:endParaRPr>
-          </a:p>
-        </p:txBody>
-      </p:sp>
-      <p:sp>
-        <p:nvSpPr>
-          <p:cNvPr id="18" name="矩形 17"/>
-          <p:cNvSpPr/>
-          <p:nvPr/>
-        </p:nvSpPr>
-        <p:spPr>
-          <a:xfrm>
-            <a:off x="3069590" y="4857433"/>
-            <a:ext cx="3413114" cy="396583"/>
-          </a:xfrm>
-          <a:prstGeom prst="rect">
-            <a:avLst/>
-          </a:prstGeom>
-        </p:spPr>
-        <p:txBody>
-          <a:bodyPr wrap="square">
-            <a:spAutoFit/>
-          </a:bodyPr>
-          <a:lstStyle/>
-          <a:p>
-            <a:pPr>
-              <a:lnSpc>
-                <a:spcPct val="120000"/>
-              </a:lnSpc>
-              <a:spcBef>
-                <a:spcPct val="50000"/>
-              </a:spcBef>
-              <a:buClr>
-                <a:srgbClr val="0070C0"/>
-              </a:buClr>
-              <a:buSzPct val="80000"/>
-            </a:pPr>
-            <a:r>
-              <a:rPr lang="zh-CN" altLang="en-US" dirty="0" smtClean="0">
-                <a:latin typeface="微软雅黑" panose="020B0503020204020204" pitchFamily="34" charset="-122"/>
-                <a:ea typeface="微软雅黑" panose="020B0503020204020204" pitchFamily="34" charset="-122"/>
-              </a:rPr>
-              <a:t>职位：</a:t>
-            </a:r>
-            <a:r>
-              <a:rPr lang="en-US" altLang="zh-CN" dirty="0" smtClean="0">
-                <a:solidFill>
-                  <a:schemeClr val="bg2">
-                    <a:lumMod val="75000"/>
-                  </a:schemeClr>
-                </a:solidFill>
-                <a:latin typeface="微软雅黑" panose="020B0503020204020204" pitchFamily="34" charset="-122"/>
-                <a:ea typeface="微软雅黑" panose="020B0503020204020204" pitchFamily="34" charset="-122"/>
-              </a:rPr>
-              <a:t>PC</a:t>
-            </a:r>
-            <a:r>
-              <a:rPr lang="zh-CN" altLang="en-US" dirty="0" smtClean="0">
-                <a:solidFill>
-                  <a:schemeClr val="bg2">
-                    <a:lumMod val="75000"/>
-                  </a:schemeClr>
-                </a:solidFill>
-                <a:latin typeface="微软雅黑" panose="020B0503020204020204" pitchFamily="34" charset="-122"/>
-                <a:ea typeface="微软雅黑" panose="020B0503020204020204" pitchFamily="34" charset="-122"/>
-              </a:rPr>
-              <a:t>软件工程师</a:t>
-            </a:r>
-            <a:endParaRPr lang="zh-CN" altLang="en-US" dirty="0">
-              <a:solidFill>
-                <a:schemeClr val="bg2">
-                  <a:lumMod val="75000"/>
-                </a:schemeClr>
-              </a:solidFill>
-              <a:latin typeface="微软雅黑" panose="020B0503020204020204" pitchFamily="34" charset="-122"/>
-              <a:ea typeface="微软雅黑" panose="020B0503020204020204" pitchFamily="34" charset="-122"/>
-            </a:endParaRPr>
-          </a:p>
-        </p:txBody>
-      </p:sp>
-      <p:sp>
-        <p:nvSpPr>
-          <p:cNvPr id="10" name="灯片编号占位符 9"/>
-          <p:cNvSpPr>
-            <a:spLocks noGrp="1"/>
-          </p:cNvSpPr>
-          <p:nvPr>
-            <p:ph type="sldNum" sz="quarter" idx="10"/>
-          </p:nvPr>
-        </p:nvSpPr>
-        <p:spPr/>
-        <p:txBody>
-          <a:bodyPr/>
-          <a:lstStyle/>
-          <a:p>
-            <a:pPr>
-              <a:defRPr/>
-            </a:pPr>
-            <a:fld id="{4816A599-0D7A-4ED1-B317-DB57F830172B}" type="slidenum">
-              <a:rPr lang="zh-CN" altLang="en-US" smtClean="0"/>
-              <a:t>3</a:t>
-            </a:fld>
-            <a:endParaRPr lang="zh-CN" altLang="en-US"/>
-          </a:p>
-        </p:txBody>
-      </p:sp>
-      <p:pic>
-        <p:nvPicPr>
-          <p:cNvPr id="11" name="图片 10" descr="IMG_20140203_144306.jpg"/>
-          <p:cNvPicPr>
-            <a:picLocks noChangeAspect="1"/>
-          </p:cNvPicPr>
-          <p:nvPr/>
-        </p:nvPicPr>
-        <p:blipFill>
-          <a:blip r:embed="rId2" cstate="print"/>
-          <a:stretch>
-            <a:fillRect/>
-          </a:stretch>
-        </p:blipFill>
-        <p:spPr>
-          <a:xfrm>
-            <a:off x="900430" y="1742688"/>
-            <a:ext cx="869950" cy="668655"/>
-          </a:xfrm>
-          <a:prstGeom prst="hexagon">
-            <a:avLst/>
-          </a:prstGeom>
-          <a:ln>
-            <a:solidFill>
-              <a:schemeClr val="tx2">
-                <a:lumMod val="60000"/>
-                <a:lumOff val="40000"/>
-              </a:schemeClr>
-            </a:solidFill>
-          </a:ln>
-        </p:spPr>
-      </p:pic>
-      <p:sp>
-        <p:nvSpPr>
-          <p:cNvPr id="12" name="TextBox 11"/>
-          <p:cNvSpPr txBox="1"/>
-          <p:nvPr/>
-        </p:nvSpPr>
-        <p:spPr>
-          <a:xfrm>
-            <a:off x="3841226" y="1586819"/>
-            <a:ext cx="1233170" cy="415290"/>
-          </a:xfrm>
-          <a:prstGeom prst="rect">
-            <a:avLst/>
-          </a:prstGeom>
-          <a:noFill/>
-        </p:spPr>
-        <p:txBody>
-          <a:bodyPr wrap="none" lIns="108850" tIns="54425" rIns="108850" bIns="54425" rtlCol="0">
-            <a:spAutoFit/>
-          </a:bodyPr>
-          <a:lstStyle/>
-          <a:p>
-            <a:r>
-              <a:rPr lang="zh-CN" altLang="en-US" sz="2000" dirty="0">
-                <a:solidFill>
-                  <a:schemeClr val="tx2">
-                    <a:lumMod val="75000"/>
-                  </a:schemeClr>
-                </a:solidFill>
-                <a:latin typeface="微软雅黑" panose="020B0503020204020204" pitchFamily="34" charset="-122"/>
-                <a:ea typeface="微软雅黑" panose="020B0503020204020204" pitchFamily="34" charset="-122"/>
-              </a:rPr>
-              <a:t>介绍</a:t>
-            </a:r>
-            <a:r>
-              <a:rPr lang="zh-CN" altLang="en-US" sz="2000" dirty="0">
-                <a:solidFill>
-                  <a:srgbClr val="C00000"/>
-                </a:solidFill>
-                <a:latin typeface="微软雅黑" panose="020B0503020204020204" pitchFamily="34" charset="-122"/>
-                <a:ea typeface="微软雅黑" panose="020B0503020204020204" pitchFamily="34" charset="-122"/>
-              </a:rPr>
-              <a:t>自己</a:t>
-            </a:r>
-          </a:p>
-        </p:txBody>
-      </p:sp>
-      <p:sp>
-        <p:nvSpPr>
-          <p:cNvPr id="19" name="TextBox 18"/>
-          <p:cNvSpPr txBox="1"/>
-          <p:nvPr/>
-        </p:nvSpPr>
-        <p:spPr>
-          <a:xfrm>
-            <a:off x="1770645" y="1485760"/>
-            <a:ext cx="1924332" cy="617744"/>
-          </a:xfrm>
-          <a:prstGeom prst="rect">
-            <a:avLst/>
-          </a:prstGeom>
-          <a:noFill/>
-        </p:spPr>
-        <p:txBody>
-          <a:bodyPr wrap="none" lIns="108850" tIns="54425" rIns="108850" bIns="54425" rtlCol="0">
-            <a:spAutoFit/>
-          </a:bodyPr>
-          <a:lstStyle/>
-          <a:p>
-            <a:r>
-              <a:rPr lang="en-US" sz="3300" b="1" i="1" dirty="0">
-                <a:solidFill>
-                  <a:schemeClr val="bg1">
-                    <a:lumMod val="50000"/>
-                  </a:schemeClr>
-                </a:solidFill>
-                <a:latin typeface="Adobe 黑体 Std R" panose="020B0400000000000000" pitchFamily="34" charset="-122"/>
-                <a:ea typeface="Adobe 黑体 Std R" panose="020B0400000000000000" pitchFamily="34" charset="-122"/>
-              </a:rPr>
-              <a:t>P</a:t>
-            </a:r>
-            <a:r>
-              <a:rPr lang="en-US" sz="1900" b="1" dirty="0">
-                <a:solidFill>
-                  <a:srgbClr val="C00000"/>
-                </a:solidFill>
-              </a:rPr>
-              <a:t>ersonal Profile</a:t>
-            </a:r>
-            <a:endParaRPr lang="zh-CN" altLang="en-US" sz="1900" dirty="0">
-              <a:solidFill>
-                <a:srgbClr val="C00000"/>
-              </a:solidFill>
-            </a:endParaRPr>
-          </a:p>
-        </p:txBody>
-      </p:sp>
-      <p:cxnSp>
-        <p:nvCxnSpPr>
-          <p:cNvPr id="20" name="直接连接符 19"/>
-          <p:cNvCxnSpPr/>
-          <p:nvPr/>
-        </p:nvCxnSpPr>
-        <p:spPr>
-          <a:xfrm flipV="1">
-            <a:off x="1771650" y="2060823"/>
-            <a:ext cx="7409180" cy="25400"/>
-          </a:xfrm>
-          <a:prstGeom prst="line">
-            <a:avLst/>
-          </a:prstGeom>
-          <a:ln>
-            <a:solidFill>
-              <a:schemeClr val="tx1">
-                <a:lumMod val="65000"/>
-                <a:lumOff val="35000"/>
-              </a:schemeClr>
-            </a:solidFill>
-          </a:ln>
-        </p:spPr>
-        <p:style>
-          <a:lnRef idx="1">
-            <a:schemeClr val="accent1"/>
-          </a:lnRef>
-          <a:fillRef idx="0">
-            <a:schemeClr val="accent1"/>
-          </a:fillRef>
-          <a:effectRef idx="0">
-            <a:schemeClr val="accent1"/>
-          </a:effectRef>
-          <a:fontRef idx="minor">
-            <a:schemeClr val="tx1"/>
-          </a:fontRef>
-        </p:style>
-      </p:cxnSp>
-    </p:spTree>
-  </p:cSld>
-  <p:clrMapOvr>
-    <a:masterClrMapping/>
-  </p:clrMapOvr>
-  <p:transition/>
-  <p:timing>
-    <p:tnLst>
-      <p:par>
-        <p:cTn id="1" dur="indefinite" restart="never" nodeType="tmRoot"/>
-      </p:par>
-    </p:tnLst>
-  </p:timing>
-</p:sld>
-</file>
-
 <file path=ppt/slides/slide4.xml><?xml version="1.0" encoding="utf-8"?>
 <p:sld xmlns:a="http://schemas.openxmlformats.org/drawingml/2006/main" xmlns:r="http://schemas.openxmlformats.org/officeDocument/2006/relationships" xmlns:p="http://schemas.openxmlformats.org/presentationml/2006/main">
   <p:cSld>
@@ -21493,7 +26968,7 @@
           <p:nvPr>
             <p:extLst>
               <p:ext uri="{D42A27DB-BD31-4B8C-83A1-F6EECF244321}">
-                <p14:modId xmlns:p14="http://schemas.microsoft.com/office/powerpoint/2010/main" val="330866559"/>
+                <p14:modId xmlns:p14="http://schemas.microsoft.com/office/powerpoint/2010/main" val="460111316"/>
               </p:ext>
             </p:extLst>
           </p:nvPr>
@@ -23429,6 +28904,13 @@
     <a:masterClrMapping/>
   </p:clrMapOvr>
   <p:transition/>
+  <p:timing>
+    <p:tnLst>
+      <p:par>
+        <p:cTn id="1" dur="indefinite" restart="never" nodeType="tmRoot"/>
+      </p:par>
+    </p:tnLst>
+  </p:timing>
 </p:sld>
 </file>
 
@@ -23723,11 +29205,7 @@
             </a:pPr>
             <a:r>
               <a:rPr lang="zh-CN" altLang="en-US" b="0" dirty="0" smtClean="0"/>
-              <a:t>试用期内主要工作内容</a:t>
-            </a:r>
-            <a:r>
-              <a:rPr lang="zh-CN" altLang="en-US" b="0" dirty="0" smtClean="0"/>
-              <a:t>：</a:t>
+              <a:t>试用期内主要工作内容：</a:t>
             </a:r>
             <a:endParaRPr lang="en-US" altLang="zh-CN" b="0" dirty="0" smtClean="0"/>
           </a:p>
@@ -23767,18 +29245,7 @@
                 </a:solidFill>
                 <a:latin typeface="微软雅黑" panose="020B0503020204020204" pitchFamily="34" charset="-122"/>
               </a:rPr>
-              <a:t>内容</a:t>
-            </a:r>
-            <a:r>
-              <a:rPr lang="zh-CN" altLang="en-US" sz="1400" b="0" dirty="0" smtClean="0">
-                <a:solidFill>
-                  <a:schemeClr val="bg2">
-                    <a:lumMod val="75000"/>
-                  </a:schemeClr>
-                </a:solidFill>
-                <a:latin typeface="微软雅黑" panose="020B0503020204020204" pitchFamily="34" charset="-122"/>
-              </a:rPr>
-              <a:t>及开发流程</a:t>
+              <a:t>内容及开发流程</a:t>
             </a:r>
             <a:endParaRPr lang="zh-CN" altLang="en-US" sz="1400" b="0" dirty="0">
               <a:solidFill>
@@ -25411,7 +30878,7 @@
   </a:extraClrSchemeLst>
   <a:extLst>
     <a:ext uri="{05A4C25C-085E-4340-85A3-A5531E510DB2}">
-      <thm15:themeFamily xmlns="" xmlns:thm15="http://schemas.microsoft.com/office/thememl/2012/main" name="Office Theme" id="{62F939B6-93AF-4DB8-9C6B-D6C7DFDC589F}" vid="{4A3C46E8-61CC-4603-A589-7422A47A8E4A}"/>
+      <thm15:themeFamily xmlns:thm15="http://schemas.microsoft.com/office/thememl/2012/main" xmlns="" name="Office Theme" id="{62F939B6-93AF-4DB8-9C6B-D6C7DFDC589F}" vid="{4A3C46E8-61CC-4603-A589-7422A47A8E4A}"/>
     </a:ext>
   </a:extLst>
 </a:theme>
@@ -25699,7 +31166,7 @@
   <a:extraClrSchemeLst/>
   <a:extLst>
     <a:ext uri="{05A4C25C-085E-4340-85A3-A5531E510DB2}">
-      <thm15:themeFamily xmlns="" xmlns:thm15="http://schemas.microsoft.com/office/thememl/2012/main" name="Office Theme" id="{62F939B6-93AF-4DB8-9C6B-D6C7DFDC589F}" vid="{4A3C46E8-61CC-4603-A589-7422A47A8E4A}"/>
+      <thm15:themeFamily xmlns:thm15="http://schemas.microsoft.com/office/thememl/2012/main" xmlns="" name="Office Theme" id="{62F939B6-93AF-4DB8-9C6B-D6C7DFDC589F}" vid="{4A3C46E8-61CC-4603-A589-7422A47A8E4A}"/>
     </a:ext>
   </a:extLst>
 </a:theme>

--- a/ppt/转正答辩汇报_郑宇亮.pptx
+++ b/ppt/转正答辩汇报_郑宇亮.pptx
@@ -5,7 +5,7 @@
     <p:sldMasterId id="2147483648" r:id="rId1"/>
   </p:sldMasterIdLst>
   <p:notesMasterIdLst>
-    <p:notesMasterId r:id="rId33"/>
+    <p:notesMasterId r:id="rId34"/>
   </p:notesMasterIdLst>
   <p:sldIdLst>
     <p:sldId id="256" r:id="rId2"/>
@@ -25,25 +25,26 @@
     <p:sldId id="368" r:id="rId16"/>
     <p:sldId id="405" r:id="rId17"/>
     <p:sldId id="361" r:id="rId18"/>
-    <p:sldId id="353" r:id="rId19"/>
-    <p:sldId id="302" r:id="rId20"/>
-    <p:sldId id="409" r:id="rId21"/>
-    <p:sldId id="410" r:id="rId22"/>
-    <p:sldId id="411" r:id="rId23"/>
-    <p:sldId id="406" r:id="rId24"/>
-    <p:sldId id="408" r:id="rId25"/>
-    <p:sldId id="415" r:id="rId26"/>
-    <p:sldId id="412" r:id="rId27"/>
-    <p:sldId id="413" r:id="rId28"/>
-    <p:sldId id="414" r:id="rId29"/>
-    <p:sldId id="303" r:id="rId30"/>
-    <p:sldId id="290" r:id="rId31"/>
-    <p:sldId id="292" r:id="rId32"/>
+    <p:sldId id="416" r:id="rId19"/>
+    <p:sldId id="353" r:id="rId20"/>
+    <p:sldId id="302" r:id="rId21"/>
+    <p:sldId id="409" r:id="rId22"/>
+    <p:sldId id="410" r:id="rId23"/>
+    <p:sldId id="411" r:id="rId24"/>
+    <p:sldId id="406" r:id="rId25"/>
+    <p:sldId id="408" r:id="rId26"/>
+    <p:sldId id="415" r:id="rId27"/>
+    <p:sldId id="412" r:id="rId28"/>
+    <p:sldId id="413" r:id="rId29"/>
+    <p:sldId id="414" r:id="rId30"/>
+    <p:sldId id="303" r:id="rId31"/>
+    <p:sldId id="290" r:id="rId32"/>
+    <p:sldId id="292" r:id="rId33"/>
   </p:sldIdLst>
   <p:sldSz cx="9144000" cy="6858000" type="screen4x3"/>
   <p:notesSz cx="6858000" cy="9144000"/>
   <p:custDataLst>
-    <p:tags r:id="rId34"/>
+    <p:tags r:id="rId35"/>
   </p:custDataLst>
   <p:defaultTextStyle>
     <a:defPPr>
@@ -7284,7 +7285,7 @@
           <a:p>
             <a:fld id="{7A5659CC-E672-481F-B602-8819D7C259F7}" type="datetimeFigureOut">
               <a:rPr lang="zh-CN" altLang="en-US" smtClean="0"/>
-              <a:t>2019/12/3</a:t>
+              <a:t>2019/12/4</a:t>
             </a:fld>
             <a:endParaRPr lang="zh-CN" altLang="en-US"/>
           </a:p>
@@ -8269,7 +8270,7 @@
           <a:p>
             <a:fld id="{885E75CD-2C4B-43EA-9BCA-2525C48E8019}" type="slidenum">
               <a:rPr lang="zh-CN" altLang="en-US" smtClean="0"/>
-              <a:t>18</a:t>
+              <a:t>19</a:t>
             </a:fld>
             <a:endParaRPr lang="zh-CN" altLang="en-US"/>
           </a:p>
@@ -13307,7 +13308,19 @@
               <a:rPr lang="zh-CN" altLang="en-US" sz="1400" b="0" dirty="0" smtClean="0">
                 <a:latin typeface="微软雅黑" panose="020B0503020204020204" pitchFamily="34" charset="-122"/>
               </a:rPr>
-              <a:t>对交互都有比较深了解及使用。</a:t>
+              <a:t>对</a:t>
+            </a:r>
+            <a:r>
+              <a:rPr lang="zh-CN" altLang="en-US" sz="1400" b="0" dirty="0" smtClean="0">
+                <a:latin typeface="微软雅黑" panose="020B0503020204020204" pitchFamily="34" charset="-122"/>
+              </a:rPr>
+              <a:t>交互有</a:t>
+            </a:r>
+            <a:r>
+              <a:rPr lang="zh-CN" altLang="en-US" sz="1400" b="0" dirty="0" smtClean="0">
+                <a:latin typeface="微软雅黑" panose="020B0503020204020204" pitchFamily="34" charset="-122"/>
+              </a:rPr>
+              <a:t>比较深了解及使用。</a:t>
             </a:r>
             <a:endParaRPr lang="en-US" altLang="zh-CN" sz="1400" b="0" dirty="0">
               <a:latin typeface="微软雅黑" panose="020B0503020204020204" pitchFamily="34" charset="-122"/>
@@ -13332,6 +13345,286 @@
 </file>
 
 <file path=ppt/slides/slide18.xml><?xml version="1.0" encoding="utf-8"?>
+<p:sld xmlns:a="http://schemas.openxmlformats.org/drawingml/2006/main" xmlns:r="http://schemas.openxmlformats.org/officeDocument/2006/relationships" xmlns:p="http://schemas.openxmlformats.org/presentationml/2006/main">
+  <p:cSld>
+    <p:spTree>
+      <p:nvGrpSpPr>
+        <p:cNvPr id="1" name=""/>
+        <p:cNvGrpSpPr/>
+        <p:nvPr/>
+      </p:nvGrpSpPr>
+      <p:grpSpPr>
+        <a:xfrm>
+          <a:off x="0" y="0"/>
+          <a:ext cx="0" cy="0"/>
+          <a:chOff x="0" y="0"/>
+          <a:chExt cx="0" cy="0"/>
+        </a:xfrm>
+      </p:grpSpPr>
+      <p:sp>
+        <p:nvSpPr>
+          <p:cNvPr id="2" name="标题 1"/>
+          <p:cNvSpPr>
+            <a:spLocks noGrp="1"/>
+          </p:cNvSpPr>
+          <p:nvPr>
+            <p:ph type="title"/>
+          </p:nvPr>
+        </p:nvSpPr>
+        <p:spPr/>
+        <p:txBody>
+          <a:bodyPr/>
+          <a:lstStyle/>
+          <a:p>
+            <a:r>
+              <a:rPr lang="zh-CN" altLang="en-US" dirty="0">
+                <a:latin typeface="微软雅黑" panose="020B0503020204020204" pitchFamily="34" charset="-122"/>
+                <a:ea typeface="微软雅黑" panose="020B0503020204020204" pitchFamily="34" charset="-122"/>
+              </a:rPr>
+              <a:t>试用期总结：工作与成果</a:t>
+            </a:r>
+            <a:endParaRPr lang="zh-CN" altLang="en-US" dirty="0"/>
+          </a:p>
+        </p:txBody>
+      </p:sp>
+      <p:sp>
+        <p:nvSpPr>
+          <p:cNvPr id="4" name="灯片编号占位符 3"/>
+          <p:cNvSpPr>
+            <a:spLocks noGrp="1"/>
+          </p:cNvSpPr>
+          <p:nvPr>
+            <p:ph type="sldNum" sz="quarter" idx="10"/>
+          </p:nvPr>
+        </p:nvSpPr>
+        <p:spPr/>
+        <p:txBody>
+          <a:bodyPr/>
+          <a:lstStyle/>
+          <a:p>
+            <a:pPr>
+              <a:defRPr/>
+            </a:pPr>
+            <a:fld id="{4816A599-0D7A-4ED1-B317-DB57F830172B}" type="slidenum">
+              <a:rPr lang="zh-CN" altLang="en-US" smtClean="0"/>
+              <a:t>18</a:t>
+            </a:fld>
+            <a:endParaRPr lang="zh-CN" altLang="en-US"/>
+          </a:p>
+        </p:txBody>
+      </p:sp>
+      <p:sp>
+        <p:nvSpPr>
+          <p:cNvPr id="6" name="内容占位符 2"/>
+          <p:cNvSpPr>
+            <a:spLocks noGrp="1"/>
+          </p:cNvSpPr>
+          <p:nvPr>
+            <p:ph idx="1"/>
+          </p:nvPr>
+        </p:nvSpPr>
+        <p:spPr>
+          <a:xfrm>
+            <a:off x="317828" y="1484784"/>
+            <a:ext cx="4392488" cy="1584176"/>
+          </a:xfrm>
+        </p:spPr>
+        <p:txBody>
+          <a:bodyPr/>
+          <a:lstStyle/>
+          <a:p>
+            <a:pPr marL="0" indent="0">
+              <a:buNone/>
+            </a:pPr>
+            <a:r>
+              <a:rPr lang="zh-CN" altLang="en-US" sz="1400" dirty="0" smtClean="0">
+                <a:latin typeface="微软雅黑" pitchFamily="34" charset="-122"/>
+              </a:rPr>
+              <a:t>技术</a:t>
+            </a:r>
+            <a:r>
+              <a:rPr lang="zh-CN" altLang="en-US" sz="1400" dirty="0" smtClean="0">
+                <a:latin typeface="微软雅黑" pitchFamily="34" charset="-122"/>
+              </a:rPr>
+              <a:t>能力</a:t>
+            </a:r>
+            <a:r>
+              <a:rPr lang="zh-CN" altLang="en-US" sz="1400" dirty="0" smtClean="0">
+                <a:latin typeface="微软雅黑" pitchFamily="34" charset="-122"/>
+              </a:rPr>
+              <a:t>收获：</a:t>
+            </a:r>
+            <a:endParaRPr lang="en-US" altLang="zh-CN" sz="1400" dirty="0" smtClean="0">
+              <a:latin typeface="微软雅黑" pitchFamily="34" charset="-122"/>
+            </a:endParaRPr>
+          </a:p>
+          <a:p>
+            <a:pPr marL="0" indent="0">
+              <a:buNone/>
+            </a:pPr>
+            <a:r>
+              <a:rPr lang="zh-CN" altLang="en-US" sz="1400" b="0" dirty="0" smtClean="0">
+                <a:latin typeface="微软雅黑" pitchFamily="34" charset="-122"/>
+              </a:rPr>
+              <a:t> 对模块化编程</a:t>
+            </a:r>
+            <a:r>
+              <a:rPr lang="zh-CN" altLang="en-US" sz="1400" b="0" dirty="0" smtClean="0">
+                <a:latin typeface="微软雅黑" pitchFamily="34" charset="-122"/>
+              </a:rPr>
+              <a:t>，数据</a:t>
+            </a:r>
+            <a:r>
+              <a:rPr lang="zh-CN" altLang="en-US" sz="1400" b="0" dirty="0" smtClean="0">
+                <a:latin typeface="微软雅黑" pitchFamily="34" charset="-122"/>
+              </a:rPr>
+              <a:t>分层，项目结构划分有了进一步的锻炼和提高</a:t>
+            </a:r>
+            <a:r>
+              <a:rPr lang="zh-CN" altLang="en-US" sz="1400" b="0" dirty="0" smtClean="0">
+                <a:latin typeface="微软雅黑" pitchFamily="34" charset="-122"/>
+              </a:rPr>
+              <a:t>。</a:t>
+            </a:r>
+            <a:endParaRPr lang="en-US" altLang="zh-CN" sz="1400" b="0" dirty="0" smtClean="0">
+              <a:latin typeface="微软雅黑" pitchFamily="34" charset="-122"/>
+            </a:endParaRPr>
+          </a:p>
+          <a:p>
+            <a:pPr marL="0" indent="0">
+              <a:buNone/>
+            </a:pPr>
+            <a:r>
+              <a:rPr lang="zh-CN" altLang="en-US" sz="1400" b="0" dirty="0" smtClean="0">
+                <a:latin typeface="微软雅黑" pitchFamily="34" charset="-122"/>
+              </a:rPr>
+              <a:t>以智能照明系统的</a:t>
+            </a:r>
+            <a:r>
+              <a:rPr lang="en-US" altLang="zh-CN" sz="1400" b="0" dirty="0">
+                <a:latin typeface="微软雅黑" pitchFamily="34" charset="-122"/>
+              </a:rPr>
+              <a:t>【</a:t>
+            </a:r>
+            <a:r>
+              <a:rPr lang="zh-CN" altLang="en-US" sz="1400" b="0" dirty="0" smtClean="0">
+                <a:latin typeface="微软雅黑" pitchFamily="34" charset="-122"/>
+              </a:rPr>
+              <a:t>设备管理</a:t>
+            </a:r>
+            <a:r>
+              <a:rPr lang="en-US" altLang="zh-CN" sz="1400" b="0" dirty="0" smtClean="0">
+                <a:latin typeface="微软雅黑" pitchFamily="34" charset="-122"/>
+              </a:rPr>
+              <a:t>】</a:t>
+            </a:r>
+            <a:r>
+              <a:rPr lang="zh-CN" altLang="en-US" sz="1400" b="0" dirty="0" smtClean="0">
+                <a:latin typeface="微软雅黑" pitchFamily="34" charset="-122"/>
+              </a:rPr>
+              <a:t>为例</a:t>
+            </a:r>
+            <a:endParaRPr lang="en-US" altLang="zh-CN" sz="1400" b="0" dirty="0" smtClean="0">
+              <a:latin typeface="微软雅黑" pitchFamily="34" charset="-122"/>
+            </a:endParaRPr>
+          </a:p>
+          <a:p>
+            <a:pPr marL="0" indent="0">
+              <a:buNone/>
+            </a:pPr>
+            <a:r>
+              <a:rPr lang="zh-CN" altLang="en-US" sz="1400" b="0" dirty="0" smtClean="0">
+                <a:latin typeface="微软雅黑" pitchFamily="34" charset="-122"/>
+              </a:rPr>
+              <a:t>详情如图：</a:t>
+            </a:r>
+            <a:endParaRPr lang="zh-CN" altLang="en-US" sz="1400" b="0" dirty="0">
+              <a:latin typeface="微软雅黑" pitchFamily="34" charset="-122"/>
+            </a:endParaRPr>
+          </a:p>
+        </p:txBody>
+      </p:sp>
+      <p:pic>
+        <p:nvPicPr>
+          <p:cNvPr id="7" name="图片 6"/>
+          <p:cNvPicPr>
+            <a:picLocks noChangeAspect="1"/>
+          </p:cNvPicPr>
+          <p:nvPr/>
+        </p:nvPicPr>
+        <p:blipFill rotWithShape="1">
+          <a:blip r:embed="rId2">
+            <a:extLst>
+              <a:ext uri="{28A0092B-C50C-407E-A947-70E740481C1C}">
+                <a14:useLocalDpi xmlns:a14="http://schemas.microsoft.com/office/drawing/2010/main" val="0"/>
+              </a:ext>
+            </a:extLst>
+          </a:blip>
+          <a:srcRect b="6757"/>
+          <a:stretch/>
+        </p:blipFill>
+        <p:spPr>
+          <a:xfrm>
+            <a:off x="6512724" y="980728"/>
+            <a:ext cx="2392841" cy="4968552"/>
+          </a:xfrm>
+          <a:prstGeom prst="rect">
+            <a:avLst/>
+          </a:prstGeom>
+        </p:spPr>
+      </p:pic>
+      <p:pic>
+        <p:nvPicPr>
+          <p:cNvPr id="8" name="图片 7"/>
+          <p:cNvPicPr>
+            <a:picLocks noChangeAspect="1"/>
+          </p:cNvPicPr>
+          <p:nvPr/>
+        </p:nvPicPr>
+        <p:blipFill>
+          <a:blip r:embed="rId3">
+            <a:extLst>
+              <a:ext uri="{28A0092B-C50C-407E-A947-70E740481C1C}">
+                <a14:useLocalDpi xmlns:a14="http://schemas.microsoft.com/office/drawing/2010/main" val="0"/>
+              </a:ext>
+            </a:extLst>
+          </a:blip>
+          <a:stretch>
+            <a:fillRect/>
+          </a:stretch>
+        </p:blipFill>
+        <p:spPr>
+          <a:xfrm>
+            <a:off x="323528" y="4149080"/>
+            <a:ext cx="6092469" cy="1800200"/>
+          </a:xfrm>
+          <a:prstGeom prst="rect">
+            <a:avLst/>
+          </a:prstGeom>
+        </p:spPr>
+      </p:pic>
+    </p:spTree>
+    <p:extLst>
+      <p:ext uri="{BB962C8B-B14F-4D97-AF65-F5344CB8AC3E}">
+        <p14:creationId xmlns:p14="http://schemas.microsoft.com/office/powerpoint/2010/main" val="725743222"/>
+      </p:ext>
+    </p:extLst>
+  </p:cSld>
+  <p:clrMapOvr>
+    <a:masterClrMapping/>
+  </p:clrMapOvr>
+  <p:transition/>
+  <p:timing>
+    <p:tnLst>
+      <p:par>
+        <p:cTn id="1" dur="indefinite" restart="never" nodeType="tmRoot"/>
+      </p:par>
+    </p:tnLst>
+  </p:timing>
+</p:sld>
+</file>
+
+<file path=ppt/slides/slide19.xml><?xml version="1.0" encoding="utf-8"?>
 <p:sld xmlns:a="http://schemas.openxmlformats.org/drawingml/2006/main" xmlns:r="http://schemas.openxmlformats.org/officeDocument/2006/relationships" xmlns:p="http://schemas.openxmlformats.org/presentationml/2006/main">
   <p:cSld>
     <p:spTree>
@@ -13567,663 +13860,12 @@
             </a:pPr>
             <a:fld id="{4816A599-0D7A-4ED1-B317-DB57F830172B}" type="slidenum">
               <a:rPr lang="zh-CN" altLang="en-US" smtClean="0"/>
-              <a:t>18</a:t>
-            </a:fld>
-            <a:endParaRPr lang="zh-CN" altLang="en-US"/>
-          </a:p>
-        </p:txBody>
-      </p:sp>
-    </p:spTree>
-  </p:cSld>
-  <p:clrMapOvr>
-    <a:masterClrMapping/>
-  </p:clrMapOvr>
-  <p:transition/>
-  <p:timing>
-    <p:tnLst>
-      <p:par>
-        <p:cTn id="1" dur="indefinite" restart="never" nodeType="tmRoot"/>
-      </p:par>
-    </p:tnLst>
-  </p:timing>
-</p:sld>
-</file>
-
-<file path=ppt/slides/slide19.xml><?xml version="1.0" encoding="utf-8"?>
-<p:sld xmlns:a="http://schemas.openxmlformats.org/drawingml/2006/main" xmlns:r="http://schemas.openxmlformats.org/officeDocument/2006/relationships" xmlns:p="http://schemas.openxmlformats.org/presentationml/2006/main">
-  <p:cSld>
-    <p:spTree>
-      <p:nvGrpSpPr>
-        <p:cNvPr id="1" name=""/>
-        <p:cNvGrpSpPr/>
-        <p:nvPr/>
-      </p:nvGrpSpPr>
-      <p:grpSpPr>
-        <a:xfrm>
-          <a:off x="0" y="0"/>
-          <a:ext cx="0" cy="0"/>
-          <a:chOff x="0" y="0"/>
-          <a:chExt cx="0" cy="0"/>
-        </a:xfrm>
-      </p:grpSpPr>
-      <p:sp>
-        <p:nvSpPr>
-          <p:cNvPr id="2" name="标题 1"/>
-          <p:cNvSpPr>
-            <a:spLocks noGrp="1"/>
-          </p:cNvSpPr>
-          <p:nvPr>
-            <p:ph type="title"/>
-          </p:nvPr>
-        </p:nvSpPr>
-        <p:spPr/>
-        <p:txBody>
-          <a:bodyPr/>
-          <a:lstStyle/>
-          <a:p>
-            <a:r>
-              <a:rPr lang="zh-CN" altLang="en-US" dirty="0" smtClean="0">
-                <a:latin typeface="微软雅黑" panose="020B0503020204020204" pitchFamily="34" charset="-122"/>
-                <a:ea typeface="微软雅黑" panose="020B0503020204020204" pitchFamily="34" charset="-122"/>
-              </a:rPr>
-              <a:t>目录</a:t>
-            </a:r>
-            <a:endParaRPr lang="zh-CN" altLang="en-US" dirty="0">
-              <a:latin typeface="微软雅黑" panose="020B0503020204020204" pitchFamily="34" charset="-122"/>
-              <a:ea typeface="微软雅黑" panose="020B0503020204020204" pitchFamily="34" charset="-122"/>
-            </a:endParaRPr>
-          </a:p>
-        </p:txBody>
-      </p:sp>
-      <p:sp>
-        <p:nvSpPr>
-          <p:cNvPr id="4" name="灯片编号占位符 3"/>
-          <p:cNvSpPr>
-            <a:spLocks noGrp="1"/>
-          </p:cNvSpPr>
-          <p:nvPr>
-            <p:ph type="sldNum" sz="quarter" idx="10"/>
-          </p:nvPr>
-        </p:nvSpPr>
-        <p:spPr/>
-        <p:txBody>
-          <a:bodyPr/>
-          <a:lstStyle/>
-          <a:p>
-            <a:pPr>
-              <a:defRPr/>
-            </a:pPr>
-            <a:fld id="{4816A599-0D7A-4ED1-B317-DB57F830172B}" type="slidenum">
-              <a:rPr lang="zh-CN" altLang="en-US" smtClean="0"/>
               <a:t>19</a:t>
             </a:fld>
             <a:endParaRPr lang="zh-CN" altLang="en-US"/>
           </a:p>
         </p:txBody>
       </p:sp>
-      <p:sp>
-        <p:nvSpPr>
-          <p:cNvPr id="6" name="TextBox 5"/>
-          <p:cNvSpPr txBox="1"/>
-          <p:nvPr/>
-        </p:nvSpPr>
-        <p:spPr>
-          <a:xfrm>
-            <a:off x="3505765" y="4959272"/>
-            <a:ext cx="3802539" cy="369332"/>
-          </a:xfrm>
-          <a:prstGeom prst="rect">
-            <a:avLst/>
-          </a:prstGeom>
-          <a:noFill/>
-        </p:spPr>
-        <p:txBody>
-          <a:bodyPr wrap="square" rtlCol="0">
-            <a:spAutoFit/>
-          </a:bodyPr>
-          <a:lstStyle/>
-          <a:p>
-            <a:r>
-              <a:rPr lang="zh-CN" altLang="en-US" dirty="0" smtClean="0">
-                <a:solidFill>
-                  <a:schemeClr val="tx1">
-                    <a:lumMod val="50000"/>
-                    <a:lumOff val="50000"/>
-                  </a:schemeClr>
-                </a:solidFill>
-                <a:latin typeface="微软雅黑" pitchFamily="34" charset="-122"/>
-                <a:ea typeface="微软雅黑" pitchFamily="34" charset="-122"/>
-              </a:rPr>
-              <a:t>建议与意见</a:t>
-            </a:r>
-            <a:endParaRPr lang="zh-CN" altLang="en-US" dirty="0">
-              <a:solidFill>
-                <a:schemeClr val="tx1">
-                  <a:lumMod val="50000"/>
-                  <a:lumOff val="50000"/>
-                </a:schemeClr>
-              </a:solidFill>
-              <a:latin typeface="微软雅黑" pitchFamily="34" charset="-122"/>
-              <a:ea typeface="微软雅黑" pitchFamily="34" charset="-122"/>
-            </a:endParaRPr>
-          </a:p>
-        </p:txBody>
-      </p:sp>
-      <p:grpSp>
-        <p:nvGrpSpPr>
-          <p:cNvPr id="7" name="组合 6"/>
-          <p:cNvGrpSpPr/>
-          <p:nvPr/>
-        </p:nvGrpSpPr>
-        <p:grpSpPr>
-          <a:xfrm>
-            <a:off x="2614627" y="4759613"/>
-            <a:ext cx="690648" cy="640421"/>
-            <a:chOff x="6707088" y="2658616"/>
-            <a:chExt cx="914400" cy="914400"/>
-          </a:xfrm>
-        </p:grpSpPr>
-        <p:sp>
-          <p:nvSpPr>
-            <p:cNvPr id="8" name="圆角矩形 7"/>
-            <p:cNvSpPr/>
-            <p:nvPr/>
-          </p:nvSpPr>
-          <p:spPr>
-            <a:xfrm>
-              <a:off x="6707088" y="2658616"/>
-              <a:ext cx="914400" cy="914400"/>
-            </a:xfrm>
-            <a:prstGeom prst="roundRect">
-              <a:avLst/>
-            </a:prstGeom>
-            <a:solidFill>
-              <a:schemeClr val="bg1">
-                <a:lumMod val="75000"/>
-              </a:schemeClr>
-            </a:solidFill>
-            <a:ln>
-              <a:noFill/>
-            </a:ln>
-          </p:spPr>
-          <p:style>
-            <a:lnRef idx="2">
-              <a:schemeClr val="accent1">
-                <a:shade val="50000"/>
-              </a:schemeClr>
-            </a:lnRef>
-            <a:fillRef idx="1">
-              <a:schemeClr val="accent1"/>
-            </a:fillRef>
-            <a:effectRef idx="0">
-              <a:schemeClr val="accent1"/>
-            </a:effectRef>
-            <a:fontRef idx="minor">
-              <a:schemeClr val="lt1"/>
-            </a:fontRef>
-          </p:style>
-          <p:txBody>
-            <a:bodyPr rtlCol="0" anchor="ctr"/>
-            <a:lstStyle/>
-            <a:p>
-              <a:pPr algn="ctr"/>
-              <a:endParaRPr lang="zh-CN" altLang="en-US"/>
-            </a:p>
-          </p:txBody>
-        </p:sp>
-        <p:pic>
-          <p:nvPicPr>
-            <p:cNvPr id="9" name="图片 8"/>
-            <p:cNvPicPr>
-              <a:picLocks noChangeAspect="1"/>
-            </p:cNvPicPr>
-            <p:nvPr/>
-          </p:nvPicPr>
-          <p:blipFill>
-            <a:blip r:embed="rId2">
-              <a:extLst>
-                <a:ext uri="{28A0092B-C50C-407E-A947-70E740481C1C}">
-                  <a14:useLocalDpi xmlns:a14="http://schemas.microsoft.com/office/drawing/2010/main" val="0"/>
-                </a:ext>
-              </a:extLst>
-            </a:blip>
-            <a:stretch>
-              <a:fillRect/>
-            </a:stretch>
-          </p:blipFill>
-          <p:spPr>
-            <a:xfrm>
-              <a:off x="6809077" y="2760605"/>
-              <a:ext cx="710423" cy="710423"/>
-            </a:xfrm>
-            <a:prstGeom prst="rect">
-              <a:avLst/>
-            </a:prstGeom>
-          </p:spPr>
-        </p:pic>
-      </p:grpSp>
-      <p:sp>
-        <p:nvSpPr>
-          <p:cNvPr id="10" name="TextBox 9"/>
-          <p:cNvSpPr txBox="1"/>
-          <p:nvPr/>
-        </p:nvSpPr>
-        <p:spPr>
-          <a:xfrm>
-            <a:off x="3505765" y="2943217"/>
-            <a:ext cx="3785564" cy="369332"/>
-          </a:xfrm>
-          <a:prstGeom prst="rect">
-            <a:avLst/>
-          </a:prstGeom>
-          <a:noFill/>
-        </p:spPr>
-        <p:txBody>
-          <a:bodyPr wrap="square" rtlCol="0">
-            <a:spAutoFit/>
-          </a:bodyPr>
-          <a:lstStyle/>
-          <a:p>
-            <a:r>
-              <a:rPr lang="zh-CN" altLang="en-US" dirty="0" smtClean="0">
-                <a:solidFill>
-                  <a:schemeClr val="bg1">
-                    <a:lumMod val="50000"/>
-                  </a:schemeClr>
-                </a:solidFill>
-                <a:latin typeface="微软雅黑" pitchFamily="34" charset="-122"/>
-                <a:ea typeface="微软雅黑" pitchFamily="34" charset="-122"/>
-              </a:rPr>
-              <a:t>试用期总结</a:t>
-            </a:r>
-            <a:endParaRPr lang="zh-CN" altLang="en-US" dirty="0">
-              <a:solidFill>
-                <a:schemeClr val="bg1">
-                  <a:lumMod val="50000"/>
-                </a:schemeClr>
-              </a:solidFill>
-              <a:latin typeface="微软雅黑" pitchFamily="34" charset="-122"/>
-              <a:ea typeface="微软雅黑" pitchFamily="34" charset="-122"/>
-            </a:endParaRPr>
-          </a:p>
-        </p:txBody>
-      </p:sp>
-      <p:grpSp>
-        <p:nvGrpSpPr>
-          <p:cNvPr id="11" name="组合 10"/>
-          <p:cNvGrpSpPr/>
-          <p:nvPr/>
-        </p:nvGrpSpPr>
-        <p:grpSpPr>
-          <a:xfrm>
-            <a:off x="2614626" y="2806105"/>
-            <a:ext cx="690648" cy="640421"/>
-            <a:chOff x="4954894" y="2590056"/>
-            <a:chExt cx="914400" cy="914400"/>
-          </a:xfrm>
-        </p:grpSpPr>
-        <p:sp>
-          <p:nvSpPr>
-            <p:cNvPr id="12" name="圆角矩形 11"/>
-            <p:cNvSpPr/>
-            <p:nvPr/>
-          </p:nvSpPr>
-          <p:spPr>
-            <a:xfrm>
-              <a:off x="4954894" y="2590056"/>
-              <a:ext cx="914400" cy="914400"/>
-            </a:xfrm>
-            <a:prstGeom prst="roundRect">
-              <a:avLst/>
-            </a:prstGeom>
-            <a:solidFill>
-              <a:schemeClr val="bg2">
-                <a:lumMod val="40000"/>
-                <a:lumOff val="60000"/>
-              </a:schemeClr>
-            </a:solidFill>
-            <a:ln>
-              <a:noFill/>
-            </a:ln>
-          </p:spPr>
-          <p:style>
-            <a:lnRef idx="2">
-              <a:schemeClr val="accent1">
-                <a:shade val="50000"/>
-              </a:schemeClr>
-            </a:lnRef>
-            <a:fillRef idx="1">
-              <a:schemeClr val="accent1"/>
-            </a:fillRef>
-            <a:effectRef idx="0">
-              <a:schemeClr val="accent1"/>
-            </a:effectRef>
-            <a:fontRef idx="minor">
-              <a:schemeClr val="lt1"/>
-            </a:fontRef>
-          </p:style>
-          <p:txBody>
-            <a:bodyPr rtlCol="0" anchor="ctr"/>
-            <a:lstStyle/>
-            <a:p>
-              <a:pPr algn="ctr"/>
-              <a:endParaRPr lang="zh-CN" altLang="en-US"/>
-            </a:p>
-          </p:txBody>
-        </p:sp>
-        <p:pic>
-          <p:nvPicPr>
-            <p:cNvPr id="13" name="图片 12"/>
-            <p:cNvPicPr>
-              <a:picLocks noChangeAspect="1"/>
-            </p:cNvPicPr>
-            <p:nvPr/>
-          </p:nvPicPr>
-          <p:blipFill>
-            <a:blip r:embed="rId3" cstate="print">
-              <a:extLst>
-                <a:ext uri="{28A0092B-C50C-407E-A947-70E740481C1C}">
-                  <a14:useLocalDpi xmlns:a14="http://schemas.microsoft.com/office/drawing/2010/main" val="0"/>
-                </a:ext>
-              </a:extLst>
-            </a:blip>
-            <a:stretch>
-              <a:fillRect/>
-            </a:stretch>
-          </p:blipFill>
-          <p:spPr>
-            <a:xfrm>
-              <a:off x="5156891" y="2802756"/>
-              <a:ext cx="510407" cy="510407"/>
-            </a:xfrm>
-            <a:prstGeom prst="rect">
-              <a:avLst/>
-            </a:prstGeom>
-          </p:spPr>
-        </p:pic>
-      </p:grpSp>
-      <p:sp>
-        <p:nvSpPr>
-          <p:cNvPr id="14" name="TextBox 13"/>
-          <p:cNvSpPr txBox="1"/>
-          <p:nvPr/>
-        </p:nvSpPr>
-        <p:spPr>
-          <a:xfrm>
-            <a:off x="3505765" y="3957951"/>
-            <a:ext cx="3785564" cy="369332"/>
-          </a:xfrm>
-          <a:prstGeom prst="rect">
-            <a:avLst/>
-          </a:prstGeom>
-          <a:noFill/>
-        </p:spPr>
-        <p:txBody>
-          <a:bodyPr wrap="square" rtlCol="0">
-            <a:spAutoFit/>
-          </a:bodyPr>
-          <a:lstStyle/>
-          <a:p>
-            <a:r>
-              <a:rPr lang="zh-CN" altLang="en-US" dirty="0" smtClean="0">
-                <a:solidFill>
-                  <a:schemeClr val="accent5">
-                    <a:lumMod val="50000"/>
-                  </a:schemeClr>
-                </a:solidFill>
-                <a:latin typeface="微软雅黑" pitchFamily="34" charset="-122"/>
-                <a:ea typeface="微软雅黑" pitchFamily="34" charset="-122"/>
-              </a:rPr>
-              <a:t>个人自评</a:t>
-            </a:r>
-            <a:endParaRPr lang="zh-CN" altLang="en-US" dirty="0">
-              <a:solidFill>
-                <a:schemeClr val="accent5">
-                  <a:lumMod val="50000"/>
-                </a:schemeClr>
-              </a:solidFill>
-              <a:latin typeface="微软雅黑" pitchFamily="34" charset="-122"/>
-              <a:ea typeface="微软雅黑" pitchFamily="34" charset="-122"/>
-            </a:endParaRPr>
-          </a:p>
-        </p:txBody>
-      </p:sp>
-      <p:grpSp>
-        <p:nvGrpSpPr>
-          <p:cNvPr id="15" name="组合 14"/>
-          <p:cNvGrpSpPr/>
-          <p:nvPr/>
-        </p:nvGrpSpPr>
-        <p:grpSpPr>
-          <a:xfrm>
-            <a:off x="2614626" y="3773285"/>
-            <a:ext cx="690648" cy="640421"/>
-            <a:chOff x="3310711" y="2590056"/>
-            <a:chExt cx="914400" cy="914400"/>
-          </a:xfrm>
-        </p:grpSpPr>
-        <p:sp>
-          <p:nvSpPr>
-            <p:cNvPr id="16" name="圆角矩形 15"/>
-            <p:cNvSpPr/>
-            <p:nvPr/>
-          </p:nvSpPr>
-          <p:spPr>
-            <a:xfrm>
-              <a:off x="3310711" y="2590056"/>
-              <a:ext cx="914400" cy="914400"/>
-            </a:xfrm>
-            <a:prstGeom prst="roundRect">
-              <a:avLst/>
-            </a:prstGeom>
-            <a:solidFill>
-              <a:schemeClr val="accent5">
-                <a:lumMod val="50000"/>
-              </a:schemeClr>
-            </a:solidFill>
-            <a:ln>
-              <a:noFill/>
-            </a:ln>
-          </p:spPr>
-          <p:style>
-            <a:lnRef idx="2">
-              <a:schemeClr val="accent1">
-                <a:shade val="50000"/>
-              </a:schemeClr>
-            </a:lnRef>
-            <a:fillRef idx="1">
-              <a:schemeClr val="accent1"/>
-            </a:fillRef>
-            <a:effectRef idx="0">
-              <a:schemeClr val="accent1"/>
-            </a:effectRef>
-            <a:fontRef idx="minor">
-              <a:schemeClr val="lt1"/>
-            </a:fontRef>
-          </p:style>
-          <p:txBody>
-            <a:bodyPr rtlCol="0" anchor="ctr"/>
-            <a:lstStyle/>
-            <a:p>
-              <a:pPr algn="ctr"/>
-              <a:endParaRPr lang="zh-CN" altLang="en-US"/>
-            </a:p>
-          </p:txBody>
-        </p:sp>
-        <p:pic>
-          <p:nvPicPr>
-            <p:cNvPr id="17" name="图片 16"/>
-            <p:cNvPicPr>
-              <a:picLocks noChangeAspect="1"/>
-            </p:cNvPicPr>
-            <p:nvPr/>
-          </p:nvPicPr>
-          <p:blipFill>
-            <a:blip r:embed="rId4" cstate="print">
-              <a:extLst>
-                <a:ext uri="{28A0092B-C50C-407E-A947-70E740481C1C}">
-                  <a14:useLocalDpi xmlns:a14="http://schemas.microsoft.com/office/drawing/2010/main" val="0"/>
-                </a:ext>
-              </a:extLst>
-            </a:blip>
-            <a:stretch>
-              <a:fillRect/>
-            </a:stretch>
-          </p:blipFill>
-          <p:spPr>
-            <a:xfrm>
-              <a:off x="3523411" y="2802756"/>
-              <a:ext cx="489000" cy="489000"/>
-            </a:xfrm>
-            <a:prstGeom prst="rect">
-              <a:avLst/>
-            </a:prstGeom>
-          </p:spPr>
-        </p:pic>
-      </p:grpSp>
-      <p:sp>
-        <p:nvSpPr>
-          <p:cNvPr id="18" name="TextBox 17"/>
-          <p:cNvSpPr txBox="1"/>
-          <p:nvPr/>
-        </p:nvSpPr>
-        <p:spPr>
-          <a:xfrm>
-            <a:off x="3505765" y="1908361"/>
-            <a:ext cx="3802539" cy="369332"/>
-          </a:xfrm>
-          <a:prstGeom prst="rect">
-            <a:avLst/>
-          </a:prstGeom>
-          <a:noFill/>
-        </p:spPr>
-        <p:txBody>
-          <a:bodyPr wrap="square" rtlCol="0">
-            <a:spAutoFit/>
-          </a:bodyPr>
-          <a:lstStyle/>
-          <a:p>
-            <a:r>
-              <a:rPr lang="zh-CN" altLang="en-US" dirty="0" smtClean="0">
-                <a:solidFill>
-                  <a:schemeClr val="bg1">
-                    <a:lumMod val="50000"/>
-                  </a:schemeClr>
-                </a:solidFill>
-                <a:latin typeface="微软雅黑" pitchFamily="34" charset="-122"/>
-                <a:ea typeface="微软雅黑" pitchFamily="34" charset="-122"/>
-              </a:rPr>
-              <a:t>个人简介</a:t>
-            </a:r>
-            <a:endParaRPr lang="zh-CN" altLang="en-US" dirty="0">
-              <a:solidFill>
-                <a:schemeClr val="bg1">
-                  <a:lumMod val="50000"/>
-                </a:schemeClr>
-              </a:solidFill>
-              <a:latin typeface="微软雅黑" pitchFamily="34" charset="-122"/>
-              <a:ea typeface="微软雅黑" pitchFamily="34" charset="-122"/>
-            </a:endParaRPr>
-          </a:p>
-        </p:txBody>
-      </p:sp>
-      <p:grpSp>
-        <p:nvGrpSpPr>
-          <p:cNvPr id="19" name="组合 18"/>
-          <p:cNvGrpSpPr/>
-          <p:nvPr/>
-        </p:nvGrpSpPr>
-        <p:grpSpPr>
-          <a:xfrm>
-            <a:off x="2614626" y="1772817"/>
-            <a:ext cx="690648" cy="640421"/>
-            <a:chOff x="1666528" y="2590056"/>
-            <a:chExt cx="914400" cy="914400"/>
-          </a:xfrm>
-        </p:grpSpPr>
-        <p:sp>
-          <p:nvSpPr>
-            <p:cNvPr id="20" name="圆角矩形 19"/>
-            <p:cNvSpPr/>
-            <p:nvPr/>
-          </p:nvSpPr>
-          <p:spPr>
-            <a:xfrm>
-              <a:off x="1666528" y="2590056"/>
-              <a:ext cx="914400" cy="914400"/>
-            </a:xfrm>
-            <a:prstGeom prst="roundRect">
-              <a:avLst/>
-            </a:prstGeom>
-            <a:solidFill>
-              <a:schemeClr val="bg1">
-                <a:lumMod val="75000"/>
-              </a:schemeClr>
-            </a:solidFill>
-            <a:ln>
-              <a:noFill/>
-            </a:ln>
-          </p:spPr>
-          <p:style>
-            <a:lnRef idx="2">
-              <a:schemeClr val="accent1">
-                <a:shade val="50000"/>
-              </a:schemeClr>
-            </a:lnRef>
-            <a:fillRef idx="1">
-              <a:schemeClr val="accent1"/>
-            </a:fillRef>
-            <a:effectRef idx="0">
-              <a:schemeClr val="accent1"/>
-            </a:effectRef>
-            <a:fontRef idx="minor">
-              <a:schemeClr val="lt1"/>
-            </a:fontRef>
-          </p:style>
-          <p:txBody>
-            <a:bodyPr rtlCol="0" anchor="ctr"/>
-            <a:lstStyle/>
-            <a:p>
-              <a:pPr algn="ctr"/>
-              <a:endParaRPr lang="zh-CN" altLang="en-US">
-                <a:solidFill>
-                  <a:srgbClr val="00B050"/>
-                </a:solidFill>
-              </a:endParaRPr>
-            </a:p>
-          </p:txBody>
-        </p:sp>
-        <p:pic>
-          <p:nvPicPr>
-            <p:cNvPr id="21" name="图片 20"/>
-            <p:cNvPicPr>
-              <a:picLocks noChangeAspect="1"/>
-            </p:cNvPicPr>
-            <p:nvPr/>
-          </p:nvPicPr>
-          <p:blipFill>
-            <a:blip r:embed="rId5" cstate="print">
-              <a:extLst>
-                <a:ext uri="{28A0092B-C50C-407E-A947-70E740481C1C}">
-                  <a14:useLocalDpi xmlns:a14="http://schemas.microsoft.com/office/drawing/2010/main" val="0"/>
-                </a:ext>
-              </a:extLst>
-            </a:blip>
-            <a:stretch>
-              <a:fillRect/>
-            </a:stretch>
-          </p:blipFill>
-          <p:spPr>
-            <a:xfrm>
-              <a:off x="1853589" y="2777117"/>
-              <a:ext cx="540279" cy="540279"/>
-            </a:xfrm>
-            <a:prstGeom prst="rect">
-              <a:avLst/>
-            </a:prstGeom>
-          </p:spPr>
-        </p:pic>
-      </p:grpSp>
     </p:spTree>
   </p:cSld>
   <p:clrMapOvr>
@@ -14906,6 +14548,35 @@
       </p:grpSpPr>
       <p:sp>
         <p:nvSpPr>
+          <p:cNvPr id="2" name="标题 1"/>
+          <p:cNvSpPr>
+            <a:spLocks noGrp="1"/>
+          </p:cNvSpPr>
+          <p:nvPr>
+            <p:ph type="title"/>
+          </p:nvPr>
+        </p:nvSpPr>
+        <p:spPr/>
+        <p:txBody>
+          <a:bodyPr/>
+          <a:lstStyle/>
+          <a:p>
+            <a:r>
+              <a:rPr lang="zh-CN" altLang="en-US" dirty="0" smtClean="0">
+                <a:latin typeface="微软雅黑" panose="020B0503020204020204" pitchFamily="34" charset="-122"/>
+                <a:ea typeface="微软雅黑" panose="020B0503020204020204" pitchFamily="34" charset="-122"/>
+              </a:rPr>
+              <a:t>目录</a:t>
+            </a:r>
+            <a:endParaRPr lang="zh-CN" altLang="en-US" dirty="0">
+              <a:latin typeface="微软雅黑" panose="020B0503020204020204" pitchFamily="34" charset="-122"/>
+              <a:ea typeface="微软雅黑" panose="020B0503020204020204" pitchFamily="34" charset="-122"/>
+            </a:endParaRPr>
+          </a:p>
+        </p:txBody>
+      </p:sp>
+      <p:sp>
+        <p:nvSpPr>
           <p:cNvPr id="4" name="灯片编号占位符 3"/>
           <p:cNvSpPr>
             <a:spLocks noGrp="1"/>
@@ -14925,6 +14596,628 @@
             <a:fld id="{4816A599-0D7A-4ED1-B317-DB57F830172B}" type="slidenum">
               <a:rPr lang="zh-CN" altLang="en-US" smtClean="0"/>
               <a:t>20</a:t>
+            </a:fld>
+            <a:endParaRPr lang="zh-CN" altLang="en-US"/>
+          </a:p>
+        </p:txBody>
+      </p:sp>
+      <p:sp>
+        <p:nvSpPr>
+          <p:cNvPr id="6" name="TextBox 5"/>
+          <p:cNvSpPr txBox="1"/>
+          <p:nvPr/>
+        </p:nvSpPr>
+        <p:spPr>
+          <a:xfrm>
+            <a:off x="3505765" y="4959272"/>
+            <a:ext cx="3802539" cy="369332"/>
+          </a:xfrm>
+          <a:prstGeom prst="rect">
+            <a:avLst/>
+          </a:prstGeom>
+          <a:noFill/>
+        </p:spPr>
+        <p:txBody>
+          <a:bodyPr wrap="square" rtlCol="0">
+            <a:spAutoFit/>
+          </a:bodyPr>
+          <a:lstStyle/>
+          <a:p>
+            <a:r>
+              <a:rPr lang="zh-CN" altLang="en-US" dirty="0" smtClean="0">
+                <a:solidFill>
+                  <a:schemeClr val="tx1">
+                    <a:lumMod val="50000"/>
+                    <a:lumOff val="50000"/>
+                  </a:schemeClr>
+                </a:solidFill>
+                <a:latin typeface="微软雅黑" pitchFamily="34" charset="-122"/>
+                <a:ea typeface="微软雅黑" pitchFamily="34" charset="-122"/>
+              </a:rPr>
+              <a:t>建议与意见</a:t>
+            </a:r>
+            <a:endParaRPr lang="zh-CN" altLang="en-US" dirty="0">
+              <a:solidFill>
+                <a:schemeClr val="tx1">
+                  <a:lumMod val="50000"/>
+                  <a:lumOff val="50000"/>
+                </a:schemeClr>
+              </a:solidFill>
+              <a:latin typeface="微软雅黑" pitchFamily="34" charset="-122"/>
+              <a:ea typeface="微软雅黑" pitchFamily="34" charset="-122"/>
+            </a:endParaRPr>
+          </a:p>
+        </p:txBody>
+      </p:sp>
+      <p:grpSp>
+        <p:nvGrpSpPr>
+          <p:cNvPr id="7" name="组合 6"/>
+          <p:cNvGrpSpPr/>
+          <p:nvPr/>
+        </p:nvGrpSpPr>
+        <p:grpSpPr>
+          <a:xfrm>
+            <a:off x="2614627" y="4759613"/>
+            <a:ext cx="690648" cy="640421"/>
+            <a:chOff x="6707088" y="2658616"/>
+            <a:chExt cx="914400" cy="914400"/>
+          </a:xfrm>
+        </p:grpSpPr>
+        <p:sp>
+          <p:nvSpPr>
+            <p:cNvPr id="8" name="圆角矩形 7"/>
+            <p:cNvSpPr/>
+            <p:nvPr/>
+          </p:nvSpPr>
+          <p:spPr>
+            <a:xfrm>
+              <a:off x="6707088" y="2658616"/>
+              <a:ext cx="914400" cy="914400"/>
+            </a:xfrm>
+            <a:prstGeom prst="roundRect">
+              <a:avLst/>
+            </a:prstGeom>
+            <a:solidFill>
+              <a:schemeClr val="bg1">
+                <a:lumMod val="75000"/>
+              </a:schemeClr>
+            </a:solidFill>
+            <a:ln>
+              <a:noFill/>
+            </a:ln>
+          </p:spPr>
+          <p:style>
+            <a:lnRef idx="2">
+              <a:schemeClr val="accent1">
+                <a:shade val="50000"/>
+              </a:schemeClr>
+            </a:lnRef>
+            <a:fillRef idx="1">
+              <a:schemeClr val="accent1"/>
+            </a:fillRef>
+            <a:effectRef idx="0">
+              <a:schemeClr val="accent1"/>
+            </a:effectRef>
+            <a:fontRef idx="minor">
+              <a:schemeClr val="lt1"/>
+            </a:fontRef>
+          </p:style>
+          <p:txBody>
+            <a:bodyPr rtlCol="0" anchor="ctr"/>
+            <a:lstStyle/>
+            <a:p>
+              <a:pPr algn="ctr"/>
+              <a:endParaRPr lang="zh-CN" altLang="en-US"/>
+            </a:p>
+          </p:txBody>
+        </p:sp>
+        <p:pic>
+          <p:nvPicPr>
+            <p:cNvPr id="9" name="图片 8"/>
+            <p:cNvPicPr>
+              <a:picLocks noChangeAspect="1"/>
+            </p:cNvPicPr>
+            <p:nvPr/>
+          </p:nvPicPr>
+          <p:blipFill>
+            <a:blip r:embed="rId2">
+              <a:extLst>
+                <a:ext uri="{28A0092B-C50C-407E-A947-70E740481C1C}">
+                  <a14:useLocalDpi xmlns:a14="http://schemas.microsoft.com/office/drawing/2010/main" val="0"/>
+                </a:ext>
+              </a:extLst>
+            </a:blip>
+            <a:stretch>
+              <a:fillRect/>
+            </a:stretch>
+          </p:blipFill>
+          <p:spPr>
+            <a:xfrm>
+              <a:off x="6809077" y="2760605"/>
+              <a:ext cx="710423" cy="710423"/>
+            </a:xfrm>
+            <a:prstGeom prst="rect">
+              <a:avLst/>
+            </a:prstGeom>
+          </p:spPr>
+        </p:pic>
+      </p:grpSp>
+      <p:sp>
+        <p:nvSpPr>
+          <p:cNvPr id="10" name="TextBox 9"/>
+          <p:cNvSpPr txBox="1"/>
+          <p:nvPr/>
+        </p:nvSpPr>
+        <p:spPr>
+          <a:xfrm>
+            <a:off x="3505765" y="2943217"/>
+            <a:ext cx="3785564" cy="369332"/>
+          </a:xfrm>
+          <a:prstGeom prst="rect">
+            <a:avLst/>
+          </a:prstGeom>
+          <a:noFill/>
+        </p:spPr>
+        <p:txBody>
+          <a:bodyPr wrap="square" rtlCol="0">
+            <a:spAutoFit/>
+          </a:bodyPr>
+          <a:lstStyle/>
+          <a:p>
+            <a:r>
+              <a:rPr lang="zh-CN" altLang="en-US" dirty="0" smtClean="0">
+                <a:solidFill>
+                  <a:schemeClr val="bg1">
+                    <a:lumMod val="50000"/>
+                  </a:schemeClr>
+                </a:solidFill>
+                <a:latin typeface="微软雅黑" pitchFamily="34" charset="-122"/>
+                <a:ea typeface="微软雅黑" pitchFamily="34" charset="-122"/>
+              </a:rPr>
+              <a:t>试用期总结</a:t>
+            </a:r>
+            <a:endParaRPr lang="zh-CN" altLang="en-US" dirty="0">
+              <a:solidFill>
+                <a:schemeClr val="bg1">
+                  <a:lumMod val="50000"/>
+                </a:schemeClr>
+              </a:solidFill>
+              <a:latin typeface="微软雅黑" pitchFamily="34" charset="-122"/>
+              <a:ea typeface="微软雅黑" pitchFamily="34" charset="-122"/>
+            </a:endParaRPr>
+          </a:p>
+        </p:txBody>
+      </p:sp>
+      <p:grpSp>
+        <p:nvGrpSpPr>
+          <p:cNvPr id="11" name="组合 10"/>
+          <p:cNvGrpSpPr/>
+          <p:nvPr/>
+        </p:nvGrpSpPr>
+        <p:grpSpPr>
+          <a:xfrm>
+            <a:off x="2614626" y="2806105"/>
+            <a:ext cx="690648" cy="640421"/>
+            <a:chOff x="4954894" y="2590056"/>
+            <a:chExt cx="914400" cy="914400"/>
+          </a:xfrm>
+        </p:grpSpPr>
+        <p:sp>
+          <p:nvSpPr>
+            <p:cNvPr id="12" name="圆角矩形 11"/>
+            <p:cNvSpPr/>
+            <p:nvPr/>
+          </p:nvSpPr>
+          <p:spPr>
+            <a:xfrm>
+              <a:off x="4954894" y="2590056"/>
+              <a:ext cx="914400" cy="914400"/>
+            </a:xfrm>
+            <a:prstGeom prst="roundRect">
+              <a:avLst/>
+            </a:prstGeom>
+            <a:solidFill>
+              <a:schemeClr val="bg2">
+                <a:lumMod val="40000"/>
+                <a:lumOff val="60000"/>
+              </a:schemeClr>
+            </a:solidFill>
+            <a:ln>
+              <a:noFill/>
+            </a:ln>
+          </p:spPr>
+          <p:style>
+            <a:lnRef idx="2">
+              <a:schemeClr val="accent1">
+                <a:shade val="50000"/>
+              </a:schemeClr>
+            </a:lnRef>
+            <a:fillRef idx="1">
+              <a:schemeClr val="accent1"/>
+            </a:fillRef>
+            <a:effectRef idx="0">
+              <a:schemeClr val="accent1"/>
+            </a:effectRef>
+            <a:fontRef idx="minor">
+              <a:schemeClr val="lt1"/>
+            </a:fontRef>
+          </p:style>
+          <p:txBody>
+            <a:bodyPr rtlCol="0" anchor="ctr"/>
+            <a:lstStyle/>
+            <a:p>
+              <a:pPr algn="ctr"/>
+              <a:endParaRPr lang="zh-CN" altLang="en-US"/>
+            </a:p>
+          </p:txBody>
+        </p:sp>
+        <p:pic>
+          <p:nvPicPr>
+            <p:cNvPr id="13" name="图片 12"/>
+            <p:cNvPicPr>
+              <a:picLocks noChangeAspect="1"/>
+            </p:cNvPicPr>
+            <p:nvPr/>
+          </p:nvPicPr>
+          <p:blipFill>
+            <a:blip r:embed="rId3" cstate="print">
+              <a:extLst>
+                <a:ext uri="{28A0092B-C50C-407E-A947-70E740481C1C}">
+                  <a14:useLocalDpi xmlns:a14="http://schemas.microsoft.com/office/drawing/2010/main" val="0"/>
+                </a:ext>
+              </a:extLst>
+            </a:blip>
+            <a:stretch>
+              <a:fillRect/>
+            </a:stretch>
+          </p:blipFill>
+          <p:spPr>
+            <a:xfrm>
+              <a:off x="5156891" y="2802756"/>
+              <a:ext cx="510407" cy="510407"/>
+            </a:xfrm>
+            <a:prstGeom prst="rect">
+              <a:avLst/>
+            </a:prstGeom>
+          </p:spPr>
+        </p:pic>
+      </p:grpSp>
+      <p:sp>
+        <p:nvSpPr>
+          <p:cNvPr id="14" name="TextBox 13"/>
+          <p:cNvSpPr txBox="1"/>
+          <p:nvPr/>
+        </p:nvSpPr>
+        <p:spPr>
+          <a:xfrm>
+            <a:off x="3505765" y="3957951"/>
+            <a:ext cx="3785564" cy="369332"/>
+          </a:xfrm>
+          <a:prstGeom prst="rect">
+            <a:avLst/>
+          </a:prstGeom>
+          <a:noFill/>
+        </p:spPr>
+        <p:txBody>
+          <a:bodyPr wrap="square" rtlCol="0">
+            <a:spAutoFit/>
+          </a:bodyPr>
+          <a:lstStyle/>
+          <a:p>
+            <a:r>
+              <a:rPr lang="zh-CN" altLang="en-US" dirty="0" smtClean="0">
+                <a:solidFill>
+                  <a:schemeClr val="accent5">
+                    <a:lumMod val="50000"/>
+                  </a:schemeClr>
+                </a:solidFill>
+                <a:latin typeface="微软雅黑" pitchFamily="34" charset="-122"/>
+                <a:ea typeface="微软雅黑" pitchFamily="34" charset="-122"/>
+              </a:rPr>
+              <a:t>个人自评</a:t>
+            </a:r>
+            <a:endParaRPr lang="zh-CN" altLang="en-US" dirty="0">
+              <a:solidFill>
+                <a:schemeClr val="accent5">
+                  <a:lumMod val="50000"/>
+                </a:schemeClr>
+              </a:solidFill>
+              <a:latin typeface="微软雅黑" pitchFamily="34" charset="-122"/>
+              <a:ea typeface="微软雅黑" pitchFamily="34" charset="-122"/>
+            </a:endParaRPr>
+          </a:p>
+        </p:txBody>
+      </p:sp>
+      <p:grpSp>
+        <p:nvGrpSpPr>
+          <p:cNvPr id="15" name="组合 14"/>
+          <p:cNvGrpSpPr/>
+          <p:nvPr/>
+        </p:nvGrpSpPr>
+        <p:grpSpPr>
+          <a:xfrm>
+            <a:off x="2614626" y="3773285"/>
+            <a:ext cx="690648" cy="640421"/>
+            <a:chOff x="3310711" y="2590056"/>
+            <a:chExt cx="914400" cy="914400"/>
+          </a:xfrm>
+        </p:grpSpPr>
+        <p:sp>
+          <p:nvSpPr>
+            <p:cNvPr id="16" name="圆角矩形 15"/>
+            <p:cNvSpPr/>
+            <p:nvPr/>
+          </p:nvSpPr>
+          <p:spPr>
+            <a:xfrm>
+              <a:off x="3310711" y="2590056"/>
+              <a:ext cx="914400" cy="914400"/>
+            </a:xfrm>
+            <a:prstGeom prst="roundRect">
+              <a:avLst/>
+            </a:prstGeom>
+            <a:solidFill>
+              <a:schemeClr val="accent5">
+                <a:lumMod val="50000"/>
+              </a:schemeClr>
+            </a:solidFill>
+            <a:ln>
+              <a:noFill/>
+            </a:ln>
+          </p:spPr>
+          <p:style>
+            <a:lnRef idx="2">
+              <a:schemeClr val="accent1">
+                <a:shade val="50000"/>
+              </a:schemeClr>
+            </a:lnRef>
+            <a:fillRef idx="1">
+              <a:schemeClr val="accent1"/>
+            </a:fillRef>
+            <a:effectRef idx="0">
+              <a:schemeClr val="accent1"/>
+            </a:effectRef>
+            <a:fontRef idx="minor">
+              <a:schemeClr val="lt1"/>
+            </a:fontRef>
+          </p:style>
+          <p:txBody>
+            <a:bodyPr rtlCol="0" anchor="ctr"/>
+            <a:lstStyle/>
+            <a:p>
+              <a:pPr algn="ctr"/>
+              <a:endParaRPr lang="zh-CN" altLang="en-US"/>
+            </a:p>
+          </p:txBody>
+        </p:sp>
+        <p:pic>
+          <p:nvPicPr>
+            <p:cNvPr id="17" name="图片 16"/>
+            <p:cNvPicPr>
+              <a:picLocks noChangeAspect="1"/>
+            </p:cNvPicPr>
+            <p:nvPr/>
+          </p:nvPicPr>
+          <p:blipFill>
+            <a:blip r:embed="rId4" cstate="print">
+              <a:extLst>
+                <a:ext uri="{28A0092B-C50C-407E-A947-70E740481C1C}">
+                  <a14:useLocalDpi xmlns:a14="http://schemas.microsoft.com/office/drawing/2010/main" val="0"/>
+                </a:ext>
+              </a:extLst>
+            </a:blip>
+            <a:stretch>
+              <a:fillRect/>
+            </a:stretch>
+          </p:blipFill>
+          <p:spPr>
+            <a:xfrm>
+              <a:off x="3523411" y="2802756"/>
+              <a:ext cx="489000" cy="489000"/>
+            </a:xfrm>
+            <a:prstGeom prst="rect">
+              <a:avLst/>
+            </a:prstGeom>
+          </p:spPr>
+        </p:pic>
+      </p:grpSp>
+      <p:sp>
+        <p:nvSpPr>
+          <p:cNvPr id="18" name="TextBox 17"/>
+          <p:cNvSpPr txBox="1"/>
+          <p:nvPr/>
+        </p:nvSpPr>
+        <p:spPr>
+          <a:xfrm>
+            <a:off x="3505765" y="1908361"/>
+            <a:ext cx="3802539" cy="369332"/>
+          </a:xfrm>
+          <a:prstGeom prst="rect">
+            <a:avLst/>
+          </a:prstGeom>
+          <a:noFill/>
+        </p:spPr>
+        <p:txBody>
+          <a:bodyPr wrap="square" rtlCol="0">
+            <a:spAutoFit/>
+          </a:bodyPr>
+          <a:lstStyle/>
+          <a:p>
+            <a:r>
+              <a:rPr lang="zh-CN" altLang="en-US" dirty="0" smtClean="0">
+                <a:solidFill>
+                  <a:schemeClr val="bg1">
+                    <a:lumMod val="50000"/>
+                  </a:schemeClr>
+                </a:solidFill>
+                <a:latin typeface="微软雅黑" pitchFamily="34" charset="-122"/>
+                <a:ea typeface="微软雅黑" pitchFamily="34" charset="-122"/>
+              </a:rPr>
+              <a:t>个人简介</a:t>
+            </a:r>
+            <a:endParaRPr lang="zh-CN" altLang="en-US" dirty="0">
+              <a:solidFill>
+                <a:schemeClr val="bg1">
+                  <a:lumMod val="50000"/>
+                </a:schemeClr>
+              </a:solidFill>
+              <a:latin typeface="微软雅黑" pitchFamily="34" charset="-122"/>
+              <a:ea typeface="微软雅黑" pitchFamily="34" charset="-122"/>
+            </a:endParaRPr>
+          </a:p>
+        </p:txBody>
+      </p:sp>
+      <p:grpSp>
+        <p:nvGrpSpPr>
+          <p:cNvPr id="19" name="组合 18"/>
+          <p:cNvGrpSpPr/>
+          <p:nvPr/>
+        </p:nvGrpSpPr>
+        <p:grpSpPr>
+          <a:xfrm>
+            <a:off x="2614626" y="1772817"/>
+            <a:ext cx="690648" cy="640421"/>
+            <a:chOff x="1666528" y="2590056"/>
+            <a:chExt cx="914400" cy="914400"/>
+          </a:xfrm>
+        </p:grpSpPr>
+        <p:sp>
+          <p:nvSpPr>
+            <p:cNvPr id="20" name="圆角矩形 19"/>
+            <p:cNvSpPr/>
+            <p:nvPr/>
+          </p:nvSpPr>
+          <p:spPr>
+            <a:xfrm>
+              <a:off x="1666528" y="2590056"/>
+              <a:ext cx="914400" cy="914400"/>
+            </a:xfrm>
+            <a:prstGeom prst="roundRect">
+              <a:avLst/>
+            </a:prstGeom>
+            <a:solidFill>
+              <a:schemeClr val="bg1">
+                <a:lumMod val="75000"/>
+              </a:schemeClr>
+            </a:solidFill>
+            <a:ln>
+              <a:noFill/>
+            </a:ln>
+          </p:spPr>
+          <p:style>
+            <a:lnRef idx="2">
+              <a:schemeClr val="accent1">
+                <a:shade val="50000"/>
+              </a:schemeClr>
+            </a:lnRef>
+            <a:fillRef idx="1">
+              <a:schemeClr val="accent1"/>
+            </a:fillRef>
+            <a:effectRef idx="0">
+              <a:schemeClr val="accent1"/>
+            </a:effectRef>
+            <a:fontRef idx="minor">
+              <a:schemeClr val="lt1"/>
+            </a:fontRef>
+          </p:style>
+          <p:txBody>
+            <a:bodyPr rtlCol="0" anchor="ctr"/>
+            <a:lstStyle/>
+            <a:p>
+              <a:pPr algn="ctr"/>
+              <a:endParaRPr lang="zh-CN" altLang="en-US">
+                <a:solidFill>
+                  <a:srgbClr val="00B050"/>
+                </a:solidFill>
+              </a:endParaRPr>
+            </a:p>
+          </p:txBody>
+        </p:sp>
+        <p:pic>
+          <p:nvPicPr>
+            <p:cNvPr id="21" name="图片 20"/>
+            <p:cNvPicPr>
+              <a:picLocks noChangeAspect="1"/>
+            </p:cNvPicPr>
+            <p:nvPr/>
+          </p:nvPicPr>
+          <p:blipFill>
+            <a:blip r:embed="rId5" cstate="print">
+              <a:extLst>
+                <a:ext uri="{28A0092B-C50C-407E-A947-70E740481C1C}">
+                  <a14:useLocalDpi xmlns:a14="http://schemas.microsoft.com/office/drawing/2010/main" val="0"/>
+                </a:ext>
+              </a:extLst>
+            </a:blip>
+            <a:stretch>
+              <a:fillRect/>
+            </a:stretch>
+          </p:blipFill>
+          <p:spPr>
+            <a:xfrm>
+              <a:off x="1853589" y="2777117"/>
+              <a:ext cx="540279" cy="540279"/>
+            </a:xfrm>
+            <a:prstGeom prst="rect">
+              <a:avLst/>
+            </a:prstGeom>
+          </p:spPr>
+        </p:pic>
+      </p:grpSp>
+    </p:spTree>
+  </p:cSld>
+  <p:clrMapOvr>
+    <a:masterClrMapping/>
+  </p:clrMapOvr>
+  <p:transition/>
+  <p:timing>
+    <p:tnLst>
+      <p:par>
+        <p:cTn id="1" dur="indefinite" restart="never" nodeType="tmRoot"/>
+      </p:par>
+    </p:tnLst>
+  </p:timing>
+</p:sld>
+</file>
+
+<file path=ppt/slides/slide21.xml><?xml version="1.0" encoding="utf-8"?>
+<p:sld xmlns:a="http://schemas.openxmlformats.org/drawingml/2006/main" xmlns:r="http://schemas.openxmlformats.org/officeDocument/2006/relationships" xmlns:p="http://schemas.openxmlformats.org/presentationml/2006/main">
+  <p:cSld>
+    <p:spTree>
+      <p:nvGrpSpPr>
+        <p:cNvPr id="1" name=""/>
+        <p:cNvGrpSpPr/>
+        <p:nvPr/>
+      </p:nvGrpSpPr>
+      <p:grpSpPr>
+        <a:xfrm>
+          <a:off x="0" y="0"/>
+          <a:ext cx="0" cy="0"/>
+          <a:chOff x="0" y="0"/>
+          <a:chExt cx="0" cy="0"/>
+        </a:xfrm>
+      </p:grpSpPr>
+      <p:sp>
+        <p:nvSpPr>
+          <p:cNvPr id="4" name="灯片编号占位符 3"/>
+          <p:cNvSpPr>
+            <a:spLocks noGrp="1"/>
+          </p:cNvSpPr>
+          <p:nvPr>
+            <p:ph type="sldNum" sz="quarter" idx="10"/>
+          </p:nvPr>
+        </p:nvSpPr>
+        <p:spPr/>
+        <p:txBody>
+          <a:bodyPr/>
+          <a:lstStyle/>
+          <a:p>
+            <a:pPr>
+              <a:defRPr/>
+            </a:pPr>
+            <a:fld id="{4816A599-0D7A-4ED1-B317-DB57F830172B}" type="slidenum">
+              <a:rPr lang="zh-CN" altLang="en-US" smtClean="0"/>
+              <a:t>21</a:t>
             </a:fld>
             <a:endParaRPr lang="zh-CN" altLang="en-US"/>
           </a:p>
@@ -16254,17 +16547,7 @@
                           <a:latin typeface="微软雅黑" pitchFamily="34" charset="-122"/>
                           <a:ea typeface="微软雅黑" pitchFamily="34" charset="-122"/>
                         </a:rPr>
-                        <a:t>年</a:t>
-                      </a:r>
-                      <a:r>
-                        <a:rPr lang="zh-CN" altLang="en-US" sz="1400" b="0" i="0" u="none" strike="noStrike" dirty="0" smtClean="0">
-                          <a:solidFill>
-                            <a:schemeClr val="tx1"/>
-                          </a:solidFill>
-                          <a:latin typeface="微软雅黑" pitchFamily="34" charset="-122"/>
-                          <a:ea typeface="微软雅黑" pitchFamily="34" charset="-122"/>
-                        </a:rPr>
-                        <a:t>软件开发经验</a:t>
+                        <a:t>年软件开发经验</a:t>
                       </a:r>
                       <a:endParaRPr lang="zh-CN" altLang="en-US" sz="1400" b="0" i="0" u="none" strike="noStrike" dirty="0">
                         <a:solidFill>
@@ -16568,7 +16851,7 @@
 </p:sld>
 </file>
 
-<file path=ppt/slides/slide21.xml><?xml version="1.0" encoding="utf-8"?>
+<file path=ppt/slides/slide22.xml><?xml version="1.0" encoding="utf-8"?>
 <p:sld xmlns:a="http://schemas.openxmlformats.org/drawingml/2006/main" xmlns:r="http://schemas.openxmlformats.org/officeDocument/2006/relationships" xmlns:p="http://schemas.openxmlformats.org/presentationml/2006/main">
   <p:cSld>
     <p:spTree>
@@ -16605,7 +16888,7 @@
             </a:pPr>
             <a:fld id="{4816A599-0D7A-4ED1-B317-DB57F830172B}" type="slidenum">
               <a:rPr lang="zh-CN" altLang="en-US" smtClean="0"/>
-              <a:t>21</a:t>
+              <a:t>22</a:t>
             </a:fld>
             <a:endParaRPr lang="zh-CN" altLang="en-US"/>
           </a:p>
@@ -19330,7 +19613,7 @@
 </p:sld>
 </file>
 
-<file path=ppt/slides/slide22.xml><?xml version="1.0" encoding="utf-8"?>
+<file path=ppt/slides/slide23.xml><?xml version="1.0" encoding="utf-8"?>
 <p:sld xmlns:a="http://schemas.openxmlformats.org/drawingml/2006/main" xmlns:r="http://schemas.openxmlformats.org/officeDocument/2006/relationships" xmlns:p="http://schemas.openxmlformats.org/presentationml/2006/main">
   <p:cSld>
     <p:spTree>
@@ -19393,7 +19676,7 @@
             </a:pPr>
             <a:fld id="{4816A599-0D7A-4ED1-B317-DB57F830172B}" type="slidenum">
               <a:rPr lang="zh-CN" altLang="en-US" smtClean="0"/>
-              <a:t>22</a:t>
+              <a:t>23</a:t>
             </a:fld>
             <a:endParaRPr lang="zh-CN" altLang="en-US"/>
           </a:p>
@@ -19433,19 +19716,7 @@
               <a:rPr lang="zh-CN" altLang="en-US" sz="1600" b="0" dirty="0" smtClean="0">
                 <a:latin typeface="微软雅黑" pitchFamily="34" charset="-122"/>
               </a:rPr>
-              <a:t>开发</a:t>
-            </a:r>
-            <a:r>
-              <a:rPr lang="zh-CN" altLang="en-US" sz="1600" b="0" dirty="0" smtClean="0">
-                <a:latin typeface="微软雅黑" pitchFamily="34" charset="-122"/>
-              </a:rPr>
-              <a:t>设计</a:t>
-            </a:r>
-            <a:r>
-              <a:rPr lang="zh-CN" altLang="en-US" sz="1600" b="0" dirty="0" smtClean="0">
-                <a:latin typeface="微软雅黑" pitchFamily="34" charset="-122"/>
-              </a:rPr>
-              <a:t>；</a:t>
+              <a:t>开发设计；</a:t>
             </a:r>
             <a:endParaRPr lang="en-US" altLang="zh-CN" sz="1600" b="0" dirty="0">
               <a:latin typeface="微软雅黑" pitchFamily="34" charset="-122"/>
@@ -19466,13 +19737,7 @@
               <a:rPr lang="zh-CN" altLang="en-US" sz="1600" b="0" dirty="0" smtClean="0">
                 <a:latin typeface="微软雅黑" pitchFamily="34" charset="-122"/>
               </a:rPr>
-              <a:t>规范</a:t>
-            </a:r>
-            <a:r>
-              <a:rPr lang="zh-CN" altLang="en-US" sz="1600" b="0" dirty="0" smtClean="0">
-                <a:latin typeface="微软雅黑" pitchFamily="34" charset="-122"/>
-              </a:rPr>
-              <a:t>与流程管理</a:t>
+              <a:t>规范与流程管理</a:t>
             </a:r>
             <a:endParaRPr lang="en-US" altLang="zh-CN" sz="1600" b="0" dirty="0" smtClean="0">
               <a:latin typeface="微软雅黑" pitchFamily="34" charset="-122"/>
@@ -19614,7 +19879,7 @@
 </p:sld>
 </file>
 
-<file path=ppt/slides/slide23.xml><?xml version="1.0" encoding="utf-8"?>
+<file path=ppt/slides/slide24.xml><?xml version="1.0" encoding="utf-8"?>
 <p:sld xmlns:a="http://schemas.openxmlformats.org/drawingml/2006/main" xmlns:r="http://schemas.openxmlformats.org/officeDocument/2006/relationships" xmlns:p="http://schemas.openxmlformats.org/presentationml/2006/main">
   <p:cSld>
     <p:spTree>
@@ -19677,7 +19942,7 @@
             </a:pPr>
             <a:fld id="{4816A599-0D7A-4ED1-B317-DB57F830172B}" type="slidenum">
               <a:rPr lang="zh-CN" altLang="en-US" smtClean="0"/>
-              <a:t>23</a:t>
+              <a:t>24</a:t>
             </a:fld>
             <a:endParaRPr lang="zh-CN" altLang="en-US"/>
           </a:p>
@@ -20080,7 +20345,7 @@
 </p:sld>
 </file>
 
-<file path=ppt/slides/slide24.xml><?xml version="1.0" encoding="utf-8"?>
+<file path=ppt/slides/slide25.xml><?xml version="1.0" encoding="utf-8"?>
 <p:sld xmlns:a="http://schemas.openxmlformats.org/drawingml/2006/main" xmlns:r="http://schemas.openxmlformats.org/officeDocument/2006/relationships" xmlns:p="http://schemas.openxmlformats.org/presentationml/2006/main">
   <p:cSld>
     <p:spTree>
@@ -20143,7 +20408,7 @@
             </a:pPr>
             <a:fld id="{4816A599-0D7A-4ED1-B317-DB57F830172B}" type="slidenum">
               <a:rPr lang="zh-CN" altLang="en-US" smtClean="0"/>
-              <a:t>24</a:t>
+              <a:t>25</a:t>
             </a:fld>
             <a:endParaRPr lang="zh-CN" altLang="en-US"/>
           </a:p>
@@ -20338,17 +20603,7 @@
                 <a:latin typeface="微软雅黑" panose="020B0503020204020204" pitchFamily="34" charset="-122"/>
                 <a:ea typeface="微软雅黑" panose="020B0503020204020204" pitchFamily="34" charset="-122"/>
               </a:rPr>
-              <a:t>开发</a:t>
-            </a:r>
-            <a:r>
-              <a:rPr lang="zh-CN" altLang="en-US" sz="1600" b="1" dirty="0" smtClean="0">
-                <a:solidFill>
-                  <a:srgbClr val="0070C0"/>
-                </a:solidFill>
-                <a:latin typeface="微软雅黑" panose="020B0503020204020204" pitchFamily="34" charset="-122"/>
-                <a:ea typeface="微软雅黑" panose="020B0503020204020204" pitchFamily="34" charset="-122"/>
-              </a:rPr>
-              <a:t>设计</a:t>
+              <a:t>开发设计</a:t>
             </a:r>
             <a:endParaRPr lang="en-US" altLang="zh-CN" sz="1600" b="1" dirty="0">
               <a:solidFill>
@@ -20417,7 +20672,7 @@
 </p:sld>
 </file>
 
-<file path=ppt/slides/slide25.xml><?xml version="1.0" encoding="utf-8"?>
+<file path=ppt/slides/slide26.xml><?xml version="1.0" encoding="utf-8"?>
 <p:sld xmlns:a="http://schemas.openxmlformats.org/drawingml/2006/main" xmlns:r="http://schemas.openxmlformats.org/officeDocument/2006/relationships" xmlns:p="http://schemas.openxmlformats.org/presentationml/2006/main">
   <p:cSld>
     <p:spTree>
@@ -20480,7 +20735,7 @@
             </a:pPr>
             <a:fld id="{4816A599-0D7A-4ED1-B317-DB57F830172B}" type="slidenum">
               <a:rPr lang="zh-CN" altLang="en-US" smtClean="0"/>
-              <a:t>25</a:t>
+              <a:t>26</a:t>
             </a:fld>
             <a:endParaRPr lang="zh-CN" altLang="en-US"/>
           </a:p>
@@ -20622,7 +20877,7 @@
 </p:sld>
 </file>
 
-<file path=ppt/slides/slide26.xml><?xml version="1.0" encoding="utf-8"?>
+<file path=ppt/slides/slide27.xml><?xml version="1.0" encoding="utf-8"?>
 <p:sld xmlns:a="http://schemas.openxmlformats.org/drawingml/2006/main" xmlns:r="http://schemas.openxmlformats.org/officeDocument/2006/relationships" xmlns:p="http://schemas.openxmlformats.org/presentationml/2006/main">
   <p:cSld>
     <p:spTree>
@@ -20685,7 +20940,7 @@
             </a:pPr>
             <a:fld id="{4816A599-0D7A-4ED1-B317-DB57F830172B}" type="slidenum">
               <a:rPr lang="zh-CN" altLang="en-US" smtClean="0"/>
-              <a:t>26</a:t>
+              <a:t>27</a:t>
             </a:fld>
             <a:endParaRPr lang="zh-CN" altLang="en-US"/>
           </a:p>
@@ -20753,14 +21008,7 @@
                 <a:latin typeface="微软雅黑" panose="020B0503020204020204" pitchFamily="34" charset="-122"/>
                 <a:ea typeface="微软雅黑" panose="020B0503020204020204" pitchFamily="34" charset="-122"/>
               </a:rPr>
-              <a:t>能够对工作中遇到的问题、工作方法、失败或成功的经验进行总结和提炼，并与团队成员分享</a:t>
-            </a:r>
-            <a:r>
-              <a:rPr lang="zh-CN" altLang="en-US" sz="1400" dirty="0" smtClean="0">
-                <a:latin typeface="微软雅黑" panose="020B0503020204020204" pitchFamily="34" charset="-122"/>
-                <a:ea typeface="微软雅黑" panose="020B0503020204020204" pitchFamily="34" charset="-122"/>
-              </a:rPr>
-              <a:t>；</a:t>
+              <a:t>能够对工作中遇到的问题、工作方法、失败或成功的经验进行总结和提炼，并与团队成员分享；</a:t>
             </a:r>
             <a:endParaRPr lang="en-US" altLang="zh-CN" sz="1400" dirty="0" smtClean="0">
               <a:latin typeface="微软雅黑" panose="020B0503020204020204" pitchFamily="34" charset="-122"/>
@@ -20903,8 +21151,8 @@
         </p:nvSpPr>
         <p:spPr>
           <a:xfrm>
-            <a:off x="683568" y="3563724"/>
-            <a:ext cx="7272808" cy="369332"/>
+            <a:off x="683568" y="3212976"/>
+            <a:ext cx="7272808" cy="646331"/>
           </a:xfrm>
           <a:prstGeom prst="rect">
             <a:avLst/>
@@ -20919,77 +21167,13 @@
           <a:p>
             <a:r>
               <a:rPr lang="zh-CN" altLang="en-US" dirty="0" smtClean="0"/>
-              <a:t>自建的技术博客：</a:t>
+              <a:t>技术分享：</a:t>
             </a:r>
             <a:r>
               <a:rPr lang="en-US" altLang="zh-CN" dirty="0">
                 <a:hlinkClick r:id="rId2"/>
               </a:rPr>
-              <a:t>https://zhengyuliang.github.io/</a:t>
-            </a:r>
-            <a:endParaRPr lang="zh-CN" altLang="en-US" dirty="0"/>
-          </a:p>
-        </p:txBody>
-      </p:sp>
-      <p:sp>
-        <p:nvSpPr>
-          <p:cNvPr id="9" name="TextBox 8"/>
-          <p:cNvSpPr txBox="1"/>
-          <p:nvPr/>
-        </p:nvSpPr>
-        <p:spPr>
-          <a:xfrm>
-            <a:off x="683568" y="4067780"/>
-            <a:ext cx="7272808" cy="369332"/>
-          </a:xfrm>
-          <a:prstGeom prst="rect">
-            <a:avLst/>
-          </a:prstGeom>
-          <a:noFill/>
-        </p:spPr>
-        <p:txBody>
-          <a:bodyPr wrap="square" rtlCol="0">
-            <a:spAutoFit/>
-          </a:bodyPr>
-          <a:lstStyle/>
-          <a:p>
-            <a:r>
-              <a:rPr lang="zh-CN" altLang="en-US" dirty="0" smtClean="0"/>
-              <a:t>代码学习与分享平台：</a:t>
-            </a:r>
-            <a:r>
-              <a:rPr lang="en-US" altLang="zh-CN" dirty="0" err="1" smtClean="0"/>
-              <a:t>github</a:t>
-            </a:r>
-            <a:endParaRPr lang="zh-CN" altLang="en-US" dirty="0"/>
-          </a:p>
-        </p:txBody>
-      </p:sp>
-      <p:sp>
-        <p:nvSpPr>
-          <p:cNvPr id="10" name="TextBox 9"/>
-          <p:cNvSpPr txBox="1"/>
-          <p:nvPr/>
-        </p:nvSpPr>
-        <p:spPr>
-          <a:xfrm>
-            <a:off x="683568" y="4653136"/>
-            <a:ext cx="7272808" cy="369332"/>
-          </a:xfrm>
-          <a:prstGeom prst="rect">
-            <a:avLst/>
-          </a:prstGeom>
-          <a:noFill/>
-        </p:spPr>
-        <p:txBody>
-          <a:bodyPr wrap="square" rtlCol="0">
-            <a:spAutoFit/>
-          </a:bodyPr>
-          <a:lstStyle/>
-          <a:p>
-            <a:r>
-              <a:rPr lang="zh-CN" altLang="en-US" dirty="0" smtClean="0"/>
-              <a:t>详情如下图：</a:t>
+              <a:t>http://192.168.104.40:8090/pages/viewpage.action?pageId=1081592</a:t>
             </a:r>
             <a:endParaRPr lang="zh-CN" altLang="en-US" dirty="0"/>
           </a:p>
@@ -20999,178 +21183,6 @@
     <p:extLst>
       <p:ext uri="{BB962C8B-B14F-4D97-AF65-F5344CB8AC3E}">
         <p14:creationId xmlns:p14="http://schemas.microsoft.com/office/powerpoint/2010/main" val="2692302124"/>
-      </p:ext>
-    </p:extLst>
-  </p:cSld>
-  <p:clrMapOvr>
-    <a:masterClrMapping/>
-  </p:clrMapOvr>
-  <p:transition/>
-  <p:timing>
-    <p:tnLst>
-      <p:par>
-        <p:cTn id="1" dur="indefinite" restart="never" nodeType="tmRoot"/>
-      </p:par>
-    </p:tnLst>
-  </p:timing>
-</p:sld>
-</file>
-
-<file path=ppt/slides/slide27.xml><?xml version="1.0" encoding="utf-8"?>
-<p:sld xmlns:a="http://schemas.openxmlformats.org/drawingml/2006/main" xmlns:r="http://schemas.openxmlformats.org/officeDocument/2006/relationships" xmlns:p="http://schemas.openxmlformats.org/presentationml/2006/main">
-  <p:cSld>
-    <p:spTree>
-      <p:nvGrpSpPr>
-        <p:cNvPr id="1" name=""/>
-        <p:cNvGrpSpPr/>
-        <p:nvPr/>
-      </p:nvGrpSpPr>
-      <p:grpSpPr>
-        <a:xfrm>
-          <a:off x="0" y="0"/>
-          <a:ext cx="0" cy="0"/>
-          <a:chOff x="0" y="0"/>
-          <a:chExt cx="0" cy="0"/>
-        </a:xfrm>
-      </p:grpSpPr>
-      <p:sp>
-        <p:nvSpPr>
-          <p:cNvPr id="2" name="标题 1"/>
-          <p:cNvSpPr>
-            <a:spLocks noGrp="1"/>
-          </p:cNvSpPr>
-          <p:nvPr>
-            <p:ph type="title"/>
-          </p:nvPr>
-        </p:nvSpPr>
-        <p:spPr/>
-        <p:txBody>
-          <a:bodyPr/>
-          <a:lstStyle/>
-          <a:p>
-            <a:r>
-              <a:rPr lang="zh-CN" altLang="en-US" dirty="0">
-                <a:latin typeface="微软雅黑" pitchFamily="34" charset="-122"/>
-                <a:ea typeface="微软雅黑" pitchFamily="34" charset="-122"/>
-              </a:rPr>
-              <a:t>个人自评：任职资格认证</a:t>
-            </a:r>
-            <a:endParaRPr lang="zh-CN" altLang="en-US" dirty="0"/>
-          </a:p>
-        </p:txBody>
-      </p:sp>
-      <p:sp>
-        <p:nvSpPr>
-          <p:cNvPr id="4" name="灯片编号占位符 3"/>
-          <p:cNvSpPr>
-            <a:spLocks noGrp="1"/>
-          </p:cNvSpPr>
-          <p:nvPr>
-            <p:ph type="sldNum" sz="quarter" idx="10"/>
-          </p:nvPr>
-        </p:nvSpPr>
-        <p:spPr/>
-        <p:txBody>
-          <a:bodyPr/>
-          <a:lstStyle/>
-          <a:p>
-            <a:pPr>
-              <a:defRPr/>
-            </a:pPr>
-            <a:fld id="{4816A599-0D7A-4ED1-B317-DB57F830172B}" type="slidenum">
-              <a:rPr lang="zh-CN" altLang="en-US" smtClean="0"/>
-              <a:t>27</a:t>
-            </a:fld>
-            <a:endParaRPr lang="zh-CN" altLang="en-US"/>
-          </a:p>
-        </p:txBody>
-      </p:sp>
-      <p:sp>
-        <p:nvSpPr>
-          <p:cNvPr id="5" name="TextBox 4"/>
-          <p:cNvSpPr txBox="1"/>
-          <p:nvPr/>
-        </p:nvSpPr>
-        <p:spPr>
-          <a:xfrm>
-            <a:off x="683568" y="1043444"/>
-            <a:ext cx="4240263" cy="338554"/>
-          </a:xfrm>
-          <a:prstGeom prst="rect">
-            <a:avLst/>
-          </a:prstGeom>
-          <a:noFill/>
-        </p:spPr>
-        <p:txBody>
-          <a:bodyPr wrap="none" rtlCol="0">
-            <a:spAutoFit/>
-          </a:bodyPr>
-          <a:lstStyle/>
-          <a:p>
-            <a:r>
-              <a:rPr lang="zh-CN" altLang="en-US" sz="1600" dirty="0" smtClean="0">
-                <a:latin typeface="微软雅黑" pitchFamily="34" charset="-122"/>
-                <a:ea typeface="微软雅黑" pitchFamily="34" charset="-122"/>
-              </a:rPr>
-              <a:t>个人技术博客</a:t>
-            </a:r>
-            <a:r>
-              <a:rPr lang="en-US" altLang="zh-CN" sz="1600" dirty="0" smtClean="0">
-                <a:latin typeface="微软雅黑" pitchFamily="34" charset="-122"/>
-                <a:ea typeface="微软雅黑" pitchFamily="34" charset="-122"/>
-              </a:rPr>
-              <a:t>: </a:t>
-            </a:r>
-            <a:r>
-              <a:rPr lang="en-US" altLang="zh-CN" sz="1600" dirty="0">
-                <a:hlinkClick r:id="rId2"/>
-              </a:rPr>
-              <a:t>https://zhengyuliang.github.io</a:t>
-            </a:r>
-            <a:r>
-              <a:rPr lang="en-US" altLang="zh-CN" sz="1600" dirty="0" smtClean="0">
-                <a:hlinkClick r:id="rId2"/>
-              </a:rPr>
-              <a:t>/</a:t>
-            </a:r>
-            <a:endParaRPr lang="zh-CN" altLang="en-US" sz="1600" dirty="0"/>
-          </a:p>
-        </p:txBody>
-      </p:sp>
-      <p:pic>
-        <p:nvPicPr>
-          <p:cNvPr id="6" name="图片 5"/>
-          <p:cNvPicPr>
-            <a:picLocks noChangeAspect="1"/>
-          </p:cNvPicPr>
-          <p:nvPr/>
-        </p:nvPicPr>
-        <p:blipFill>
-          <a:blip r:embed="rId3">
-            <a:extLst>
-              <a:ext uri="{28A0092B-C50C-407E-A947-70E740481C1C}">
-                <a14:useLocalDpi xmlns:a14="http://schemas.microsoft.com/office/drawing/2010/main" val="0"/>
-              </a:ext>
-            </a:extLst>
-          </a:blip>
-          <a:stretch>
-            <a:fillRect/>
-          </a:stretch>
-        </p:blipFill>
-        <p:spPr>
-          <a:xfrm>
-            <a:off x="527720" y="1556792"/>
-            <a:ext cx="8278391" cy="4656595"/>
-          </a:xfrm>
-          <a:prstGeom prst="rect">
-            <a:avLst/>
-          </a:prstGeom>
-        </p:spPr>
-      </p:pic>
-    </p:spTree>
-    <p:extLst>
-      <p:ext uri="{BB962C8B-B14F-4D97-AF65-F5344CB8AC3E}">
-        <p14:creationId xmlns:p14="http://schemas.microsoft.com/office/powerpoint/2010/main" val="3442720359"/>
       </p:ext>
     </p:extLst>
   </p:cSld>
@@ -21257,16 +21269,45 @@
           </a:p>
         </p:txBody>
       </p:sp>
+      <p:pic>
+        <p:nvPicPr>
+          <p:cNvPr id="3" name="图片 2"/>
+          <p:cNvPicPr>
+            <a:picLocks noChangeAspect="1"/>
+          </p:cNvPicPr>
+          <p:nvPr/>
+        </p:nvPicPr>
+        <p:blipFill rotWithShape="1">
+          <a:blip r:embed="rId2">
+            <a:extLst>
+              <a:ext uri="{28A0092B-C50C-407E-A947-70E740481C1C}">
+                <a14:useLocalDpi xmlns:a14="http://schemas.microsoft.com/office/drawing/2010/main" val="0"/>
+              </a:ext>
+            </a:extLst>
+          </a:blip>
+          <a:srcRect r="35258"/>
+          <a:stretch/>
+        </p:blipFill>
+        <p:spPr>
+          <a:xfrm>
+            <a:off x="3880320" y="1124744"/>
+            <a:ext cx="4974085" cy="2664296"/>
+          </a:xfrm>
+          <a:prstGeom prst="rect">
+            <a:avLst/>
+          </a:prstGeom>
+        </p:spPr>
+      </p:pic>
       <p:sp>
         <p:nvSpPr>
-          <p:cNvPr id="5" name="TextBox 4"/>
+          <p:cNvPr id="7" name="TextBox 6"/>
           <p:cNvSpPr txBox="1"/>
           <p:nvPr/>
         </p:nvSpPr>
         <p:spPr>
           <a:xfrm>
-            <a:off x="683568" y="1043444"/>
-            <a:ext cx="5136342" cy="338554"/>
+            <a:off x="395536" y="1124744"/>
+            <a:ext cx="1261884" cy="307777"/>
           </a:xfrm>
           <a:prstGeom prst="rect">
             <a:avLst/>
@@ -21280,63 +21321,310 @@
           <a:lstStyle/>
           <a:p>
             <a:r>
-              <a:rPr lang="zh-CN" altLang="en-US" sz="1600" dirty="0"/>
-              <a:t>代码学习与分享平台：</a:t>
-            </a:r>
-            <a:r>
-              <a:rPr lang="en-US" altLang="zh-CN" sz="1600" dirty="0" err="1" smtClean="0"/>
-              <a:t>github</a:t>
-            </a:r>
-            <a:r>
-              <a:rPr lang="en-US" altLang="zh-CN" sz="1600" dirty="0" smtClean="0"/>
-              <a:t>  </a:t>
-            </a:r>
-            <a:r>
-              <a:rPr lang="zh-CN" altLang="en-US" sz="1600" dirty="0" smtClean="0"/>
-              <a:t>帐号</a:t>
-            </a:r>
-            <a:r>
-              <a:rPr lang="en-US" altLang="zh-CN" sz="1600" dirty="0" smtClean="0"/>
-              <a:t>:htzyl206@163.com</a:t>
-            </a:r>
-            <a:endParaRPr lang="zh-CN" altLang="en-US" sz="1600" dirty="0"/>
+              <a:rPr lang="zh-CN" altLang="en-US" sz="1400" dirty="0" smtClean="0">
+                <a:latin typeface="微软雅黑" pitchFamily="34" charset="-122"/>
+                <a:ea typeface="微软雅黑" pitchFamily="34" charset="-122"/>
+              </a:rPr>
+              <a:t>学习分享案例</a:t>
+            </a:r>
+            <a:endParaRPr lang="zh-CN" altLang="en-US" sz="1400" dirty="0">
+              <a:latin typeface="微软雅黑" pitchFamily="34" charset="-122"/>
+              <a:ea typeface="微软雅黑" pitchFamily="34" charset="-122"/>
+            </a:endParaRPr>
           </a:p>
         </p:txBody>
       </p:sp>
-      <p:pic>
-        <p:nvPicPr>
-          <p:cNvPr id="6" name="图片 5"/>
-          <p:cNvPicPr>
-            <a:picLocks noChangeAspect="1"/>
-          </p:cNvPicPr>
+      <p:sp>
+        <p:nvSpPr>
+          <p:cNvPr id="8" name="TextBox 7"/>
+          <p:cNvSpPr txBox="1"/>
           <p:nvPr/>
-        </p:nvPicPr>
-        <p:blipFill>
-          <a:blip r:embed="rId2">
-            <a:extLst>
-              <a:ext uri="{28A0092B-C50C-407E-A947-70E740481C1C}">
-                <a14:useLocalDpi xmlns:a14="http://schemas.microsoft.com/office/drawing/2010/main" val="0"/>
-              </a:ext>
-            </a:extLst>
-          </a:blip>
-          <a:stretch>
-            <a:fillRect/>
-          </a:stretch>
-        </p:blipFill>
+        </p:nvSpPr>
         <p:spPr>
           <a:xfrm>
-            <a:off x="755576" y="1473349"/>
-            <a:ext cx="7272808" cy="4690778"/>
+            <a:off x="539552" y="1628800"/>
+            <a:ext cx="3024336" cy="892552"/>
           </a:xfrm>
           <a:prstGeom prst="rect">
             <a:avLst/>
           </a:prstGeom>
+          <a:noFill/>
         </p:spPr>
-      </p:pic>
+        <p:txBody>
+          <a:bodyPr wrap="square" rtlCol="0">
+            <a:spAutoFit/>
+          </a:bodyPr>
+          <a:lstStyle/>
+          <a:p>
+            <a:r>
+              <a:rPr lang="zh-CN" altLang="en-US" sz="1400" dirty="0" smtClean="0">
+                <a:latin typeface="微软雅黑" pitchFamily="34" charset="-122"/>
+                <a:ea typeface="微软雅黑" pitchFamily="34" charset="-122"/>
+              </a:rPr>
+              <a:t>案例一：</a:t>
+            </a:r>
+            <a:endParaRPr lang="en-US" altLang="zh-CN" sz="1400" dirty="0" smtClean="0">
+              <a:latin typeface="微软雅黑" pitchFamily="34" charset="-122"/>
+              <a:ea typeface="微软雅黑" pitchFamily="34" charset="-122"/>
+            </a:endParaRPr>
+          </a:p>
+          <a:p>
+            <a:endParaRPr lang="en-US" altLang="zh-CN" sz="1400" dirty="0" smtClean="0">
+              <a:latin typeface="微软雅黑" pitchFamily="34" charset="-122"/>
+              <a:ea typeface="微软雅黑" pitchFamily="34" charset="-122"/>
+            </a:endParaRPr>
+          </a:p>
+          <a:p>
+            <a:r>
+              <a:rPr lang="en-US" altLang="zh-CN" sz="1200" dirty="0" smtClean="0">
+                <a:latin typeface="微软雅黑" pitchFamily="34" charset="-122"/>
+                <a:ea typeface="微软雅黑" pitchFamily="34" charset="-122"/>
+              </a:rPr>
+              <a:t>《</a:t>
+            </a:r>
+            <a:r>
+              <a:rPr lang="zh-CN" altLang="en-US" sz="1200" dirty="0" smtClean="0">
+                <a:latin typeface="微软雅黑" pitchFamily="34" charset="-122"/>
+                <a:ea typeface="微软雅黑" pitchFamily="34" charset="-122"/>
+              </a:rPr>
+              <a:t>理解</a:t>
+            </a:r>
+            <a:r>
+              <a:rPr lang="en-US" altLang="zh-CN" sz="1200" dirty="0" err="1" smtClean="0">
+                <a:latin typeface="微软雅黑" pitchFamily="34" charset="-122"/>
+                <a:ea typeface="微软雅黑" pitchFamily="34" charset="-122"/>
+              </a:rPr>
+              <a:t>vue.mixin</a:t>
+            </a:r>
+            <a:r>
+              <a:rPr lang="zh-CN" altLang="en-US" sz="1200" dirty="0" smtClean="0">
+                <a:latin typeface="微软雅黑" pitchFamily="34" charset="-122"/>
+                <a:ea typeface="微软雅黑" pitchFamily="34" charset="-122"/>
+              </a:rPr>
+              <a:t>混入</a:t>
+            </a:r>
+            <a:r>
+              <a:rPr lang="en-US" altLang="zh-CN" sz="1200" dirty="0" smtClean="0">
+                <a:latin typeface="微软雅黑" pitchFamily="34" charset="-122"/>
+                <a:ea typeface="微软雅黑" pitchFamily="34" charset="-122"/>
+              </a:rPr>
+              <a:t>》</a:t>
+            </a:r>
+            <a:r>
+              <a:rPr lang="zh-CN" altLang="en-US" sz="1200" dirty="0" smtClean="0">
+                <a:latin typeface="微软雅黑" pitchFamily="34" charset="-122"/>
+                <a:ea typeface="微软雅黑" pitchFamily="34" charset="-122"/>
+              </a:rPr>
+              <a:t>，从项目中看到有混入，特意学习并记录其详细用法</a:t>
+            </a:r>
+            <a:endParaRPr lang="zh-CN" altLang="en-US" sz="1200" dirty="0">
+              <a:latin typeface="微软雅黑" pitchFamily="34" charset="-122"/>
+              <a:ea typeface="微软雅黑" pitchFamily="34" charset="-122"/>
+            </a:endParaRPr>
+          </a:p>
+        </p:txBody>
+      </p:sp>
+      <p:sp>
+        <p:nvSpPr>
+          <p:cNvPr id="10" name="TextBox 9"/>
+          <p:cNvSpPr txBox="1"/>
+          <p:nvPr/>
+        </p:nvSpPr>
+        <p:spPr>
+          <a:xfrm>
+            <a:off x="539552" y="4293096"/>
+            <a:ext cx="8208912" cy="1631216"/>
+          </a:xfrm>
+          <a:prstGeom prst="rect">
+            <a:avLst/>
+          </a:prstGeom>
+          <a:noFill/>
+        </p:spPr>
+        <p:txBody>
+          <a:bodyPr wrap="square" rtlCol="0">
+            <a:spAutoFit/>
+          </a:bodyPr>
+          <a:lstStyle/>
+          <a:p>
+            <a:r>
+              <a:rPr lang="zh-CN" altLang="en-US" sz="1400" dirty="0" smtClean="0">
+                <a:latin typeface="微软雅黑" pitchFamily="34" charset="-122"/>
+                <a:ea typeface="微软雅黑" pitchFamily="34" charset="-122"/>
+              </a:rPr>
+              <a:t>案例</a:t>
+            </a:r>
+            <a:r>
+              <a:rPr lang="en-US" altLang="zh-CN" sz="1400" dirty="0" smtClean="0">
+                <a:latin typeface="微软雅黑" pitchFamily="34" charset="-122"/>
+                <a:ea typeface="微软雅黑" pitchFamily="34" charset="-122"/>
+              </a:rPr>
+              <a:t>2</a:t>
+            </a:r>
+            <a:r>
+              <a:rPr lang="zh-CN" altLang="en-US" sz="1400" dirty="0" smtClean="0">
+                <a:latin typeface="微软雅黑" pitchFamily="34" charset="-122"/>
+                <a:ea typeface="微软雅黑" pitchFamily="34" charset="-122"/>
+              </a:rPr>
+              <a:t>：</a:t>
+            </a:r>
+            <a:endParaRPr lang="en-US" altLang="zh-CN" sz="1400" dirty="0" smtClean="0">
+              <a:latin typeface="微软雅黑" pitchFamily="34" charset="-122"/>
+              <a:ea typeface="微软雅黑" pitchFamily="34" charset="-122"/>
+            </a:endParaRPr>
+          </a:p>
+          <a:p>
+            <a:endParaRPr lang="en-US" altLang="zh-CN" sz="1400" dirty="0" smtClean="0">
+              <a:latin typeface="微软雅黑" pitchFamily="34" charset="-122"/>
+              <a:ea typeface="微软雅黑" pitchFamily="34" charset="-122"/>
+            </a:endParaRPr>
+          </a:p>
+          <a:p>
+            <a:r>
+              <a:rPr lang="en-US" altLang="zh-CN" sz="1200" dirty="0" smtClean="0">
+                <a:latin typeface="微软雅黑" pitchFamily="34" charset="-122"/>
+                <a:ea typeface="微软雅黑" pitchFamily="34" charset="-122"/>
+              </a:rPr>
+              <a:t>《</a:t>
+            </a:r>
+            <a:r>
+              <a:rPr lang="en-US" altLang="zh-CN" sz="1200" dirty="0" err="1" smtClean="0">
+                <a:latin typeface="微软雅黑" pitchFamily="34" charset="-122"/>
+                <a:ea typeface="微软雅黑" pitchFamily="34" charset="-122"/>
+              </a:rPr>
+              <a:t>javaScript</a:t>
+            </a:r>
+            <a:r>
+              <a:rPr lang="zh-CN" altLang="en-US" sz="1200" dirty="0" smtClean="0">
+                <a:latin typeface="微软雅黑" pitchFamily="34" charset="-122"/>
+                <a:ea typeface="微软雅黑" pitchFamily="34" charset="-122"/>
+              </a:rPr>
+              <a:t>数组并集，交集，差集</a:t>
+            </a:r>
+            <a:r>
+              <a:rPr lang="en-US" altLang="zh-CN" sz="1200" dirty="0" smtClean="0">
+                <a:latin typeface="微软雅黑" pitchFamily="34" charset="-122"/>
+                <a:ea typeface="微软雅黑" pitchFamily="34" charset="-122"/>
+              </a:rPr>
+              <a:t>》</a:t>
+            </a:r>
+            <a:r>
+              <a:rPr lang="zh-CN" altLang="en-US" sz="1200" dirty="0" smtClean="0">
+                <a:latin typeface="微软雅黑" pitchFamily="34" charset="-122"/>
+                <a:ea typeface="微软雅黑" pitchFamily="34" charset="-122"/>
+              </a:rPr>
+              <a:t>项目中，发现几个处理方法，故学习分享</a:t>
+            </a:r>
+            <a:endParaRPr lang="en-US" altLang="zh-CN" sz="1200" dirty="0" smtClean="0">
+              <a:latin typeface="微软雅黑" pitchFamily="34" charset="-122"/>
+              <a:ea typeface="微软雅黑" pitchFamily="34" charset="-122"/>
+            </a:endParaRPr>
+          </a:p>
+          <a:p>
+            <a:r>
+              <a:rPr lang="en-US" altLang="zh-CN" sz="1200" b="1" dirty="0"/>
+              <a:t>1</a:t>
+            </a:r>
+            <a:r>
+              <a:rPr lang="zh-CN" altLang="en-US" sz="1200" b="1" dirty="0"/>
+              <a:t>、</a:t>
+            </a:r>
+            <a:r>
+              <a:rPr lang="en-US" altLang="zh-CN" sz="1200" b="1" dirty="0"/>
+              <a:t>ES7</a:t>
+            </a:r>
+            <a:r>
+              <a:rPr lang="zh-CN" altLang="en-US" sz="1200" b="1" dirty="0"/>
+              <a:t>方法 </a:t>
+            </a:r>
+          </a:p>
+          <a:p>
+            <a:r>
+              <a:rPr lang="en-US" altLang="zh-CN" sz="1200" b="1" dirty="0"/>
+              <a:t>2</a:t>
+            </a:r>
+            <a:r>
+              <a:rPr lang="zh-CN" altLang="en-US" sz="1200" b="1" dirty="0"/>
+              <a:t>、</a:t>
+            </a:r>
+            <a:r>
+              <a:rPr lang="en-US" altLang="zh-CN" sz="1200" b="1" dirty="0"/>
+              <a:t>ES6</a:t>
+            </a:r>
+            <a:r>
+              <a:rPr lang="zh-CN" altLang="en-US" sz="1200" b="1" dirty="0"/>
+              <a:t>方法</a:t>
+            </a:r>
+          </a:p>
+          <a:p>
+            <a:r>
+              <a:rPr lang="en-US" altLang="zh-CN" sz="1200" b="1" dirty="0" smtClean="0"/>
+              <a:t>3</a:t>
+            </a:r>
+            <a:r>
+              <a:rPr lang="zh-CN" altLang="en-US" sz="1200" b="1" dirty="0" smtClean="0"/>
+              <a:t>、</a:t>
+            </a:r>
+            <a:r>
+              <a:rPr lang="en-US" altLang="zh-CN" sz="1200" b="1" dirty="0" smtClean="0"/>
+              <a:t>ES5</a:t>
+            </a:r>
+            <a:r>
+              <a:rPr lang="zh-CN" altLang="en-US" sz="1200" b="1" dirty="0"/>
+              <a:t>方法 </a:t>
+            </a:r>
+            <a:r>
+              <a:rPr lang="zh-CN" altLang="en-US" sz="1200" b="1" dirty="0" smtClean="0"/>
+              <a:t>（</a:t>
+            </a:r>
+            <a:r>
+              <a:rPr lang="en-US" altLang="zh-CN" sz="1200" b="1" dirty="0" err="1" smtClean="0"/>
+              <a:t>NaN</a:t>
+            </a:r>
+            <a:r>
+              <a:rPr lang="zh-CN" altLang="en-US" sz="1200" b="1" dirty="0" smtClean="0"/>
+              <a:t>与没有</a:t>
+            </a:r>
+            <a:r>
+              <a:rPr lang="en-US" altLang="zh-CN" sz="1200" b="1" dirty="0" err="1" smtClean="0"/>
+              <a:t>NaN</a:t>
+            </a:r>
+            <a:r>
+              <a:rPr lang="zh-CN" altLang="en-US" sz="1200" b="1" dirty="0" smtClean="0"/>
+              <a:t>不同的判断）</a:t>
+            </a:r>
+            <a:endParaRPr lang="en-US" altLang="zh-CN" sz="1200" b="1" dirty="0" smtClean="0"/>
+          </a:p>
+          <a:p>
+            <a:r>
+              <a:rPr lang="en-US" altLang="zh-CN" sz="1200" b="1" dirty="0" smtClean="0"/>
+              <a:t>4</a:t>
+            </a:r>
+            <a:r>
+              <a:rPr lang="zh-CN" altLang="en-US" sz="1200" b="1" dirty="0" smtClean="0"/>
+              <a:t>、</a:t>
+            </a:r>
+            <a:r>
+              <a:rPr lang="en-US" altLang="zh-CN" sz="1200" b="1" dirty="0" smtClean="0"/>
+              <a:t>filter</a:t>
+            </a:r>
+            <a:r>
+              <a:rPr lang="zh-CN" altLang="en-US" sz="1200" b="1" dirty="0" smtClean="0"/>
+              <a:t>方法</a:t>
+            </a:r>
+            <a:endParaRPr lang="zh-CN" altLang="en-US" sz="1200" b="1" dirty="0"/>
+          </a:p>
+          <a:p>
+            <a:endParaRPr lang="zh-CN" altLang="en-US" sz="1200" dirty="0">
+              <a:latin typeface="微软雅黑" pitchFamily="34" charset="-122"/>
+              <a:ea typeface="微软雅黑" pitchFamily="34" charset="-122"/>
+            </a:endParaRPr>
+          </a:p>
+        </p:txBody>
+      </p:sp>
     </p:spTree>
     <p:extLst>
       <p:ext uri="{BB962C8B-B14F-4D97-AF65-F5344CB8AC3E}">
-        <p14:creationId xmlns:p14="http://schemas.microsoft.com/office/powerpoint/2010/main" val="4194672297"/>
+        <p14:creationId xmlns:p14="http://schemas.microsoft.com/office/powerpoint/2010/main" val="3442720359"/>
       </p:ext>
     </p:extLst>
   </p:cSld>
@@ -21387,6 +21675,903 @@
           <a:lstStyle/>
           <a:p>
             <a:r>
+              <a:rPr lang="zh-CN" altLang="en-US" dirty="0">
+                <a:latin typeface="微软雅黑" pitchFamily="34" charset="-122"/>
+                <a:ea typeface="微软雅黑" pitchFamily="34" charset="-122"/>
+              </a:rPr>
+              <a:t>个人自评：任职资格认证</a:t>
+            </a:r>
+            <a:endParaRPr lang="zh-CN" altLang="en-US" dirty="0"/>
+          </a:p>
+        </p:txBody>
+      </p:sp>
+      <p:sp>
+        <p:nvSpPr>
+          <p:cNvPr id="4" name="灯片编号占位符 3"/>
+          <p:cNvSpPr>
+            <a:spLocks noGrp="1"/>
+          </p:cNvSpPr>
+          <p:nvPr>
+            <p:ph type="sldNum" sz="quarter" idx="10"/>
+          </p:nvPr>
+        </p:nvSpPr>
+        <p:spPr/>
+        <p:txBody>
+          <a:bodyPr/>
+          <a:lstStyle/>
+          <a:p>
+            <a:pPr>
+              <a:defRPr/>
+            </a:pPr>
+            <a:fld id="{4816A599-0D7A-4ED1-B317-DB57F830172B}" type="slidenum">
+              <a:rPr lang="zh-CN" altLang="en-US" smtClean="0"/>
+              <a:t>29</a:t>
+            </a:fld>
+            <a:endParaRPr lang="zh-CN" altLang="en-US"/>
+          </a:p>
+        </p:txBody>
+      </p:sp>
+      <p:sp>
+        <p:nvSpPr>
+          <p:cNvPr id="7" name="TextBox 6"/>
+          <p:cNvSpPr txBox="1"/>
+          <p:nvPr/>
+        </p:nvSpPr>
+        <p:spPr>
+          <a:xfrm>
+            <a:off x="539552" y="1340768"/>
+            <a:ext cx="7200800" cy="892552"/>
+          </a:xfrm>
+          <a:prstGeom prst="rect">
+            <a:avLst/>
+          </a:prstGeom>
+          <a:noFill/>
+        </p:spPr>
+        <p:txBody>
+          <a:bodyPr wrap="square" rtlCol="0">
+            <a:spAutoFit/>
+          </a:bodyPr>
+          <a:lstStyle/>
+          <a:p>
+            <a:r>
+              <a:rPr lang="zh-CN" altLang="en-US" sz="1400" dirty="0" smtClean="0">
+                <a:latin typeface="微软雅黑" pitchFamily="34" charset="-122"/>
+                <a:ea typeface="微软雅黑" pitchFamily="34" charset="-122"/>
+              </a:rPr>
+              <a:t>案例</a:t>
+            </a:r>
+            <a:r>
+              <a:rPr lang="en-US" altLang="zh-CN" sz="1400" dirty="0" smtClean="0">
+                <a:latin typeface="微软雅黑" pitchFamily="34" charset="-122"/>
+                <a:ea typeface="微软雅黑" pitchFamily="34" charset="-122"/>
+              </a:rPr>
+              <a:t>3</a:t>
+            </a:r>
+            <a:r>
+              <a:rPr lang="zh-CN" altLang="en-US" sz="1400" dirty="0" smtClean="0">
+                <a:latin typeface="微软雅黑" pitchFamily="34" charset="-122"/>
+                <a:ea typeface="微软雅黑" pitchFamily="34" charset="-122"/>
+              </a:rPr>
+              <a:t>：</a:t>
+            </a:r>
+            <a:endParaRPr lang="en-US" altLang="zh-CN" sz="1400" dirty="0" smtClean="0">
+              <a:latin typeface="微软雅黑" pitchFamily="34" charset="-122"/>
+              <a:ea typeface="微软雅黑" pitchFamily="34" charset="-122"/>
+            </a:endParaRPr>
+          </a:p>
+          <a:p>
+            <a:endParaRPr lang="en-US" altLang="zh-CN" sz="1400" dirty="0" smtClean="0">
+              <a:latin typeface="微软雅黑" pitchFamily="34" charset="-122"/>
+              <a:ea typeface="微软雅黑" pitchFamily="34" charset="-122"/>
+            </a:endParaRPr>
+          </a:p>
+          <a:p>
+            <a:r>
+              <a:rPr lang="en-US" altLang="zh-CN" sz="1200" dirty="0" smtClean="0">
+                <a:latin typeface="微软雅黑" pitchFamily="34" charset="-122"/>
+                <a:ea typeface="微软雅黑" pitchFamily="34" charset="-122"/>
+              </a:rPr>
+              <a:t>《</a:t>
+            </a:r>
+            <a:r>
+              <a:rPr lang="en-US" altLang="zh-CN" sz="1200" dirty="0" err="1" smtClean="0">
+                <a:latin typeface="微软雅黑" pitchFamily="34" charset="-122"/>
+                <a:ea typeface="微软雅黑" pitchFamily="34" charset="-122"/>
+              </a:rPr>
+              <a:t>vue</a:t>
+            </a:r>
+            <a:r>
+              <a:rPr lang="zh-CN" altLang="en-US" sz="1200" dirty="0" smtClean="0">
+                <a:latin typeface="微软雅黑" pitchFamily="34" charset="-122"/>
+                <a:ea typeface="微软雅黑" pitchFamily="34" charset="-122"/>
+              </a:rPr>
+              <a:t>父组件和子组件生命周期</a:t>
+            </a:r>
+            <a:r>
+              <a:rPr lang="en-US" altLang="zh-CN" sz="1200" dirty="0" smtClean="0">
+                <a:latin typeface="微软雅黑" pitchFamily="34" charset="-122"/>
+                <a:ea typeface="微软雅黑" pitchFamily="34" charset="-122"/>
+              </a:rPr>
+              <a:t>…》</a:t>
+            </a:r>
+            <a:r>
+              <a:rPr lang="zh-CN" altLang="en-US" sz="1200" dirty="0" smtClean="0">
+                <a:latin typeface="微软雅黑" pitchFamily="34" charset="-122"/>
+                <a:ea typeface="微软雅黑" pitchFamily="34" charset="-122"/>
+              </a:rPr>
+              <a:t>主要是做项目中，发现子组件</a:t>
+            </a:r>
+            <a:r>
+              <a:rPr lang="zh-CN" altLang="en-US" sz="1200" dirty="0">
+                <a:latin typeface="微软雅黑" pitchFamily="34" charset="-122"/>
+                <a:ea typeface="微软雅黑" pitchFamily="34" charset="-122"/>
+              </a:rPr>
+              <a:t>加载渲染</a:t>
+            </a:r>
+            <a:r>
+              <a:rPr lang="zh-CN" altLang="en-US" sz="1200" dirty="0" smtClean="0">
+                <a:latin typeface="微软雅黑" pitchFamily="34" charset="-122"/>
+                <a:ea typeface="微软雅黑" pitchFamily="34" charset="-122"/>
+              </a:rPr>
+              <a:t>过程中</a:t>
+            </a:r>
+            <a:r>
+              <a:rPr lang="en-US" altLang="zh-CN" sz="1200" dirty="0" smtClean="0">
+                <a:latin typeface="微软雅黑" pitchFamily="34" charset="-122"/>
+                <a:ea typeface="微软雅黑" pitchFamily="34" charset="-122"/>
+              </a:rPr>
+              <a:t>mounted</a:t>
+            </a:r>
+            <a:r>
+              <a:rPr lang="zh-CN" altLang="en-US" sz="1200" dirty="0" smtClean="0">
+                <a:latin typeface="微软雅黑" pitchFamily="34" charset="-122"/>
+                <a:ea typeface="微软雅黑" pitchFamily="34" charset="-122"/>
+              </a:rPr>
+              <a:t>先于父组件加载，研究查资料所得，并分享出来</a:t>
+            </a:r>
+            <a:endParaRPr lang="zh-CN" altLang="en-US" sz="1200" dirty="0">
+              <a:latin typeface="微软雅黑" pitchFamily="34" charset="-122"/>
+              <a:ea typeface="微软雅黑" pitchFamily="34" charset="-122"/>
+            </a:endParaRPr>
+          </a:p>
+        </p:txBody>
+      </p:sp>
+      <p:pic>
+        <p:nvPicPr>
+          <p:cNvPr id="3" name="图片 2"/>
+          <p:cNvPicPr>
+            <a:picLocks noChangeAspect="1"/>
+          </p:cNvPicPr>
+          <p:nvPr/>
+        </p:nvPicPr>
+        <p:blipFill rotWithShape="1">
+          <a:blip r:embed="rId2">
+            <a:extLst>
+              <a:ext uri="{28A0092B-C50C-407E-A947-70E740481C1C}">
+                <a14:useLocalDpi xmlns:a14="http://schemas.microsoft.com/office/drawing/2010/main" val="0"/>
+              </a:ext>
+            </a:extLst>
+          </a:blip>
+          <a:srcRect l="1963" r="15690"/>
+          <a:stretch/>
+        </p:blipFill>
+        <p:spPr>
+          <a:xfrm>
+            <a:off x="539552" y="2420888"/>
+            <a:ext cx="8073303" cy="3528391"/>
+          </a:xfrm>
+          <a:prstGeom prst="rect">
+            <a:avLst/>
+          </a:prstGeom>
+        </p:spPr>
+      </p:pic>
+    </p:spTree>
+    <p:extLst>
+      <p:ext uri="{BB962C8B-B14F-4D97-AF65-F5344CB8AC3E}">
+        <p14:creationId xmlns:p14="http://schemas.microsoft.com/office/powerpoint/2010/main" val="4194672297"/>
+      </p:ext>
+    </p:extLst>
+  </p:cSld>
+  <p:clrMapOvr>
+    <a:masterClrMapping/>
+  </p:clrMapOvr>
+  <p:transition/>
+  <p:timing>
+    <p:tnLst>
+      <p:par>
+        <p:cTn id="1" dur="indefinite" restart="never" nodeType="tmRoot"/>
+      </p:par>
+    </p:tnLst>
+  </p:timing>
+</p:sld>
+</file>
+
+<file path=ppt/slides/slide3.xml><?xml version="1.0" encoding="utf-8"?>
+<p:sld xmlns:a="http://schemas.openxmlformats.org/drawingml/2006/main" xmlns:r="http://schemas.openxmlformats.org/officeDocument/2006/relationships" xmlns:p="http://schemas.openxmlformats.org/presentationml/2006/main">
+  <p:cSld>
+    <p:spTree>
+      <p:nvGrpSpPr>
+        <p:cNvPr id="1" name=""/>
+        <p:cNvGrpSpPr/>
+        <p:nvPr/>
+      </p:nvGrpSpPr>
+      <p:grpSpPr>
+        <a:xfrm>
+          <a:off x="0" y="0"/>
+          <a:ext cx="0" cy="0"/>
+          <a:chOff x="0" y="0"/>
+          <a:chExt cx="0" cy="0"/>
+        </a:xfrm>
+      </p:grpSpPr>
+      <p:sp>
+        <p:nvSpPr>
+          <p:cNvPr id="2" name="标题 1"/>
+          <p:cNvSpPr>
+            <a:spLocks noGrp="1"/>
+          </p:cNvSpPr>
+          <p:nvPr>
+            <p:ph type="title"/>
+          </p:nvPr>
+        </p:nvSpPr>
+        <p:spPr/>
+        <p:txBody>
+          <a:bodyPr/>
+          <a:lstStyle/>
+          <a:p>
+            <a:r>
+              <a:rPr lang="zh-CN" altLang="en-US" dirty="0" smtClean="0">
+                <a:latin typeface="微软雅黑" panose="020B0503020204020204" pitchFamily="34" charset="-122"/>
+                <a:ea typeface="微软雅黑" panose="020B0503020204020204" pitchFamily="34" charset="-122"/>
+              </a:rPr>
+              <a:t>个人简介</a:t>
+            </a:r>
+            <a:endParaRPr lang="zh-CN" altLang="en-US" dirty="0">
+              <a:latin typeface="微软雅黑" panose="020B0503020204020204" pitchFamily="34" charset="-122"/>
+              <a:ea typeface="微软雅黑" panose="020B0503020204020204" pitchFamily="34" charset="-122"/>
+            </a:endParaRPr>
+          </a:p>
+        </p:txBody>
+      </p:sp>
+      <p:sp>
+        <p:nvSpPr>
+          <p:cNvPr id="13" name="矩形 12"/>
+          <p:cNvSpPr/>
+          <p:nvPr/>
+        </p:nvSpPr>
+        <p:spPr>
+          <a:xfrm>
+            <a:off x="3069590" y="2413309"/>
+            <a:ext cx="3413114" cy="396583"/>
+          </a:xfrm>
+          <a:prstGeom prst="rect">
+            <a:avLst/>
+          </a:prstGeom>
+        </p:spPr>
+        <p:txBody>
+          <a:bodyPr wrap="square">
+            <a:spAutoFit/>
+          </a:bodyPr>
+          <a:lstStyle/>
+          <a:p>
+            <a:pPr>
+              <a:lnSpc>
+                <a:spcPct val="120000"/>
+              </a:lnSpc>
+              <a:spcBef>
+                <a:spcPct val="50000"/>
+              </a:spcBef>
+              <a:buClr>
+                <a:srgbClr val="0070C0"/>
+              </a:buClr>
+              <a:buSzPct val="80000"/>
+            </a:pPr>
+            <a:r>
+              <a:rPr lang="zh-CN" altLang="en-US" dirty="0" smtClean="0">
+                <a:latin typeface="微软雅黑" pitchFamily="34" charset="-122"/>
+                <a:ea typeface="微软雅黑" pitchFamily="34" charset="-122"/>
+              </a:rPr>
+              <a:t>姓名：</a:t>
+            </a:r>
+            <a:r>
+              <a:rPr lang="zh-CN" altLang="en-US" dirty="0" smtClean="0">
+                <a:solidFill>
+                  <a:schemeClr val="bg2">
+                    <a:lumMod val="75000"/>
+                  </a:schemeClr>
+                </a:solidFill>
+                <a:latin typeface="微软雅黑" pitchFamily="34" charset="-122"/>
+                <a:ea typeface="微软雅黑" pitchFamily="34" charset="-122"/>
+              </a:rPr>
+              <a:t>郑宇亮</a:t>
+            </a:r>
+            <a:endParaRPr lang="zh-CN" altLang="en-US" dirty="0">
+              <a:solidFill>
+                <a:schemeClr val="bg2">
+                  <a:lumMod val="75000"/>
+                </a:schemeClr>
+              </a:solidFill>
+              <a:latin typeface="微软雅黑" panose="020B0503020204020204" pitchFamily="34" charset="-122"/>
+              <a:ea typeface="微软雅黑" panose="020B0503020204020204" pitchFamily="34" charset="-122"/>
+            </a:endParaRPr>
+          </a:p>
+        </p:txBody>
+      </p:sp>
+      <p:sp>
+        <p:nvSpPr>
+          <p:cNvPr id="14" name="矩形 13"/>
+          <p:cNvSpPr/>
+          <p:nvPr/>
+        </p:nvSpPr>
+        <p:spPr>
+          <a:xfrm>
+            <a:off x="3069590" y="3005553"/>
+            <a:ext cx="3413114" cy="396583"/>
+          </a:xfrm>
+          <a:prstGeom prst="rect">
+            <a:avLst/>
+          </a:prstGeom>
+        </p:spPr>
+        <p:txBody>
+          <a:bodyPr wrap="square">
+            <a:spAutoFit/>
+          </a:bodyPr>
+          <a:lstStyle/>
+          <a:p>
+            <a:pPr>
+              <a:lnSpc>
+                <a:spcPct val="120000"/>
+              </a:lnSpc>
+              <a:spcBef>
+                <a:spcPct val="50000"/>
+              </a:spcBef>
+              <a:buClr>
+                <a:srgbClr val="0070C0"/>
+              </a:buClr>
+              <a:buSzPct val="80000"/>
+            </a:pPr>
+            <a:r>
+              <a:rPr lang="zh-CN" altLang="en-US" dirty="0" smtClean="0">
+                <a:latin typeface="微软雅黑" pitchFamily="34" charset="-122"/>
+                <a:ea typeface="微软雅黑" pitchFamily="34" charset="-122"/>
+              </a:rPr>
+              <a:t>籍贯：</a:t>
+            </a:r>
+            <a:r>
+              <a:rPr lang="zh-CN" altLang="en-US" dirty="0" smtClean="0">
+                <a:solidFill>
+                  <a:schemeClr val="bg2">
+                    <a:lumMod val="75000"/>
+                  </a:schemeClr>
+                </a:solidFill>
+                <a:latin typeface="微软雅黑" panose="020B0503020204020204" pitchFamily="34" charset="-122"/>
+                <a:ea typeface="微软雅黑" panose="020B0503020204020204" pitchFamily="34" charset="-122"/>
+              </a:rPr>
+              <a:t>广东惠州</a:t>
+            </a:r>
+            <a:endParaRPr lang="zh-CN" altLang="en-US" dirty="0">
+              <a:solidFill>
+                <a:schemeClr val="bg2">
+                  <a:lumMod val="75000"/>
+                </a:schemeClr>
+              </a:solidFill>
+              <a:latin typeface="微软雅黑" panose="020B0503020204020204" pitchFamily="34" charset="-122"/>
+              <a:ea typeface="微软雅黑" panose="020B0503020204020204" pitchFamily="34" charset="-122"/>
+            </a:endParaRPr>
+          </a:p>
+        </p:txBody>
+      </p:sp>
+      <p:sp>
+        <p:nvSpPr>
+          <p:cNvPr id="15" name="矩形 14"/>
+          <p:cNvSpPr/>
+          <p:nvPr/>
+        </p:nvSpPr>
+        <p:spPr>
+          <a:xfrm>
+            <a:off x="3069590" y="5487252"/>
+            <a:ext cx="3413114" cy="396583"/>
+          </a:xfrm>
+          <a:prstGeom prst="rect">
+            <a:avLst/>
+          </a:prstGeom>
+        </p:spPr>
+        <p:txBody>
+          <a:bodyPr wrap="square">
+            <a:spAutoFit/>
+          </a:bodyPr>
+          <a:lstStyle/>
+          <a:p>
+            <a:pPr>
+              <a:lnSpc>
+                <a:spcPct val="120000"/>
+              </a:lnSpc>
+              <a:spcBef>
+                <a:spcPct val="50000"/>
+              </a:spcBef>
+              <a:buClr>
+                <a:srgbClr val="0070C0"/>
+              </a:buClr>
+              <a:buSzPct val="80000"/>
+            </a:pPr>
+            <a:r>
+              <a:rPr lang="zh-CN" altLang="en-US" dirty="0" smtClean="0">
+                <a:latin typeface="微软雅黑" pitchFamily="34" charset="-122"/>
+                <a:ea typeface="微软雅黑" pitchFamily="34" charset="-122"/>
+              </a:rPr>
+              <a:t>导师：</a:t>
+            </a:r>
+            <a:r>
+              <a:rPr lang="zh-CN" altLang="en-US" dirty="0" smtClean="0">
+                <a:solidFill>
+                  <a:schemeClr val="bg2">
+                    <a:lumMod val="75000"/>
+                  </a:schemeClr>
+                </a:solidFill>
+                <a:latin typeface="微软雅黑" pitchFamily="34" charset="-122"/>
+                <a:ea typeface="微软雅黑" pitchFamily="34" charset="-122"/>
+              </a:rPr>
+              <a:t>李俊楠</a:t>
+            </a:r>
+            <a:endParaRPr lang="zh-CN" altLang="en-US" dirty="0">
+              <a:solidFill>
+                <a:schemeClr val="bg2">
+                  <a:lumMod val="75000"/>
+                </a:schemeClr>
+              </a:solidFill>
+              <a:latin typeface="微软雅黑" panose="020B0503020204020204" pitchFamily="34" charset="-122"/>
+              <a:ea typeface="微软雅黑" panose="020B0503020204020204" pitchFamily="34" charset="-122"/>
+            </a:endParaRPr>
+          </a:p>
+        </p:txBody>
+      </p:sp>
+      <p:sp>
+        <p:nvSpPr>
+          <p:cNvPr id="16" name="矩形 15"/>
+          <p:cNvSpPr/>
+          <p:nvPr/>
+        </p:nvSpPr>
+        <p:spPr>
+          <a:xfrm>
+            <a:off x="3069590" y="3597797"/>
+            <a:ext cx="3413114" cy="424732"/>
+          </a:xfrm>
+          <a:prstGeom prst="rect">
+            <a:avLst/>
+          </a:prstGeom>
+        </p:spPr>
+        <p:txBody>
+          <a:bodyPr wrap="square">
+            <a:spAutoFit/>
+          </a:bodyPr>
+          <a:lstStyle/>
+          <a:p>
+            <a:pPr>
+              <a:lnSpc>
+                <a:spcPct val="120000"/>
+              </a:lnSpc>
+              <a:spcBef>
+                <a:spcPct val="50000"/>
+              </a:spcBef>
+              <a:buClr>
+                <a:srgbClr val="0070C0"/>
+              </a:buClr>
+              <a:buSzPct val="80000"/>
+            </a:pPr>
+            <a:r>
+              <a:rPr lang="zh-CN" altLang="en-US" dirty="0" smtClean="0">
+                <a:latin typeface="微软雅黑" panose="020B0503020204020204" pitchFamily="34" charset="-122"/>
+                <a:ea typeface="微软雅黑" panose="020B0503020204020204" pitchFamily="34" charset="-122"/>
+              </a:rPr>
+              <a:t>入职日期：</a:t>
+            </a:r>
+            <a:r>
+              <a:rPr lang="en-US" altLang="zh-CN" dirty="0" smtClean="0">
+                <a:solidFill>
+                  <a:schemeClr val="bg2">
+                    <a:lumMod val="75000"/>
+                  </a:schemeClr>
+                </a:solidFill>
+                <a:latin typeface="微软雅黑" pitchFamily="34" charset="-122"/>
+                <a:ea typeface="微软雅黑" pitchFamily="34" charset="-122"/>
+                <a:cs typeface="Arial" panose="020B0604020202020204" pitchFamily="34" charset="0"/>
+              </a:rPr>
+              <a:t>2019.09.02</a:t>
+            </a:r>
+            <a:endParaRPr lang="zh-CN" altLang="en-US" dirty="0">
+              <a:solidFill>
+                <a:schemeClr val="bg2">
+                  <a:lumMod val="75000"/>
+                </a:schemeClr>
+              </a:solidFill>
+              <a:latin typeface="微软雅黑" pitchFamily="34" charset="-122"/>
+              <a:ea typeface="微软雅黑" pitchFamily="34" charset="-122"/>
+              <a:cs typeface="Arial" panose="020B0604020202020204" pitchFamily="34" charset="0"/>
+            </a:endParaRPr>
+          </a:p>
+        </p:txBody>
+      </p:sp>
+      <p:sp>
+        <p:nvSpPr>
+          <p:cNvPr id="17" name="矩形 16"/>
+          <p:cNvSpPr/>
+          <p:nvPr/>
+        </p:nvSpPr>
+        <p:spPr>
+          <a:xfrm>
+            <a:off x="3069590" y="4227615"/>
+            <a:ext cx="3413114" cy="396583"/>
+          </a:xfrm>
+          <a:prstGeom prst="rect">
+            <a:avLst/>
+          </a:prstGeom>
+        </p:spPr>
+        <p:txBody>
+          <a:bodyPr wrap="square">
+            <a:spAutoFit/>
+          </a:bodyPr>
+          <a:lstStyle/>
+          <a:p>
+            <a:pPr>
+              <a:lnSpc>
+                <a:spcPct val="120000"/>
+              </a:lnSpc>
+              <a:spcBef>
+                <a:spcPct val="50000"/>
+              </a:spcBef>
+              <a:buClr>
+                <a:srgbClr val="0070C0"/>
+              </a:buClr>
+              <a:buSzPct val="80000"/>
+            </a:pPr>
+            <a:r>
+              <a:rPr lang="zh-CN" altLang="en-US" dirty="0" smtClean="0">
+                <a:latin typeface="微软雅黑" pitchFamily="34" charset="-122"/>
+                <a:ea typeface="微软雅黑" pitchFamily="34" charset="-122"/>
+              </a:rPr>
+              <a:t>部门：</a:t>
+            </a:r>
+            <a:r>
+              <a:rPr lang="zh-CN" altLang="en-US" dirty="0" smtClean="0">
+                <a:solidFill>
+                  <a:schemeClr val="bg2">
+                    <a:lumMod val="75000"/>
+                  </a:schemeClr>
+                </a:solidFill>
+                <a:latin typeface="微软雅黑" pitchFamily="34" charset="-122"/>
+                <a:ea typeface="微软雅黑" pitchFamily="34" charset="-122"/>
+              </a:rPr>
+              <a:t>软件产品部</a:t>
+            </a:r>
+            <a:endParaRPr lang="zh-CN" altLang="en-US" dirty="0">
+              <a:solidFill>
+                <a:schemeClr val="bg2">
+                  <a:lumMod val="75000"/>
+                </a:schemeClr>
+              </a:solidFill>
+              <a:latin typeface="微软雅黑" panose="020B0503020204020204" pitchFamily="34" charset="-122"/>
+              <a:ea typeface="微软雅黑" panose="020B0503020204020204" pitchFamily="34" charset="-122"/>
+            </a:endParaRPr>
+          </a:p>
+        </p:txBody>
+      </p:sp>
+      <p:sp>
+        <p:nvSpPr>
+          <p:cNvPr id="18" name="矩形 17"/>
+          <p:cNvSpPr/>
+          <p:nvPr/>
+        </p:nvSpPr>
+        <p:spPr>
+          <a:xfrm>
+            <a:off x="3069590" y="4857433"/>
+            <a:ext cx="3413114" cy="396583"/>
+          </a:xfrm>
+          <a:prstGeom prst="rect">
+            <a:avLst/>
+          </a:prstGeom>
+        </p:spPr>
+        <p:txBody>
+          <a:bodyPr wrap="square">
+            <a:spAutoFit/>
+          </a:bodyPr>
+          <a:lstStyle/>
+          <a:p>
+            <a:pPr>
+              <a:lnSpc>
+                <a:spcPct val="120000"/>
+              </a:lnSpc>
+              <a:spcBef>
+                <a:spcPct val="50000"/>
+              </a:spcBef>
+              <a:buClr>
+                <a:srgbClr val="0070C0"/>
+              </a:buClr>
+              <a:buSzPct val="80000"/>
+            </a:pPr>
+            <a:r>
+              <a:rPr lang="zh-CN" altLang="en-US" dirty="0" smtClean="0">
+                <a:latin typeface="微软雅黑" panose="020B0503020204020204" pitchFamily="34" charset="-122"/>
+                <a:ea typeface="微软雅黑" panose="020B0503020204020204" pitchFamily="34" charset="-122"/>
+              </a:rPr>
+              <a:t>职位：</a:t>
+            </a:r>
+            <a:r>
+              <a:rPr lang="en-US" altLang="zh-CN" dirty="0" smtClean="0">
+                <a:solidFill>
+                  <a:schemeClr val="bg2">
+                    <a:lumMod val="75000"/>
+                  </a:schemeClr>
+                </a:solidFill>
+                <a:latin typeface="微软雅黑" panose="020B0503020204020204" pitchFamily="34" charset="-122"/>
+                <a:ea typeface="微软雅黑" panose="020B0503020204020204" pitchFamily="34" charset="-122"/>
+              </a:rPr>
+              <a:t>PC</a:t>
+            </a:r>
+            <a:r>
+              <a:rPr lang="zh-CN" altLang="en-US" dirty="0" smtClean="0">
+                <a:solidFill>
+                  <a:schemeClr val="bg2">
+                    <a:lumMod val="75000"/>
+                  </a:schemeClr>
+                </a:solidFill>
+                <a:latin typeface="微软雅黑" panose="020B0503020204020204" pitchFamily="34" charset="-122"/>
+                <a:ea typeface="微软雅黑" panose="020B0503020204020204" pitchFamily="34" charset="-122"/>
+              </a:rPr>
+              <a:t>软件工程师</a:t>
+            </a:r>
+            <a:endParaRPr lang="zh-CN" altLang="en-US" dirty="0">
+              <a:solidFill>
+                <a:schemeClr val="bg2">
+                  <a:lumMod val="75000"/>
+                </a:schemeClr>
+              </a:solidFill>
+              <a:latin typeface="微软雅黑" panose="020B0503020204020204" pitchFamily="34" charset="-122"/>
+              <a:ea typeface="微软雅黑" panose="020B0503020204020204" pitchFamily="34" charset="-122"/>
+            </a:endParaRPr>
+          </a:p>
+        </p:txBody>
+      </p:sp>
+      <p:sp>
+        <p:nvSpPr>
+          <p:cNvPr id="10" name="灯片编号占位符 9"/>
+          <p:cNvSpPr>
+            <a:spLocks noGrp="1"/>
+          </p:cNvSpPr>
+          <p:nvPr>
+            <p:ph type="sldNum" sz="quarter" idx="10"/>
+          </p:nvPr>
+        </p:nvSpPr>
+        <p:spPr/>
+        <p:txBody>
+          <a:bodyPr/>
+          <a:lstStyle/>
+          <a:p>
+            <a:pPr>
+              <a:defRPr/>
+            </a:pPr>
+            <a:fld id="{4816A599-0D7A-4ED1-B317-DB57F830172B}" type="slidenum">
+              <a:rPr lang="zh-CN" altLang="en-US" smtClean="0"/>
+              <a:t>3</a:t>
+            </a:fld>
+            <a:endParaRPr lang="zh-CN" altLang="en-US"/>
+          </a:p>
+        </p:txBody>
+      </p:sp>
+      <p:pic>
+        <p:nvPicPr>
+          <p:cNvPr id="11" name="图片 10" descr="IMG_20140203_144306.jpg"/>
+          <p:cNvPicPr>
+            <a:picLocks noChangeAspect="1"/>
+          </p:cNvPicPr>
+          <p:nvPr/>
+        </p:nvPicPr>
+        <p:blipFill>
+          <a:blip r:embed="rId2" cstate="print"/>
+          <a:stretch>
+            <a:fillRect/>
+          </a:stretch>
+        </p:blipFill>
+        <p:spPr>
+          <a:xfrm>
+            <a:off x="900430" y="1742688"/>
+            <a:ext cx="869950" cy="668655"/>
+          </a:xfrm>
+          <a:prstGeom prst="hexagon">
+            <a:avLst/>
+          </a:prstGeom>
+          <a:ln>
+            <a:solidFill>
+              <a:schemeClr val="tx2">
+                <a:lumMod val="60000"/>
+                <a:lumOff val="40000"/>
+              </a:schemeClr>
+            </a:solidFill>
+          </a:ln>
+        </p:spPr>
+      </p:pic>
+      <p:sp>
+        <p:nvSpPr>
+          <p:cNvPr id="12" name="TextBox 11"/>
+          <p:cNvSpPr txBox="1"/>
+          <p:nvPr/>
+        </p:nvSpPr>
+        <p:spPr>
+          <a:xfrm>
+            <a:off x="3841226" y="1586819"/>
+            <a:ext cx="1233170" cy="415290"/>
+          </a:xfrm>
+          <a:prstGeom prst="rect">
+            <a:avLst/>
+          </a:prstGeom>
+          <a:noFill/>
+        </p:spPr>
+        <p:txBody>
+          <a:bodyPr wrap="none" lIns="108850" tIns="54425" rIns="108850" bIns="54425" rtlCol="0">
+            <a:spAutoFit/>
+          </a:bodyPr>
+          <a:lstStyle/>
+          <a:p>
+            <a:r>
+              <a:rPr lang="zh-CN" altLang="en-US" sz="2000" dirty="0">
+                <a:solidFill>
+                  <a:schemeClr val="tx2">
+                    <a:lumMod val="75000"/>
+                  </a:schemeClr>
+                </a:solidFill>
+                <a:latin typeface="微软雅黑" panose="020B0503020204020204" pitchFamily="34" charset="-122"/>
+                <a:ea typeface="微软雅黑" panose="020B0503020204020204" pitchFamily="34" charset="-122"/>
+              </a:rPr>
+              <a:t>介绍</a:t>
+            </a:r>
+            <a:r>
+              <a:rPr lang="zh-CN" altLang="en-US" sz="2000" dirty="0">
+                <a:solidFill>
+                  <a:srgbClr val="C00000"/>
+                </a:solidFill>
+                <a:latin typeface="微软雅黑" panose="020B0503020204020204" pitchFamily="34" charset="-122"/>
+                <a:ea typeface="微软雅黑" panose="020B0503020204020204" pitchFamily="34" charset="-122"/>
+              </a:rPr>
+              <a:t>自己</a:t>
+            </a:r>
+          </a:p>
+        </p:txBody>
+      </p:sp>
+      <p:sp>
+        <p:nvSpPr>
+          <p:cNvPr id="19" name="TextBox 18"/>
+          <p:cNvSpPr txBox="1"/>
+          <p:nvPr/>
+        </p:nvSpPr>
+        <p:spPr>
+          <a:xfrm>
+            <a:off x="1770645" y="1485760"/>
+            <a:ext cx="1924332" cy="617744"/>
+          </a:xfrm>
+          <a:prstGeom prst="rect">
+            <a:avLst/>
+          </a:prstGeom>
+          <a:noFill/>
+        </p:spPr>
+        <p:txBody>
+          <a:bodyPr wrap="none" lIns="108850" tIns="54425" rIns="108850" bIns="54425" rtlCol="0">
+            <a:spAutoFit/>
+          </a:bodyPr>
+          <a:lstStyle/>
+          <a:p>
+            <a:r>
+              <a:rPr lang="en-US" sz="3300" b="1" i="1" dirty="0">
+                <a:solidFill>
+                  <a:schemeClr val="bg1">
+                    <a:lumMod val="50000"/>
+                  </a:schemeClr>
+                </a:solidFill>
+                <a:latin typeface="Adobe 黑体 Std R" panose="020B0400000000000000" pitchFamily="34" charset="-122"/>
+                <a:ea typeface="Adobe 黑体 Std R" panose="020B0400000000000000" pitchFamily="34" charset="-122"/>
+              </a:rPr>
+              <a:t>P</a:t>
+            </a:r>
+            <a:r>
+              <a:rPr lang="en-US" sz="1900" b="1" dirty="0">
+                <a:solidFill>
+                  <a:srgbClr val="C00000"/>
+                </a:solidFill>
+              </a:rPr>
+              <a:t>ersonal Profile</a:t>
+            </a:r>
+            <a:endParaRPr lang="zh-CN" altLang="en-US" sz="1900" dirty="0">
+              <a:solidFill>
+                <a:srgbClr val="C00000"/>
+              </a:solidFill>
+            </a:endParaRPr>
+          </a:p>
+        </p:txBody>
+      </p:sp>
+      <p:cxnSp>
+        <p:nvCxnSpPr>
+          <p:cNvPr id="20" name="直接连接符 19"/>
+          <p:cNvCxnSpPr/>
+          <p:nvPr/>
+        </p:nvCxnSpPr>
+        <p:spPr>
+          <a:xfrm flipV="1">
+            <a:off x="1771650" y="2060823"/>
+            <a:ext cx="7409180" cy="25400"/>
+          </a:xfrm>
+          <a:prstGeom prst="line">
+            <a:avLst/>
+          </a:prstGeom>
+          <a:ln>
+            <a:solidFill>
+              <a:schemeClr val="tx1">
+                <a:lumMod val="65000"/>
+                <a:lumOff val="35000"/>
+              </a:schemeClr>
+            </a:solidFill>
+          </a:ln>
+        </p:spPr>
+        <p:style>
+          <a:lnRef idx="1">
+            <a:schemeClr val="accent1"/>
+          </a:lnRef>
+          <a:fillRef idx="0">
+            <a:schemeClr val="accent1"/>
+          </a:fillRef>
+          <a:effectRef idx="0">
+            <a:schemeClr val="accent1"/>
+          </a:effectRef>
+          <a:fontRef idx="minor">
+            <a:schemeClr val="tx1"/>
+          </a:fontRef>
+        </p:style>
+      </p:cxnSp>
+    </p:spTree>
+  </p:cSld>
+  <p:clrMapOvr>
+    <a:masterClrMapping/>
+  </p:clrMapOvr>
+  <p:transition/>
+  <p:timing>
+    <p:tnLst>
+      <p:par>
+        <p:cTn id="1" dur="indefinite" restart="never" nodeType="tmRoot"/>
+      </p:par>
+    </p:tnLst>
+  </p:timing>
+</p:sld>
+</file>
+
+<file path=ppt/slides/slide30.xml><?xml version="1.0" encoding="utf-8"?>
+<p:sld xmlns:a="http://schemas.openxmlformats.org/drawingml/2006/main" xmlns:r="http://schemas.openxmlformats.org/officeDocument/2006/relationships" xmlns:p="http://schemas.openxmlformats.org/presentationml/2006/main">
+  <p:cSld>
+    <p:spTree>
+      <p:nvGrpSpPr>
+        <p:cNvPr id="1" name=""/>
+        <p:cNvGrpSpPr/>
+        <p:nvPr/>
+      </p:nvGrpSpPr>
+      <p:grpSpPr>
+        <a:xfrm>
+          <a:off x="0" y="0"/>
+          <a:ext cx="0" cy="0"/>
+          <a:chOff x="0" y="0"/>
+          <a:chExt cx="0" cy="0"/>
+        </a:xfrm>
+      </p:grpSpPr>
+      <p:sp>
+        <p:nvSpPr>
+          <p:cNvPr id="2" name="标题 1"/>
+          <p:cNvSpPr>
+            <a:spLocks noGrp="1"/>
+          </p:cNvSpPr>
+          <p:nvPr>
+            <p:ph type="title"/>
+          </p:nvPr>
+        </p:nvSpPr>
+        <p:spPr/>
+        <p:txBody>
+          <a:bodyPr/>
+          <a:lstStyle/>
+          <a:p>
+            <a:r>
               <a:rPr lang="zh-CN" altLang="en-US" dirty="0" smtClean="0">
                 <a:latin typeface="微软雅黑" panose="020B0503020204020204" pitchFamily="34" charset="-122"/>
                 <a:ea typeface="微软雅黑" panose="020B0503020204020204" pitchFamily="34" charset="-122"/>
@@ -21420,7 +22605,7 @@
             </a:pPr>
             <a:fld id="{4816A599-0D7A-4ED1-B317-DB57F830172B}" type="slidenum">
               <a:rPr lang="zh-CN" altLang="en-US" smtClean="0"/>
-              <a:t>29</a:t>
+              <a:t>30</a:t>
             </a:fld>
             <a:endParaRPr lang="zh-CN" altLang="en-US"/>
           </a:p>
@@ -21998,7 +23183,7 @@
 </p:sld>
 </file>
 
-<file path=ppt/slides/slide3.xml><?xml version="1.0" encoding="utf-8"?>
+<file path=ppt/slides/slide31.xml><?xml version="1.0" encoding="utf-8"?>
 <p:sld xmlns:a="http://schemas.openxmlformats.org/drawingml/2006/main" xmlns:r="http://schemas.openxmlformats.org/officeDocument/2006/relationships" xmlns:p="http://schemas.openxmlformats.org/presentationml/2006/main">
   <p:cSld>
     <p:spTree>
@@ -22035,659 +23220,6 @@
                 <a:latin typeface="微软雅黑" panose="020B0503020204020204" pitchFamily="34" charset="-122"/>
                 <a:ea typeface="微软雅黑" panose="020B0503020204020204" pitchFamily="34" charset="-122"/>
               </a:rPr>
-              <a:t>个人简介</a:t>
-            </a:r>
-            <a:endParaRPr lang="zh-CN" altLang="en-US" dirty="0">
-              <a:latin typeface="微软雅黑" panose="020B0503020204020204" pitchFamily="34" charset="-122"/>
-              <a:ea typeface="微软雅黑" panose="020B0503020204020204" pitchFamily="34" charset="-122"/>
-            </a:endParaRPr>
-          </a:p>
-        </p:txBody>
-      </p:sp>
-      <p:sp>
-        <p:nvSpPr>
-          <p:cNvPr id="13" name="矩形 12"/>
-          <p:cNvSpPr/>
-          <p:nvPr/>
-        </p:nvSpPr>
-        <p:spPr>
-          <a:xfrm>
-            <a:off x="3069590" y="2413309"/>
-            <a:ext cx="3413114" cy="396583"/>
-          </a:xfrm>
-          <a:prstGeom prst="rect">
-            <a:avLst/>
-          </a:prstGeom>
-        </p:spPr>
-        <p:txBody>
-          <a:bodyPr wrap="square">
-            <a:spAutoFit/>
-          </a:bodyPr>
-          <a:lstStyle/>
-          <a:p>
-            <a:pPr>
-              <a:lnSpc>
-                <a:spcPct val="120000"/>
-              </a:lnSpc>
-              <a:spcBef>
-                <a:spcPct val="50000"/>
-              </a:spcBef>
-              <a:buClr>
-                <a:srgbClr val="0070C0"/>
-              </a:buClr>
-              <a:buSzPct val="80000"/>
-            </a:pPr>
-            <a:r>
-              <a:rPr lang="zh-CN" altLang="en-US" dirty="0" smtClean="0">
-                <a:latin typeface="微软雅黑" pitchFamily="34" charset="-122"/>
-                <a:ea typeface="微软雅黑" pitchFamily="34" charset="-122"/>
-              </a:rPr>
-              <a:t>姓名：</a:t>
-            </a:r>
-            <a:r>
-              <a:rPr lang="zh-CN" altLang="en-US" dirty="0" smtClean="0">
-                <a:solidFill>
-                  <a:schemeClr val="bg2">
-                    <a:lumMod val="75000"/>
-                  </a:schemeClr>
-                </a:solidFill>
-                <a:latin typeface="微软雅黑" pitchFamily="34" charset="-122"/>
-                <a:ea typeface="微软雅黑" pitchFamily="34" charset="-122"/>
-              </a:rPr>
-              <a:t>郑宇亮</a:t>
-            </a:r>
-            <a:endParaRPr lang="zh-CN" altLang="en-US" dirty="0">
-              <a:solidFill>
-                <a:schemeClr val="bg2">
-                  <a:lumMod val="75000"/>
-                </a:schemeClr>
-              </a:solidFill>
-              <a:latin typeface="微软雅黑" panose="020B0503020204020204" pitchFamily="34" charset="-122"/>
-              <a:ea typeface="微软雅黑" panose="020B0503020204020204" pitchFamily="34" charset="-122"/>
-            </a:endParaRPr>
-          </a:p>
-        </p:txBody>
-      </p:sp>
-      <p:sp>
-        <p:nvSpPr>
-          <p:cNvPr id="14" name="矩形 13"/>
-          <p:cNvSpPr/>
-          <p:nvPr/>
-        </p:nvSpPr>
-        <p:spPr>
-          <a:xfrm>
-            <a:off x="3069590" y="3005553"/>
-            <a:ext cx="3413114" cy="396583"/>
-          </a:xfrm>
-          <a:prstGeom prst="rect">
-            <a:avLst/>
-          </a:prstGeom>
-        </p:spPr>
-        <p:txBody>
-          <a:bodyPr wrap="square">
-            <a:spAutoFit/>
-          </a:bodyPr>
-          <a:lstStyle/>
-          <a:p>
-            <a:pPr>
-              <a:lnSpc>
-                <a:spcPct val="120000"/>
-              </a:lnSpc>
-              <a:spcBef>
-                <a:spcPct val="50000"/>
-              </a:spcBef>
-              <a:buClr>
-                <a:srgbClr val="0070C0"/>
-              </a:buClr>
-              <a:buSzPct val="80000"/>
-            </a:pPr>
-            <a:r>
-              <a:rPr lang="zh-CN" altLang="en-US" dirty="0" smtClean="0">
-                <a:latin typeface="微软雅黑" pitchFamily="34" charset="-122"/>
-                <a:ea typeface="微软雅黑" pitchFamily="34" charset="-122"/>
-              </a:rPr>
-              <a:t>籍贯：</a:t>
-            </a:r>
-            <a:r>
-              <a:rPr lang="zh-CN" altLang="en-US" dirty="0" smtClean="0">
-                <a:solidFill>
-                  <a:schemeClr val="bg2">
-                    <a:lumMod val="75000"/>
-                  </a:schemeClr>
-                </a:solidFill>
-                <a:latin typeface="微软雅黑" panose="020B0503020204020204" pitchFamily="34" charset="-122"/>
-                <a:ea typeface="微软雅黑" panose="020B0503020204020204" pitchFamily="34" charset="-122"/>
-              </a:rPr>
-              <a:t>广东惠州</a:t>
-            </a:r>
-            <a:endParaRPr lang="zh-CN" altLang="en-US" dirty="0">
-              <a:solidFill>
-                <a:schemeClr val="bg2">
-                  <a:lumMod val="75000"/>
-                </a:schemeClr>
-              </a:solidFill>
-              <a:latin typeface="微软雅黑" panose="020B0503020204020204" pitchFamily="34" charset="-122"/>
-              <a:ea typeface="微软雅黑" panose="020B0503020204020204" pitchFamily="34" charset="-122"/>
-            </a:endParaRPr>
-          </a:p>
-        </p:txBody>
-      </p:sp>
-      <p:sp>
-        <p:nvSpPr>
-          <p:cNvPr id="15" name="矩形 14"/>
-          <p:cNvSpPr/>
-          <p:nvPr/>
-        </p:nvSpPr>
-        <p:spPr>
-          <a:xfrm>
-            <a:off x="3069590" y="5487252"/>
-            <a:ext cx="3413114" cy="396583"/>
-          </a:xfrm>
-          <a:prstGeom prst="rect">
-            <a:avLst/>
-          </a:prstGeom>
-        </p:spPr>
-        <p:txBody>
-          <a:bodyPr wrap="square">
-            <a:spAutoFit/>
-          </a:bodyPr>
-          <a:lstStyle/>
-          <a:p>
-            <a:pPr>
-              <a:lnSpc>
-                <a:spcPct val="120000"/>
-              </a:lnSpc>
-              <a:spcBef>
-                <a:spcPct val="50000"/>
-              </a:spcBef>
-              <a:buClr>
-                <a:srgbClr val="0070C0"/>
-              </a:buClr>
-              <a:buSzPct val="80000"/>
-            </a:pPr>
-            <a:r>
-              <a:rPr lang="zh-CN" altLang="en-US" dirty="0" smtClean="0">
-                <a:latin typeface="微软雅黑" pitchFamily="34" charset="-122"/>
-                <a:ea typeface="微软雅黑" pitchFamily="34" charset="-122"/>
-              </a:rPr>
-              <a:t>导师：</a:t>
-            </a:r>
-            <a:r>
-              <a:rPr lang="zh-CN" altLang="en-US" dirty="0" smtClean="0">
-                <a:solidFill>
-                  <a:schemeClr val="bg2">
-                    <a:lumMod val="75000"/>
-                  </a:schemeClr>
-                </a:solidFill>
-                <a:latin typeface="微软雅黑" pitchFamily="34" charset="-122"/>
-                <a:ea typeface="微软雅黑" pitchFamily="34" charset="-122"/>
-              </a:rPr>
-              <a:t>李俊楠</a:t>
-            </a:r>
-            <a:endParaRPr lang="zh-CN" altLang="en-US" dirty="0">
-              <a:solidFill>
-                <a:schemeClr val="bg2">
-                  <a:lumMod val="75000"/>
-                </a:schemeClr>
-              </a:solidFill>
-              <a:latin typeface="微软雅黑" panose="020B0503020204020204" pitchFamily="34" charset="-122"/>
-              <a:ea typeface="微软雅黑" panose="020B0503020204020204" pitchFamily="34" charset="-122"/>
-            </a:endParaRPr>
-          </a:p>
-        </p:txBody>
-      </p:sp>
-      <p:sp>
-        <p:nvSpPr>
-          <p:cNvPr id="16" name="矩形 15"/>
-          <p:cNvSpPr/>
-          <p:nvPr/>
-        </p:nvSpPr>
-        <p:spPr>
-          <a:xfrm>
-            <a:off x="3069590" y="3597797"/>
-            <a:ext cx="3413114" cy="424732"/>
-          </a:xfrm>
-          <a:prstGeom prst="rect">
-            <a:avLst/>
-          </a:prstGeom>
-        </p:spPr>
-        <p:txBody>
-          <a:bodyPr wrap="square">
-            <a:spAutoFit/>
-          </a:bodyPr>
-          <a:lstStyle/>
-          <a:p>
-            <a:pPr>
-              <a:lnSpc>
-                <a:spcPct val="120000"/>
-              </a:lnSpc>
-              <a:spcBef>
-                <a:spcPct val="50000"/>
-              </a:spcBef>
-              <a:buClr>
-                <a:srgbClr val="0070C0"/>
-              </a:buClr>
-              <a:buSzPct val="80000"/>
-            </a:pPr>
-            <a:r>
-              <a:rPr lang="zh-CN" altLang="en-US" dirty="0" smtClean="0">
-                <a:latin typeface="微软雅黑" panose="020B0503020204020204" pitchFamily="34" charset="-122"/>
-                <a:ea typeface="微软雅黑" panose="020B0503020204020204" pitchFamily="34" charset="-122"/>
-              </a:rPr>
-              <a:t>入职日期：</a:t>
-            </a:r>
-            <a:r>
-              <a:rPr lang="en-US" altLang="zh-CN" dirty="0" smtClean="0">
-                <a:solidFill>
-                  <a:schemeClr val="bg2">
-                    <a:lumMod val="75000"/>
-                  </a:schemeClr>
-                </a:solidFill>
-                <a:latin typeface="微软雅黑" pitchFamily="34" charset="-122"/>
-                <a:ea typeface="微软雅黑" pitchFamily="34" charset="-122"/>
-                <a:cs typeface="Arial" panose="020B0604020202020204" pitchFamily="34" charset="0"/>
-              </a:rPr>
-              <a:t>2019.09.02</a:t>
-            </a:r>
-            <a:endParaRPr lang="zh-CN" altLang="en-US" dirty="0">
-              <a:solidFill>
-                <a:schemeClr val="bg2">
-                  <a:lumMod val="75000"/>
-                </a:schemeClr>
-              </a:solidFill>
-              <a:latin typeface="微软雅黑" pitchFamily="34" charset="-122"/>
-              <a:ea typeface="微软雅黑" pitchFamily="34" charset="-122"/>
-              <a:cs typeface="Arial" panose="020B0604020202020204" pitchFamily="34" charset="0"/>
-            </a:endParaRPr>
-          </a:p>
-        </p:txBody>
-      </p:sp>
-      <p:sp>
-        <p:nvSpPr>
-          <p:cNvPr id="17" name="矩形 16"/>
-          <p:cNvSpPr/>
-          <p:nvPr/>
-        </p:nvSpPr>
-        <p:spPr>
-          <a:xfrm>
-            <a:off x="3069590" y="4227615"/>
-            <a:ext cx="3413114" cy="396583"/>
-          </a:xfrm>
-          <a:prstGeom prst="rect">
-            <a:avLst/>
-          </a:prstGeom>
-        </p:spPr>
-        <p:txBody>
-          <a:bodyPr wrap="square">
-            <a:spAutoFit/>
-          </a:bodyPr>
-          <a:lstStyle/>
-          <a:p>
-            <a:pPr>
-              <a:lnSpc>
-                <a:spcPct val="120000"/>
-              </a:lnSpc>
-              <a:spcBef>
-                <a:spcPct val="50000"/>
-              </a:spcBef>
-              <a:buClr>
-                <a:srgbClr val="0070C0"/>
-              </a:buClr>
-              <a:buSzPct val="80000"/>
-            </a:pPr>
-            <a:r>
-              <a:rPr lang="zh-CN" altLang="en-US" dirty="0" smtClean="0">
-                <a:latin typeface="微软雅黑" pitchFamily="34" charset="-122"/>
-                <a:ea typeface="微软雅黑" pitchFamily="34" charset="-122"/>
-              </a:rPr>
-              <a:t>部门：</a:t>
-            </a:r>
-            <a:r>
-              <a:rPr lang="zh-CN" altLang="en-US" dirty="0" smtClean="0">
-                <a:solidFill>
-                  <a:schemeClr val="bg2">
-                    <a:lumMod val="75000"/>
-                  </a:schemeClr>
-                </a:solidFill>
-                <a:latin typeface="微软雅黑" pitchFamily="34" charset="-122"/>
-                <a:ea typeface="微软雅黑" pitchFamily="34" charset="-122"/>
-              </a:rPr>
-              <a:t>软件产品部</a:t>
-            </a:r>
-            <a:endParaRPr lang="zh-CN" altLang="en-US" dirty="0">
-              <a:solidFill>
-                <a:schemeClr val="bg2">
-                  <a:lumMod val="75000"/>
-                </a:schemeClr>
-              </a:solidFill>
-              <a:latin typeface="微软雅黑" panose="020B0503020204020204" pitchFamily="34" charset="-122"/>
-              <a:ea typeface="微软雅黑" panose="020B0503020204020204" pitchFamily="34" charset="-122"/>
-            </a:endParaRPr>
-          </a:p>
-        </p:txBody>
-      </p:sp>
-      <p:sp>
-        <p:nvSpPr>
-          <p:cNvPr id="18" name="矩形 17"/>
-          <p:cNvSpPr/>
-          <p:nvPr/>
-        </p:nvSpPr>
-        <p:spPr>
-          <a:xfrm>
-            <a:off x="3069590" y="4857433"/>
-            <a:ext cx="3413114" cy="396583"/>
-          </a:xfrm>
-          <a:prstGeom prst="rect">
-            <a:avLst/>
-          </a:prstGeom>
-        </p:spPr>
-        <p:txBody>
-          <a:bodyPr wrap="square">
-            <a:spAutoFit/>
-          </a:bodyPr>
-          <a:lstStyle/>
-          <a:p>
-            <a:pPr>
-              <a:lnSpc>
-                <a:spcPct val="120000"/>
-              </a:lnSpc>
-              <a:spcBef>
-                <a:spcPct val="50000"/>
-              </a:spcBef>
-              <a:buClr>
-                <a:srgbClr val="0070C0"/>
-              </a:buClr>
-              <a:buSzPct val="80000"/>
-            </a:pPr>
-            <a:r>
-              <a:rPr lang="zh-CN" altLang="en-US" dirty="0" smtClean="0">
-                <a:latin typeface="微软雅黑" panose="020B0503020204020204" pitchFamily="34" charset="-122"/>
-                <a:ea typeface="微软雅黑" panose="020B0503020204020204" pitchFamily="34" charset="-122"/>
-              </a:rPr>
-              <a:t>职位：</a:t>
-            </a:r>
-            <a:r>
-              <a:rPr lang="en-US" altLang="zh-CN" dirty="0" smtClean="0">
-                <a:solidFill>
-                  <a:schemeClr val="bg2">
-                    <a:lumMod val="75000"/>
-                  </a:schemeClr>
-                </a:solidFill>
-                <a:latin typeface="微软雅黑" panose="020B0503020204020204" pitchFamily="34" charset="-122"/>
-                <a:ea typeface="微软雅黑" panose="020B0503020204020204" pitchFamily="34" charset="-122"/>
-              </a:rPr>
-              <a:t>PC</a:t>
-            </a:r>
-            <a:r>
-              <a:rPr lang="zh-CN" altLang="en-US" dirty="0" smtClean="0">
-                <a:solidFill>
-                  <a:schemeClr val="bg2">
-                    <a:lumMod val="75000"/>
-                  </a:schemeClr>
-                </a:solidFill>
-                <a:latin typeface="微软雅黑" panose="020B0503020204020204" pitchFamily="34" charset="-122"/>
-                <a:ea typeface="微软雅黑" panose="020B0503020204020204" pitchFamily="34" charset="-122"/>
-              </a:rPr>
-              <a:t>软件工程师</a:t>
-            </a:r>
-            <a:endParaRPr lang="zh-CN" altLang="en-US" dirty="0">
-              <a:solidFill>
-                <a:schemeClr val="bg2">
-                  <a:lumMod val="75000"/>
-                </a:schemeClr>
-              </a:solidFill>
-              <a:latin typeface="微软雅黑" panose="020B0503020204020204" pitchFamily="34" charset="-122"/>
-              <a:ea typeface="微软雅黑" panose="020B0503020204020204" pitchFamily="34" charset="-122"/>
-            </a:endParaRPr>
-          </a:p>
-        </p:txBody>
-      </p:sp>
-      <p:sp>
-        <p:nvSpPr>
-          <p:cNvPr id="10" name="灯片编号占位符 9"/>
-          <p:cNvSpPr>
-            <a:spLocks noGrp="1"/>
-          </p:cNvSpPr>
-          <p:nvPr>
-            <p:ph type="sldNum" sz="quarter" idx="10"/>
-          </p:nvPr>
-        </p:nvSpPr>
-        <p:spPr/>
-        <p:txBody>
-          <a:bodyPr/>
-          <a:lstStyle/>
-          <a:p>
-            <a:pPr>
-              <a:defRPr/>
-            </a:pPr>
-            <a:fld id="{4816A599-0D7A-4ED1-B317-DB57F830172B}" type="slidenum">
-              <a:rPr lang="zh-CN" altLang="en-US" smtClean="0"/>
-              <a:t>3</a:t>
-            </a:fld>
-            <a:endParaRPr lang="zh-CN" altLang="en-US"/>
-          </a:p>
-        </p:txBody>
-      </p:sp>
-      <p:pic>
-        <p:nvPicPr>
-          <p:cNvPr id="11" name="图片 10" descr="IMG_20140203_144306.jpg"/>
-          <p:cNvPicPr>
-            <a:picLocks noChangeAspect="1"/>
-          </p:cNvPicPr>
-          <p:nvPr/>
-        </p:nvPicPr>
-        <p:blipFill>
-          <a:blip r:embed="rId2" cstate="print"/>
-          <a:stretch>
-            <a:fillRect/>
-          </a:stretch>
-        </p:blipFill>
-        <p:spPr>
-          <a:xfrm>
-            <a:off x="900430" y="1742688"/>
-            <a:ext cx="869950" cy="668655"/>
-          </a:xfrm>
-          <a:prstGeom prst="hexagon">
-            <a:avLst/>
-          </a:prstGeom>
-          <a:ln>
-            <a:solidFill>
-              <a:schemeClr val="tx2">
-                <a:lumMod val="60000"/>
-                <a:lumOff val="40000"/>
-              </a:schemeClr>
-            </a:solidFill>
-          </a:ln>
-        </p:spPr>
-      </p:pic>
-      <p:sp>
-        <p:nvSpPr>
-          <p:cNvPr id="12" name="TextBox 11"/>
-          <p:cNvSpPr txBox="1"/>
-          <p:nvPr/>
-        </p:nvSpPr>
-        <p:spPr>
-          <a:xfrm>
-            <a:off x="3841226" y="1586819"/>
-            <a:ext cx="1233170" cy="415290"/>
-          </a:xfrm>
-          <a:prstGeom prst="rect">
-            <a:avLst/>
-          </a:prstGeom>
-          <a:noFill/>
-        </p:spPr>
-        <p:txBody>
-          <a:bodyPr wrap="none" lIns="108850" tIns="54425" rIns="108850" bIns="54425" rtlCol="0">
-            <a:spAutoFit/>
-          </a:bodyPr>
-          <a:lstStyle/>
-          <a:p>
-            <a:r>
-              <a:rPr lang="zh-CN" altLang="en-US" sz="2000" dirty="0">
-                <a:solidFill>
-                  <a:schemeClr val="tx2">
-                    <a:lumMod val="75000"/>
-                  </a:schemeClr>
-                </a:solidFill>
-                <a:latin typeface="微软雅黑" panose="020B0503020204020204" pitchFamily="34" charset="-122"/>
-                <a:ea typeface="微软雅黑" panose="020B0503020204020204" pitchFamily="34" charset="-122"/>
-              </a:rPr>
-              <a:t>介绍</a:t>
-            </a:r>
-            <a:r>
-              <a:rPr lang="zh-CN" altLang="en-US" sz="2000" dirty="0">
-                <a:solidFill>
-                  <a:srgbClr val="C00000"/>
-                </a:solidFill>
-                <a:latin typeface="微软雅黑" panose="020B0503020204020204" pitchFamily="34" charset="-122"/>
-                <a:ea typeface="微软雅黑" panose="020B0503020204020204" pitchFamily="34" charset="-122"/>
-              </a:rPr>
-              <a:t>自己</a:t>
-            </a:r>
-          </a:p>
-        </p:txBody>
-      </p:sp>
-      <p:sp>
-        <p:nvSpPr>
-          <p:cNvPr id="19" name="TextBox 18"/>
-          <p:cNvSpPr txBox="1"/>
-          <p:nvPr/>
-        </p:nvSpPr>
-        <p:spPr>
-          <a:xfrm>
-            <a:off x="1770645" y="1485760"/>
-            <a:ext cx="1924332" cy="617744"/>
-          </a:xfrm>
-          <a:prstGeom prst="rect">
-            <a:avLst/>
-          </a:prstGeom>
-          <a:noFill/>
-        </p:spPr>
-        <p:txBody>
-          <a:bodyPr wrap="none" lIns="108850" tIns="54425" rIns="108850" bIns="54425" rtlCol="0">
-            <a:spAutoFit/>
-          </a:bodyPr>
-          <a:lstStyle/>
-          <a:p>
-            <a:r>
-              <a:rPr lang="en-US" sz="3300" b="1" i="1" dirty="0">
-                <a:solidFill>
-                  <a:schemeClr val="bg1">
-                    <a:lumMod val="50000"/>
-                  </a:schemeClr>
-                </a:solidFill>
-                <a:latin typeface="Adobe 黑体 Std R" panose="020B0400000000000000" pitchFamily="34" charset="-122"/>
-                <a:ea typeface="Adobe 黑体 Std R" panose="020B0400000000000000" pitchFamily="34" charset="-122"/>
-              </a:rPr>
-              <a:t>P</a:t>
-            </a:r>
-            <a:r>
-              <a:rPr lang="en-US" sz="1900" b="1" dirty="0">
-                <a:solidFill>
-                  <a:srgbClr val="C00000"/>
-                </a:solidFill>
-              </a:rPr>
-              <a:t>ersonal Profile</a:t>
-            </a:r>
-            <a:endParaRPr lang="zh-CN" altLang="en-US" sz="1900" dirty="0">
-              <a:solidFill>
-                <a:srgbClr val="C00000"/>
-              </a:solidFill>
-            </a:endParaRPr>
-          </a:p>
-        </p:txBody>
-      </p:sp>
-      <p:cxnSp>
-        <p:nvCxnSpPr>
-          <p:cNvPr id="20" name="直接连接符 19"/>
-          <p:cNvCxnSpPr/>
-          <p:nvPr/>
-        </p:nvCxnSpPr>
-        <p:spPr>
-          <a:xfrm flipV="1">
-            <a:off x="1771650" y="2060823"/>
-            <a:ext cx="7409180" cy="25400"/>
-          </a:xfrm>
-          <a:prstGeom prst="line">
-            <a:avLst/>
-          </a:prstGeom>
-          <a:ln>
-            <a:solidFill>
-              <a:schemeClr val="tx1">
-                <a:lumMod val="65000"/>
-                <a:lumOff val="35000"/>
-              </a:schemeClr>
-            </a:solidFill>
-          </a:ln>
-        </p:spPr>
-        <p:style>
-          <a:lnRef idx="1">
-            <a:schemeClr val="accent1"/>
-          </a:lnRef>
-          <a:fillRef idx="0">
-            <a:schemeClr val="accent1"/>
-          </a:fillRef>
-          <a:effectRef idx="0">
-            <a:schemeClr val="accent1"/>
-          </a:effectRef>
-          <a:fontRef idx="minor">
-            <a:schemeClr val="tx1"/>
-          </a:fontRef>
-        </p:style>
-      </p:cxnSp>
-    </p:spTree>
-  </p:cSld>
-  <p:clrMapOvr>
-    <a:masterClrMapping/>
-  </p:clrMapOvr>
-  <p:transition/>
-  <p:timing>
-    <p:tnLst>
-      <p:par>
-        <p:cTn id="1" dur="indefinite" restart="never" nodeType="tmRoot"/>
-      </p:par>
-    </p:tnLst>
-  </p:timing>
-</p:sld>
-</file>
-
-<file path=ppt/slides/slide30.xml><?xml version="1.0" encoding="utf-8"?>
-<p:sld xmlns:a="http://schemas.openxmlformats.org/drawingml/2006/main" xmlns:r="http://schemas.openxmlformats.org/officeDocument/2006/relationships" xmlns:p="http://schemas.openxmlformats.org/presentationml/2006/main">
-  <p:cSld>
-    <p:spTree>
-      <p:nvGrpSpPr>
-        <p:cNvPr id="1" name=""/>
-        <p:cNvGrpSpPr/>
-        <p:nvPr/>
-      </p:nvGrpSpPr>
-      <p:grpSpPr>
-        <a:xfrm>
-          <a:off x="0" y="0"/>
-          <a:ext cx="0" cy="0"/>
-          <a:chOff x="0" y="0"/>
-          <a:chExt cx="0" cy="0"/>
-        </a:xfrm>
-      </p:grpSpPr>
-      <p:sp>
-        <p:nvSpPr>
-          <p:cNvPr id="2" name="标题 1"/>
-          <p:cNvSpPr>
-            <a:spLocks noGrp="1"/>
-          </p:cNvSpPr>
-          <p:nvPr>
-            <p:ph type="title"/>
-          </p:nvPr>
-        </p:nvSpPr>
-        <p:spPr/>
-        <p:txBody>
-          <a:bodyPr/>
-          <a:lstStyle/>
-          <a:p>
-            <a:r>
-              <a:rPr lang="zh-CN" altLang="en-US" dirty="0" smtClean="0">
-                <a:latin typeface="微软雅黑" panose="020B0503020204020204" pitchFamily="34" charset="-122"/>
-                <a:ea typeface="微软雅黑" panose="020B0503020204020204" pitchFamily="34" charset="-122"/>
-              </a:rPr>
               <a:t>建议和意见</a:t>
             </a:r>
             <a:endParaRPr lang="zh-CN" altLang="en-US" dirty="0">
@@ -22788,7 +23320,7 @@
             </a:pPr>
             <a:fld id="{4816A599-0D7A-4ED1-B317-DB57F830172B}" type="slidenum">
               <a:rPr lang="zh-CN" altLang="en-US" smtClean="0"/>
-              <a:t>30</a:t>
+              <a:t>31</a:t>
             </a:fld>
             <a:endParaRPr lang="zh-CN" altLang="en-US"/>
           </a:p>
@@ -22810,7 +23342,7 @@
 </p:sld>
 </file>
 
-<file path=ppt/slides/slide31.xml><?xml version="1.0" encoding="utf-8"?>
+<file path=ppt/slides/slide32.xml><?xml version="1.0" encoding="utf-8"?>
 <p:sld xmlns:a="http://schemas.openxmlformats.org/drawingml/2006/main" xmlns:r="http://schemas.openxmlformats.org/officeDocument/2006/relationships" xmlns:p="http://schemas.openxmlformats.org/presentationml/2006/main">
   <p:cSld>
     <p:spTree>
@@ -28462,14 +28994,14 @@
           <p:nvPr>
             <p:extLst>
               <p:ext uri="{D42A27DB-BD31-4B8C-83A1-F6EECF244321}">
-                <p14:modId xmlns:p14="http://schemas.microsoft.com/office/powerpoint/2010/main" val="3656795863"/>
+                <p14:modId xmlns:p14="http://schemas.microsoft.com/office/powerpoint/2010/main" val="3330168635"/>
               </p:ext>
             </p:extLst>
           </p:nvPr>
         </p:nvGraphicFramePr>
         <p:xfrm>
           <a:off x="484074" y="1628800"/>
-          <a:ext cx="8175852" cy="2267476"/>
+          <a:ext cx="8175852" cy="2698692"/>
         </p:xfrm>
         <a:graphic>
           <a:graphicData uri="http://schemas.openxmlformats.org/drawingml/2006/table">
@@ -28832,6 +29364,44 @@
                         </a:rPr>
                         <a:t>通用云平台学习</a:t>
                       </a:r>
+                      <a:endParaRPr lang="zh-CN" altLang="en-US" sz="1400" dirty="0">
+                        <a:solidFill>
+                          <a:schemeClr val="bg2">
+                            <a:lumMod val="50000"/>
+                          </a:schemeClr>
+                        </a:solidFill>
+                        <a:latin typeface="微软雅黑" panose="020B0503020204020204" pitchFamily="34" charset="-122"/>
+                        <a:ea typeface="微软雅黑" panose="020B0503020204020204" pitchFamily="34" charset="-122"/>
+                      </a:endParaRPr>
+                    </a:p>
+                  </a:txBody>
+                  <a:tcPr/>
+                </a:tc>
+              </a:tr>
+              <a:tr h="431216">
+                <a:tc>
+                  <a:txBody>
+                    <a:bodyPr/>
+                    <a:lstStyle/>
+                    <a:p>
+                      <a:pPr algn="l" fontAlgn="ctr"/>
+                      <a:endParaRPr lang="zh-CN" altLang="en-US" sz="1400" b="0" i="0" u="none" strike="noStrike" dirty="0">
+                        <a:solidFill>
+                          <a:schemeClr val="tx1"/>
+                        </a:solidFill>
+                        <a:effectLst/>
+                        <a:latin typeface="微软雅黑" panose="020B0503020204020204" pitchFamily="34" charset="-122"/>
+                        <a:ea typeface="微软雅黑" panose="020B0503020204020204" pitchFamily="34" charset="-122"/>
+                      </a:endParaRPr>
+                    </a:p>
+                  </a:txBody>
+                  <a:tcPr marL="9525" marR="9525" marT="9525" marB="0" anchor="ctr"/>
+                </a:tc>
+                <a:tc>
+                  <a:txBody>
+                    <a:bodyPr/>
+                    <a:lstStyle/>
+                    <a:p>
                       <a:endParaRPr lang="zh-CN" altLang="en-US" sz="1400" dirty="0">
                         <a:solidFill>
                           <a:schemeClr val="bg2">
@@ -30878,7 +31448,7 @@
   </a:extraClrSchemeLst>
   <a:extLst>
     <a:ext uri="{05A4C25C-085E-4340-85A3-A5531E510DB2}">
-      <thm15:themeFamily xmlns:thm15="http://schemas.microsoft.com/office/thememl/2012/main" xmlns="" name="Office Theme" id="{62F939B6-93AF-4DB8-9C6B-D6C7DFDC589F}" vid="{4A3C46E8-61CC-4603-A589-7422A47A8E4A}"/>
+      <thm15:themeFamily xmlns="" xmlns:thm15="http://schemas.microsoft.com/office/thememl/2012/main" name="Office Theme" id="{62F939B6-93AF-4DB8-9C6B-D6C7DFDC589F}" vid="{4A3C46E8-61CC-4603-A589-7422A47A8E4A}"/>
     </a:ext>
   </a:extLst>
 </a:theme>
@@ -31166,7 +31736,7 @@
   <a:extraClrSchemeLst/>
   <a:extLst>
     <a:ext uri="{05A4C25C-085E-4340-85A3-A5531E510DB2}">
-      <thm15:themeFamily xmlns:thm15="http://schemas.microsoft.com/office/thememl/2012/main" xmlns="" name="Office Theme" id="{62F939B6-93AF-4DB8-9C6B-D6C7DFDC589F}" vid="{4A3C46E8-61CC-4603-A589-7422A47A8E4A}"/>
+      <thm15:themeFamily xmlns="" xmlns:thm15="http://schemas.microsoft.com/office/thememl/2012/main" name="Office Theme" id="{62F939B6-93AF-4DB8-9C6B-D6C7DFDC589F}" vid="{4A3C46E8-61CC-4603-A589-7422A47A8E4A}"/>
     </a:ext>
   </a:extLst>
 </a:theme>

--- a/ppt/转正答辩汇报_郑宇亮.pptx
+++ b/ppt/转正答辩汇报_郑宇亮.pptx
@@ -7285,7 +7285,7 @@
           <a:p>
             <a:fld id="{7A5659CC-E672-481F-B602-8819D7C259F7}" type="datetimeFigureOut">
               <a:rPr lang="zh-CN" altLang="en-US" smtClean="0"/>
-              <a:t>2019/12/4</a:t>
+              <a:t>2019/12/6</a:t>
             </a:fld>
             <a:endParaRPr lang="zh-CN" altLang="en-US"/>
           </a:p>
@@ -11435,6 +11435,101 @@
           </a:p>
         </p:txBody>
       </p:sp>
+      <p:pic>
+        <p:nvPicPr>
+          <p:cNvPr id="2" name="图片 1"/>
+          <p:cNvPicPr>
+            <a:picLocks noChangeAspect="1"/>
+          </p:cNvPicPr>
+          <p:nvPr/>
+        </p:nvPicPr>
+        <p:blipFill>
+          <a:blip r:embed="rId3">
+            <a:extLst>
+              <a:ext uri="{28A0092B-C50C-407E-A947-70E740481C1C}">
+                <a14:useLocalDpi xmlns:a14="http://schemas.microsoft.com/office/drawing/2010/main" val="0"/>
+              </a:ext>
+            </a:extLst>
+          </a:blip>
+          <a:stretch>
+            <a:fillRect/>
+          </a:stretch>
+        </p:blipFill>
+        <p:spPr>
+          <a:xfrm>
+            <a:off x="3923928" y="3020784"/>
+            <a:ext cx="4351848" cy="3099261"/>
+          </a:xfrm>
+          <a:prstGeom prst="rect">
+            <a:avLst/>
+          </a:prstGeom>
+        </p:spPr>
+      </p:pic>
+      <p:sp>
+        <p:nvSpPr>
+          <p:cNvPr id="7" name="TextBox 6"/>
+          <p:cNvSpPr txBox="1"/>
+          <p:nvPr/>
+        </p:nvSpPr>
+        <p:spPr>
+          <a:xfrm>
+            <a:off x="971600" y="5812268"/>
+            <a:ext cx="2879827" cy="307777"/>
+          </a:xfrm>
+          <a:prstGeom prst="rect">
+            <a:avLst/>
+          </a:prstGeom>
+          <a:noFill/>
+        </p:spPr>
+        <p:txBody>
+          <a:bodyPr wrap="none" rtlCol="0">
+            <a:spAutoFit/>
+          </a:bodyPr>
+          <a:lstStyle/>
+          <a:p>
+            <a:r>
+              <a:rPr lang="en-US" altLang="zh-CN" sz="1400" dirty="0" err="1" smtClean="0">
+                <a:solidFill>
+                  <a:srgbClr val="FF9933"/>
+                </a:solidFill>
+                <a:latin typeface="微软雅黑" pitchFamily="34" charset="-122"/>
+                <a:ea typeface="微软雅黑" pitchFamily="34" charset="-122"/>
+              </a:rPr>
+              <a:t>Git</a:t>
+            </a:r>
+            <a:r>
+              <a:rPr lang="en-US" altLang="zh-CN" sz="1400" dirty="0" smtClean="0">
+                <a:solidFill>
+                  <a:srgbClr val="FF9933"/>
+                </a:solidFill>
+                <a:latin typeface="微软雅黑" pitchFamily="34" charset="-122"/>
+                <a:ea typeface="微软雅黑" pitchFamily="34" charset="-122"/>
+              </a:rPr>
+              <a:t>-flow</a:t>
+            </a:r>
+            <a:r>
+              <a:rPr lang="zh-CN" altLang="en-US" sz="1400" dirty="0" smtClean="0">
+                <a:solidFill>
+                  <a:srgbClr val="FF9933"/>
+                </a:solidFill>
+                <a:latin typeface="微软雅黑" pitchFamily="34" charset="-122"/>
+                <a:ea typeface="微软雅黑" pitchFamily="34" charset="-122"/>
+              </a:rPr>
+              <a:t>版本控制与约束提交</a:t>
+            </a:r>
+            <a:r>
+              <a:rPr lang="en-US" altLang="zh-CN" sz="1400" dirty="0" smtClean="0">
+                <a:solidFill>
+                  <a:srgbClr val="FF9933"/>
+                </a:solidFill>
+                <a:latin typeface="微软雅黑" pitchFamily="34" charset="-122"/>
+                <a:ea typeface="微软雅黑" pitchFamily="34" charset="-122"/>
+              </a:rPr>
+              <a:t>&gt;&gt;&gt;</a:t>
+            </a:r>
+          </a:p>
+        </p:txBody>
+      </p:sp>
     </p:spTree>
   </p:cSld>
   <p:clrMapOvr>
@@ -13308,19 +13403,7 @@
               <a:rPr lang="zh-CN" altLang="en-US" sz="1400" b="0" dirty="0" smtClean="0">
                 <a:latin typeface="微软雅黑" panose="020B0503020204020204" pitchFamily="34" charset="-122"/>
               </a:rPr>
-              <a:t>对</a:t>
-            </a:r>
-            <a:r>
-              <a:rPr lang="zh-CN" altLang="en-US" sz="1400" b="0" dirty="0" smtClean="0">
-                <a:latin typeface="微软雅黑" panose="020B0503020204020204" pitchFamily="34" charset="-122"/>
-              </a:rPr>
-              <a:t>交互有</a:t>
-            </a:r>
-            <a:r>
-              <a:rPr lang="zh-CN" altLang="en-US" sz="1400" b="0" dirty="0" smtClean="0">
-                <a:latin typeface="微软雅黑" panose="020B0503020204020204" pitchFamily="34" charset="-122"/>
-              </a:rPr>
-              <a:t>比较深了解及使用。</a:t>
+              <a:t>对交互有比较深了解及使用。</a:t>
             </a:r>
             <a:endParaRPr lang="en-US" altLang="zh-CN" sz="1400" b="0" dirty="0">
               <a:latin typeface="微软雅黑" panose="020B0503020204020204" pitchFamily="34" charset="-122"/>
@@ -13440,19 +13523,7 @@
               <a:rPr lang="zh-CN" altLang="en-US" sz="1400" dirty="0" smtClean="0">
                 <a:latin typeface="微软雅黑" pitchFamily="34" charset="-122"/>
               </a:rPr>
-              <a:t>技术</a:t>
-            </a:r>
-            <a:r>
-              <a:rPr lang="zh-CN" altLang="en-US" sz="1400" dirty="0" smtClean="0">
-                <a:latin typeface="微软雅黑" pitchFamily="34" charset="-122"/>
-              </a:rPr>
-              <a:t>能力</a:t>
-            </a:r>
-            <a:r>
-              <a:rPr lang="zh-CN" altLang="en-US" sz="1400" dirty="0" smtClean="0">
-                <a:latin typeface="微软雅黑" pitchFamily="34" charset="-122"/>
-              </a:rPr>
-              <a:t>收获：</a:t>
+              <a:t>技术能力收获：</a:t>
             </a:r>
             <a:endParaRPr lang="en-US" altLang="zh-CN" sz="1400" dirty="0" smtClean="0">
               <a:latin typeface="微软雅黑" pitchFamily="34" charset="-122"/>
@@ -13466,25 +13537,7 @@
               <a:rPr lang="zh-CN" altLang="en-US" sz="1400" b="0" dirty="0" smtClean="0">
                 <a:latin typeface="微软雅黑" pitchFamily="34" charset="-122"/>
               </a:rPr>
-              <a:t> 对模块化编程</a:t>
-            </a:r>
-            <a:r>
-              <a:rPr lang="zh-CN" altLang="en-US" sz="1400" b="0" dirty="0" smtClean="0">
-                <a:latin typeface="微软雅黑" pitchFamily="34" charset="-122"/>
-              </a:rPr>
-              <a:t>，数据</a:t>
-            </a:r>
-            <a:r>
-              <a:rPr lang="zh-CN" altLang="en-US" sz="1400" b="0" dirty="0" smtClean="0">
-                <a:latin typeface="微软雅黑" pitchFamily="34" charset="-122"/>
-              </a:rPr>
-              <a:t>分层，项目结构划分有了进一步的锻炼和提高</a:t>
-            </a:r>
-            <a:r>
-              <a:rPr lang="zh-CN" altLang="en-US" sz="1400" b="0" dirty="0" smtClean="0">
-                <a:latin typeface="微软雅黑" pitchFamily="34" charset="-122"/>
-              </a:rPr>
-              <a:t>。</a:t>
+              <a:t> 对模块化编程，数据分层，项目结构划分有了进一步的锻炼和提高。</a:t>
             </a:r>
             <a:endParaRPr lang="en-US" altLang="zh-CN" sz="1400" b="0" dirty="0" smtClean="0">
               <a:latin typeface="微软雅黑" pitchFamily="34" charset="-122"/>
@@ -28994,14 +29047,14 @@
           <p:nvPr>
             <p:extLst>
               <p:ext uri="{D42A27DB-BD31-4B8C-83A1-F6EECF244321}">
-                <p14:modId xmlns:p14="http://schemas.microsoft.com/office/powerpoint/2010/main" val="3330168635"/>
+                <p14:modId xmlns:p14="http://schemas.microsoft.com/office/powerpoint/2010/main" val="2042109723"/>
               </p:ext>
             </p:extLst>
           </p:nvPr>
         </p:nvGraphicFramePr>
         <p:xfrm>
           <a:off x="484074" y="1628800"/>
-          <a:ext cx="8175852" cy="2698692"/>
+          <a:ext cx="8175852" cy="2267476"/>
         </p:xfrm>
         <a:graphic>
           <a:graphicData uri="http://schemas.openxmlformats.org/drawingml/2006/table">
@@ -29364,44 +29417,6 @@
                         </a:rPr>
                         <a:t>通用云平台学习</a:t>
                       </a:r>
-                      <a:endParaRPr lang="zh-CN" altLang="en-US" sz="1400" dirty="0">
-                        <a:solidFill>
-                          <a:schemeClr val="bg2">
-                            <a:lumMod val="50000"/>
-                          </a:schemeClr>
-                        </a:solidFill>
-                        <a:latin typeface="微软雅黑" panose="020B0503020204020204" pitchFamily="34" charset="-122"/>
-                        <a:ea typeface="微软雅黑" panose="020B0503020204020204" pitchFamily="34" charset="-122"/>
-                      </a:endParaRPr>
-                    </a:p>
-                  </a:txBody>
-                  <a:tcPr/>
-                </a:tc>
-              </a:tr>
-              <a:tr h="431216">
-                <a:tc>
-                  <a:txBody>
-                    <a:bodyPr/>
-                    <a:lstStyle/>
-                    <a:p>
-                      <a:pPr algn="l" fontAlgn="ctr"/>
-                      <a:endParaRPr lang="zh-CN" altLang="en-US" sz="1400" b="0" i="0" u="none" strike="noStrike" dirty="0">
-                        <a:solidFill>
-                          <a:schemeClr val="tx1"/>
-                        </a:solidFill>
-                        <a:effectLst/>
-                        <a:latin typeface="微软雅黑" panose="020B0503020204020204" pitchFamily="34" charset="-122"/>
-                        <a:ea typeface="微软雅黑" panose="020B0503020204020204" pitchFamily="34" charset="-122"/>
-                      </a:endParaRPr>
-                    </a:p>
-                  </a:txBody>
-                  <a:tcPr marL="9525" marR="9525" marT="9525" marB="0" anchor="ctr"/>
-                </a:tc>
-                <a:tc>
-                  <a:txBody>
-                    <a:bodyPr/>
-                    <a:lstStyle/>
-                    <a:p>
                       <a:endParaRPr lang="zh-CN" altLang="en-US" sz="1400" dirty="0">
                         <a:solidFill>
                           <a:schemeClr val="bg2">
@@ -31448,7 +31463,7 @@
   </a:extraClrSchemeLst>
   <a:extLst>
     <a:ext uri="{05A4C25C-085E-4340-85A3-A5531E510DB2}">
-      <thm15:themeFamily xmlns="" xmlns:thm15="http://schemas.microsoft.com/office/thememl/2012/main" name="Office Theme" id="{62F939B6-93AF-4DB8-9C6B-D6C7DFDC589F}" vid="{4A3C46E8-61CC-4603-A589-7422A47A8E4A}"/>
+      <thm15:themeFamily xmlns:thm15="http://schemas.microsoft.com/office/thememl/2012/main" xmlns="" name="Office Theme" id="{62F939B6-93AF-4DB8-9C6B-D6C7DFDC589F}" vid="{4A3C46E8-61CC-4603-A589-7422A47A8E4A}"/>
     </a:ext>
   </a:extLst>
 </a:theme>
@@ -31736,7 +31751,7 @@
   <a:extraClrSchemeLst/>
   <a:extLst>
     <a:ext uri="{05A4C25C-085E-4340-85A3-A5531E510DB2}">
-      <thm15:themeFamily xmlns="" xmlns:thm15="http://schemas.microsoft.com/office/thememl/2012/main" name="Office Theme" id="{62F939B6-93AF-4DB8-9C6B-D6C7DFDC589F}" vid="{4A3C46E8-61CC-4603-A589-7422A47A8E4A}"/>
+      <thm15:themeFamily xmlns:thm15="http://schemas.microsoft.com/office/thememl/2012/main" xmlns="" name="Office Theme" id="{62F939B6-93AF-4DB8-9C6B-D6C7DFDC589F}" vid="{4A3C46E8-61CC-4603-A589-7422A47A8E4A}"/>
     </a:ext>
   </a:extLst>
 </a:theme>

--- a/ppt/转正答辩汇报_郑宇亮.pptx
+++ b/ppt/转正答辩汇报_郑宇亮.pptx
@@ -5,7 +5,7 @@
     <p:sldMasterId id="2147483648" r:id="rId1"/>
   </p:sldMasterIdLst>
   <p:notesMasterIdLst>
-    <p:notesMasterId r:id="rId34"/>
+    <p:notesMasterId r:id="rId35"/>
   </p:notesMasterIdLst>
   <p:sldIdLst>
     <p:sldId id="256" r:id="rId2"/>
@@ -26,25 +26,26 @@
     <p:sldId id="405" r:id="rId17"/>
     <p:sldId id="361" r:id="rId18"/>
     <p:sldId id="416" r:id="rId19"/>
-    <p:sldId id="353" r:id="rId20"/>
-    <p:sldId id="302" r:id="rId21"/>
-    <p:sldId id="409" r:id="rId22"/>
-    <p:sldId id="410" r:id="rId23"/>
-    <p:sldId id="411" r:id="rId24"/>
-    <p:sldId id="406" r:id="rId25"/>
-    <p:sldId id="408" r:id="rId26"/>
-    <p:sldId id="415" r:id="rId27"/>
-    <p:sldId id="412" r:id="rId28"/>
-    <p:sldId id="413" r:id="rId29"/>
-    <p:sldId id="414" r:id="rId30"/>
-    <p:sldId id="303" r:id="rId31"/>
-    <p:sldId id="290" r:id="rId32"/>
-    <p:sldId id="292" r:id="rId33"/>
+    <p:sldId id="417" r:id="rId20"/>
+    <p:sldId id="353" r:id="rId21"/>
+    <p:sldId id="302" r:id="rId22"/>
+    <p:sldId id="409" r:id="rId23"/>
+    <p:sldId id="410" r:id="rId24"/>
+    <p:sldId id="411" r:id="rId25"/>
+    <p:sldId id="406" r:id="rId26"/>
+    <p:sldId id="408" r:id="rId27"/>
+    <p:sldId id="415" r:id="rId28"/>
+    <p:sldId id="412" r:id="rId29"/>
+    <p:sldId id="413" r:id="rId30"/>
+    <p:sldId id="414" r:id="rId31"/>
+    <p:sldId id="303" r:id="rId32"/>
+    <p:sldId id="290" r:id="rId33"/>
+    <p:sldId id="292" r:id="rId34"/>
   </p:sldIdLst>
   <p:sldSz cx="9144000" cy="6858000" type="screen4x3"/>
   <p:notesSz cx="6858000" cy="9144000"/>
   <p:custDataLst>
-    <p:tags r:id="rId35"/>
+    <p:tags r:id="rId36"/>
   </p:custDataLst>
   <p:defaultTextStyle>
     <a:defPPr>
@@ -7285,7 +7286,7 @@
           <a:p>
             <a:fld id="{7A5659CC-E672-481F-B602-8819D7C259F7}" type="datetimeFigureOut">
               <a:rPr lang="zh-CN" altLang="en-US" smtClean="0"/>
-              <a:t>2019/12/6</a:t>
+              <a:t>2019/12/9</a:t>
             </a:fld>
             <a:endParaRPr lang="zh-CN" altLang="en-US"/>
           </a:p>
@@ -8270,7 +8271,7 @@
           <a:p>
             <a:fld id="{885E75CD-2C4B-43EA-9BCA-2525C48E8019}" type="slidenum">
               <a:rPr lang="zh-CN" altLang="en-US" smtClean="0"/>
-              <a:t>19</a:t>
+              <a:t>20</a:t>
             </a:fld>
             <a:endParaRPr lang="zh-CN" altLang="en-US"/>
           </a:p>
@@ -13696,7 +13697,7 @@
       </p:grpSpPr>
       <p:sp>
         <p:nvSpPr>
-          <p:cNvPr id="5" name="标题 4"/>
+          <p:cNvPr id="2" name="标题 1"/>
           <p:cNvSpPr>
             <a:spLocks noGrp="1"/>
           </p:cNvSpPr>
@@ -13710,192 +13711,19 @@
           <a:lstStyle/>
           <a:p>
             <a:r>
-              <a:rPr lang="zh-CN" altLang="en-US" dirty="0" smtClean="0">
-                <a:latin typeface="微软雅黑" panose="020B0503020204020204" pitchFamily="34" charset="-122"/>
-                <a:ea typeface="微软雅黑" panose="020B0503020204020204" pitchFamily="34" charset="-122"/>
-              </a:rPr>
-              <a:t>试用期总结：企业融入</a:t>
-            </a:r>
-            <a:endParaRPr lang="zh-CN" altLang="en-US" dirty="0">
-              <a:latin typeface="微软雅黑" panose="020B0503020204020204" pitchFamily="34" charset="-122"/>
-              <a:ea typeface="微软雅黑" panose="020B0503020204020204" pitchFamily="34" charset="-122"/>
-            </a:endParaRPr>
+              <a:rPr lang="zh-CN" altLang="en-US" dirty="0">
+                <a:latin typeface="微软雅黑" pitchFamily="34" charset="-122"/>
+                <a:ea typeface="微软雅黑" pitchFamily="34" charset="-122"/>
+              </a:rPr>
+              <a:t>试用期总结：工作案列</a:t>
+            </a:r>
+            <a:endParaRPr lang="zh-CN" altLang="en-US" dirty="0"/>
           </a:p>
         </p:txBody>
       </p:sp>
       <p:sp>
         <p:nvSpPr>
-          <p:cNvPr id="10" name="矩形 9"/>
-          <p:cNvSpPr/>
-          <p:nvPr/>
-        </p:nvSpPr>
-        <p:spPr>
-          <a:xfrm>
-            <a:off x="606425" y="1298575"/>
-            <a:ext cx="1877437" cy="497957"/>
-          </a:xfrm>
-          <a:prstGeom prst="rect">
-            <a:avLst/>
-          </a:prstGeom>
-        </p:spPr>
-        <p:txBody>
-          <a:bodyPr wrap="none">
-            <a:spAutoFit/>
-          </a:bodyPr>
-          <a:lstStyle/>
-          <a:p>
-            <a:pPr marL="457200" indent="-457200">
-              <a:lnSpc>
-                <a:spcPct val="120000"/>
-              </a:lnSpc>
-              <a:spcBef>
-                <a:spcPct val="50000"/>
-              </a:spcBef>
-              <a:buClr>
-                <a:srgbClr val="0070C0"/>
-              </a:buClr>
-              <a:buSzPct val="80000"/>
-              <a:buFont typeface="Wingdings" panose="05000000000000000000" pitchFamily="2" charset="2"/>
-              <a:buChar char="l"/>
-            </a:pPr>
-            <a:r>
-              <a:rPr lang="zh-CN" altLang="en-US" sz="2400" b="1" dirty="0" smtClean="0">
-                <a:latin typeface="微软雅黑" panose="020B0503020204020204" pitchFamily="34" charset="-122"/>
-                <a:ea typeface="微软雅黑" panose="020B0503020204020204" pitchFamily="34" charset="-122"/>
-              </a:rPr>
-              <a:t>企业融入</a:t>
-            </a:r>
-            <a:endParaRPr lang="zh-CN" altLang="en-US" sz="2400" b="1" dirty="0">
-              <a:latin typeface="微软雅黑" panose="020B0503020204020204" pitchFamily="34" charset="-122"/>
-              <a:ea typeface="微软雅黑" panose="020B0503020204020204" pitchFamily="34" charset="-122"/>
-            </a:endParaRPr>
-          </a:p>
-        </p:txBody>
-      </p:sp>
-      <p:sp>
-        <p:nvSpPr>
-          <p:cNvPr id="11" name="内容占位符 5"/>
-          <p:cNvSpPr txBox="1"/>
-          <p:nvPr/>
-        </p:nvSpPr>
-        <p:spPr bwMode="auto">
-          <a:xfrm>
-            <a:off x="683568" y="1921811"/>
-            <a:ext cx="8136904" cy="3091365"/>
-          </a:xfrm>
-          <a:prstGeom prst="rect">
-            <a:avLst/>
-          </a:prstGeom>
-          <a:noFill/>
-          <a:ln w="9525">
-            <a:noFill/>
-            <a:prstDash val="dash"/>
-            <a:miter lim="800000"/>
-          </a:ln>
-        </p:spPr>
-        <p:txBody>
-          <a:bodyPr vert="horz" wrap="square" lIns="91440" tIns="45720" rIns="91440" bIns="45720" numCol="1" anchor="t" anchorCtr="0" compatLnSpc="1"/>
-          <a:lstStyle/>
-          <a:p>
-            <a:pPr lvl="0" indent="-342900" algn="just" eaLnBrk="0" fontAlgn="base" hangingPunct="0">
-              <a:lnSpc>
-                <a:spcPct val="120000"/>
-              </a:lnSpc>
-              <a:spcBef>
-                <a:spcPts val="1200"/>
-              </a:spcBef>
-              <a:buClr>
-                <a:srgbClr val="5DB2FF"/>
-              </a:buClr>
-              <a:buSzPct val="80000"/>
-            </a:pPr>
-            <a:r>
-              <a:rPr lang="zh-CN" altLang="en-US" sz="1400" dirty="0" smtClean="0">
-                <a:ea typeface="微软雅黑" panose="020B0503020204020204" pitchFamily="34" charset="-122"/>
-              </a:rPr>
-              <a:t>非常感谢导师和组长，以及项目组的小伙伴的支持。</a:t>
-            </a:r>
-            <a:endParaRPr lang="en-US" altLang="zh-CN" sz="1400" dirty="0">
-              <a:ea typeface="微软雅黑" panose="020B0503020204020204" pitchFamily="34" charset="-122"/>
-            </a:endParaRPr>
-          </a:p>
-          <a:p>
-            <a:pPr lvl="0" indent="-342900" algn="just" eaLnBrk="0" fontAlgn="base" hangingPunct="0">
-              <a:lnSpc>
-                <a:spcPct val="120000"/>
-              </a:lnSpc>
-              <a:spcBef>
-                <a:spcPts val="1200"/>
-              </a:spcBef>
-              <a:buClr>
-                <a:srgbClr val="5DB2FF"/>
-              </a:buClr>
-              <a:buSzPct val="80000"/>
-            </a:pPr>
-            <a:r>
-              <a:rPr lang="zh-CN" altLang="en-US" sz="1400" dirty="0" smtClean="0">
-                <a:ea typeface="微软雅黑" panose="020B0503020204020204" pitchFamily="34" charset="-122"/>
-              </a:rPr>
-              <a:t>在工作中能迅速的融入公司，进行项目（云锁及智能照明）开发。开发中，也非常感前端伙伴及服务端同事的强有力支持，让我更有效的进行开发。</a:t>
-            </a:r>
-            <a:endParaRPr lang="en-US" altLang="zh-CN" sz="1400" dirty="0">
-              <a:ea typeface="微软雅黑" panose="020B0503020204020204" pitchFamily="34" charset="-122"/>
-            </a:endParaRPr>
-          </a:p>
-          <a:p>
-            <a:pPr lvl="0" indent="-342900" algn="just" eaLnBrk="0" fontAlgn="base" hangingPunct="0">
-              <a:lnSpc>
-                <a:spcPct val="120000"/>
-              </a:lnSpc>
-              <a:spcBef>
-                <a:spcPts val="1200"/>
-              </a:spcBef>
-              <a:buClr>
-                <a:srgbClr val="5DB2FF"/>
-              </a:buClr>
-              <a:buSzPct val="80000"/>
-            </a:pPr>
-            <a:r>
-              <a:rPr lang="zh-CN" altLang="en-US" sz="1400" dirty="0" smtClean="0">
-                <a:ea typeface="微软雅黑" panose="020B0503020204020204" pitchFamily="34" charset="-122"/>
-              </a:rPr>
-              <a:t>通过公司企业文化的培训及考试，也让我更快的了解公司文化及规章制度等，快速的融入公司。</a:t>
-            </a:r>
-            <a:r>
-              <a:rPr lang="en-US" altLang="zh-CN" sz="1400" dirty="0" smtClean="0">
-                <a:ea typeface="微软雅黑" panose="020B0503020204020204" pitchFamily="34" charset="-122"/>
-              </a:rPr>
-              <a:t> </a:t>
-            </a:r>
-          </a:p>
-          <a:p>
-            <a:pPr lvl="0" indent="-342900" algn="just" eaLnBrk="0" fontAlgn="base" hangingPunct="0">
-              <a:lnSpc>
-                <a:spcPct val="120000"/>
-              </a:lnSpc>
-              <a:spcBef>
-                <a:spcPts val="1200"/>
-              </a:spcBef>
-              <a:buClr>
-                <a:srgbClr val="5DB2FF"/>
-              </a:buClr>
-              <a:buSzPct val="80000"/>
-            </a:pPr>
-            <a:r>
-              <a:rPr lang="zh-CN" altLang="en-US" sz="1400" dirty="0" smtClean="0">
-                <a:ea typeface="微软雅黑" panose="020B0503020204020204" pitchFamily="34" charset="-122"/>
-              </a:rPr>
-              <a:t>参与团建活动也是一方法</a:t>
-            </a:r>
-            <a:endParaRPr lang="en-US" altLang="zh-CN" sz="1400" dirty="0" smtClean="0">
-              <a:ea typeface="微软雅黑" panose="020B0503020204020204" pitchFamily="34" charset="-122"/>
-            </a:endParaRPr>
-          </a:p>
-        </p:txBody>
-      </p:sp>
-      <p:sp>
-        <p:nvSpPr>
-          <p:cNvPr id="7" name="灯片编号占位符 6"/>
+          <p:cNvPr id="4" name="灯片编号占位符 3"/>
           <p:cNvSpPr>
             <a:spLocks noGrp="1"/>
           </p:cNvSpPr>
@@ -13919,7 +13747,713 @@
           </a:p>
         </p:txBody>
       </p:sp>
+      <p:sp>
+        <p:nvSpPr>
+          <p:cNvPr id="5" name="TextBox 4"/>
+          <p:cNvSpPr txBox="1"/>
+          <p:nvPr/>
+        </p:nvSpPr>
+        <p:spPr>
+          <a:xfrm>
+            <a:off x="175335" y="1058515"/>
+            <a:ext cx="3198311" cy="307777"/>
+          </a:xfrm>
+          <a:prstGeom prst="rect">
+            <a:avLst/>
+          </a:prstGeom>
+          <a:noFill/>
+        </p:spPr>
+        <p:txBody>
+          <a:bodyPr wrap="none" rtlCol="0">
+            <a:spAutoFit/>
+          </a:bodyPr>
+          <a:lstStyle/>
+          <a:p>
+            <a:r>
+              <a:rPr lang="zh-CN" altLang="en-US" sz="1400" b="1" dirty="0" smtClean="0">
+                <a:latin typeface="微软雅黑" pitchFamily="34" charset="-122"/>
+                <a:ea typeface="微软雅黑" pitchFamily="34" charset="-122"/>
+              </a:rPr>
+              <a:t>智能照明中的</a:t>
+            </a:r>
+            <a:r>
+              <a:rPr lang="en-US" altLang="zh-CN" sz="1400" b="1" dirty="0" smtClean="0">
+                <a:latin typeface="微软雅黑" pitchFamily="34" charset="-122"/>
+                <a:ea typeface="微软雅黑" pitchFamily="34" charset="-122"/>
+              </a:rPr>
+              <a:t>[</a:t>
+            </a:r>
+            <a:r>
+              <a:rPr lang="zh-CN" altLang="en-US" sz="1400" b="1" dirty="0" smtClean="0">
+                <a:solidFill>
+                  <a:srgbClr val="FF0000"/>
+                </a:solidFill>
+                <a:latin typeface="微软雅黑" pitchFamily="34" charset="-122"/>
+                <a:ea typeface="微软雅黑" pitchFamily="34" charset="-122"/>
+              </a:rPr>
+              <a:t>设备管理</a:t>
+            </a:r>
+            <a:r>
+              <a:rPr lang="en-US" altLang="zh-CN" sz="1400" b="1" dirty="0" smtClean="0">
+                <a:latin typeface="微软雅黑" pitchFamily="34" charset="-122"/>
+                <a:ea typeface="微软雅黑" pitchFamily="34" charset="-122"/>
+              </a:rPr>
+              <a:t>]</a:t>
+            </a:r>
+            <a:r>
+              <a:rPr lang="zh-CN" altLang="en-US" sz="1400" b="1" dirty="0" smtClean="0">
+                <a:latin typeface="微软雅黑" pitchFamily="34" charset="-122"/>
+                <a:ea typeface="微软雅黑" pitchFamily="34" charset="-122"/>
+              </a:rPr>
+              <a:t>导入主机功能</a:t>
+            </a:r>
+            <a:endParaRPr lang="zh-CN" altLang="en-US" sz="1400" b="1" dirty="0">
+              <a:latin typeface="微软雅黑" pitchFamily="34" charset="-122"/>
+              <a:ea typeface="微软雅黑" pitchFamily="34" charset="-122"/>
+            </a:endParaRPr>
+          </a:p>
+        </p:txBody>
+      </p:sp>
+      <p:pic>
+        <p:nvPicPr>
+          <p:cNvPr id="6" name="图片 5"/>
+          <p:cNvPicPr>
+            <a:picLocks noChangeAspect="1"/>
+          </p:cNvPicPr>
+          <p:nvPr/>
+        </p:nvPicPr>
+        <p:blipFill>
+          <a:blip r:embed="rId2" cstate="print">
+            <a:extLst>
+              <a:ext uri="{28A0092B-C50C-407E-A947-70E740481C1C}">
+                <a14:useLocalDpi xmlns:a14="http://schemas.microsoft.com/office/drawing/2010/main" val="0"/>
+              </a:ext>
+            </a:extLst>
+          </a:blip>
+          <a:stretch>
+            <a:fillRect/>
+          </a:stretch>
+        </p:blipFill>
+        <p:spPr>
+          <a:xfrm>
+            <a:off x="3761297" y="1781176"/>
+            <a:ext cx="2976750" cy="2271731"/>
+          </a:xfrm>
+          <a:prstGeom prst="rect">
+            <a:avLst/>
+          </a:prstGeom>
+        </p:spPr>
+      </p:pic>
+      <p:pic>
+        <p:nvPicPr>
+          <p:cNvPr id="7" name="图片 6"/>
+          <p:cNvPicPr>
+            <a:picLocks noChangeAspect="1"/>
+          </p:cNvPicPr>
+          <p:nvPr/>
+        </p:nvPicPr>
+        <p:blipFill>
+          <a:blip r:embed="rId3" cstate="print">
+            <a:extLst>
+              <a:ext uri="{28A0092B-C50C-407E-A947-70E740481C1C}">
+                <a14:useLocalDpi xmlns:a14="http://schemas.microsoft.com/office/drawing/2010/main" val="0"/>
+              </a:ext>
+            </a:extLst>
+          </a:blip>
+          <a:stretch>
+            <a:fillRect/>
+          </a:stretch>
+        </p:blipFill>
+        <p:spPr>
+          <a:xfrm>
+            <a:off x="3761297" y="4499339"/>
+            <a:ext cx="5330373" cy="1253475"/>
+          </a:xfrm>
+          <a:prstGeom prst="rect">
+            <a:avLst/>
+          </a:prstGeom>
+        </p:spPr>
+      </p:pic>
+      <p:pic>
+        <p:nvPicPr>
+          <p:cNvPr id="8" name="图片 7"/>
+          <p:cNvPicPr>
+            <a:picLocks noChangeAspect="1"/>
+          </p:cNvPicPr>
+          <p:nvPr/>
+        </p:nvPicPr>
+        <p:blipFill>
+          <a:blip r:embed="rId4" cstate="print">
+            <a:extLst>
+              <a:ext uri="{28A0092B-C50C-407E-A947-70E740481C1C}">
+                <a14:useLocalDpi xmlns:a14="http://schemas.microsoft.com/office/drawing/2010/main" val="0"/>
+              </a:ext>
+            </a:extLst>
+          </a:blip>
+          <a:stretch>
+            <a:fillRect/>
+          </a:stretch>
+        </p:blipFill>
+        <p:spPr>
+          <a:xfrm>
+            <a:off x="7228623" y="903302"/>
+            <a:ext cx="1805366" cy="3160271"/>
+          </a:xfrm>
+          <a:prstGeom prst="rect">
+            <a:avLst/>
+          </a:prstGeom>
+        </p:spPr>
+      </p:pic>
+      <p:sp>
+        <p:nvSpPr>
+          <p:cNvPr id="9" name="TextBox 8"/>
+          <p:cNvSpPr txBox="1"/>
+          <p:nvPr/>
+        </p:nvSpPr>
+        <p:spPr>
+          <a:xfrm>
+            <a:off x="4183813" y="1411844"/>
+            <a:ext cx="543739" cy="369332"/>
+          </a:xfrm>
+          <a:prstGeom prst="rect">
+            <a:avLst/>
+          </a:prstGeom>
+          <a:noFill/>
+        </p:spPr>
+        <p:txBody>
+          <a:bodyPr wrap="none" rtlCol="0">
+            <a:spAutoFit/>
+          </a:bodyPr>
+          <a:lstStyle/>
+          <a:p>
+            <a:r>
+              <a:rPr lang="zh-CN" altLang="en-US" dirty="0" smtClean="0"/>
+              <a:t>图</a:t>
+            </a:r>
+            <a:r>
+              <a:rPr lang="en-US" altLang="zh-CN" dirty="0"/>
+              <a:t>1</a:t>
+            </a:r>
+            <a:endParaRPr lang="zh-CN" altLang="en-US" dirty="0"/>
+          </a:p>
+        </p:txBody>
+      </p:sp>
+      <p:sp>
+        <p:nvSpPr>
+          <p:cNvPr id="10" name="TextBox 9"/>
+          <p:cNvSpPr txBox="1"/>
+          <p:nvPr/>
+        </p:nvSpPr>
+        <p:spPr>
+          <a:xfrm>
+            <a:off x="6582488" y="1036560"/>
+            <a:ext cx="543739" cy="369332"/>
+          </a:xfrm>
+          <a:prstGeom prst="rect">
+            <a:avLst/>
+          </a:prstGeom>
+          <a:noFill/>
+        </p:spPr>
+        <p:txBody>
+          <a:bodyPr wrap="none" rtlCol="0">
+            <a:spAutoFit/>
+          </a:bodyPr>
+          <a:lstStyle/>
+          <a:p>
+            <a:r>
+              <a:rPr lang="zh-CN" altLang="en-US" dirty="0" smtClean="0"/>
+              <a:t>图</a:t>
+            </a:r>
+            <a:r>
+              <a:rPr lang="en-US" altLang="zh-CN" dirty="0"/>
+              <a:t>2</a:t>
+            </a:r>
+            <a:endParaRPr lang="zh-CN" altLang="en-US" dirty="0"/>
+          </a:p>
+        </p:txBody>
+      </p:sp>
+      <p:sp>
+        <p:nvSpPr>
+          <p:cNvPr id="11" name="TextBox 10"/>
+          <p:cNvSpPr txBox="1"/>
+          <p:nvPr/>
+        </p:nvSpPr>
+        <p:spPr>
+          <a:xfrm>
+            <a:off x="5652120" y="5875924"/>
+            <a:ext cx="543739" cy="369332"/>
+          </a:xfrm>
+          <a:prstGeom prst="rect">
+            <a:avLst/>
+          </a:prstGeom>
+          <a:noFill/>
+        </p:spPr>
+        <p:txBody>
+          <a:bodyPr wrap="none" rtlCol="0">
+            <a:spAutoFit/>
+          </a:bodyPr>
+          <a:lstStyle/>
+          <a:p>
+            <a:r>
+              <a:rPr lang="zh-CN" altLang="en-US" dirty="0" smtClean="0"/>
+              <a:t>图</a:t>
+            </a:r>
+            <a:r>
+              <a:rPr lang="en-US" altLang="zh-CN" dirty="0"/>
+              <a:t>3</a:t>
+            </a:r>
+            <a:endParaRPr lang="zh-CN" altLang="en-US" dirty="0"/>
+          </a:p>
+        </p:txBody>
+      </p:sp>
+      <p:sp>
+        <p:nvSpPr>
+          <p:cNvPr id="12" name="TextBox 11"/>
+          <p:cNvSpPr txBox="1"/>
+          <p:nvPr/>
+        </p:nvSpPr>
+        <p:spPr>
+          <a:xfrm>
+            <a:off x="527995" y="1540550"/>
+            <a:ext cx="1980029" cy="307777"/>
+          </a:xfrm>
+          <a:prstGeom prst="rect">
+            <a:avLst/>
+          </a:prstGeom>
+          <a:noFill/>
+        </p:spPr>
+        <p:txBody>
+          <a:bodyPr wrap="none" rtlCol="0">
+            <a:spAutoFit/>
+          </a:bodyPr>
+          <a:lstStyle/>
+          <a:p>
+            <a:r>
+              <a:rPr lang="zh-CN" altLang="en-US" sz="1400" dirty="0" smtClean="0">
+                <a:latin typeface="微软雅黑" pitchFamily="34" charset="-122"/>
+                <a:ea typeface="微软雅黑" pitchFamily="34" charset="-122"/>
+              </a:rPr>
+              <a:t>导入功能（上传功能）</a:t>
+            </a:r>
+            <a:endParaRPr lang="zh-CN" altLang="en-US" sz="1400" dirty="0">
+              <a:latin typeface="微软雅黑" pitchFamily="34" charset="-122"/>
+              <a:ea typeface="微软雅黑" pitchFamily="34" charset="-122"/>
+            </a:endParaRPr>
+          </a:p>
+        </p:txBody>
+      </p:sp>
+      <p:sp>
+        <p:nvSpPr>
+          <p:cNvPr id="14" name="TextBox 13"/>
+          <p:cNvSpPr txBox="1"/>
+          <p:nvPr/>
+        </p:nvSpPr>
+        <p:spPr>
+          <a:xfrm>
+            <a:off x="251520" y="1916832"/>
+            <a:ext cx="2917860" cy="4293483"/>
+          </a:xfrm>
+          <a:prstGeom prst="rect">
+            <a:avLst/>
+          </a:prstGeom>
+          <a:noFill/>
+        </p:spPr>
+        <p:txBody>
+          <a:bodyPr wrap="square" rtlCol="0">
+            <a:spAutoFit/>
+          </a:bodyPr>
+          <a:lstStyle/>
+          <a:p>
+            <a:pPr>
+              <a:lnSpc>
+                <a:spcPct val="150000"/>
+              </a:lnSpc>
+            </a:pPr>
+            <a:r>
+              <a:rPr lang="zh-CN" altLang="en-US" sz="1400" b="1" dirty="0" smtClean="0">
+                <a:latin typeface="微软雅黑" pitchFamily="34" charset="-122"/>
+                <a:ea typeface="微软雅黑" pitchFamily="34" charset="-122"/>
+              </a:rPr>
+              <a:t>问题：</a:t>
+            </a:r>
+            <a:endParaRPr lang="en-US" altLang="zh-CN" sz="1400" b="1" dirty="0" smtClean="0">
+              <a:latin typeface="微软雅黑" pitchFamily="34" charset="-122"/>
+              <a:ea typeface="微软雅黑" pitchFamily="34" charset="-122"/>
+            </a:endParaRPr>
+          </a:p>
+          <a:p>
+            <a:pPr>
+              <a:lnSpc>
+                <a:spcPct val="150000"/>
+              </a:lnSpc>
+            </a:pPr>
+            <a:r>
+              <a:rPr lang="en-US" altLang="zh-CN" sz="1400" dirty="0" smtClean="0">
+                <a:latin typeface="微软雅黑" pitchFamily="34" charset="-122"/>
+                <a:ea typeface="微软雅黑" pitchFamily="34" charset="-122"/>
+              </a:rPr>
+              <a:t>1</a:t>
+            </a:r>
+            <a:r>
+              <a:rPr lang="zh-CN" altLang="en-US" sz="1400" dirty="0" smtClean="0">
+                <a:latin typeface="微软雅黑" pitchFamily="34" charset="-122"/>
+                <a:ea typeface="微软雅黑" pitchFamily="34" charset="-122"/>
+              </a:rPr>
+              <a:t>：接口文档标注不明白</a:t>
+            </a:r>
+            <a:endParaRPr lang="en-US" altLang="zh-CN" sz="1400" dirty="0" smtClean="0">
+              <a:latin typeface="微软雅黑" pitchFamily="34" charset="-122"/>
+              <a:ea typeface="微软雅黑" pitchFamily="34" charset="-122"/>
+            </a:endParaRPr>
+          </a:p>
+          <a:p>
+            <a:pPr>
+              <a:lnSpc>
+                <a:spcPct val="150000"/>
+              </a:lnSpc>
+            </a:pPr>
+            <a:r>
+              <a:rPr lang="en-US" altLang="zh-CN" sz="1400" dirty="0">
+                <a:latin typeface="微软雅黑" pitchFamily="34" charset="-122"/>
+                <a:ea typeface="微软雅黑" pitchFamily="34" charset="-122"/>
+              </a:rPr>
+              <a:t>2</a:t>
+            </a:r>
+            <a:r>
+              <a:rPr lang="zh-CN" altLang="en-US" sz="1400" dirty="0" smtClean="0">
+                <a:latin typeface="微软雅黑" pitchFamily="34" charset="-122"/>
+                <a:ea typeface="微软雅黑" pitchFamily="34" charset="-122"/>
+              </a:rPr>
+              <a:t>：</a:t>
+            </a:r>
+            <a:r>
+              <a:rPr lang="zh-CN" altLang="en-US" sz="1400" dirty="0">
+                <a:latin typeface="微软雅黑" pitchFamily="34" charset="-122"/>
+                <a:ea typeface="微软雅黑" pitchFamily="34" charset="-122"/>
+              </a:rPr>
+              <a:t>框架中的</a:t>
+            </a:r>
+            <a:r>
+              <a:rPr lang="en-US" altLang="zh-CN" sz="1400" dirty="0" smtClean="0">
+                <a:latin typeface="微软雅黑" pitchFamily="34" charset="-122"/>
+                <a:ea typeface="微软雅黑" pitchFamily="34" charset="-122"/>
+              </a:rPr>
+              <a:t>a-upload</a:t>
+            </a:r>
+            <a:r>
+              <a:rPr lang="zh-CN" altLang="en-US" sz="1400" dirty="0" smtClean="0">
+                <a:latin typeface="微软雅黑" pitchFamily="34" charset="-122"/>
+                <a:ea typeface="微软雅黑" pitchFamily="34" charset="-122"/>
+              </a:rPr>
+              <a:t>与需求不同</a:t>
+            </a:r>
+            <a:endParaRPr lang="en-US" altLang="zh-CN" sz="1400" dirty="0" smtClean="0">
+              <a:latin typeface="微软雅黑" pitchFamily="34" charset="-122"/>
+              <a:ea typeface="微软雅黑" pitchFamily="34" charset="-122"/>
+            </a:endParaRPr>
+          </a:p>
+          <a:p>
+            <a:pPr>
+              <a:lnSpc>
+                <a:spcPct val="150000"/>
+              </a:lnSpc>
+            </a:pPr>
+            <a:r>
+              <a:rPr lang="en-US" altLang="zh-CN" sz="1400" dirty="0">
+                <a:latin typeface="微软雅黑" pitchFamily="34" charset="-122"/>
+                <a:ea typeface="微软雅黑" pitchFamily="34" charset="-122"/>
+              </a:rPr>
+              <a:t>3</a:t>
+            </a:r>
+            <a:r>
+              <a:rPr lang="zh-CN" altLang="en-US" sz="1400" dirty="0" smtClean="0">
+                <a:latin typeface="微软雅黑" pitchFamily="34" charset="-122"/>
+                <a:ea typeface="微软雅黑" pitchFamily="34" charset="-122"/>
+              </a:rPr>
+              <a:t>：</a:t>
+            </a:r>
+            <a:r>
+              <a:rPr lang="en-US" altLang="zh-CN" sz="1400" dirty="0" smtClean="0">
+                <a:latin typeface="微软雅黑" pitchFamily="34" charset="-122"/>
+                <a:ea typeface="微软雅黑" pitchFamily="34" charset="-122"/>
+              </a:rPr>
+              <a:t>a-upload</a:t>
+            </a:r>
+            <a:r>
+              <a:rPr lang="zh-CN" altLang="en-US" sz="1400" dirty="0" smtClean="0">
+                <a:latin typeface="微软雅黑" pitchFamily="34" charset="-122"/>
+                <a:ea typeface="微软雅黑" pitchFamily="34" charset="-122"/>
+              </a:rPr>
+              <a:t>文档</a:t>
+            </a:r>
+            <a:r>
+              <a:rPr lang="en-US" altLang="zh-CN" sz="1400" dirty="0" err="1" smtClean="0">
+                <a:latin typeface="微软雅黑" pitchFamily="34" charset="-122"/>
+                <a:ea typeface="微软雅黑" pitchFamily="34" charset="-122"/>
+              </a:rPr>
+              <a:t>api</a:t>
+            </a:r>
+            <a:r>
+              <a:rPr lang="zh-CN" altLang="en-US" sz="1400" dirty="0" smtClean="0">
+                <a:latin typeface="微软雅黑" pitchFamily="34" charset="-122"/>
+                <a:ea typeface="微软雅黑" pitchFamily="34" charset="-122"/>
+              </a:rPr>
+              <a:t>不详细</a:t>
+            </a:r>
+            <a:endParaRPr lang="en-US" altLang="zh-CN" sz="1400" dirty="0" smtClean="0">
+              <a:latin typeface="微软雅黑" pitchFamily="34" charset="-122"/>
+              <a:ea typeface="微软雅黑" pitchFamily="34" charset="-122"/>
+            </a:endParaRPr>
+          </a:p>
+          <a:p>
+            <a:pPr>
+              <a:lnSpc>
+                <a:spcPct val="150000"/>
+              </a:lnSpc>
+            </a:pPr>
+            <a:r>
+              <a:rPr lang="en-US" altLang="zh-CN" sz="1400" dirty="0">
+                <a:latin typeface="微软雅黑" pitchFamily="34" charset="-122"/>
+                <a:ea typeface="微软雅黑" pitchFamily="34" charset="-122"/>
+              </a:rPr>
+              <a:t>4</a:t>
+            </a:r>
+            <a:r>
+              <a:rPr lang="zh-CN" altLang="en-US" sz="1400" dirty="0" smtClean="0">
+                <a:latin typeface="微软雅黑" pitchFamily="34" charset="-122"/>
+                <a:ea typeface="微软雅黑" pitchFamily="34" charset="-122"/>
+              </a:rPr>
+              <a:t>：</a:t>
+            </a:r>
+            <a:r>
+              <a:rPr lang="en-US" altLang="zh-CN" sz="1400" dirty="0" err="1" smtClean="0">
+                <a:latin typeface="微软雅黑" pitchFamily="34" charset="-122"/>
+                <a:ea typeface="微软雅黑" pitchFamily="34" charset="-122"/>
+              </a:rPr>
+              <a:t>customRequest</a:t>
+            </a:r>
+            <a:r>
+              <a:rPr lang="zh-CN" altLang="en-US" sz="1400" dirty="0" smtClean="0">
+                <a:latin typeface="微软雅黑" pitchFamily="34" charset="-122"/>
+                <a:ea typeface="微软雅黑" pitchFamily="34" charset="-122"/>
+              </a:rPr>
+              <a:t>配置说明不清</a:t>
+            </a:r>
+            <a:endParaRPr lang="en-US" altLang="zh-CN" sz="1400" dirty="0" smtClean="0">
+              <a:latin typeface="微软雅黑" pitchFamily="34" charset="-122"/>
+              <a:ea typeface="微软雅黑" pitchFamily="34" charset="-122"/>
+            </a:endParaRPr>
+          </a:p>
+          <a:p>
+            <a:pPr>
+              <a:lnSpc>
+                <a:spcPct val="150000"/>
+              </a:lnSpc>
+            </a:pPr>
+            <a:r>
+              <a:rPr lang="en-US" altLang="zh-CN" sz="1400" dirty="0" smtClean="0">
+                <a:latin typeface="微软雅黑" pitchFamily="34" charset="-122"/>
+                <a:ea typeface="微软雅黑" pitchFamily="34" charset="-122"/>
+              </a:rPr>
+              <a:t>5</a:t>
+            </a:r>
+            <a:r>
+              <a:rPr lang="zh-CN" altLang="en-US" sz="1400" dirty="0" smtClean="0">
+                <a:latin typeface="微软雅黑" pitchFamily="34" charset="-122"/>
+                <a:ea typeface="微软雅黑" pitchFamily="34" charset="-122"/>
+              </a:rPr>
+              <a:t>：通用的接口封装与上传不一样</a:t>
+            </a:r>
+            <a:endParaRPr lang="en-US" altLang="zh-CN" sz="1400" dirty="0" smtClean="0">
+              <a:latin typeface="微软雅黑" pitchFamily="34" charset="-122"/>
+              <a:ea typeface="微软雅黑" pitchFamily="34" charset="-122"/>
+            </a:endParaRPr>
+          </a:p>
+          <a:p>
+            <a:pPr>
+              <a:lnSpc>
+                <a:spcPct val="150000"/>
+              </a:lnSpc>
+            </a:pPr>
+            <a:endParaRPr lang="en-US" altLang="zh-CN" sz="1400" dirty="0">
+              <a:latin typeface="微软雅黑" pitchFamily="34" charset="-122"/>
+              <a:ea typeface="微软雅黑" pitchFamily="34" charset="-122"/>
+            </a:endParaRPr>
+          </a:p>
+          <a:p>
+            <a:pPr>
+              <a:lnSpc>
+                <a:spcPct val="150000"/>
+              </a:lnSpc>
+            </a:pPr>
+            <a:r>
+              <a:rPr lang="zh-CN" altLang="en-US" sz="1400" b="1" dirty="0" smtClean="0">
+                <a:latin typeface="微软雅黑" pitchFamily="34" charset="-122"/>
+                <a:ea typeface="微软雅黑" pitchFamily="34" charset="-122"/>
+              </a:rPr>
+              <a:t>解决：</a:t>
+            </a:r>
+            <a:endParaRPr lang="en-US" altLang="zh-CN" sz="1400" b="1" dirty="0" smtClean="0">
+              <a:latin typeface="微软雅黑" pitchFamily="34" charset="-122"/>
+              <a:ea typeface="微软雅黑" pitchFamily="34" charset="-122"/>
+            </a:endParaRPr>
+          </a:p>
+          <a:p>
+            <a:pPr>
+              <a:lnSpc>
+                <a:spcPct val="150000"/>
+              </a:lnSpc>
+            </a:pPr>
+            <a:r>
+              <a:rPr lang="en-US" altLang="zh-CN" sz="1400" dirty="0" smtClean="0">
+                <a:latin typeface="微软雅黑" pitchFamily="34" charset="-122"/>
+                <a:ea typeface="微软雅黑" pitchFamily="34" charset="-122"/>
+              </a:rPr>
+              <a:t>1</a:t>
+            </a:r>
+            <a:r>
+              <a:rPr lang="zh-CN" altLang="en-US" sz="1400" dirty="0" smtClean="0">
+                <a:latin typeface="微软雅黑" pitchFamily="34" charset="-122"/>
+                <a:ea typeface="微软雅黑" pitchFamily="34" charset="-122"/>
+              </a:rPr>
+              <a:t>：</a:t>
+            </a:r>
+            <a:r>
+              <a:rPr lang="zh-CN" altLang="en-US" sz="1400" dirty="0">
+                <a:latin typeface="微软雅黑" pitchFamily="34" charset="-122"/>
+                <a:ea typeface="微软雅黑" pitchFamily="34" charset="-122"/>
+              </a:rPr>
+              <a:t>创建</a:t>
+            </a:r>
+            <a:r>
+              <a:rPr lang="en-US" altLang="zh-CN" sz="1400" dirty="0" err="1">
+                <a:latin typeface="微软雅黑" pitchFamily="34" charset="-122"/>
+                <a:ea typeface="微软雅黑" pitchFamily="34" charset="-122"/>
+              </a:rPr>
+              <a:t>formData</a:t>
+            </a:r>
+            <a:r>
+              <a:rPr lang="zh-CN" altLang="en-US" sz="1400" dirty="0" smtClean="0">
+                <a:latin typeface="微软雅黑" pitchFamily="34" charset="-122"/>
+                <a:ea typeface="微软雅黑" pitchFamily="34" charset="-122"/>
+              </a:rPr>
+              <a:t>对象</a:t>
+            </a:r>
+            <a:r>
+              <a:rPr lang="en-US" altLang="zh-CN" sz="1400" dirty="0" smtClean="0">
+                <a:latin typeface="微软雅黑" pitchFamily="34" charset="-122"/>
+                <a:ea typeface="微软雅黑" pitchFamily="34" charset="-122"/>
+              </a:rPr>
+              <a:t>, </a:t>
+            </a:r>
+            <a:r>
+              <a:rPr lang="zh-CN" altLang="en-US" sz="1400" dirty="0" smtClean="0">
+                <a:latin typeface="微软雅黑" pitchFamily="34" charset="-122"/>
+                <a:ea typeface="微软雅黑" pitchFamily="34" charset="-122"/>
+              </a:rPr>
+              <a:t>对上传文件增加</a:t>
+            </a:r>
+            <a:r>
+              <a:rPr lang="en-US" altLang="zh-CN" sz="1400" dirty="0" err="1" smtClean="0">
+                <a:solidFill>
+                  <a:srgbClr val="FF0000"/>
+                </a:solidFill>
+                <a:latin typeface="微软雅黑" pitchFamily="34" charset="-122"/>
+                <a:ea typeface="微软雅黑" pitchFamily="34" charset="-122"/>
+              </a:rPr>
+              <a:t>excelFile</a:t>
+            </a:r>
+            <a:r>
+              <a:rPr lang="zh-CN" altLang="en-US" sz="1400" dirty="0" smtClean="0">
+                <a:latin typeface="微软雅黑" pitchFamily="34" charset="-122"/>
+                <a:ea typeface="微软雅黑" pitchFamily="34" charset="-122"/>
+              </a:rPr>
+              <a:t>标识</a:t>
+            </a:r>
+            <a:endParaRPr lang="en-US" altLang="zh-CN" sz="1400" i="1" dirty="0" smtClean="0">
+              <a:latin typeface="微软雅黑" pitchFamily="34" charset="-122"/>
+              <a:ea typeface="微软雅黑" pitchFamily="34" charset="-122"/>
+            </a:endParaRPr>
+          </a:p>
+          <a:p>
+            <a:pPr>
+              <a:lnSpc>
+                <a:spcPct val="150000"/>
+              </a:lnSpc>
+            </a:pPr>
+            <a:r>
+              <a:rPr lang="en-US" altLang="zh-CN" sz="1400" dirty="0" smtClean="0">
+                <a:latin typeface="微软雅黑" pitchFamily="34" charset="-122"/>
+                <a:ea typeface="微软雅黑" pitchFamily="34" charset="-122"/>
+              </a:rPr>
+              <a:t>2</a:t>
+            </a:r>
+            <a:r>
+              <a:rPr lang="zh-CN" altLang="en-US" sz="1400" dirty="0" smtClean="0">
+                <a:latin typeface="微软雅黑" pitchFamily="34" charset="-122"/>
+                <a:ea typeface="微软雅黑" pitchFamily="34" charset="-122"/>
+              </a:rPr>
+              <a:t>：配置上传的参数</a:t>
+            </a:r>
+            <a:r>
+              <a:rPr lang="en-US" altLang="zh-CN" sz="1400" dirty="0" err="1" smtClean="0">
+                <a:latin typeface="微软雅黑" pitchFamily="34" charset="-122"/>
+                <a:ea typeface="微软雅黑" pitchFamily="34" charset="-122"/>
+              </a:rPr>
+              <a:t>customRequest</a:t>
+            </a:r>
+            <a:endParaRPr lang="en-US" altLang="zh-CN" sz="1400" dirty="0" smtClean="0">
+              <a:latin typeface="微软雅黑" pitchFamily="34" charset="-122"/>
+              <a:ea typeface="微软雅黑" pitchFamily="34" charset="-122"/>
+            </a:endParaRPr>
+          </a:p>
+          <a:p>
+            <a:pPr>
+              <a:lnSpc>
+                <a:spcPct val="150000"/>
+              </a:lnSpc>
+            </a:pPr>
+            <a:r>
+              <a:rPr lang="en-US" altLang="zh-CN" sz="1400" dirty="0" smtClean="0">
+                <a:latin typeface="微软雅黑" pitchFamily="34" charset="-122"/>
+                <a:ea typeface="微软雅黑" pitchFamily="34" charset="-122"/>
+              </a:rPr>
+              <a:t>3</a:t>
+            </a:r>
+            <a:r>
+              <a:rPr lang="zh-CN" altLang="en-US" sz="1400" dirty="0" smtClean="0">
+                <a:latin typeface="微软雅黑" pitchFamily="34" charset="-122"/>
+                <a:ea typeface="微软雅黑" pitchFamily="34" charset="-122"/>
+              </a:rPr>
+              <a:t>：使用</a:t>
+            </a:r>
+            <a:r>
+              <a:rPr lang="en-US" altLang="zh-CN" sz="1400" dirty="0" err="1" smtClean="0">
+                <a:latin typeface="微软雅黑" pitchFamily="34" charset="-122"/>
+                <a:ea typeface="微软雅黑" pitchFamily="34" charset="-122"/>
+              </a:rPr>
+              <a:t>axios</a:t>
+            </a:r>
+            <a:r>
+              <a:rPr lang="zh-CN" altLang="en-US" sz="1400" dirty="0" smtClean="0">
+                <a:latin typeface="微软雅黑" pitchFamily="34" charset="-122"/>
+                <a:ea typeface="微软雅黑" pitchFamily="34" charset="-122"/>
+              </a:rPr>
+              <a:t>提交上传</a:t>
+            </a:r>
+            <a:endParaRPr lang="en-US" altLang="zh-CN" sz="1400" dirty="0">
+              <a:latin typeface="微软雅黑" pitchFamily="34" charset="-122"/>
+              <a:ea typeface="微软雅黑" pitchFamily="34" charset="-122"/>
+            </a:endParaRPr>
+          </a:p>
+        </p:txBody>
+      </p:sp>
     </p:spTree>
+    <p:extLst>
+      <p:ext uri="{BB962C8B-B14F-4D97-AF65-F5344CB8AC3E}">
+        <p14:creationId xmlns:p14="http://schemas.microsoft.com/office/powerpoint/2010/main" val="2020061150"/>
+      </p:ext>
+    </p:extLst>
   </p:cSld>
   <p:clrMapOvr>
     <a:masterClrMapping/>
@@ -14601,6 +15135,264 @@
       </p:grpSpPr>
       <p:sp>
         <p:nvSpPr>
+          <p:cNvPr id="5" name="标题 4"/>
+          <p:cNvSpPr>
+            <a:spLocks noGrp="1"/>
+          </p:cNvSpPr>
+          <p:nvPr>
+            <p:ph type="title"/>
+          </p:nvPr>
+        </p:nvSpPr>
+        <p:spPr/>
+        <p:txBody>
+          <a:bodyPr/>
+          <a:lstStyle/>
+          <a:p>
+            <a:r>
+              <a:rPr lang="zh-CN" altLang="en-US" dirty="0" smtClean="0">
+                <a:latin typeface="微软雅黑" panose="020B0503020204020204" pitchFamily="34" charset="-122"/>
+                <a:ea typeface="微软雅黑" panose="020B0503020204020204" pitchFamily="34" charset="-122"/>
+              </a:rPr>
+              <a:t>试用期总结：企业融入</a:t>
+            </a:r>
+            <a:endParaRPr lang="zh-CN" altLang="en-US" dirty="0">
+              <a:latin typeface="微软雅黑" panose="020B0503020204020204" pitchFamily="34" charset="-122"/>
+              <a:ea typeface="微软雅黑" panose="020B0503020204020204" pitchFamily="34" charset="-122"/>
+            </a:endParaRPr>
+          </a:p>
+        </p:txBody>
+      </p:sp>
+      <p:sp>
+        <p:nvSpPr>
+          <p:cNvPr id="10" name="矩形 9"/>
+          <p:cNvSpPr/>
+          <p:nvPr/>
+        </p:nvSpPr>
+        <p:spPr>
+          <a:xfrm>
+            <a:off x="606425" y="1298575"/>
+            <a:ext cx="1877437" cy="497957"/>
+          </a:xfrm>
+          <a:prstGeom prst="rect">
+            <a:avLst/>
+          </a:prstGeom>
+        </p:spPr>
+        <p:txBody>
+          <a:bodyPr wrap="none">
+            <a:spAutoFit/>
+          </a:bodyPr>
+          <a:lstStyle/>
+          <a:p>
+            <a:pPr marL="457200" indent="-457200">
+              <a:lnSpc>
+                <a:spcPct val="120000"/>
+              </a:lnSpc>
+              <a:spcBef>
+                <a:spcPct val="50000"/>
+              </a:spcBef>
+              <a:buClr>
+                <a:srgbClr val="0070C0"/>
+              </a:buClr>
+              <a:buSzPct val="80000"/>
+              <a:buFont typeface="Wingdings" panose="05000000000000000000" pitchFamily="2" charset="2"/>
+              <a:buChar char="l"/>
+            </a:pPr>
+            <a:r>
+              <a:rPr lang="zh-CN" altLang="en-US" sz="2400" b="1" dirty="0" smtClean="0">
+                <a:latin typeface="微软雅黑" panose="020B0503020204020204" pitchFamily="34" charset="-122"/>
+                <a:ea typeface="微软雅黑" panose="020B0503020204020204" pitchFamily="34" charset="-122"/>
+              </a:rPr>
+              <a:t>企业融入</a:t>
+            </a:r>
+            <a:endParaRPr lang="zh-CN" altLang="en-US" sz="2400" b="1" dirty="0">
+              <a:latin typeface="微软雅黑" panose="020B0503020204020204" pitchFamily="34" charset="-122"/>
+              <a:ea typeface="微软雅黑" panose="020B0503020204020204" pitchFamily="34" charset="-122"/>
+            </a:endParaRPr>
+          </a:p>
+        </p:txBody>
+      </p:sp>
+      <p:sp>
+        <p:nvSpPr>
+          <p:cNvPr id="11" name="内容占位符 5"/>
+          <p:cNvSpPr txBox="1"/>
+          <p:nvPr/>
+        </p:nvSpPr>
+        <p:spPr bwMode="auto">
+          <a:xfrm>
+            <a:off x="683568" y="1921811"/>
+            <a:ext cx="8136904" cy="3091365"/>
+          </a:xfrm>
+          <a:prstGeom prst="rect">
+            <a:avLst/>
+          </a:prstGeom>
+          <a:noFill/>
+          <a:ln w="9525">
+            <a:noFill/>
+            <a:prstDash val="dash"/>
+            <a:miter lim="800000"/>
+          </a:ln>
+        </p:spPr>
+        <p:txBody>
+          <a:bodyPr vert="horz" wrap="square" lIns="91440" tIns="45720" rIns="91440" bIns="45720" numCol="1" anchor="t" anchorCtr="0" compatLnSpc="1"/>
+          <a:lstStyle/>
+          <a:p>
+            <a:pPr lvl="0" indent="-342900" algn="just" eaLnBrk="0" fontAlgn="base" hangingPunct="0">
+              <a:lnSpc>
+                <a:spcPct val="120000"/>
+              </a:lnSpc>
+              <a:spcBef>
+                <a:spcPts val="1200"/>
+              </a:spcBef>
+              <a:buClr>
+                <a:srgbClr val="5DB2FF"/>
+              </a:buClr>
+              <a:buSzPct val="80000"/>
+            </a:pPr>
+            <a:r>
+              <a:rPr lang="zh-CN" altLang="en-US" sz="1400" dirty="0" smtClean="0">
+                <a:ea typeface="微软雅黑" panose="020B0503020204020204" pitchFamily="34" charset="-122"/>
+              </a:rPr>
+              <a:t>非常感谢导师和组长，以及项目组的小伙伴的支持。</a:t>
+            </a:r>
+            <a:endParaRPr lang="en-US" altLang="zh-CN" sz="1400" dirty="0">
+              <a:ea typeface="微软雅黑" panose="020B0503020204020204" pitchFamily="34" charset="-122"/>
+            </a:endParaRPr>
+          </a:p>
+          <a:p>
+            <a:pPr lvl="0" indent="-342900" algn="just" eaLnBrk="0" fontAlgn="base" hangingPunct="0">
+              <a:lnSpc>
+                <a:spcPct val="120000"/>
+              </a:lnSpc>
+              <a:spcBef>
+                <a:spcPts val="1200"/>
+              </a:spcBef>
+              <a:buClr>
+                <a:srgbClr val="5DB2FF"/>
+              </a:buClr>
+              <a:buSzPct val="80000"/>
+            </a:pPr>
+            <a:r>
+              <a:rPr lang="zh-CN" altLang="en-US" sz="1400" dirty="0" smtClean="0">
+                <a:ea typeface="微软雅黑" panose="020B0503020204020204" pitchFamily="34" charset="-122"/>
+              </a:rPr>
+              <a:t>在工作中能迅速的融入公司，进行项目（云锁及智能照明）开发。开发中，也非常感前端伙伴及服务端同事的强有力支持，让我更有效的进行开发。</a:t>
+            </a:r>
+            <a:endParaRPr lang="en-US" altLang="zh-CN" sz="1400" dirty="0">
+              <a:ea typeface="微软雅黑" panose="020B0503020204020204" pitchFamily="34" charset="-122"/>
+            </a:endParaRPr>
+          </a:p>
+          <a:p>
+            <a:pPr lvl="0" indent="-342900" algn="just" eaLnBrk="0" fontAlgn="base" hangingPunct="0">
+              <a:lnSpc>
+                <a:spcPct val="120000"/>
+              </a:lnSpc>
+              <a:spcBef>
+                <a:spcPts val="1200"/>
+              </a:spcBef>
+              <a:buClr>
+                <a:srgbClr val="5DB2FF"/>
+              </a:buClr>
+              <a:buSzPct val="80000"/>
+            </a:pPr>
+            <a:r>
+              <a:rPr lang="zh-CN" altLang="en-US" sz="1400" dirty="0" smtClean="0">
+                <a:ea typeface="微软雅黑" panose="020B0503020204020204" pitchFamily="34" charset="-122"/>
+              </a:rPr>
+              <a:t>通过公司企业文化的培训及考试，也让我更快的了解公司文化及规章制度等，快速的融入公司。</a:t>
+            </a:r>
+            <a:r>
+              <a:rPr lang="en-US" altLang="zh-CN" sz="1400" dirty="0" smtClean="0">
+                <a:ea typeface="微软雅黑" panose="020B0503020204020204" pitchFamily="34" charset="-122"/>
+              </a:rPr>
+              <a:t> </a:t>
+            </a:r>
+          </a:p>
+          <a:p>
+            <a:pPr lvl="0" indent="-342900" algn="just" eaLnBrk="0" fontAlgn="base" hangingPunct="0">
+              <a:lnSpc>
+                <a:spcPct val="120000"/>
+              </a:lnSpc>
+              <a:spcBef>
+                <a:spcPts val="1200"/>
+              </a:spcBef>
+              <a:buClr>
+                <a:srgbClr val="5DB2FF"/>
+              </a:buClr>
+              <a:buSzPct val="80000"/>
+            </a:pPr>
+            <a:r>
+              <a:rPr lang="zh-CN" altLang="en-US" sz="1400" dirty="0" smtClean="0">
+                <a:ea typeface="微软雅黑" panose="020B0503020204020204" pitchFamily="34" charset="-122"/>
+              </a:rPr>
+              <a:t>参与团建活动也是一方法</a:t>
+            </a:r>
+            <a:endParaRPr lang="en-US" altLang="zh-CN" sz="1400" dirty="0" smtClean="0">
+              <a:ea typeface="微软雅黑" panose="020B0503020204020204" pitchFamily="34" charset="-122"/>
+            </a:endParaRPr>
+          </a:p>
+        </p:txBody>
+      </p:sp>
+      <p:sp>
+        <p:nvSpPr>
+          <p:cNvPr id="7" name="灯片编号占位符 6"/>
+          <p:cNvSpPr>
+            <a:spLocks noGrp="1"/>
+          </p:cNvSpPr>
+          <p:nvPr>
+            <p:ph type="sldNum" sz="quarter" idx="10"/>
+          </p:nvPr>
+        </p:nvSpPr>
+        <p:spPr/>
+        <p:txBody>
+          <a:bodyPr/>
+          <a:lstStyle/>
+          <a:p>
+            <a:pPr>
+              <a:defRPr/>
+            </a:pPr>
+            <a:fld id="{4816A599-0D7A-4ED1-B317-DB57F830172B}" type="slidenum">
+              <a:rPr lang="zh-CN" altLang="en-US" smtClean="0"/>
+              <a:t>20</a:t>
+            </a:fld>
+            <a:endParaRPr lang="zh-CN" altLang="en-US"/>
+          </a:p>
+        </p:txBody>
+      </p:sp>
+    </p:spTree>
+  </p:cSld>
+  <p:clrMapOvr>
+    <a:masterClrMapping/>
+  </p:clrMapOvr>
+  <p:transition/>
+  <p:timing>
+    <p:tnLst>
+      <p:par>
+        <p:cTn id="1" dur="indefinite" restart="never" nodeType="tmRoot"/>
+      </p:par>
+    </p:tnLst>
+  </p:timing>
+</p:sld>
+</file>
+
+<file path=ppt/slides/slide21.xml><?xml version="1.0" encoding="utf-8"?>
+<p:sld xmlns:a="http://schemas.openxmlformats.org/drawingml/2006/main" xmlns:r="http://schemas.openxmlformats.org/officeDocument/2006/relationships" xmlns:p="http://schemas.openxmlformats.org/presentationml/2006/main">
+  <p:cSld>
+    <p:spTree>
+      <p:nvGrpSpPr>
+        <p:cNvPr id="1" name=""/>
+        <p:cNvGrpSpPr/>
+        <p:nvPr/>
+      </p:nvGrpSpPr>
+      <p:grpSpPr>
+        <a:xfrm>
+          <a:off x="0" y="0"/>
+          <a:ext cx="0" cy="0"/>
+          <a:chOff x="0" y="0"/>
+          <a:chExt cx="0" cy="0"/>
+        </a:xfrm>
+      </p:grpSpPr>
+      <p:sp>
+        <p:nvSpPr>
           <p:cNvPr id="2" name="标题 1"/>
           <p:cNvSpPr>
             <a:spLocks noGrp="1"/>
@@ -14648,7 +15440,7 @@
             </a:pPr>
             <a:fld id="{4816A599-0D7A-4ED1-B317-DB57F830172B}" type="slidenum">
               <a:rPr lang="zh-CN" altLang="en-US" smtClean="0"/>
-              <a:t>20</a:t>
+              <a:t>21</a:t>
             </a:fld>
             <a:endParaRPr lang="zh-CN" altLang="en-US"/>
           </a:p>
@@ -15233,7 +16025,7 @@
 </p:sld>
 </file>
 
-<file path=ppt/slides/slide21.xml><?xml version="1.0" encoding="utf-8"?>
+<file path=ppt/slides/slide22.xml><?xml version="1.0" encoding="utf-8"?>
 <p:sld xmlns:a="http://schemas.openxmlformats.org/drawingml/2006/main" xmlns:r="http://schemas.openxmlformats.org/officeDocument/2006/relationships" xmlns:p="http://schemas.openxmlformats.org/presentationml/2006/main">
   <p:cSld>
     <p:spTree>
@@ -15270,7 +16062,7 @@
             </a:pPr>
             <a:fld id="{4816A599-0D7A-4ED1-B317-DB57F830172B}" type="slidenum">
               <a:rPr lang="zh-CN" altLang="en-US" smtClean="0"/>
-              <a:t>21</a:t>
+              <a:t>22</a:t>
             </a:fld>
             <a:endParaRPr lang="zh-CN" altLang="en-US"/>
           </a:p>
@@ -16904,7 +17696,7 @@
 </p:sld>
 </file>
 
-<file path=ppt/slides/slide22.xml><?xml version="1.0" encoding="utf-8"?>
+<file path=ppt/slides/slide23.xml><?xml version="1.0" encoding="utf-8"?>
 <p:sld xmlns:a="http://schemas.openxmlformats.org/drawingml/2006/main" xmlns:r="http://schemas.openxmlformats.org/officeDocument/2006/relationships" xmlns:p="http://schemas.openxmlformats.org/presentationml/2006/main">
   <p:cSld>
     <p:spTree>
@@ -16941,7 +17733,7 @@
             </a:pPr>
             <a:fld id="{4816A599-0D7A-4ED1-B317-DB57F830172B}" type="slidenum">
               <a:rPr lang="zh-CN" altLang="en-US" smtClean="0"/>
-              <a:t>22</a:t>
+              <a:t>23</a:t>
             </a:fld>
             <a:endParaRPr lang="zh-CN" altLang="en-US"/>
           </a:p>
@@ -19666,272 +20458,6 @@
 </p:sld>
 </file>
 
-<file path=ppt/slides/slide23.xml><?xml version="1.0" encoding="utf-8"?>
-<p:sld xmlns:a="http://schemas.openxmlformats.org/drawingml/2006/main" xmlns:r="http://schemas.openxmlformats.org/officeDocument/2006/relationships" xmlns:p="http://schemas.openxmlformats.org/presentationml/2006/main">
-  <p:cSld>
-    <p:spTree>
-      <p:nvGrpSpPr>
-        <p:cNvPr id="1" name=""/>
-        <p:cNvGrpSpPr/>
-        <p:nvPr/>
-      </p:nvGrpSpPr>
-      <p:grpSpPr>
-        <a:xfrm>
-          <a:off x="0" y="0"/>
-          <a:ext cx="0" cy="0"/>
-          <a:chOff x="0" y="0"/>
-          <a:chExt cx="0" cy="0"/>
-        </a:xfrm>
-      </p:grpSpPr>
-      <p:sp>
-        <p:nvSpPr>
-          <p:cNvPr id="2" name="标题 1"/>
-          <p:cNvSpPr>
-            <a:spLocks noGrp="1"/>
-          </p:cNvSpPr>
-          <p:nvPr>
-            <p:ph type="title"/>
-          </p:nvPr>
-        </p:nvSpPr>
-        <p:spPr/>
-        <p:txBody>
-          <a:bodyPr/>
-          <a:lstStyle/>
-          <a:p>
-            <a:r>
-              <a:rPr lang="zh-CN" altLang="en-US" dirty="0">
-                <a:latin typeface="微软雅黑" pitchFamily="34" charset="-122"/>
-                <a:ea typeface="微软雅黑" pitchFamily="34" charset="-122"/>
-              </a:rPr>
-              <a:t>个人自评：任职资格认证</a:t>
-            </a:r>
-            <a:endParaRPr lang="zh-CN" altLang="en-US" dirty="0"/>
-          </a:p>
-        </p:txBody>
-      </p:sp>
-      <p:sp>
-        <p:nvSpPr>
-          <p:cNvPr id="4" name="灯片编号占位符 3"/>
-          <p:cNvSpPr>
-            <a:spLocks noGrp="1"/>
-          </p:cNvSpPr>
-          <p:nvPr>
-            <p:ph type="sldNum" sz="quarter" idx="10"/>
-          </p:nvPr>
-        </p:nvSpPr>
-        <p:spPr/>
-        <p:txBody>
-          <a:bodyPr/>
-          <a:lstStyle/>
-          <a:p>
-            <a:pPr>
-              <a:defRPr/>
-            </a:pPr>
-            <a:fld id="{4816A599-0D7A-4ED1-B317-DB57F830172B}" type="slidenum">
-              <a:rPr lang="zh-CN" altLang="en-US" smtClean="0"/>
-              <a:t>23</a:t>
-            </a:fld>
-            <a:endParaRPr lang="zh-CN" altLang="en-US"/>
-          </a:p>
-        </p:txBody>
-      </p:sp>
-      <p:sp>
-        <p:nvSpPr>
-          <p:cNvPr id="5" name="内容占位符 5"/>
-          <p:cNvSpPr>
-            <a:spLocks noGrp="1"/>
-          </p:cNvSpPr>
-          <p:nvPr>
-            <p:ph idx="1"/>
-          </p:nvPr>
-        </p:nvSpPr>
-        <p:spPr>
-          <a:xfrm>
-            <a:off x="683568" y="1844824"/>
-            <a:ext cx="7776864" cy="1800200"/>
-          </a:xfrm>
-        </p:spPr>
-        <p:txBody>
-          <a:bodyPr/>
-          <a:lstStyle/>
-          <a:p>
-            <a:pPr>
-              <a:spcBef>
-                <a:spcPts val="600"/>
-              </a:spcBef>
-              <a:spcAft>
-                <a:spcPts val="0"/>
-              </a:spcAft>
-              <a:buFont typeface="Wingdings" pitchFamily="2" charset="2"/>
-              <a:buChar char="n"/>
-            </a:pPr>
-            <a:r>
-              <a:rPr lang="zh-CN" altLang="en-US" sz="1600" b="0" dirty="0" smtClean="0">
-                <a:latin typeface="微软雅黑" pitchFamily="34" charset="-122"/>
-              </a:rPr>
-              <a:t>开发设计；</a:t>
-            </a:r>
-            <a:endParaRPr lang="en-US" altLang="zh-CN" sz="1600" b="0" dirty="0">
-              <a:latin typeface="微软雅黑" pitchFamily="34" charset="-122"/>
-            </a:endParaRPr>
-          </a:p>
-          <a:p>
-            <a:pPr>
-              <a:spcBef>
-                <a:spcPts val="600"/>
-              </a:spcBef>
-              <a:spcAft>
-                <a:spcPts val="0"/>
-              </a:spcAft>
-              <a:buFont typeface="Wingdings" pitchFamily="2" charset="2"/>
-              <a:buChar char="n"/>
-            </a:pPr>
-            <a:r>
-              <a:rPr lang="zh-CN" altLang="en-US" sz="1600" b="0" dirty="0" smtClean="0">
-                <a:latin typeface="微软雅黑" pitchFamily="34" charset="-122"/>
-              </a:rPr>
-              <a:t>规范与流程管理</a:t>
-            </a:r>
-            <a:endParaRPr lang="en-US" altLang="zh-CN" sz="1600" b="0" dirty="0" smtClean="0">
-              <a:latin typeface="微软雅黑" pitchFamily="34" charset="-122"/>
-            </a:endParaRPr>
-          </a:p>
-          <a:p>
-            <a:pPr>
-              <a:spcBef>
-                <a:spcPts val="600"/>
-              </a:spcBef>
-              <a:spcAft>
-                <a:spcPts val="0"/>
-              </a:spcAft>
-              <a:buFont typeface="Wingdings" pitchFamily="2" charset="2"/>
-              <a:buChar char="n"/>
-            </a:pPr>
-            <a:r>
-              <a:rPr lang="zh-CN" altLang="en-US" sz="1600" b="0" dirty="0" smtClean="0">
-                <a:latin typeface="微软雅黑" pitchFamily="34" charset="-122"/>
-              </a:rPr>
-              <a:t>内外部交流</a:t>
-            </a:r>
-            <a:endParaRPr lang="en-US" altLang="zh-CN" sz="1600" b="0" dirty="0" smtClean="0">
-              <a:latin typeface="微软雅黑" pitchFamily="34" charset="-122"/>
-            </a:endParaRPr>
-          </a:p>
-          <a:p>
-            <a:pPr>
-              <a:spcBef>
-                <a:spcPts val="600"/>
-              </a:spcBef>
-              <a:spcAft>
-                <a:spcPts val="0"/>
-              </a:spcAft>
-              <a:buFont typeface="Wingdings" pitchFamily="2" charset="2"/>
-              <a:buChar char="n"/>
-            </a:pPr>
-            <a:r>
-              <a:rPr lang="zh-CN" altLang="en-US" sz="1600" b="0" dirty="0" smtClean="0">
-                <a:latin typeface="微软雅黑" pitchFamily="34" charset="-122"/>
-              </a:rPr>
-              <a:t>学习与分享</a:t>
-            </a:r>
-            <a:endParaRPr lang="en-US" altLang="zh-CN" sz="1600" b="0" dirty="0" smtClean="0">
-              <a:latin typeface="微软雅黑" pitchFamily="34" charset="-122"/>
-            </a:endParaRPr>
-          </a:p>
-          <a:p>
-            <a:pPr>
-              <a:spcBef>
-                <a:spcPts val="600"/>
-              </a:spcBef>
-              <a:spcAft>
-                <a:spcPts val="0"/>
-              </a:spcAft>
-              <a:buFont typeface="Wingdings" pitchFamily="2" charset="2"/>
-              <a:buChar char="n"/>
-            </a:pPr>
-            <a:endParaRPr lang="en-US" altLang="zh-CN" sz="1600" b="0" dirty="0" smtClean="0">
-              <a:latin typeface="微软雅黑" pitchFamily="34" charset="-122"/>
-            </a:endParaRPr>
-          </a:p>
-        </p:txBody>
-      </p:sp>
-      <p:sp>
-        <p:nvSpPr>
-          <p:cNvPr id="7" name="矩形 6"/>
-          <p:cNvSpPr/>
-          <p:nvPr/>
-        </p:nvSpPr>
-        <p:spPr>
-          <a:xfrm>
-            <a:off x="611560" y="1268760"/>
-            <a:ext cx="3877985" cy="338554"/>
-          </a:xfrm>
-          <a:prstGeom prst="rect">
-            <a:avLst/>
-          </a:prstGeom>
-        </p:spPr>
-        <p:txBody>
-          <a:bodyPr wrap="none">
-            <a:spAutoFit/>
-          </a:bodyPr>
-          <a:lstStyle/>
-          <a:p>
-            <a:pPr>
-              <a:spcBef>
-                <a:spcPts val="600"/>
-              </a:spcBef>
-            </a:pPr>
-            <a:r>
-              <a:rPr lang="zh-CN" altLang="en-US" sz="1600" b="1" dirty="0">
-                <a:solidFill>
-                  <a:srgbClr val="0070C0"/>
-                </a:solidFill>
-                <a:latin typeface="微软雅黑" pitchFamily="34" charset="-122"/>
-                <a:ea typeface="微软雅黑" pitchFamily="34" charset="-122"/>
-              </a:rPr>
-              <a:t>本次转正答辩需认证的任职资格标准</a:t>
-            </a:r>
-            <a:r>
-              <a:rPr lang="zh-CN" altLang="en-US" sz="1600" b="1" dirty="0" smtClean="0">
-                <a:solidFill>
-                  <a:srgbClr val="0070C0"/>
-                </a:solidFill>
-                <a:latin typeface="微软雅黑" pitchFamily="34" charset="-122"/>
-                <a:ea typeface="微软雅黑" pitchFamily="34" charset="-122"/>
-              </a:rPr>
-              <a:t>要素</a:t>
-            </a:r>
-            <a:endParaRPr lang="en-US" altLang="zh-CN" sz="1600" b="1" dirty="0">
-              <a:solidFill>
-                <a:srgbClr val="0070C0"/>
-              </a:solidFill>
-              <a:latin typeface="微软雅黑" pitchFamily="34" charset="-122"/>
-              <a:ea typeface="微软雅黑" pitchFamily="34" charset="-122"/>
-            </a:endParaRPr>
-          </a:p>
-        </p:txBody>
-      </p:sp>
-    </p:spTree>
-    <p:extLst>
-      <p:ext uri="{BB962C8B-B14F-4D97-AF65-F5344CB8AC3E}">
-        <p14:creationId xmlns:p14="http://schemas.microsoft.com/office/powerpoint/2010/main" val="1816215390"/>
-      </p:ext>
-    </p:extLst>
-  </p:cSld>
-  <p:clrMapOvr>
-    <a:masterClrMapping/>
-  </p:clrMapOvr>
-  <p:transition/>
-  <p:timing>
-    <p:tnLst>
-      <p:par>
-        <p:cTn id="1" dur="indefinite" restart="never" nodeType="tmRoot"/>
-      </p:par>
-    </p:tnLst>
-  </p:timing>
-</p:sld>
-</file>
-
 <file path=ppt/slides/slide24.xml><?xml version="1.0" encoding="utf-8"?>
 <p:sld xmlns:a="http://schemas.openxmlformats.org/drawingml/2006/main" xmlns:r="http://schemas.openxmlformats.org/officeDocument/2006/relationships" xmlns:p="http://schemas.openxmlformats.org/presentationml/2006/main">
   <p:cSld>
@@ -20013,8 +20539,8 @@
         </p:nvSpPr>
         <p:spPr>
           <a:xfrm>
-            <a:off x="611560" y="4149080"/>
-            <a:ext cx="7911609" cy="1368152"/>
+            <a:off x="683568" y="1844824"/>
+            <a:ext cx="7776864" cy="1800200"/>
           </a:xfrm>
         </p:spPr>
         <p:txBody>
@@ -20022,9 +20548,6 @@
           <a:lstStyle/>
           <a:p>
             <a:pPr>
-              <a:lnSpc>
-                <a:spcPct val="150000"/>
-              </a:lnSpc>
               <a:spcBef>
                 <a:spcPts val="600"/>
               </a:spcBef>
@@ -20032,31 +20555,20 @@
                 <a:spcPts val="0"/>
               </a:spcAft>
               <a:buFont typeface="Wingdings" pitchFamily="2" charset="2"/>
-              <a:buChar char="ü"/>
+              <a:buChar char="n"/>
             </a:pPr>
             <a:r>
-              <a:rPr lang="zh-CN" altLang="en-US" sz="1600" b="0" dirty="0" smtClean="0"/>
-              <a:t>多</a:t>
-            </a:r>
-            <a:r>
-              <a:rPr lang="zh-CN" altLang="en-US" sz="1600" b="0" dirty="0"/>
-              <a:t>学习项目架构设计，提升系统性能方面的</a:t>
-            </a:r>
-            <a:r>
-              <a:rPr lang="zh-CN" altLang="en-US" sz="1600" b="0" dirty="0" smtClean="0"/>
-              <a:t>知识</a:t>
-            </a:r>
-            <a:r>
-              <a:rPr lang="zh-CN" altLang="en-US" sz="1600" b="0" dirty="0"/>
-              <a:t>；</a:t>
-            </a:r>
-            <a:endParaRPr lang="en-US" altLang="zh-CN" sz="1600" b="0" dirty="0" smtClean="0"/>
+              <a:rPr lang="zh-CN" altLang="en-US" sz="1600" b="0" dirty="0" smtClean="0">
+                <a:latin typeface="微软雅黑" pitchFamily="34" charset="-122"/>
+              </a:rPr>
+              <a:t>开发设计；</a:t>
+            </a:r>
+            <a:endParaRPr lang="en-US" altLang="zh-CN" sz="1600" b="0" dirty="0">
+              <a:latin typeface="微软雅黑" pitchFamily="34" charset="-122"/>
+            </a:endParaRPr>
           </a:p>
           <a:p>
             <a:pPr>
-              <a:lnSpc>
-                <a:spcPct val="150000"/>
-              </a:lnSpc>
               <a:spcBef>
                 <a:spcPts val="600"/>
               </a:spcBef>
@@ -20064,35 +20576,20 @@
                 <a:spcPts val="0"/>
               </a:spcAft>
               <a:buFont typeface="Wingdings" pitchFamily="2" charset="2"/>
-              <a:buChar char="ü"/>
+              <a:buChar char="n"/>
             </a:pPr>
             <a:r>
-              <a:rPr lang="zh-CN" altLang="en-US" sz="1600" b="0" dirty="0" smtClean="0"/>
-              <a:t>深入</a:t>
-            </a:r>
-            <a:r>
-              <a:rPr lang="zh-CN" altLang="en-US" sz="1600" b="0" dirty="0"/>
-              <a:t>移动端，</a:t>
-            </a:r>
-            <a:r>
-              <a:rPr lang="zh-CN" altLang="en-US" sz="1600" b="0" dirty="0" smtClean="0"/>
-              <a:t>以及物联软硬件相接合的</a:t>
-            </a:r>
-            <a:r>
-              <a:rPr lang="zh-CN" altLang="en-US" sz="1600" b="0" dirty="0"/>
-              <a:t>开发</a:t>
-            </a:r>
-            <a:r>
-              <a:rPr lang="zh-CN" altLang="en-US" sz="1600" b="0" dirty="0" smtClean="0"/>
-              <a:t>学习，提升自己基础性的技术知识；</a:t>
-            </a:r>
-            <a:endParaRPr lang="en-US" altLang="zh-CN" sz="1600" b="0" dirty="0" smtClean="0"/>
+              <a:rPr lang="zh-CN" altLang="en-US" sz="1600" b="0" dirty="0" smtClean="0">
+                <a:latin typeface="微软雅黑" pitchFamily="34" charset="-122"/>
+              </a:rPr>
+              <a:t>规范与流程管理</a:t>
+            </a:r>
+            <a:endParaRPr lang="en-US" altLang="zh-CN" sz="1600" b="0" dirty="0" smtClean="0">
+              <a:latin typeface="微软雅黑" pitchFamily="34" charset="-122"/>
+            </a:endParaRPr>
           </a:p>
           <a:p>
             <a:pPr>
-              <a:lnSpc>
-                <a:spcPct val="150000"/>
-              </a:lnSpc>
               <a:spcBef>
                 <a:spcPts val="600"/>
               </a:spcBef>
@@ -20100,279 +20597,108 @@
                 <a:spcPts val="0"/>
               </a:spcAft>
               <a:buFont typeface="Wingdings" pitchFamily="2" charset="2"/>
-              <a:buChar char="ü"/>
+              <a:buChar char="n"/>
             </a:pPr>
             <a:r>
-              <a:rPr lang="zh-CN" altLang="en-US" sz="1600" b="0" dirty="0" smtClean="0"/>
-              <a:t>学习项目知识</a:t>
-            </a:r>
-            <a:r>
-              <a:rPr lang="zh-CN" altLang="en-US" sz="1600" b="0" dirty="0"/>
-              <a:t>，提高</a:t>
-            </a:r>
-            <a:r>
-              <a:rPr lang="zh-CN" altLang="en-US" sz="1600" b="0" dirty="0" smtClean="0"/>
-              <a:t>团队与个人的知识水平。</a:t>
-            </a:r>
-            <a:endParaRPr lang="en-US" altLang="zh-CN" sz="1600" b="0" dirty="0"/>
-          </a:p>
-        </p:txBody>
-      </p:sp>
-      <p:sp>
-        <p:nvSpPr>
-          <p:cNvPr id="6" name="Rectangle 3"/>
-          <p:cNvSpPr>
-            <a:spLocks noChangeArrowheads="1"/>
-          </p:cNvSpPr>
-          <p:nvPr/>
-        </p:nvSpPr>
-        <p:spPr bwMode="auto">
-          <a:xfrm>
-            <a:off x="442794" y="3753037"/>
-            <a:ext cx="8080375" cy="360040"/>
-          </a:xfrm>
-          <a:prstGeom prst="rect">
-            <a:avLst/>
-          </a:prstGeom>
-          <a:noFill/>
-          <a:ln w="9525">
-            <a:noFill/>
-            <a:miter lim="800000"/>
-          </a:ln>
-        </p:spPr>
-        <p:txBody>
-          <a:bodyPr/>
-          <a:lstStyle/>
-          <a:p>
-            <a:pPr algn="l">
-              <a:lnSpc>
-                <a:spcPct val="120000"/>
-              </a:lnSpc>
-              <a:spcBef>
-                <a:spcPct val="50000"/>
-              </a:spcBef>
-              <a:buClr>
-                <a:srgbClr val="0070C0"/>
-              </a:buClr>
-            </a:pPr>
-            <a:r>
-              <a:rPr lang="zh-CN" altLang="en-US" sz="1600" b="1" dirty="0" smtClean="0">
-                <a:solidFill>
-                  <a:srgbClr val="0070C0"/>
-                </a:solidFill>
-                <a:latin typeface="微软雅黑" panose="020B0503020204020204" pitchFamily="34" charset="-122"/>
-                <a:ea typeface="微软雅黑" panose="020B0503020204020204" pitchFamily="34" charset="-122"/>
-              </a:rPr>
-              <a:t>个人规划与努力方向</a:t>
-            </a:r>
-            <a:endParaRPr lang="en-US" altLang="zh-CN" sz="1600" b="1" dirty="0">
-              <a:solidFill>
-                <a:srgbClr val="0070C0"/>
-              </a:solidFill>
-              <a:latin typeface="微软雅黑" panose="020B0503020204020204" pitchFamily="34" charset="-122"/>
-              <a:ea typeface="微软雅黑" panose="020B0503020204020204" pitchFamily="34" charset="-122"/>
+              <a:rPr lang="zh-CN" altLang="en-US" sz="1600" b="0" dirty="0" smtClean="0">
+                <a:latin typeface="微软雅黑" pitchFamily="34" charset="-122"/>
+              </a:rPr>
+              <a:t>内外部交流</a:t>
+            </a:r>
+            <a:endParaRPr lang="en-US" altLang="zh-CN" sz="1600" b="0" dirty="0" smtClean="0">
+              <a:latin typeface="微软雅黑" pitchFamily="34" charset="-122"/>
             </a:endParaRPr>
           </a:p>
-        </p:txBody>
-      </p:sp>
-      <p:sp>
-        <p:nvSpPr>
-          <p:cNvPr id="7" name="内容占位符 5"/>
-          <p:cNvSpPr txBox="1"/>
-          <p:nvPr/>
-        </p:nvSpPr>
-        <p:spPr bwMode="auto">
-          <a:xfrm>
-            <a:off x="428596" y="1775491"/>
-            <a:ext cx="8094573" cy="1437485"/>
-          </a:xfrm>
-          <a:prstGeom prst="rect">
-            <a:avLst/>
-          </a:prstGeom>
-          <a:noFill/>
-          <a:ln w="9525">
-            <a:noFill/>
-            <a:miter lim="800000"/>
-          </a:ln>
-        </p:spPr>
-        <p:txBody>
-          <a:bodyPr vert="horz" wrap="square" lIns="91440" tIns="45720" rIns="91440" bIns="45720" numCol="1" anchor="t" anchorCtr="0" compatLnSpc="1"/>
-          <a:lstStyle/>
-          <a:p>
-            <a:pPr marL="0" marR="0" lvl="0" indent="0" algn="just" defTabSz="914400" rtl="0" eaLnBrk="0" fontAlgn="base" latinLnBrk="0" hangingPunct="0">
-              <a:lnSpc>
-                <a:spcPct val="120000"/>
-              </a:lnSpc>
+          <a:p>
+            <a:pPr>
               <a:spcBef>
                 <a:spcPts val="600"/>
               </a:spcBef>
               <a:spcAft>
                 <a:spcPts val="0"/>
               </a:spcAft>
-              <a:buClr>
-                <a:srgbClr val="5DB2FF"/>
-              </a:buClr>
-              <a:buSzPct val="80000"/>
-              <a:buFont typeface="Wingdings" panose="05000000000000000000" pitchFamily="2" charset="2"/>
-              <a:buChar char="ü"/>
-              <a:defRPr/>
+              <a:buFont typeface="Wingdings" pitchFamily="2" charset="2"/>
+              <a:buChar char="n"/>
             </a:pPr>
             <a:r>
-              <a:rPr kumimoji="0" lang="zh-CN" altLang="en-US" sz="1600" b="0" i="0" u="none" strike="noStrike" kern="0" cap="none" spc="0" normalizeH="0" baseline="0" noProof="0" dirty="0" smtClean="0">
-                <a:ln>
-                  <a:noFill/>
-                </a:ln>
-                <a:effectLst/>
-                <a:uLnTx/>
-                <a:uFillTx/>
-                <a:ea typeface="微软雅黑" panose="020B0503020204020204" pitchFamily="34" charset="-122"/>
-              </a:rPr>
-              <a:t>工作量：</a:t>
-            </a:r>
-            <a:r>
-              <a:rPr lang="zh-CN" altLang="en-US" sz="1600" kern="0" noProof="0" dirty="0" smtClean="0">
-                <a:ea typeface="微软雅黑" panose="020B0503020204020204" pitchFamily="34" charset="-122"/>
-              </a:rPr>
-              <a:t>承受能力内</a:t>
-            </a:r>
-            <a:r>
-              <a:rPr kumimoji="0" lang="zh-CN" altLang="en-US" sz="1600" b="0" i="0" u="none" strike="noStrike" kern="0" cap="none" spc="0" normalizeH="0" baseline="0" noProof="0" dirty="0" smtClean="0">
-                <a:ln>
-                  <a:noFill/>
-                </a:ln>
-                <a:effectLst/>
-                <a:uLnTx/>
-                <a:uFillTx/>
-                <a:ea typeface="微软雅黑" panose="020B0503020204020204" pitchFamily="34" charset="-122"/>
-              </a:rPr>
-              <a:t>。</a:t>
-            </a:r>
-            <a:endParaRPr kumimoji="0" lang="en-US" altLang="zh-CN" sz="1600" b="0" i="0" u="none" strike="noStrike" kern="0" cap="none" spc="0" normalizeH="0" baseline="0" noProof="0" dirty="0" smtClean="0">
-              <a:ln>
-                <a:noFill/>
-              </a:ln>
-              <a:effectLst/>
-              <a:uLnTx/>
-              <a:uFillTx/>
-              <a:ea typeface="微软雅黑" panose="020B0503020204020204" pitchFamily="34" charset="-122"/>
+              <a:rPr lang="zh-CN" altLang="en-US" sz="1600" b="0" dirty="0" smtClean="0">
+                <a:latin typeface="微软雅黑" pitchFamily="34" charset="-122"/>
+              </a:rPr>
+              <a:t>学习与分享</a:t>
+            </a:r>
+            <a:endParaRPr lang="en-US" altLang="zh-CN" sz="1600" b="0" dirty="0" smtClean="0">
+              <a:latin typeface="微软雅黑" pitchFamily="34" charset="-122"/>
             </a:endParaRPr>
           </a:p>
           <a:p>
-            <a:pPr marL="0" marR="0" lvl="0" indent="0" algn="just" defTabSz="914400" rtl="0" eaLnBrk="0" fontAlgn="base" latinLnBrk="0" hangingPunct="0">
-              <a:lnSpc>
-                <a:spcPct val="120000"/>
-              </a:lnSpc>
+            <a:pPr>
               <a:spcBef>
                 <a:spcPts val="600"/>
               </a:spcBef>
               <a:spcAft>
                 <a:spcPts val="0"/>
               </a:spcAft>
-              <a:buClr>
-                <a:srgbClr val="5DB2FF"/>
-              </a:buClr>
-              <a:buSzPct val="80000"/>
-              <a:buFont typeface="Wingdings" panose="05000000000000000000" pitchFamily="2" charset="2"/>
-              <a:buChar char="ü"/>
-              <a:defRPr/>
+              <a:buFont typeface="Wingdings" pitchFamily="2" charset="2"/>
+              <a:buChar char="n"/>
             </a:pPr>
-            <a:r>
-              <a:rPr lang="zh-CN" altLang="en-US" sz="1600" kern="0" dirty="0" smtClean="0">
-                <a:ea typeface="微软雅黑" panose="020B0503020204020204" pitchFamily="34" charset="-122"/>
-              </a:rPr>
-              <a:t>工作任务安排：</a:t>
-            </a:r>
-            <a:endParaRPr lang="en-US" altLang="zh-CN" sz="1600" kern="0" dirty="0" smtClean="0">
-              <a:ea typeface="微软雅黑" panose="020B0503020204020204" pitchFamily="34" charset="-122"/>
-            </a:endParaRPr>
-          </a:p>
-          <a:p>
-            <a:pPr lvl="0" algn="just" eaLnBrk="0" fontAlgn="base" hangingPunct="0">
-              <a:lnSpc>
-                <a:spcPct val="120000"/>
-              </a:lnSpc>
-              <a:spcBef>
-                <a:spcPts val="600"/>
-              </a:spcBef>
-              <a:buClr>
-                <a:srgbClr val="5DB2FF"/>
-              </a:buClr>
-              <a:buSzPct val="80000"/>
-            </a:pPr>
-            <a:r>
-              <a:rPr lang="zh-CN" altLang="en-US" sz="1600" kern="0" dirty="0" smtClean="0">
-                <a:ea typeface="微软雅黑" panose="020B0503020204020204" pitchFamily="34" charset="-122"/>
-              </a:rPr>
-              <a:t>     项目开发、项目对接、测试、文档需求、学习专业技术等</a:t>
-            </a:r>
-            <a:endParaRPr kumimoji="0" lang="en-US" altLang="zh-CN" sz="1600" b="1" i="0" u="none" strike="noStrike" kern="0" cap="none" spc="0" normalizeH="0" baseline="0" noProof="0" dirty="0" smtClean="0">
-              <a:ln>
-                <a:noFill/>
-              </a:ln>
-              <a:solidFill>
-                <a:srgbClr val="FF0000"/>
-              </a:solidFill>
-              <a:effectLst/>
-              <a:uLnTx/>
-              <a:uFillTx/>
-              <a:ea typeface="微软雅黑" panose="020B0503020204020204" pitchFamily="34" charset="-122"/>
+            <a:endParaRPr lang="en-US" altLang="zh-CN" sz="1600" b="0" dirty="0" smtClean="0">
+              <a:latin typeface="微软雅黑" pitchFamily="34" charset="-122"/>
             </a:endParaRPr>
           </a:p>
         </p:txBody>
       </p:sp>
       <p:sp>
         <p:nvSpPr>
-          <p:cNvPr id="8" name="Rectangle 3"/>
-          <p:cNvSpPr>
-            <a:spLocks noChangeArrowheads="1"/>
-          </p:cNvSpPr>
+          <p:cNvPr id="7" name="矩形 6"/>
+          <p:cNvSpPr/>
           <p:nvPr/>
         </p:nvSpPr>
-        <p:spPr bwMode="auto">
+        <p:spPr>
           <a:xfrm>
-            <a:off x="442794" y="1288141"/>
-            <a:ext cx="8080375" cy="340660"/>
+            <a:off x="611560" y="1268760"/>
+            <a:ext cx="3877985" cy="338554"/>
           </a:xfrm>
           <a:prstGeom prst="rect">
             <a:avLst/>
           </a:prstGeom>
-          <a:noFill/>
-          <a:ln w="9525">
-            <a:noFill/>
-            <a:miter lim="800000"/>
-          </a:ln>
         </p:spPr>
         <p:txBody>
-          <a:bodyPr/>
+          <a:bodyPr wrap="none">
+            <a:spAutoFit/>
+          </a:bodyPr>
           <a:lstStyle/>
           <a:p>
-            <a:pPr algn="l">
-              <a:lnSpc>
-                <a:spcPct val="120000"/>
-              </a:lnSpc>
+            <a:pPr>
               <a:spcBef>
-                <a:spcPct val="50000"/>
+                <a:spcPts val="600"/>
               </a:spcBef>
-              <a:buClr>
-                <a:srgbClr val="0070C0"/>
-              </a:buClr>
             </a:pPr>
+            <a:r>
+              <a:rPr lang="zh-CN" altLang="en-US" sz="1600" b="1" dirty="0">
+                <a:solidFill>
+                  <a:srgbClr val="0070C0"/>
+                </a:solidFill>
+                <a:latin typeface="微软雅黑" pitchFamily="34" charset="-122"/>
+                <a:ea typeface="微软雅黑" pitchFamily="34" charset="-122"/>
+              </a:rPr>
+              <a:t>本次转正答辩需认证的任职资格标准</a:t>
+            </a:r>
             <a:r>
               <a:rPr lang="zh-CN" altLang="en-US" sz="1600" b="1" dirty="0" smtClean="0">
                 <a:solidFill>
                   <a:srgbClr val="0070C0"/>
                 </a:solidFill>
-                <a:latin typeface="微软雅黑" panose="020B0503020204020204" pitchFamily="34" charset="-122"/>
-                <a:ea typeface="微软雅黑" panose="020B0503020204020204" pitchFamily="34" charset="-122"/>
-              </a:rPr>
-              <a:t>目前任职状态</a:t>
+                <a:latin typeface="微软雅黑" pitchFamily="34" charset="-122"/>
+                <a:ea typeface="微软雅黑" pitchFamily="34" charset="-122"/>
+              </a:rPr>
+              <a:t>要素</a:t>
             </a:r>
             <a:endParaRPr lang="en-US" altLang="zh-CN" sz="1600" b="1" dirty="0">
               <a:solidFill>
                 <a:srgbClr val="0070C0"/>
               </a:solidFill>
-              <a:latin typeface="微软雅黑" panose="020B0503020204020204" pitchFamily="34" charset="-122"/>
-              <a:ea typeface="微软雅黑" panose="020B0503020204020204" pitchFamily="34" charset="-122"/>
+              <a:latin typeface="微软雅黑" pitchFamily="34" charset="-122"/>
+              <a:ea typeface="微软雅黑" pitchFamily="34" charset="-122"/>
             </a:endParaRPr>
           </a:p>
         </p:txBody>
@@ -20380,7 +20706,7 @@
     </p:spTree>
     <p:extLst>
       <p:ext uri="{BB962C8B-B14F-4D97-AF65-F5344CB8AC3E}">
-        <p14:creationId xmlns:p14="http://schemas.microsoft.com/office/powerpoint/2010/main" val="1539585546"/>
+        <p14:creationId xmlns:p14="http://schemas.microsoft.com/office/powerpoint/2010/main" val="1816215390"/>
       </p:ext>
     </p:extLst>
   </p:cSld>
@@ -20470,13 +20796,187 @@
       <p:sp>
         <p:nvSpPr>
           <p:cNvPr id="5" name="内容占位符 5"/>
+          <p:cNvSpPr>
+            <a:spLocks noGrp="1"/>
+          </p:cNvSpPr>
+          <p:nvPr>
+            <p:ph idx="1"/>
+          </p:nvPr>
+        </p:nvSpPr>
+        <p:spPr>
+          <a:xfrm>
+            <a:off x="611560" y="4149080"/>
+            <a:ext cx="7911609" cy="1368152"/>
+          </a:xfrm>
+        </p:spPr>
+        <p:txBody>
+          <a:bodyPr/>
+          <a:lstStyle/>
+          <a:p>
+            <a:pPr>
+              <a:lnSpc>
+                <a:spcPct val="150000"/>
+              </a:lnSpc>
+              <a:spcBef>
+                <a:spcPts val="600"/>
+              </a:spcBef>
+              <a:spcAft>
+                <a:spcPts val="0"/>
+              </a:spcAft>
+              <a:buFont typeface="Wingdings" pitchFamily="2" charset="2"/>
+              <a:buChar char="ü"/>
+            </a:pPr>
+            <a:r>
+              <a:rPr lang="zh-CN" altLang="en-US" sz="1600" b="0" dirty="0" smtClean="0"/>
+              <a:t>多</a:t>
+            </a:r>
+            <a:r>
+              <a:rPr lang="zh-CN" altLang="en-US" sz="1600" b="0" dirty="0"/>
+              <a:t>学习项目架构设计，提升系统性能方面的</a:t>
+            </a:r>
+            <a:r>
+              <a:rPr lang="zh-CN" altLang="en-US" sz="1600" b="0" dirty="0" smtClean="0"/>
+              <a:t>知识</a:t>
+            </a:r>
+            <a:r>
+              <a:rPr lang="zh-CN" altLang="en-US" sz="1600" b="0" dirty="0"/>
+              <a:t>；</a:t>
+            </a:r>
+            <a:endParaRPr lang="en-US" altLang="zh-CN" sz="1600" b="0" dirty="0" smtClean="0"/>
+          </a:p>
+          <a:p>
+            <a:pPr>
+              <a:lnSpc>
+                <a:spcPct val="150000"/>
+              </a:lnSpc>
+              <a:spcBef>
+                <a:spcPts val="600"/>
+              </a:spcBef>
+              <a:spcAft>
+                <a:spcPts val="0"/>
+              </a:spcAft>
+              <a:buFont typeface="Wingdings" pitchFamily="2" charset="2"/>
+              <a:buChar char="ü"/>
+            </a:pPr>
+            <a:r>
+              <a:rPr lang="zh-CN" altLang="en-US" sz="1600" b="0" dirty="0" smtClean="0"/>
+              <a:t>深入</a:t>
+            </a:r>
+            <a:r>
+              <a:rPr lang="zh-CN" altLang="en-US" sz="1600" b="0" dirty="0"/>
+              <a:t>移动端，</a:t>
+            </a:r>
+            <a:r>
+              <a:rPr lang="zh-CN" altLang="en-US" sz="1600" b="0" dirty="0" smtClean="0"/>
+              <a:t>以及物联软硬件相接合的</a:t>
+            </a:r>
+            <a:r>
+              <a:rPr lang="zh-CN" altLang="en-US" sz="1600" b="0" dirty="0"/>
+              <a:t>开发</a:t>
+            </a:r>
+            <a:r>
+              <a:rPr lang="zh-CN" altLang="en-US" sz="1600" b="0" dirty="0" smtClean="0"/>
+              <a:t>学习，提升自己基础性的技术知识；</a:t>
+            </a:r>
+            <a:endParaRPr lang="en-US" altLang="zh-CN" sz="1600" b="0" dirty="0" smtClean="0"/>
+          </a:p>
+          <a:p>
+            <a:pPr>
+              <a:lnSpc>
+                <a:spcPct val="150000"/>
+              </a:lnSpc>
+              <a:spcBef>
+                <a:spcPts val="600"/>
+              </a:spcBef>
+              <a:spcAft>
+                <a:spcPts val="0"/>
+              </a:spcAft>
+              <a:buFont typeface="Wingdings" pitchFamily="2" charset="2"/>
+              <a:buChar char="ü"/>
+            </a:pPr>
+            <a:r>
+              <a:rPr lang="zh-CN" altLang="en-US" sz="1600" b="0" dirty="0" smtClean="0"/>
+              <a:t>学习项目知识</a:t>
+            </a:r>
+            <a:r>
+              <a:rPr lang="zh-CN" altLang="en-US" sz="1600" b="0" dirty="0"/>
+              <a:t>，提高</a:t>
+            </a:r>
+            <a:r>
+              <a:rPr lang="zh-CN" altLang="en-US" sz="1600" b="0" dirty="0" smtClean="0"/>
+              <a:t>团队与个人的知识水平。</a:t>
+            </a:r>
+            <a:endParaRPr lang="en-US" altLang="zh-CN" sz="1600" b="0" dirty="0"/>
+          </a:p>
+        </p:txBody>
+      </p:sp>
+      <p:sp>
+        <p:nvSpPr>
+          <p:cNvPr id="6" name="Rectangle 3"/>
+          <p:cNvSpPr>
+            <a:spLocks noChangeArrowheads="1"/>
+          </p:cNvSpPr>
+          <p:nvPr/>
+        </p:nvSpPr>
+        <p:spPr bwMode="auto">
+          <a:xfrm>
+            <a:off x="442794" y="3753037"/>
+            <a:ext cx="8080375" cy="360040"/>
+          </a:xfrm>
+          <a:prstGeom prst="rect">
+            <a:avLst/>
+          </a:prstGeom>
+          <a:noFill/>
+          <a:ln w="9525">
+            <a:noFill/>
+            <a:miter lim="800000"/>
+          </a:ln>
+        </p:spPr>
+        <p:txBody>
+          <a:bodyPr/>
+          <a:lstStyle/>
+          <a:p>
+            <a:pPr algn="l">
+              <a:lnSpc>
+                <a:spcPct val="120000"/>
+              </a:lnSpc>
+              <a:spcBef>
+                <a:spcPct val="50000"/>
+              </a:spcBef>
+              <a:buClr>
+                <a:srgbClr val="0070C0"/>
+              </a:buClr>
+            </a:pPr>
+            <a:r>
+              <a:rPr lang="zh-CN" altLang="en-US" sz="1600" b="1" dirty="0" smtClean="0">
+                <a:solidFill>
+                  <a:srgbClr val="0070C0"/>
+                </a:solidFill>
+                <a:latin typeface="微软雅黑" panose="020B0503020204020204" pitchFamily="34" charset="-122"/>
+                <a:ea typeface="微软雅黑" panose="020B0503020204020204" pitchFamily="34" charset="-122"/>
+              </a:rPr>
+              <a:t>个人规划与努力方向</a:t>
+            </a:r>
+            <a:endParaRPr lang="en-US" altLang="zh-CN" sz="1600" b="1" dirty="0">
+              <a:solidFill>
+                <a:srgbClr val="0070C0"/>
+              </a:solidFill>
+              <a:latin typeface="微软雅黑" panose="020B0503020204020204" pitchFamily="34" charset="-122"/>
+              <a:ea typeface="微软雅黑" panose="020B0503020204020204" pitchFamily="34" charset="-122"/>
+            </a:endParaRPr>
+          </a:p>
+        </p:txBody>
+      </p:sp>
+      <p:sp>
+        <p:nvSpPr>
+          <p:cNvPr id="7" name="内容占位符 5"/>
           <p:cNvSpPr txBox="1"/>
           <p:nvPr/>
         </p:nvSpPr>
         <p:spPr bwMode="auto">
           <a:xfrm>
-            <a:off x="539552" y="1654869"/>
-            <a:ext cx="8064896" cy="1702123"/>
+            <a:off x="428596" y="1775491"/>
+            <a:ext cx="8094573" cy="1437485"/>
           </a:xfrm>
           <a:prstGeom prst="rect">
             <a:avLst/>
@@ -20491,129 +20991,130 @@
           <a:bodyPr vert="horz" wrap="square" lIns="91440" tIns="45720" rIns="91440" bIns="45720" numCol="1" anchor="t" anchorCtr="0" compatLnSpc="1"/>
           <a:lstStyle/>
           <a:p>
-            <a:pPr marL="457200" lvl="0" indent="-457200">
+            <a:pPr marL="0" marR="0" lvl="0" indent="0" algn="just" defTabSz="914400" rtl="0" eaLnBrk="0" fontAlgn="base" latinLnBrk="0" hangingPunct="0">
               <a:lnSpc>
-                <a:spcPct val="150000"/>
+                <a:spcPct val="120000"/>
               </a:lnSpc>
+              <a:spcBef>
+                <a:spcPts val="600"/>
+              </a:spcBef>
+              <a:spcAft>
+                <a:spcPts val="0"/>
+              </a:spcAft>
               <a:buClr>
-                <a:schemeClr val="accent1">
-                  <a:lumMod val="50000"/>
-                </a:schemeClr>
+                <a:srgbClr val="5DB2FF"/>
               </a:buClr>
-              <a:buFont typeface="Wingdings" pitchFamily="2" charset="2"/>
+              <a:buSzPct val="80000"/>
+              <a:buFont typeface="Wingdings" panose="05000000000000000000" pitchFamily="2" charset="2"/>
               <a:buChar char="ü"/>
+              <a:defRPr/>
             </a:pPr>
             <a:r>
-              <a:rPr lang="zh-CN" altLang="en-US" sz="1400" dirty="0" smtClean="0">
-                <a:latin typeface="微软雅黑" pitchFamily="34" charset="-122"/>
-                <a:ea typeface="微软雅黑" pitchFamily="34" charset="-122"/>
-              </a:rPr>
-              <a:t>能参与产品概要设计、详细设计，根据要求输出标准的技术文档；</a:t>
-            </a:r>
-            <a:endParaRPr lang="en-US" altLang="zh-CN" sz="1400" dirty="0" smtClean="0">
-              <a:latin typeface="微软雅黑" pitchFamily="34" charset="-122"/>
-              <a:ea typeface="微软雅黑" pitchFamily="34" charset="-122"/>
+              <a:rPr kumimoji="0" lang="zh-CN" altLang="en-US" sz="1600" b="0" i="0" u="none" strike="noStrike" kern="0" cap="none" spc="0" normalizeH="0" baseline="0" noProof="0" dirty="0" smtClean="0">
+                <a:ln>
+                  <a:noFill/>
+                </a:ln>
+                <a:effectLst/>
+                <a:uLnTx/>
+                <a:uFillTx/>
+                <a:ea typeface="微软雅黑" panose="020B0503020204020204" pitchFamily="34" charset="-122"/>
+              </a:rPr>
+              <a:t>工作量：</a:t>
+            </a:r>
+            <a:r>
+              <a:rPr lang="zh-CN" altLang="en-US" sz="1600" kern="0" noProof="0" dirty="0" smtClean="0">
+                <a:ea typeface="微软雅黑" panose="020B0503020204020204" pitchFamily="34" charset="-122"/>
+              </a:rPr>
+              <a:t>承受能力内</a:t>
+            </a:r>
+            <a:r>
+              <a:rPr kumimoji="0" lang="zh-CN" altLang="en-US" sz="1600" b="0" i="0" u="none" strike="noStrike" kern="0" cap="none" spc="0" normalizeH="0" baseline="0" noProof="0" dirty="0" smtClean="0">
+                <a:ln>
+                  <a:noFill/>
+                </a:ln>
+                <a:effectLst/>
+                <a:uLnTx/>
+                <a:uFillTx/>
+                <a:ea typeface="微软雅黑" panose="020B0503020204020204" pitchFamily="34" charset="-122"/>
+              </a:rPr>
+              <a:t>。</a:t>
+            </a:r>
+            <a:endParaRPr kumimoji="0" lang="en-US" altLang="zh-CN" sz="1600" b="0" i="0" u="none" strike="noStrike" kern="0" cap="none" spc="0" normalizeH="0" baseline="0" noProof="0" dirty="0" smtClean="0">
+              <a:ln>
+                <a:noFill/>
+              </a:ln>
+              <a:effectLst/>
+              <a:uLnTx/>
+              <a:uFillTx/>
+              <a:ea typeface="微软雅黑" panose="020B0503020204020204" pitchFamily="34" charset="-122"/>
             </a:endParaRPr>
           </a:p>
           <a:p>
-            <a:pPr marL="457200" indent="-457200">
+            <a:pPr marL="0" marR="0" lvl="0" indent="0" algn="just" defTabSz="914400" rtl="0" eaLnBrk="0" fontAlgn="base" latinLnBrk="0" hangingPunct="0">
               <a:lnSpc>
-                <a:spcPct val="150000"/>
+                <a:spcPct val="120000"/>
               </a:lnSpc>
+              <a:spcBef>
+                <a:spcPts val="600"/>
+              </a:spcBef>
+              <a:spcAft>
+                <a:spcPts val="0"/>
+              </a:spcAft>
               <a:buClr>
-                <a:schemeClr val="accent1">
-                  <a:lumMod val="50000"/>
-                </a:schemeClr>
+                <a:srgbClr val="5DB2FF"/>
               </a:buClr>
-              <a:buFont typeface="Wingdings" pitchFamily="2" charset="2"/>
+              <a:buSzPct val="80000"/>
+              <a:buFont typeface="Wingdings" panose="05000000000000000000" pitchFamily="2" charset="2"/>
               <a:buChar char="ü"/>
+              <a:defRPr/>
             </a:pPr>
             <a:r>
-              <a:rPr lang="zh-CN" altLang="en-US" sz="1400" dirty="0" smtClean="0">
-                <a:latin typeface="微软雅黑" pitchFamily="34" charset="-122"/>
-                <a:ea typeface="微软雅黑" pitchFamily="34" charset="-122"/>
-              </a:rPr>
-              <a:t>能够根据设计要求和编程规范，设计项目结构，独立编写代码，</a:t>
-            </a:r>
-            <a:r>
-              <a:rPr lang="zh-CN" altLang="en-US" sz="1400" dirty="0">
-                <a:latin typeface="微软雅黑" panose="020B0503020204020204" pitchFamily="34" charset="-122"/>
+              <a:rPr lang="zh-CN" altLang="en-US" sz="1600" kern="0" dirty="0" smtClean="0">
                 <a:ea typeface="微软雅黑" panose="020B0503020204020204" pitchFamily="34" charset="-122"/>
               </a:rPr>
-              <a:t>输出的代码简单易懂，方便维护，可复用</a:t>
-            </a:r>
-            <a:r>
-              <a:rPr lang="zh-CN" altLang="en-US" sz="1400" dirty="0" smtClean="0">
-                <a:latin typeface="微软雅黑" panose="020B0503020204020204" pitchFamily="34" charset="-122"/>
+              <a:t>工作任务安排：</a:t>
+            </a:r>
+            <a:endParaRPr lang="en-US" altLang="zh-CN" sz="1600" kern="0" dirty="0" smtClean="0">
+              <a:ea typeface="微软雅黑" panose="020B0503020204020204" pitchFamily="34" charset="-122"/>
+            </a:endParaRPr>
+          </a:p>
+          <a:p>
+            <a:pPr lvl="0" algn="just" eaLnBrk="0" fontAlgn="base" hangingPunct="0">
+              <a:lnSpc>
+                <a:spcPct val="120000"/>
+              </a:lnSpc>
+              <a:spcBef>
+                <a:spcPts val="600"/>
+              </a:spcBef>
+              <a:buClr>
+                <a:srgbClr val="5DB2FF"/>
+              </a:buClr>
+              <a:buSzPct val="80000"/>
+            </a:pPr>
+            <a:r>
+              <a:rPr lang="zh-CN" altLang="en-US" sz="1600" kern="0" dirty="0" smtClean="0">
                 <a:ea typeface="微软雅黑" panose="020B0503020204020204" pitchFamily="34" charset="-122"/>
               </a:rPr>
-              <a:t>；</a:t>
-            </a:r>
-            <a:endParaRPr lang="en-US" altLang="zh-CN" sz="1400" dirty="0" smtClean="0">
-              <a:latin typeface="微软雅黑" pitchFamily="34" charset="-122"/>
-              <a:ea typeface="微软雅黑" pitchFamily="34" charset="-122"/>
-            </a:endParaRPr>
-          </a:p>
-          <a:p>
-            <a:pPr marL="457200" lvl="0" indent="-457200">
-              <a:lnSpc>
-                <a:spcPct val="150000"/>
-              </a:lnSpc>
-              <a:buClr>
-                <a:schemeClr val="accent1">
-                  <a:lumMod val="50000"/>
-                </a:schemeClr>
-              </a:buClr>
-              <a:buFont typeface="Wingdings" pitchFamily="2" charset="2"/>
-              <a:buChar char="ü"/>
-            </a:pPr>
-            <a:r>
-              <a:rPr lang="zh-CN" altLang="en-US" sz="1400" dirty="0" smtClean="0">
-                <a:latin typeface="微软雅黑" panose="020B0503020204020204" pitchFamily="34" charset="-122"/>
-                <a:ea typeface="微软雅黑" panose="020B0503020204020204" pitchFamily="34" charset="-122"/>
-              </a:rPr>
-              <a:t>开发过程</a:t>
-            </a:r>
-            <a:r>
-              <a:rPr lang="zh-CN" altLang="en-US" sz="1400" dirty="0">
-                <a:latin typeface="微软雅黑" panose="020B0503020204020204" pitchFamily="34" charset="-122"/>
-                <a:ea typeface="微软雅黑" panose="020B0503020204020204" pitchFamily="34" charset="-122"/>
-              </a:rPr>
-              <a:t>中能够优先选用现有的、标准化的技术方案、工具甚至公用模块</a:t>
-            </a:r>
-            <a:r>
-              <a:rPr lang="zh-CN" altLang="en-US" sz="1400" dirty="0" smtClean="0">
-                <a:latin typeface="微软雅黑" pitchFamily="34" charset="-122"/>
-                <a:ea typeface="微软雅黑" pitchFamily="34" charset="-122"/>
-              </a:rPr>
-              <a:t>；</a:t>
-            </a:r>
-            <a:endParaRPr lang="en-US" altLang="zh-CN" sz="1400" dirty="0" smtClean="0">
-              <a:latin typeface="微软雅黑" pitchFamily="34" charset="-122"/>
-              <a:ea typeface="微软雅黑" pitchFamily="34" charset="-122"/>
-            </a:endParaRPr>
-          </a:p>
-          <a:p>
-            <a:pPr lvl="0">
-              <a:lnSpc>
-                <a:spcPct val="150000"/>
-              </a:lnSpc>
-              <a:buClr>
-                <a:schemeClr val="accent1">
-                  <a:lumMod val="50000"/>
-                </a:schemeClr>
-              </a:buClr>
-            </a:pPr>
-            <a:endParaRPr lang="en-US" altLang="zh-CN" sz="1400" dirty="0" smtClean="0">
-              <a:latin typeface="微软雅黑" pitchFamily="34" charset="-122"/>
-              <a:ea typeface="微软雅黑" pitchFamily="34" charset="-122"/>
+              <a:t>     项目开发、项目对接、测试、文档需求、学习专业技术等</a:t>
+            </a:r>
+            <a:endParaRPr kumimoji="0" lang="en-US" altLang="zh-CN" sz="1600" b="1" i="0" u="none" strike="noStrike" kern="0" cap="none" spc="0" normalizeH="0" baseline="0" noProof="0" dirty="0" smtClean="0">
+              <a:ln>
+                <a:noFill/>
+              </a:ln>
+              <a:solidFill>
+                <a:srgbClr val="FF0000"/>
+              </a:solidFill>
+              <a:effectLst/>
+              <a:uLnTx/>
+              <a:uFillTx/>
+              <a:ea typeface="微软雅黑" panose="020B0503020204020204" pitchFamily="34" charset="-122"/>
             </a:endParaRPr>
           </a:p>
         </p:txBody>
       </p:sp>
       <p:sp>
         <p:nvSpPr>
-          <p:cNvPr id="7" name="Rectangle 3"/>
+          <p:cNvPr id="8" name="Rectangle 3"/>
           <p:cNvSpPr>
             <a:spLocks noChangeArrowheads="1"/>
           </p:cNvSpPr>
@@ -20621,7 +21122,7 @@
         </p:nvSpPr>
         <p:spPr bwMode="auto">
           <a:xfrm>
-            <a:off x="442794" y="1216133"/>
+            <a:off x="442794" y="1288141"/>
             <a:ext cx="8080375" cy="340660"/>
           </a:xfrm>
           <a:prstGeom prst="rect">
@@ -20656,7 +21157,7 @@
                 <a:latin typeface="微软雅黑" panose="020B0503020204020204" pitchFamily="34" charset="-122"/>
                 <a:ea typeface="微软雅黑" panose="020B0503020204020204" pitchFamily="34" charset="-122"/>
               </a:rPr>
-              <a:t>开发设计</a:t>
+              <a:t>目前任职状态</a:t>
             </a:r>
             <a:endParaRPr lang="en-US" altLang="zh-CN" sz="1600" b="1" dirty="0">
               <a:solidFill>
@@ -20668,46 +21169,10 @@
           </a:p>
         </p:txBody>
       </p:sp>
-      <p:sp>
-        <p:nvSpPr>
-          <p:cNvPr id="9" name="TextBox 8"/>
-          <p:cNvSpPr txBox="1"/>
-          <p:nvPr/>
-        </p:nvSpPr>
-        <p:spPr>
-          <a:xfrm>
-            <a:off x="699195" y="3556694"/>
-            <a:ext cx="7272808" cy="307777"/>
-          </a:xfrm>
-          <a:prstGeom prst="rect">
-            <a:avLst/>
-          </a:prstGeom>
-          <a:noFill/>
-        </p:spPr>
-        <p:txBody>
-          <a:bodyPr wrap="square" rtlCol="0">
-            <a:spAutoFit/>
-          </a:bodyPr>
-          <a:lstStyle/>
-          <a:p>
-            <a:r>
-              <a:rPr lang="zh-CN" altLang="en-US" sz="1400" dirty="0" smtClean="0">
-                <a:latin typeface="微软雅黑" pitchFamily="34" charset="-122"/>
-                <a:ea typeface="微软雅黑" pitchFamily="34" charset="-122"/>
-              </a:rPr>
-              <a:t>以智通照明系统中设备管理为例：如下图</a:t>
-            </a:r>
-            <a:endParaRPr lang="zh-CN" altLang="en-US" sz="1400" dirty="0">
-              <a:latin typeface="微软雅黑" pitchFamily="34" charset="-122"/>
-              <a:ea typeface="微软雅黑" pitchFamily="34" charset="-122"/>
-            </a:endParaRPr>
-          </a:p>
-        </p:txBody>
-      </p:sp>
     </p:spTree>
     <p:extLst>
       <p:ext uri="{BB962C8B-B14F-4D97-AF65-F5344CB8AC3E}">
-        <p14:creationId xmlns:p14="http://schemas.microsoft.com/office/powerpoint/2010/main" val="4242405480"/>
+        <p14:creationId xmlns:p14="http://schemas.microsoft.com/office/powerpoint/2010/main" val="1539585546"/>
       </p:ext>
     </p:extLst>
   </p:cSld>
@@ -20789,6 +21254,333 @@
             <a:fld id="{4816A599-0D7A-4ED1-B317-DB57F830172B}" type="slidenum">
               <a:rPr lang="zh-CN" altLang="en-US" smtClean="0"/>
               <a:t>26</a:t>
+            </a:fld>
+            <a:endParaRPr lang="zh-CN" altLang="en-US"/>
+          </a:p>
+        </p:txBody>
+      </p:sp>
+      <p:sp>
+        <p:nvSpPr>
+          <p:cNvPr id="5" name="内容占位符 5"/>
+          <p:cNvSpPr txBox="1"/>
+          <p:nvPr/>
+        </p:nvSpPr>
+        <p:spPr bwMode="auto">
+          <a:xfrm>
+            <a:off x="539552" y="1654869"/>
+            <a:ext cx="8064896" cy="1702123"/>
+          </a:xfrm>
+          <a:prstGeom prst="rect">
+            <a:avLst/>
+          </a:prstGeom>
+          <a:noFill/>
+          <a:ln w="9525">
+            <a:noFill/>
+            <a:miter lim="800000"/>
+          </a:ln>
+        </p:spPr>
+        <p:txBody>
+          <a:bodyPr vert="horz" wrap="square" lIns="91440" tIns="45720" rIns="91440" bIns="45720" numCol="1" anchor="t" anchorCtr="0" compatLnSpc="1"/>
+          <a:lstStyle/>
+          <a:p>
+            <a:pPr marL="457200" lvl="0" indent="-457200">
+              <a:lnSpc>
+                <a:spcPct val="150000"/>
+              </a:lnSpc>
+              <a:buClr>
+                <a:schemeClr val="accent1">
+                  <a:lumMod val="50000"/>
+                </a:schemeClr>
+              </a:buClr>
+              <a:buFont typeface="Wingdings" pitchFamily="2" charset="2"/>
+              <a:buChar char="ü"/>
+            </a:pPr>
+            <a:r>
+              <a:rPr lang="zh-CN" altLang="en-US" sz="1400" dirty="0" smtClean="0">
+                <a:latin typeface="微软雅黑" pitchFamily="34" charset="-122"/>
+                <a:ea typeface="微软雅黑" pitchFamily="34" charset="-122"/>
+              </a:rPr>
+              <a:t>能参与产品概要设计、详细设计，根据要求输出标准的技术文档；</a:t>
+            </a:r>
+            <a:endParaRPr lang="en-US" altLang="zh-CN" sz="1400" dirty="0" smtClean="0">
+              <a:latin typeface="微软雅黑" pitchFamily="34" charset="-122"/>
+              <a:ea typeface="微软雅黑" pitchFamily="34" charset="-122"/>
+            </a:endParaRPr>
+          </a:p>
+          <a:p>
+            <a:pPr marL="457200" indent="-457200">
+              <a:lnSpc>
+                <a:spcPct val="150000"/>
+              </a:lnSpc>
+              <a:buClr>
+                <a:schemeClr val="accent1">
+                  <a:lumMod val="50000"/>
+                </a:schemeClr>
+              </a:buClr>
+              <a:buFont typeface="Wingdings" pitchFamily="2" charset="2"/>
+              <a:buChar char="ü"/>
+            </a:pPr>
+            <a:r>
+              <a:rPr lang="zh-CN" altLang="en-US" sz="1400" dirty="0" smtClean="0">
+                <a:latin typeface="微软雅黑" pitchFamily="34" charset="-122"/>
+                <a:ea typeface="微软雅黑" pitchFamily="34" charset="-122"/>
+              </a:rPr>
+              <a:t>能够根据设计要求和编程规范，设计项目结构，独立编写代码，</a:t>
+            </a:r>
+            <a:r>
+              <a:rPr lang="zh-CN" altLang="en-US" sz="1400" dirty="0">
+                <a:latin typeface="微软雅黑" panose="020B0503020204020204" pitchFamily="34" charset="-122"/>
+                <a:ea typeface="微软雅黑" panose="020B0503020204020204" pitchFamily="34" charset="-122"/>
+              </a:rPr>
+              <a:t>输出的代码简单易懂，方便维护，可复用</a:t>
+            </a:r>
+            <a:r>
+              <a:rPr lang="zh-CN" altLang="en-US" sz="1400" dirty="0" smtClean="0">
+                <a:latin typeface="微软雅黑" panose="020B0503020204020204" pitchFamily="34" charset="-122"/>
+                <a:ea typeface="微软雅黑" panose="020B0503020204020204" pitchFamily="34" charset="-122"/>
+              </a:rPr>
+              <a:t>；</a:t>
+            </a:r>
+            <a:endParaRPr lang="en-US" altLang="zh-CN" sz="1400" dirty="0" smtClean="0">
+              <a:latin typeface="微软雅黑" pitchFamily="34" charset="-122"/>
+              <a:ea typeface="微软雅黑" pitchFamily="34" charset="-122"/>
+            </a:endParaRPr>
+          </a:p>
+          <a:p>
+            <a:pPr marL="457200" lvl="0" indent="-457200">
+              <a:lnSpc>
+                <a:spcPct val="150000"/>
+              </a:lnSpc>
+              <a:buClr>
+                <a:schemeClr val="accent1">
+                  <a:lumMod val="50000"/>
+                </a:schemeClr>
+              </a:buClr>
+              <a:buFont typeface="Wingdings" pitchFamily="2" charset="2"/>
+              <a:buChar char="ü"/>
+            </a:pPr>
+            <a:r>
+              <a:rPr lang="zh-CN" altLang="en-US" sz="1400" dirty="0" smtClean="0">
+                <a:latin typeface="微软雅黑" panose="020B0503020204020204" pitchFamily="34" charset="-122"/>
+                <a:ea typeface="微软雅黑" panose="020B0503020204020204" pitchFamily="34" charset="-122"/>
+              </a:rPr>
+              <a:t>开发过程</a:t>
+            </a:r>
+            <a:r>
+              <a:rPr lang="zh-CN" altLang="en-US" sz="1400" dirty="0">
+                <a:latin typeface="微软雅黑" panose="020B0503020204020204" pitchFamily="34" charset="-122"/>
+                <a:ea typeface="微软雅黑" panose="020B0503020204020204" pitchFamily="34" charset="-122"/>
+              </a:rPr>
+              <a:t>中能够优先选用现有的、标准化的技术方案、工具甚至公用模块</a:t>
+            </a:r>
+            <a:r>
+              <a:rPr lang="zh-CN" altLang="en-US" sz="1400" dirty="0" smtClean="0">
+                <a:latin typeface="微软雅黑" pitchFamily="34" charset="-122"/>
+                <a:ea typeface="微软雅黑" pitchFamily="34" charset="-122"/>
+              </a:rPr>
+              <a:t>；</a:t>
+            </a:r>
+            <a:endParaRPr lang="en-US" altLang="zh-CN" sz="1400" dirty="0" smtClean="0">
+              <a:latin typeface="微软雅黑" pitchFamily="34" charset="-122"/>
+              <a:ea typeface="微软雅黑" pitchFamily="34" charset="-122"/>
+            </a:endParaRPr>
+          </a:p>
+          <a:p>
+            <a:pPr lvl="0">
+              <a:lnSpc>
+                <a:spcPct val="150000"/>
+              </a:lnSpc>
+              <a:buClr>
+                <a:schemeClr val="accent1">
+                  <a:lumMod val="50000"/>
+                </a:schemeClr>
+              </a:buClr>
+            </a:pPr>
+            <a:endParaRPr lang="en-US" altLang="zh-CN" sz="1400" dirty="0" smtClean="0">
+              <a:latin typeface="微软雅黑" pitchFamily="34" charset="-122"/>
+              <a:ea typeface="微软雅黑" pitchFamily="34" charset="-122"/>
+            </a:endParaRPr>
+          </a:p>
+        </p:txBody>
+      </p:sp>
+      <p:sp>
+        <p:nvSpPr>
+          <p:cNvPr id="7" name="Rectangle 3"/>
+          <p:cNvSpPr>
+            <a:spLocks noChangeArrowheads="1"/>
+          </p:cNvSpPr>
+          <p:nvPr/>
+        </p:nvSpPr>
+        <p:spPr bwMode="auto">
+          <a:xfrm>
+            <a:off x="442794" y="1216133"/>
+            <a:ext cx="8080375" cy="340660"/>
+          </a:xfrm>
+          <a:prstGeom prst="rect">
+            <a:avLst/>
+          </a:prstGeom>
+          <a:noFill/>
+          <a:ln w="9525">
+            <a:noFill/>
+            <a:miter lim="800000"/>
+          </a:ln>
+        </p:spPr>
+        <p:txBody>
+          <a:bodyPr/>
+          <a:lstStyle/>
+          <a:p>
+            <a:pPr algn="l">
+              <a:lnSpc>
+                <a:spcPct val="120000"/>
+              </a:lnSpc>
+              <a:spcBef>
+                <a:spcPct val="50000"/>
+              </a:spcBef>
+              <a:buClr>
+                <a:srgbClr val="0070C0"/>
+              </a:buClr>
+            </a:pPr>
+            <a:r>
+              <a:rPr lang="zh-CN" altLang="en-US" sz="1600" b="1" dirty="0" smtClean="0">
+                <a:solidFill>
+                  <a:srgbClr val="0070C0"/>
+                </a:solidFill>
+                <a:latin typeface="微软雅黑" panose="020B0503020204020204" pitchFamily="34" charset="-122"/>
+                <a:ea typeface="微软雅黑" panose="020B0503020204020204" pitchFamily="34" charset="-122"/>
+              </a:rPr>
+              <a:t>开发设计</a:t>
+            </a:r>
+            <a:endParaRPr lang="en-US" altLang="zh-CN" sz="1600" b="1" dirty="0">
+              <a:solidFill>
+                <a:srgbClr val="0070C0"/>
+              </a:solidFill>
+              <a:latin typeface="微软雅黑" panose="020B0503020204020204" pitchFamily="34" charset="-122"/>
+              <a:ea typeface="微软雅黑" panose="020B0503020204020204" pitchFamily="34" charset="-122"/>
+            </a:endParaRPr>
+          </a:p>
+        </p:txBody>
+      </p:sp>
+      <p:sp>
+        <p:nvSpPr>
+          <p:cNvPr id="9" name="TextBox 8"/>
+          <p:cNvSpPr txBox="1"/>
+          <p:nvPr/>
+        </p:nvSpPr>
+        <p:spPr>
+          <a:xfrm>
+            <a:off x="699195" y="3556694"/>
+            <a:ext cx="7272808" cy="307777"/>
+          </a:xfrm>
+          <a:prstGeom prst="rect">
+            <a:avLst/>
+          </a:prstGeom>
+          <a:noFill/>
+        </p:spPr>
+        <p:txBody>
+          <a:bodyPr wrap="square" rtlCol="0">
+            <a:spAutoFit/>
+          </a:bodyPr>
+          <a:lstStyle/>
+          <a:p>
+            <a:r>
+              <a:rPr lang="zh-CN" altLang="en-US" sz="1400" dirty="0" smtClean="0">
+                <a:latin typeface="微软雅黑" pitchFamily="34" charset="-122"/>
+                <a:ea typeface="微软雅黑" pitchFamily="34" charset="-122"/>
+              </a:rPr>
+              <a:t>以智通照明系统中设备管理为例：如下图</a:t>
+            </a:r>
+            <a:endParaRPr lang="zh-CN" altLang="en-US" sz="1400" dirty="0">
+              <a:latin typeface="微软雅黑" pitchFamily="34" charset="-122"/>
+              <a:ea typeface="微软雅黑" pitchFamily="34" charset="-122"/>
+            </a:endParaRPr>
+          </a:p>
+        </p:txBody>
+      </p:sp>
+    </p:spTree>
+    <p:extLst>
+      <p:ext uri="{BB962C8B-B14F-4D97-AF65-F5344CB8AC3E}">
+        <p14:creationId xmlns:p14="http://schemas.microsoft.com/office/powerpoint/2010/main" val="4242405480"/>
+      </p:ext>
+    </p:extLst>
+  </p:cSld>
+  <p:clrMapOvr>
+    <a:masterClrMapping/>
+  </p:clrMapOvr>
+  <p:transition/>
+  <p:timing>
+    <p:tnLst>
+      <p:par>
+        <p:cTn id="1" dur="indefinite" restart="never" nodeType="tmRoot"/>
+      </p:par>
+    </p:tnLst>
+  </p:timing>
+</p:sld>
+</file>
+
+<file path=ppt/slides/slide27.xml><?xml version="1.0" encoding="utf-8"?>
+<p:sld xmlns:a="http://schemas.openxmlformats.org/drawingml/2006/main" xmlns:r="http://schemas.openxmlformats.org/officeDocument/2006/relationships" xmlns:p="http://schemas.openxmlformats.org/presentationml/2006/main">
+  <p:cSld>
+    <p:spTree>
+      <p:nvGrpSpPr>
+        <p:cNvPr id="1" name=""/>
+        <p:cNvGrpSpPr/>
+        <p:nvPr/>
+      </p:nvGrpSpPr>
+      <p:grpSpPr>
+        <a:xfrm>
+          <a:off x="0" y="0"/>
+          <a:ext cx="0" cy="0"/>
+          <a:chOff x="0" y="0"/>
+          <a:chExt cx="0" cy="0"/>
+        </a:xfrm>
+      </p:grpSpPr>
+      <p:sp>
+        <p:nvSpPr>
+          <p:cNvPr id="2" name="标题 1"/>
+          <p:cNvSpPr>
+            <a:spLocks noGrp="1"/>
+          </p:cNvSpPr>
+          <p:nvPr>
+            <p:ph type="title"/>
+          </p:nvPr>
+        </p:nvSpPr>
+        <p:spPr/>
+        <p:txBody>
+          <a:bodyPr/>
+          <a:lstStyle/>
+          <a:p>
+            <a:r>
+              <a:rPr lang="zh-CN" altLang="en-US" dirty="0">
+                <a:latin typeface="微软雅黑" pitchFamily="34" charset="-122"/>
+                <a:ea typeface="微软雅黑" pitchFamily="34" charset="-122"/>
+              </a:rPr>
+              <a:t>个人自评：任职资格认证</a:t>
+            </a:r>
+            <a:endParaRPr lang="zh-CN" altLang="en-US" dirty="0"/>
+          </a:p>
+        </p:txBody>
+      </p:sp>
+      <p:sp>
+        <p:nvSpPr>
+          <p:cNvPr id="4" name="灯片编号占位符 3"/>
+          <p:cNvSpPr>
+            <a:spLocks noGrp="1"/>
+          </p:cNvSpPr>
+          <p:nvPr>
+            <p:ph type="sldNum" sz="quarter" idx="10"/>
+          </p:nvPr>
+        </p:nvSpPr>
+        <p:spPr/>
+        <p:txBody>
+          <a:bodyPr/>
+          <a:lstStyle/>
+          <a:p>
+            <a:pPr>
+              <a:defRPr/>
+            </a:pPr>
+            <a:fld id="{4816A599-0D7A-4ED1-B317-DB57F830172B}" type="slidenum">
+              <a:rPr lang="zh-CN" altLang="en-US" smtClean="0"/>
+              <a:t>27</a:t>
             </a:fld>
             <a:endParaRPr lang="zh-CN" altLang="en-US"/>
           </a:p>
@@ -20930,329 +21722,6 @@
 </p:sld>
 </file>
 
-<file path=ppt/slides/slide27.xml><?xml version="1.0" encoding="utf-8"?>
-<p:sld xmlns:a="http://schemas.openxmlformats.org/drawingml/2006/main" xmlns:r="http://schemas.openxmlformats.org/officeDocument/2006/relationships" xmlns:p="http://schemas.openxmlformats.org/presentationml/2006/main">
-  <p:cSld>
-    <p:spTree>
-      <p:nvGrpSpPr>
-        <p:cNvPr id="1" name=""/>
-        <p:cNvGrpSpPr/>
-        <p:nvPr/>
-      </p:nvGrpSpPr>
-      <p:grpSpPr>
-        <a:xfrm>
-          <a:off x="0" y="0"/>
-          <a:ext cx="0" cy="0"/>
-          <a:chOff x="0" y="0"/>
-          <a:chExt cx="0" cy="0"/>
-        </a:xfrm>
-      </p:grpSpPr>
-      <p:sp>
-        <p:nvSpPr>
-          <p:cNvPr id="2" name="标题 1"/>
-          <p:cNvSpPr>
-            <a:spLocks noGrp="1"/>
-          </p:cNvSpPr>
-          <p:nvPr>
-            <p:ph type="title"/>
-          </p:nvPr>
-        </p:nvSpPr>
-        <p:spPr/>
-        <p:txBody>
-          <a:bodyPr/>
-          <a:lstStyle/>
-          <a:p>
-            <a:r>
-              <a:rPr lang="zh-CN" altLang="en-US" dirty="0">
-                <a:latin typeface="微软雅黑" pitchFamily="34" charset="-122"/>
-                <a:ea typeface="微软雅黑" pitchFamily="34" charset="-122"/>
-              </a:rPr>
-              <a:t>个人自评：任职资格认证</a:t>
-            </a:r>
-            <a:endParaRPr lang="zh-CN" altLang="en-US" dirty="0"/>
-          </a:p>
-        </p:txBody>
-      </p:sp>
-      <p:sp>
-        <p:nvSpPr>
-          <p:cNvPr id="4" name="灯片编号占位符 3"/>
-          <p:cNvSpPr>
-            <a:spLocks noGrp="1"/>
-          </p:cNvSpPr>
-          <p:nvPr>
-            <p:ph type="sldNum" sz="quarter" idx="10"/>
-          </p:nvPr>
-        </p:nvSpPr>
-        <p:spPr/>
-        <p:txBody>
-          <a:bodyPr/>
-          <a:lstStyle/>
-          <a:p>
-            <a:pPr>
-              <a:defRPr/>
-            </a:pPr>
-            <a:fld id="{4816A599-0D7A-4ED1-B317-DB57F830172B}" type="slidenum">
-              <a:rPr lang="zh-CN" altLang="en-US" smtClean="0"/>
-              <a:t>27</a:t>
-            </a:fld>
-            <a:endParaRPr lang="zh-CN" altLang="en-US"/>
-          </a:p>
-        </p:txBody>
-      </p:sp>
-      <p:sp>
-        <p:nvSpPr>
-          <p:cNvPr id="5" name="内容占位符 5"/>
-          <p:cNvSpPr txBox="1"/>
-          <p:nvPr/>
-        </p:nvSpPr>
-        <p:spPr bwMode="auto">
-          <a:xfrm>
-            <a:off x="539551" y="1681428"/>
-            <a:ext cx="8136017" cy="1315524"/>
-          </a:xfrm>
-          <a:prstGeom prst="rect">
-            <a:avLst/>
-          </a:prstGeom>
-          <a:noFill/>
-          <a:ln w="9525">
-            <a:noFill/>
-            <a:miter lim="800000"/>
-          </a:ln>
-        </p:spPr>
-        <p:txBody>
-          <a:bodyPr vert="horz" wrap="square" lIns="91440" tIns="45720" rIns="91440" bIns="45720" numCol="1" anchor="t" anchorCtr="0" compatLnSpc="1"/>
-          <a:lstStyle/>
-          <a:p>
-            <a:pPr marL="342900" indent="-342900">
-              <a:lnSpc>
-                <a:spcPct val="150000"/>
-              </a:lnSpc>
-              <a:buClr>
-                <a:schemeClr val="accent1">
-                  <a:lumMod val="50000"/>
-                </a:schemeClr>
-              </a:buClr>
-              <a:buFont typeface="Wingdings" pitchFamily="2" charset="2"/>
-              <a:buChar char="ü"/>
-            </a:pPr>
-            <a:r>
-              <a:rPr lang="zh-CN" altLang="en-US" sz="1400" dirty="0" smtClean="0">
-                <a:latin typeface="微软雅黑" panose="020B0503020204020204" pitchFamily="34" charset="-122"/>
-                <a:ea typeface="微软雅黑" panose="020B0503020204020204" pitchFamily="34" charset="-122"/>
-              </a:rPr>
-              <a:t>具有积极的学习欲望，工作自觉，主动，为提升工作能力主动学习新知识、新方法，并运用在实际工作中；</a:t>
-            </a:r>
-          </a:p>
-          <a:p>
-            <a:pPr marL="342900" indent="-342900">
-              <a:lnSpc>
-                <a:spcPct val="150000"/>
-              </a:lnSpc>
-              <a:buClr>
-                <a:schemeClr val="accent1">
-                  <a:lumMod val="50000"/>
-                </a:schemeClr>
-              </a:buClr>
-              <a:buFont typeface="Wingdings" pitchFamily="2" charset="2"/>
-              <a:buChar char="ü"/>
-            </a:pPr>
-            <a:r>
-              <a:rPr lang="zh-CN" altLang="en-US" sz="1400" dirty="0" smtClean="0">
-                <a:latin typeface="微软雅黑" panose="020B0503020204020204" pitchFamily="34" charset="-122"/>
-                <a:ea typeface="微软雅黑" panose="020B0503020204020204" pitchFamily="34" charset="-122"/>
-              </a:rPr>
-              <a:t>能够对工作中遇到的问题、工作方法、失败或成功的经验进行总结和提炼，并与团队成员分享；</a:t>
-            </a:r>
-            <a:endParaRPr lang="en-US" altLang="zh-CN" sz="1400" dirty="0" smtClean="0">
-              <a:latin typeface="微软雅黑" panose="020B0503020204020204" pitchFamily="34" charset="-122"/>
-              <a:ea typeface="微软雅黑" panose="020B0503020204020204" pitchFamily="34" charset="-122"/>
-            </a:endParaRPr>
-          </a:p>
-          <a:p>
-            <a:pPr marL="342900" indent="-342900">
-              <a:lnSpc>
-                <a:spcPct val="150000"/>
-              </a:lnSpc>
-              <a:buClr>
-                <a:schemeClr val="accent1">
-                  <a:lumMod val="50000"/>
-                </a:schemeClr>
-              </a:buClr>
-              <a:buFont typeface="Wingdings" pitchFamily="2" charset="2"/>
-              <a:buChar char="ü"/>
-            </a:pPr>
-            <a:endParaRPr lang="en-US" altLang="zh-CN" sz="1400" u="sng" dirty="0" smtClean="0">
-              <a:solidFill>
-                <a:srgbClr val="00B050"/>
-              </a:solidFill>
-            </a:endParaRPr>
-          </a:p>
-          <a:p>
-            <a:pPr marL="285750" indent="-285750">
-              <a:lnSpc>
-                <a:spcPct val="150000"/>
-              </a:lnSpc>
-              <a:buFont typeface="Wingdings" pitchFamily="2" charset="2"/>
-              <a:buChar char="ü"/>
-            </a:pPr>
-            <a:endParaRPr kumimoji="0" lang="en-US" altLang="zh-CN" sz="1400" b="0" i="0" u="none" strike="noStrike" kern="0" cap="none" spc="0" normalizeH="0" baseline="0" noProof="0" dirty="0" smtClean="0">
-              <a:ln>
-                <a:noFill/>
-              </a:ln>
-              <a:effectLst/>
-              <a:uLnTx/>
-              <a:uFillTx/>
-              <a:ea typeface="微软雅黑" panose="020B0503020204020204" pitchFamily="34" charset="-122"/>
-            </a:endParaRPr>
-          </a:p>
-          <a:p>
-            <a:pPr marL="285750" marR="0" lvl="0" indent="-285750" algn="just" defTabSz="914400" rtl="0" eaLnBrk="0" fontAlgn="base" latinLnBrk="0" hangingPunct="0">
-              <a:lnSpc>
-                <a:spcPct val="150000"/>
-              </a:lnSpc>
-              <a:spcBef>
-                <a:spcPts val="0"/>
-              </a:spcBef>
-              <a:spcAft>
-                <a:spcPts val="0"/>
-              </a:spcAft>
-              <a:buClr>
-                <a:srgbClr val="5DB2FF"/>
-              </a:buClr>
-              <a:buSzPct val="80000"/>
-              <a:buFont typeface="Wingdings" pitchFamily="2" charset="2"/>
-              <a:buChar char="ü"/>
-              <a:defRPr/>
-            </a:pPr>
-            <a:endParaRPr kumimoji="0" lang="en-US" altLang="zh-CN" sz="1400" b="0" i="0" u="none" strike="noStrike" kern="0" cap="none" spc="0" normalizeH="0" baseline="0" noProof="0" dirty="0" smtClean="0">
-              <a:ln>
-                <a:noFill/>
-              </a:ln>
-              <a:solidFill>
-                <a:schemeClr val="tx1"/>
-              </a:solidFill>
-              <a:effectLst/>
-              <a:uLnTx/>
-              <a:uFillTx/>
-              <a:ea typeface="微软雅黑" panose="020B0503020204020204" pitchFamily="34" charset="-122"/>
-            </a:endParaRPr>
-          </a:p>
-        </p:txBody>
-      </p:sp>
-      <p:sp>
-        <p:nvSpPr>
-          <p:cNvPr id="6" name="Rectangle 3"/>
-          <p:cNvSpPr>
-            <a:spLocks noChangeArrowheads="1"/>
-          </p:cNvSpPr>
-          <p:nvPr/>
-        </p:nvSpPr>
-        <p:spPr bwMode="auto">
-          <a:xfrm>
-            <a:off x="442794" y="1268760"/>
-            <a:ext cx="8232775" cy="340660"/>
-          </a:xfrm>
-          <a:prstGeom prst="rect">
-            <a:avLst/>
-          </a:prstGeom>
-          <a:noFill/>
-          <a:ln w="9525">
-            <a:noFill/>
-            <a:miter lim="800000"/>
-          </a:ln>
-        </p:spPr>
-        <p:txBody>
-          <a:bodyPr/>
-          <a:lstStyle/>
-          <a:p>
-            <a:pPr algn="l">
-              <a:lnSpc>
-                <a:spcPct val="120000"/>
-              </a:lnSpc>
-              <a:spcBef>
-                <a:spcPct val="50000"/>
-              </a:spcBef>
-              <a:buClr>
-                <a:srgbClr val="0070C0"/>
-              </a:buClr>
-            </a:pPr>
-            <a:r>
-              <a:rPr lang="zh-CN" altLang="en-US" sz="1600" b="1" dirty="0" smtClean="0">
-                <a:solidFill>
-                  <a:srgbClr val="0070C0"/>
-                </a:solidFill>
-                <a:latin typeface="微软雅黑" panose="020B0503020204020204" pitchFamily="34" charset="-122"/>
-                <a:ea typeface="微软雅黑" panose="020B0503020204020204" pitchFamily="34" charset="-122"/>
-              </a:rPr>
-              <a:t>学习与分享</a:t>
-            </a:r>
-            <a:endParaRPr lang="en-US" altLang="zh-CN" sz="1600" b="1" dirty="0">
-              <a:solidFill>
-                <a:srgbClr val="0070C0"/>
-              </a:solidFill>
-              <a:latin typeface="微软雅黑" panose="020B0503020204020204" pitchFamily="34" charset="-122"/>
-              <a:ea typeface="微软雅黑" panose="020B0503020204020204" pitchFamily="34" charset="-122"/>
-            </a:endParaRPr>
-          </a:p>
-        </p:txBody>
-      </p:sp>
-      <p:sp>
-        <p:nvSpPr>
-          <p:cNvPr id="8" name="TextBox 7"/>
-          <p:cNvSpPr txBox="1"/>
-          <p:nvPr/>
-        </p:nvSpPr>
-        <p:spPr>
-          <a:xfrm>
-            <a:off x="683568" y="3212976"/>
-            <a:ext cx="7272808" cy="646331"/>
-          </a:xfrm>
-          <a:prstGeom prst="rect">
-            <a:avLst/>
-          </a:prstGeom>
-          <a:noFill/>
-        </p:spPr>
-        <p:txBody>
-          <a:bodyPr wrap="square" rtlCol="0">
-            <a:spAutoFit/>
-          </a:bodyPr>
-          <a:lstStyle/>
-          <a:p>
-            <a:r>
-              <a:rPr lang="zh-CN" altLang="en-US" dirty="0" smtClean="0"/>
-              <a:t>技术分享：</a:t>
-            </a:r>
-            <a:r>
-              <a:rPr lang="en-US" altLang="zh-CN" dirty="0">
-                <a:hlinkClick r:id="rId2"/>
-              </a:rPr>
-              <a:t>http://192.168.104.40:8090/pages/viewpage.action?pageId=1081592</a:t>
-            </a:r>
-            <a:endParaRPr lang="zh-CN" altLang="en-US" dirty="0"/>
-          </a:p>
-        </p:txBody>
-      </p:sp>
-    </p:spTree>
-    <p:extLst>
-      <p:ext uri="{BB962C8B-B14F-4D97-AF65-F5344CB8AC3E}">
-        <p14:creationId xmlns:p14="http://schemas.microsoft.com/office/powerpoint/2010/main" val="2692302124"/>
-      </p:ext>
-    </p:extLst>
-  </p:cSld>
-  <p:clrMapOvr>
-    <a:masterClrMapping/>
-  </p:clrMapOvr>
-  <p:transition/>
-  <p:timing>
-    <p:tnLst>
-      <p:par>
-        <p:cTn id="1" dur="indefinite" restart="never" nodeType="tmRoot"/>
-      </p:par>
-    </p:tnLst>
-  </p:timing>
-</p:sld>
-</file>
-
 <file path=ppt/slides/slide28.xml><?xml version="1.0" encoding="utf-8"?>
 <p:sld xmlns:a="http://schemas.openxmlformats.org/drawingml/2006/main" xmlns:r="http://schemas.openxmlformats.org/officeDocument/2006/relationships" xmlns:p="http://schemas.openxmlformats.org/presentationml/2006/main">
   <p:cSld>
@@ -21317,6 +21786,329 @@
             <a:fld id="{4816A599-0D7A-4ED1-B317-DB57F830172B}" type="slidenum">
               <a:rPr lang="zh-CN" altLang="en-US" smtClean="0"/>
               <a:t>28</a:t>
+            </a:fld>
+            <a:endParaRPr lang="zh-CN" altLang="en-US"/>
+          </a:p>
+        </p:txBody>
+      </p:sp>
+      <p:sp>
+        <p:nvSpPr>
+          <p:cNvPr id="5" name="内容占位符 5"/>
+          <p:cNvSpPr txBox="1"/>
+          <p:nvPr/>
+        </p:nvSpPr>
+        <p:spPr bwMode="auto">
+          <a:xfrm>
+            <a:off x="539551" y="1681428"/>
+            <a:ext cx="8136017" cy="1315524"/>
+          </a:xfrm>
+          <a:prstGeom prst="rect">
+            <a:avLst/>
+          </a:prstGeom>
+          <a:noFill/>
+          <a:ln w="9525">
+            <a:noFill/>
+            <a:miter lim="800000"/>
+          </a:ln>
+        </p:spPr>
+        <p:txBody>
+          <a:bodyPr vert="horz" wrap="square" lIns="91440" tIns="45720" rIns="91440" bIns="45720" numCol="1" anchor="t" anchorCtr="0" compatLnSpc="1"/>
+          <a:lstStyle/>
+          <a:p>
+            <a:pPr marL="342900" indent="-342900">
+              <a:lnSpc>
+                <a:spcPct val="150000"/>
+              </a:lnSpc>
+              <a:buClr>
+                <a:schemeClr val="accent1">
+                  <a:lumMod val="50000"/>
+                </a:schemeClr>
+              </a:buClr>
+              <a:buFont typeface="Wingdings" pitchFamily="2" charset="2"/>
+              <a:buChar char="ü"/>
+            </a:pPr>
+            <a:r>
+              <a:rPr lang="zh-CN" altLang="en-US" sz="1400" dirty="0" smtClean="0">
+                <a:latin typeface="微软雅黑" panose="020B0503020204020204" pitchFamily="34" charset="-122"/>
+                <a:ea typeface="微软雅黑" panose="020B0503020204020204" pitchFamily="34" charset="-122"/>
+              </a:rPr>
+              <a:t>具有积极的学习欲望，工作自觉，主动，为提升工作能力主动学习新知识、新方法，并运用在实际工作中；</a:t>
+            </a:r>
+          </a:p>
+          <a:p>
+            <a:pPr marL="342900" indent="-342900">
+              <a:lnSpc>
+                <a:spcPct val="150000"/>
+              </a:lnSpc>
+              <a:buClr>
+                <a:schemeClr val="accent1">
+                  <a:lumMod val="50000"/>
+                </a:schemeClr>
+              </a:buClr>
+              <a:buFont typeface="Wingdings" pitchFamily="2" charset="2"/>
+              <a:buChar char="ü"/>
+            </a:pPr>
+            <a:r>
+              <a:rPr lang="zh-CN" altLang="en-US" sz="1400" dirty="0" smtClean="0">
+                <a:latin typeface="微软雅黑" panose="020B0503020204020204" pitchFamily="34" charset="-122"/>
+                <a:ea typeface="微软雅黑" panose="020B0503020204020204" pitchFamily="34" charset="-122"/>
+              </a:rPr>
+              <a:t>能够对工作中遇到的问题、工作方法、失败或成功的经验进行总结和提炼，并与团队成员分享；</a:t>
+            </a:r>
+            <a:endParaRPr lang="en-US" altLang="zh-CN" sz="1400" dirty="0" smtClean="0">
+              <a:latin typeface="微软雅黑" panose="020B0503020204020204" pitchFamily="34" charset="-122"/>
+              <a:ea typeface="微软雅黑" panose="020B0503020204020204" pitchFamily="34" charset="-122"/>
+            </a:endParaRPr>
+          </a:p>
+          <a:p>
+            <a:pPr marL="342900" indent="-342900">
+              <a:lnSpc>
+                <a:spcPct val="150000"/>
+              </a:lnSpc>
+              <a:buClr>
+                <a:schemeClr val="accent1">
+                  <a:lumMod val="50000"/>
+                </a:schemeClr>
+              </a:buClr>
+              <a:buFont typeface="Wingdings" pitchFamily="2" charset="2"/>
+              <a:buChar char="ü"/>
+            </a:pPr>
+            <a:endParaRPr lang="en-US" altLang="zh-CN" sz="1400" u="sng" dirty="0" smtClean="0">
+              <a:solidFill>
+                <a:srgbClr val="00B050"/>
+              </a:solidFill>
+            </a:endParaRPr>
+          </a:p>
+          <a:p>
+            <a:pPr marL="285750" indent="-285750">
+              <a:lnSpc>
+                <a:spcPct val="150000"/>
+              </a:lnSpc>
+              <a:buFont typeface="Wingdings" pitchFamily="2" charset="2"/>
+              <a:buChar char="ü"/>
+            </a:pPr>
+            <a:endParaRPr kumimoji="0" lang="en-US" altLang="zh-CN" sz="1400" b="0" i="0" u="none" strike="noStrike" kern="0" cap="none" spc="0" normalizeH="0" baseline="0" noProof="0" dirty="0" smtClean="0">
+              <a:ln>
+                <a:noFill/>
+              </a:ln>
+              <a:effectLst/>
+              <a:uLnTx/>
+              <a:uFillTx/>
+              <a:ea typeface="微软雅黑" panose="020B0503020204020204" pitchFamily="34" charset="-122"/>
+            </a:endParaRPr>
+          </a:p>
+          <a:p>
+            <a:pPr marL="285750" marR="0" lvl="0" indent="-285750" algn="just" defTabSz="914400" rtl="0" eaLnBrk="0" fontAlgn="base" latinLnBrk="0" hangingPunct="0">
+              <a:lnSpc>
+                <a:spcPct val="150000"/>
+              </a:lnSpc>
+              <a:spcBef>
+                <a:spcPts val="0"/>
+              </a:spcBef>
+              <a:spcAft>
+                <a:spcPts val="0"/>
+              </a:spcAft>
+              <a:buClr>
+                <a:srgbClr val="5DB2FF"/>
+              </a:buClr>
+              <a:buSzPct val="80000"/>
+              <a:buFont typeface="Wingdings" pitchFamily="2" charset="2"/>
+              <a:buChar char="ü"/>
+              <a:defRPr/>
+            </a:pPr>
+            <a:endParaRPr kumimoji="0" lang="en-US" altLang="zh-CN" sz="1400" b="0" i="0" u="none" strike="noStrike" kern="0" cap="none" spc="0" normalizeH="0" baseline="0" noProof="0" dirty="0" smtClean="0">
+              <a:ln>
+                <a:noFill/>
+              </a:ln>
+              <a:solidFill>
+                <a:schemeClr val="tx1"/>
+              </a:solidFill>
+              <a:effectLst/>
+              <a:uLnTx/>
+              <a:uFillTx/>
+              <a:ea typeface="微软雅黑" panose="020B0503020204020204" pitchFamily="34" charset="-122"/>
+            </a:endParaRPr>
+          </a:p>
+        </p:txBody>
+      </p:sp>
+      <p:sp>
+        <p:nvSpPr>
+          <p:cNvPr id="6" name="Rectangle 3"/>
+          <p:cNvSpPr>
+            <a:spLocks noChangeArrowheads="1"/>
+          </p:cNvSpPr>
+          <p:nvPr/>
+        </p:nvSpPr>
+        <p:spPr bwMode="auto">
+          <a:xfrm>
+            <a:off x="442794" y="1268760"/>
+            <a:ext cx="8232775" cy="340660"/>
+          </a:xfrm>
+          <a:prstGeom prst="rect">
+            <a:avLst/>
+          </a:prstGeom>
+          <a:noFill/>
+          <a:ln w="9525">
+            <a:noFill/>
+            <a:miter lim="800000"/>
+          </a:ln>
+        </p:spPr>
+        <p:txBody>
+          <a:bodyPr/>
+          <a:lstStyle/>
+          <a:p>
+            <a:pPr algn="l">
+              <a:lnSpc>
+                <a:spcPct val="120000"/>
+              </a:lnSpc>
+              <a:spcBef>
+                <a:spcPct val="50000"/>
+              </a:spcBef>
+              <a:buClr>
+                <a:srgbClr val="0070C0"/>
+              </a:buClr>
+            </a:pPr>
+            <a:r>
+              <a:rPr lang="zh-CN" altLang="en-US" sz="1600" b="1" dirty="0" smtClean="0">
+                <a:solidFill>
+                  <a:srgbClr val="0070C0"/>
+                </a:solidFill>
+                <a:latin typeface="微软雅黑" panose="020B0503020204020204" pitchFamily="34" charset="-122"/>
+                <a:ea typeface="微软雅黑" panose="020B0503020204020204" pitchFamily="34" charset="-122"/>
+              </a:rPr>
+              <a:t>学习与分享</a:t>
+            </a:r>
+            <a:endParaRPr lang="en-US" altLang="zh-CN" sz="1600" b="1" dirty="0">
+              <a:solidFill>
+                <a:srgbClr val="0070C0"/>
+              </a:solidFill>
+              <a:latin typeface="微软雅黑" panose="020B0503020204020204" pitchFamily="34" charset="-122"/>
+              <a:ea typeface="微软雅黑" panose="020B0503020204020204" pitchFamily="34" charset="-122"/>
+            </a:endParaRPr>
+          </a:p>
+        </p:txBody>
+      </p:sp>
+      <p:sp>
+        <p:nvSpPr>
+          <p:cNvPr id="8" name="TextBox 7"/>
+          <p:cNvSpPr txBox="1"/>
+          <p:nvPr/>
+        </p:nvSpPr>
+        <p:spPr>
+          <a:xfrm>
+            <a:off x="683568" y="3212976"/>
+            <a:ext cx="7272808" cy="646331"/>
+          </a:xfrm>
+          <a:prstGeom prst="rect">
+            <a:avLst/>
+          </a:prstGeom>
+          <a:noFill/>
+        </p:spPr>
+        <p:txBody>
+          <a:bodyPr wrap="square" rtlCol="0">
+            <a:spAutoFit/>
+          </a:bodyPr>
+          <a:lstStyle/>
+          <a:p>
+            <a:r>
+              <a:rPr lang="zh-CN" altLang="en-US" dirty="0" smtClean="0"/>
+              <a:t>技术分享：</a:t>
+            </a:r>
+            <a:r>
+              <a:rPr lang="en-US" altLang="zh-CN" dirty="0">
+                <a:hlinkClick r:id="rId2"/>
+              </a:rPr>
+              <a:t>http://192.168.104.40:8090/pages/viewpage.action?pageId=1081592</a:t>
+            </a:r>
+            <a:endParaRPr lang="zh-CN" altLang="en-US" dirty="0"/>
+          </a:p>
+        </p:txBody>
+      </p:sp>
+    </p:spTree>
+    <p:extLst>
+      <p:ext uri="{BB962C8B-B14F-4D97-AF65-F5344CB8AC3E}">
+        <p14:creationId xmlns:p14="http://schemas.microsoft.com/office/powerpoint/2010/main" val="2692302124"/>
+      </p:ext>
+    </p:extLst>
+  </p:cSld>
+  <p:clrMapOvr>
+    <a:masterClrMapping/>
+  </p:clrMapOvr>
+  <p:transition/>
+  <p:timing>
+    <p:tnLst>
+      <p:par>
+        <p:cTn id="1" dur="indefinite" restart="never" nodeType="tmRoot"/>
+      </p:par>
+    </p:tnLst>
+  </p:timing>
+</p:sld>
+</file>
+
+<file path=ppt/slides/slide29.xml><?xml version="1.0" encoding="utf-8"?>
+<p:sld xmlns:a="http://schemas.openxmlformats.org/drawingml/2006/main" xmlns:r="http://schemas.openxmlformats.org/officeDocument/2006/relationships" xmlns:p="http://schemas.openxmlformats.org/presentationml/2006/main">
+  <p:cSld>
+    <p:spTree>
+      <p:nvGrpSpPr>
+        <p:cNvPr id="1" name=""/>
+        <p:cNvGrpSpPr/>
+        <p:nvPr/>
+      </p:nvGrpSpPr>
+      <p:grpSpPr>
+        <a:xfrm>
+          <a:off x="0" y="0"/>
+          <a:ext cx="0" cy="0"/>
+          <a:chOff x="0" y="0"/>
+          <a:chExt cx="0" cy="0"/>
+        </a:xfrm>
+      </p:grpSpPr>
+      <p:sp>
+        <p:nvSpPr>
+          <p:cNvPr id="2" name="标题 1"/>
+          <p:cNvSpPr>
+            <a:spLocks noGrp="1"/>
+          </p:cNvSpPr>
+          <p:nvPr>
+            <p:ph type="title"/>
+          </p:nvPr>
+        </p:nvSpPr>
+        <p:spPr/>
+        <p:txBody>
+          <a:bodyPr/>
+          <a:lstStyle/>
+          <a:p>
+            <a:r>
+              <a:rPr lang="zh-CN" altLang="en-US" dirty="0">
+                <a:latin typeface="微软雅黑" pitchFamily="34" charset="-122"/>
+                <a:ea typeface="微软雅黑" pitchFamily="34" charset="-122"/>
+              </a:rPr>
+              <a:t>个人自评：任职资格认证</a:t>
+            </a:r>
+            <a:endParaRPr lang="zh-CN" altLang="en-US" dirty="0"/>
+          </a:p>
+        </p:txBody>
+      </p:sp>
+      <p:sp>
+        <p:nvSpPr>
+          <p:cNvPr id="4" name="灯片编号占位符 3"/>
+          <p:cNvSpPr>
+            <a:spLocks noGrp="1"/>
+          </p:cNvSpPr>
+          <p:nvPr>
+            <p:ph type="sldNum" sz="quarter" idx="10"/>
+          </p:nvPr>
+        </p:nvSpPr>
+        <p:spPr/>
+        <p:txBody>
+          <a:bodyPr/>
+          <a:lstStyle/>
+          <a:p>
+            <a:pPr>
+              <a:defRPr/>
+            </a:pPr>
+            <a:fld id="{4816A599-0D7A-4ED1-B317-DB57F830172B}" type="slidenum">
+              <a:rPr lang="zh-CN" altLang="en-US" smtClean="0"/>
+              <a:t>29</a:t>
             </a:fld>
             <a:endParaRPr lang="zh-CN" altLang="en-US"/>
           </a:p>
@@ -21678,250 +22470,6 @@
     <p:extLst>
       <p:ext uri="{BB962C8B-B14F-4D97-AF65-F5344CB8AC3E}">
         <p14:creationId xmlns:p14="http://schemas.microsoft.com/office/powerpoint/2010/main" val="3442720359"/>
-      </p:ext>
-    </p:extLst>
-  </p:cSld>
-  <p:clrMapOvr>
-    <a:masterClrMapping/>
-  </p:clrMapOvr>
-  <p:transition/>
-  <p:timing>
-    <p:tnLst>
-      <p:par>
-        <p:cTn id="1" dur="indefinite" restart="never" nodeType="tmRoot"/>
-      </p:par>
-    </p:tnLst>
-  </p:timing>
-</p:sld>
-</file>
-
-<file path=ppt/slides/slide29.xml><?xml version="1.0" encoding="utf-8"?>
-<p:sld xmlns:a="http://schemas.openxmlformats.org/drawingml/2006/main" xmlns:r="http://schemas.openxmlformats.org/officeDocument/2006/relationships" xmlns:p="http://schemas.openxmlformats.org/presentationml/2006/main">
-  <p:cSld>
-    <p:spTree>
-      <p:nvGrpSpPr>
-        <p:cNvPr id="1" name=""/>
-        <p:cNvGrpSpPr/>
-        <p:nvPr/>
-      </p:nvGrpSpPr>
-      <p:grpSpPr>
-        <a:xfrm>
-          <a:off x="0" y="0"/>
-          <a:ext cx="0" cy="0"/>
-          <a:chOff x="0" y="0"/>
-          <a:chExt cx="0" cy="0"/>
-        </a:xfrm>
-      </p:grpSpPr>
-      <p:sp>
-        <p:nvSpPr>
-          <p:cNvPr id="2" name="标题 1"/>
-          <p:cNvSpPr>
-            <a:spLocks noGrp="1"/>
-          </p:cNvSpPr>
-          <p:nvPr>
-            <p:ph type="title"/>
-          </p:nvPr>
-        </p:nvSpPr>
-        <p:spPr/>
-        <p:txBody>
-          <a:bodyPr/>
-          <a:lstStyle/>
-          <a:p>
-            <a:r>
-              <a:rPr lang="zh-CN" altLang="en-US" dirty="0">
-                <a:latin typeface="微软雅黑" pitchFamily="34" charset="-122"/>
-                <a:ea typeface="微软雅黑" pitchFamily="34" charset="-122"/>
-              </a:rPr>
-              <a:t>个人自评：任职资格认证</a:t>
-            </a:r>
-            <a:endParaRPr lang="zh-CN" altLang="en-US" dirty="0"/>
-          </a:p>
-        </p:txBody>
-      </p:sp>
-      <p:sp>
-        <p:nvSpPr>
-          <p:cNvPr id="4" name="灯片编号占位符 3"/>
-          <p:cNvSpPr>
-            <a:spLocks noGrp="1"/>
-          </p:cNvSpPr>
-          <p:nvPr>
-            <p:ph type="sldNum" sz="quarter" idx="10"/>
-          </p:nvPr>
-        </p:nvSpPr>
-        <p:spPr/>
-        <p:txBody>
-          <a:bodyPr/>
-          <a:lstStyle/>
-          <a:p>
-            <a:pPr>
-              <a:defRPr/>
-            </a:pPr>
-            <a:fld id="{4816A599-0D7A-4ED1-B317-DB57F830172B}" type="slidenum">
-              <a:rPr lang="zh-CN" altLang="en-US" smtClean="0"/>
-              <a:t>29</a:t>
-            </a:fld>
-            <a:endParaRPr lang="zh-CN" altLang="en-US"/>
-          </a:p>
-        </p:txBody>
-      </p:sp>
-      <p:sp>
-        <p:nvSpPr>
-          <p:cNvPr id="7" name="TextBox 6"/>
-          <p:cNvSpPr txBox="1"/>
-          <p:nvPr/>
-        </p:nvSpPr>
-        <p:spPr>
-          <a:xfrm>
-            <a:off x="539552" y="1340768"/>
-            <a:ext cx="7200800" cy="892552"/>
-          </a:xfrm>
-          <a:prstGeom prst="rect">
-            <a:avLst/>
-          </a:prstGeom>
-          <a:noFill/>
-        </p:spPr>
-        <p:txBody>
-          <a:bodyPr wrap="square" rtlCol="0">
-            <a:spAutoFit/>
-          </a:bodyPr>
-          <a:lstStyle/>
-          <a:p>
-            <a:r>
-              <a:rPr lang="zh-CN" altLang="en-US" sz="1400" dirty="0" smtClean="0">
-                <a:latin typeface="微软雅黑" pitchFamily="34" charset="-122"/>
-                <a:ea typeface="微软雅黑" pitchFamily="34" charset="-122"/>
-              </a:rPr>
-              <a:t>案例</a:t>
-            </a:r>
-            <a:r>
-              <a:rPr lang="en-US" altLang="zh-CN" sz="1400" dirty="0" smtClean="0">
-                <a:latin typeface="微软雅黑" pitchFamily="34" charset="-122"/>
-                <a:ea typeface="微软雅黑" pitchFamily="34" charset="-122"/>
-              </a:rPr>
-              <a:t>3</a:t>
-            </a:r>
-            <a:r>
-              <a:rPr lang="zh-CN" altLang="en-US" sz="1400" dirty="0" smtClean="0">
-                <a:latin typeface="微软雅黑" pitchFamily="34" charset="-122"/>
-                <a:ea typeface="微软雅黑" pitchFamily="34" charset="-122"/>
-              </a:rPr>
-              <a:t>：</a:t>
-            </a:r>
-            <a:endParaRPr lang="en-US" altLang="zh-CN" sz="1400" dirty="0" smtClean="0">
-              <a:latin typeface="微软雅黑" pitchFamily="34" charset="-122"/>
-              <a:ea typeface="微软雅黑" pitchFamily="34" charset="-122"/>
-            </a:endParaRPr>
-          </a:p>
-          <a:p>
-            <a:endParaRPr lang="en-US" altLang="zh-CN" sz="1400" dirty="0" smtClean="0">
-              <a:latin typeface="微软雅黑" pitchFamily="34" charset="-122"/>
-              <a:ea typeface="微软雅黑" pitchFamily="34" charset="-122"/>
-            </a:endParaRPr>
-          </a:p>
-          <a:p>
-            <a:r>
-              <a:rPr lang="en-US" altLang="zh-CN" sz="1200" dirty="0" smtClean="0">
-                <a:latin typeface="微软雅黑" pitchFamily="34" charset="-122"/>
-                <a:ea typeface="微软雅黑" pitchFamily="34" charset="-122"/>
-              </a:rPr>
-              <a:t>《</a:t>
-            </a:r>
-            <a:r>
-              <a:rPr lang="en-US" altLang="zh-CN" sz="1200" dirty="0" err="1" smtClean="0">
-                <a:latin typeface="微软雅黑" pitchFamily="34" charset="-122"/>
-                <a:ea typeface="微软雅黑" pitchFamily="34" charset="-122"/>
-              </a:rPr>
-              <a:t>vue</a:t>
-            </a:r>
-            <a:r>
-              <a:rPr lang="zh-CN" altLang="en-US" sz="1200" dirty="0" smtClean="0">
-                <a:latin typeface="微软雅黑" pitchFamily="34" charset="-122"/>
-                <a:ea typeface="微软雅黑" pitchFamily="34" charset="-122"/>
-              </a:rPr>
-              <a:t>父组件和子组件生命周期</a:t>
-            </a:r>
-            <a:r>
-              <a:rPr lang="en-US" altLang="zh-CN" sz="1200" dirty="0" smtClean="0">
-                <a:latin typeface="微软雅黑" pitchFamily="34" charset="-122"/>
-                <a:ea typeface="微软雅黑" pitchFamily="34" charset="-122"/>
-              </a:rPr>
-              <a:t>…》</a:t>
-            </a:r>
-            <a:r>
-              <a:rPr lang="zh-CN" altLang="en-US" sz="1200" dirty="0" smtClean="0">
-                <a:latin typeface="微软雅黑" pitchFamily="34" charset="-122"/>
-                <a:ea typeface="微软雅黑" pitchFamily="34" charset="-122"/>
-              </a:rPr>
-              <a:t>主要是做项目中，发现子组件</a:t>
-            </a:r>
-            <a:r>
-              <a:rPr lang="zh-CN" altLang="en-US" sz="1200" dirty="0">
-                <a:latin typeface="微软雅黑" pitchFamily="34" charset="-122"/>
-                <a:ea typeface="微软雅黑" pitchFamily="34" charset="-122"/>
-              </a:rPr>
-              <a:t>加载渲染</a:t>
-            </a:r>
-            <a:r>
-              <a:rPr lang="zh-CN" altLang="en-US" sz="1200" dirty="0" smtClean="0">
-                <a:latin typeface="微软雅黑" pitchFamily="34" charset="-122"/>
-                <a:ea typeface="微软雅黑" pitchFamily="34" charset="-122"/>
-              </a:rPr>
-              <a:t>过程中</a:t>
-            </a:r>
-            <a:r>
-              <a:rPr lang="en-US" altLang="zh-CN" sz="1200" dirty="0" smtClean="0">
-                <a:latin typeface="微软雅黑" pitchFamily="34" charset="-122"/>
-                <a:ea typeface="微软雅黑" pitchFamily="34" charset="-122"/>
-              </a:rPr>
-              <a:t>mounted</a:t>
-            </a:r>
-            <a:r>
-              <a:rPr lang="zh-CN" altLang="en-US" sz="1200" dirty="0" smtClean="0">
-                <a:latin typeface="微软雅黑" pitchFamily="34" charset="-122"/>
-                <a:ea typeface="微软雅黑" pitchFamily="34" charset="-122"/>
-              </a:rPr>
-              <a:t>先于父组件加载，研究查资料所得，并分享出来</a:t>
-            </a:r>
-            <a:endParaRPr lang="zh-CN" altLang="en-US" sz="1200" dirty="0">
-              <a:latin typeface="微软雅黑" pitchFamily="34" charset="-122"/>
-              <a:ea typeface="微软雅黑" pitchFamily="34" charset="-122"/>
-            </a:endParaRPr>
-          </a:p>
-        </p:txBody>
-      </p:sp>
-      <p:pic>
-        <p:nvPicPr>
-          <p:cNvPr id="3" name="图片 2"/>
-          <p:cNvPicPr>
-            <a:picLocks noChangeAspect="1"/>
-          </p:cNvPicPr>
-          <p:nvPr/>
-        </p:nvPicPr>
-        <p:blipFill rotWithShape="1">
-          <a:blip r:embed="rId2">
-            <a:extLst>
-              <a:ext uri="{28A0092B-C50C-407E-A947-70E740481C1C}">
-                <a14:useLocalDpi xmlns:a14="http://schemas.microsoft.com/office/drawing/2010/main" val="0"/>
-              </a:ext>
-            </a:extLst>
-          </a:blip>
-          <a:srcRect l="1963" r="15690"/>
-          <a:stretch/>
-        </p:blipFill>
-        <p:spPr>
-          <a:xfrm>
-            <a:off x="539552" y="2420888"/>
-            <a:ext cx="8073303" cy="3528391"/>
-          </a:xfrm>
-          <a:prstGeom prst="rect">
-            <a:avLst/>
-          </a:prstGeom>
-        </p:spPr>
-      </p:pic>
-    </p:spTree>
-    <p:extLst>
-      <p:ext uri="{BB962C8B-B14F-4D97-AF65-F5344CB8AC3E}">
-        <p14:creationId xmlns:p14="http://schemas.microsoft.com/office/powerpoint/2010/main" val="4194672297"/>
       </p:ext>
     </p:extLst>
   </p:cSld>
@@ -22625,16 +23173,13 @@
           <a:lstStyle/>
           <a:p>
             <a:r>
-              <a:rPr lang="zh-CN" altLang="en-US" dirty="0" smtClean="0">
-                <a:latin typeface="微软雅黑" panose="020B0503020204020204" pitchFamily="34" charset="-122"/>
-                <a:ea typeface="微软雅黑" panose="020B0503020204020204" pitchFamily="34" charset="-122"/>
-              </a:rPr>
-              <a:t>目录</a:t>
-            </a:r>
-            <a:endParaRPr lang="zh-CN" altLang="en-US" dirty="0">
-              <a:latin typeface="微软雅黑" panose="020B0503020204020204" pitchFamily="34" charset="-122"/>
-              <a:ea typeface="微软雅黑" panose="020B0503020204020204" pitchFamily="34" charset="-122"/>
-            </a:endParaRPr>
+              <a:rPr lang="zh-CN" altLang="en-US" dirty="0">
+                <a:latin typeface="微软雅黑" pitchFamily="34" charset="-122"/>
+                <a:ea typeface="微软雅黑" pitchFamily="34" charset="-122"/>
+              </a:rPr>
+              <a:t>个人自评：任职资格认证</a:t>
+            </a:r>
+            <a:endParaRPr lang="zh-CN" altLang="en-US" dirty="0"/>
           </a:p>
         </p:txBody>
       </p:sp>
@@ -22659,6 +23204,253 @@
             <a:fld id="{4816A599-0D7A-4ED1-B317-DB57F830172B}" type="slidenum">
               <a:rPr lang="zh-CN" altLang="en-US" smtClean="0"/>
               <a:t>30</a:t>
+            </a:fld>
+            <a:endParaRPr lang="zh-CN" altLang="en-US"/>
+          </a:p>
+        </p:txBody>
+      </p:sp>
+      <p:sp>
+        <p:nvSpPr>
+          <p:cNvPr id="7" name="TextBox 6"/>
+          <p:cNvSpPr txBox="1"/>
+          <p:nvPr/>
+        </p:nvSpPr>
+        <p:spPr>
+          <a:xfrm>
+            <a:off x="539552" y="1340768"/>
+            <a:ext cx="7200800" cy="892552"/>
+          </a:xfrm>
+          <a:prstGeom prst="rect">
+            <a:avLst/>
+          </a:prstGeom>
+          <a:noFill/>
+        </p:spPr>
+        <p:txBody>
+          <a:bodyPr wrap="square" rtlCol="0">
+            <a:spAutoFit/>
+          </a:bodyPr>
+          <a:lstStyle/>
+          <a:p>
+            <a:r>
+              <a:rPr lang="zh-CN" altLang="en-US" sz="1400" dirty="0" smtClean="0">
+                <a:latin typeface="微软雅黑" pitchFamily="34" charset="-122"/>
+                <a:ea typeface="微软雅黑" pitchFamily="34" charset="-122"/>
+              </a:rPr>
+              <a:t>案例</a:t>
+            </a:r>
+            <a:r>
+              <a:rPr lang="en-US" altLang="zh-CN" sz="1400" dirty="0" smtClean="0">
+                <a:latin typeface="微软雅黑" pitchFamily="34" charset="-122"/>
+                <a:ea typeface="微软雅黑" pitchFamily="34" charset="-122"/>
+              </a:rPr>
+              <a:t>3</a:t>
+            </a:r>
+            <a:r>
+              <a:rPr lang="zh-CN" altLang="en-US" sz="1400" dirty="0" smtClean="0">
+                <a:latin typeface="微软雅黑" pitchFamily="34" charset="-122"/>
+                <a:ea typeface="微软雅黑" pitchFamily="34" charset="-122"/>
+              </a:rPr>
+              <a:t>：</a:t>
+            </a:r>
+            <a:endParaRPr lang="en-US" altLang="zh-CN" sz="1400" dirty="0" smtClean="0">
+              <a:latin typeface="微软雅黑" pitchFamily="34" charset="-122"/>
+              <a:ea typeface="微软雅黑" pitchFamily="34" charset="-122"/>
+            </a:endParaRPr>
+          </a:p>
+          <a:p>
+            <a:endParaRPr lang="en-US" altLang="zh-CN" sz="1400" dirty="0" smtClean="0">
+              <a:latin typeface="微软雅黑" pitchFamily="34" charset="-122"/>
+              <a:ea typeface="微软雅黑" pitchFamily="34" charset="-122"/>
+            </a:endParaRPr>
+          </a:p>
+          <a:p>
+            <a:r>
+              <a:rPr lang="en-US" altLang="zh-CN" sz="1200" dirty="0" smtClean="0">
+                <a:latin typeface="微软雅黑" pitchFamily="34" charset="-122"/>
+                <a:ea typeface="微软雅黑" pitchFamily="34" charset="-122"/>
+              </a:rPr>
+              <a:t>《</a:t>
+            </a:r>
+            <a:r>
+              <a:rPr lang="en-US" altLang="zh-CN" sz="1200" dirty="0" err="1" smtClean="0">
+                <a:latin typeface="微软雅黑" pitchFamily="34" charset="-122"/>
+                <a:ea typeface="微软雅黑" pitchFamily="34" charset="-122"/>
+              </a:rPr>
+              <a:t>vue</a:t>
+            </a:r>
+            <a:r>
+              <a:rPr lang="zh-CN" altLang="en-US" sz="1200" dirty="0" smtClean="0">
+                <a:latin typeface="微软雅黑" pitchFamily="34" charset="-122"/>
+                <a:ea typeface="微软雅黑" pitchFamily="34" charset="-122"/>
+              </a:rPr>
+              <a:t>父组件和子组件生命周期</a:t>
+            </a:r>
+            <a:r>
+              <a:rPr lang="en-US" altLang="zh-CN" sz="1200" dirty="0" smtClean="0">
+                <a:latin typeface="微软雅黑" pitchFamily="34" charset="-122"/>
+                <a:ea typeface="微软雅黑" pitchFamily="34" charset="-122"/>
+              </a:rPr>
+              <a:t>…》</a:t>
+            </a:r>
+            <a:r>
+              <a:rPr lang="zh-CN" altLang="en-US" sz="1200" dirty="0" smtClean="0">
+                <a:latin typeface="微软雅黑" pitchFamily="34" charset="-122"/>
+                <a:ea typeface="微软雅黑" pitchFamily="34" charset="-122"/>
+              </a:rPr>
+              <a:t>主要是做项目中，发现子组件</a:t>
+            </a:r>
+            <a:r>
+              <a:rPr lang="zh-CN" altLang="en-US" sz="1200" dirty="0">
+                <a:latin typeface="微软雅黑" pitchFamily="34" charset="-122"/>
+                <a:ea typeface="微软雅黑" pitchFamily="34" charset="-122"/>
+              </a:rPr>
+              <a:t>加载渲染</a:t>
+            </a:r>
+            <a:r>
+              <a:rPr lang="zh-CN" altLang="en-US" sz="1200" dirty="0" smtClean="0">
+                <a:latin typeface="微软雅黑" pitchFamily="34" charset="-122"/>
+                <a:ea typeface="微软雅黑" pitchFamily="34" charset="-122"/>
+              </a:rPr>
+              <a:t>过程中</a:t>
+            </a:r>
+            <a:r>
+              <a:rPr lang="en-US" altLang="zh-CN" sz="1200" dirty="0" smtClean="0">
+                <a:latin typeface="微软雅黑" pitchFamily="34" charset="-122"/>
+                <a:ea typeface="微软雅黑" pitchFamily="34" charset="-122"/>
+              </a:rPr>
+              <a:t>mounted</a:t>
+            </a:r>
+            <a:r>
+              <a:rPr lang="zh-CN" altLang="en-US" sz="1200" dirty="0" smtClean="0">
+                <a:latin typeface="微软雅黑" pitchFamily="34" charset="-122"/>
+                <a:ea typeface="微软雅黑" pitchFamily="34" charset="-122"/>
+              </a:rPr>
+              <a:t>先于父组件加载，研究查资料所得，并分享出来</a:t>
+            </a:r>
+            <a:endParaRPr lang="zh-CN" altLang="en-US" sz="1200" dirty="0">
+              <a:latin typeface="微软雅黑" pitchFamily="34" charset="-122"/>
+              <a:ea typeface="微软雅黑" pitchFamily="34" charset="-122"/>
+            </a:endParaRPr>
+          </a:p>
+        </p:txBody>
+      </p:sp>
+      <p:pic>
+        <p:nvPicPr>
+          <p:cNvPr id="3" name="图片 2"/>
+          <p:cNvPicPr>
+            <a:picLocks noChangeAspect="1"/>
+          </p:cNvPicPr>
+          <p:nvPr/>
+        </p:nvPicPr>
+        <p:blipFill rotWithShape="1">
+          <a:blip r:embed="rId2">
+            <a:extLst>
+              <a:ext uri="{28A0092B-C50C-407E-A947-70E740481C1C}">
+                <a14:useLocalDpi xmlns:a14="http://schemas.microsoft.com/office/drawing/2010/main" val="0"/>
+              </a:ext>
+            </a:extLst>
+          </a:blip>
+          <a:srcRect l="1963" r="15690"/>
+          <a:stretch/>
+        </p:blipFill>
+        <p:spPr>
+          <a:xfrm>
+            <a:off x="539552" y="2420888"/>
+            <a:ext cx="8073303" cy="3528391"/>
+          </a:xfrm>
+          <a:prstGeom prst="rect">
+            <a:avLst/>
+          </a:prstGeom>
+        </p:spPr>
+      </p:pic>
+    </p:spTree>
+    <p:extLst>
+      <p:ext uri="{BB962C8B-B14F-4D97-AF65-F5344CB8AC3E}">
+        <p14:creationId xmlns:p14="http://schemas.microsoft.com/office/powerpoint/2010/main" val="4194672297"/>
+      </p:ext>
+    </p:extLst>
+  </p:cSld>
+  <p:clrMapOvr>
+    <a:masterClrMapping/>
+  </p:clrMapOvr>
+  <p:transition/>
+  <p:timing>
+    <p:tnLst>
+      <p:par>
+        <p:cTn id="1" dur="indefinite" restart="never" nodeType="tmRoot"/>
+      </p:par>
+    </p:tnLst>
+  </p:timing>
+</p:sld>
+</file>
+
+<file path=ppt/slides/slide31.xml><?xml version="1.0" encoding="utf-8"?>
+<p:sld xmlns:a="http://schemas.openxmlformats.org/drawingml/2006/main" xmlns:r="http://schemas.openxmlformats.org/officeDocument/2006/relationships" xmlns:p="http://schemas.openxmlformats.org/presentationml/2006/main">
+  <p:cSld>
+    <p:spTree>
+      <p:nvGrpSpPr>
+        <p:cNvPr id="1" name=""/>
+        <p:cNvGrpSpPr/>
+        <p:nvPr/>
+      </p:nvGrpSpPr>
+      <p:grpSpPr>
+        <a:xfrm>
+          <a:off x="0" y="0"/>
+          <a:ext cx="0" cy="0"/>
+          <a:chOff x="0" y="0"/>
+          <a:chExt cx="0" cy="0"/>
+        </a:xfrm>
+      </p:grpSpPr>
+      <p:sp>
+        <p:nvSpPr>
+          <p:cNvPr id="2" name="标题 1"/>
+          <p:cNvSpPr>
+            <a:spLocks noGrp="1"/>
+          </p:cNvSpPr>
+          <p:nvPr>
+            <p:ph type="title"/>
+          </p:nvPr>
+        </p:nvSpPr>
+        <p:spPr/>
+        <p:txBody>
+          <a:bodyPr/>
+          <a:lstStyle/>
+          <a:p>
+            <a:r>
+              <a:rPr lang="zh-CN" altLang="en-US" dirty="0" smtClean="0">
+                <a:latin typeface="微软雅黑" panose="020B0503020204020204" pitchFamily="34" charset="-122"/>
+                <a:ea typeface="微软雅黑" panose="020B0503020204020204" pitchFamily="34" charset="-122"/>
+              </a:rPr>
+              <a:t>目录</a:t>
+            </a:r>
+            <a:endParaRPr lang="zh-CN" altLang="en-US" dirty="0">
+              <a:latin typeface="微软雅黑" panose="020B0503020204020204" pitchFamily="34" charset="-122"/>
+              <a:ea typeface="微软雅黑" panose="020B0503020204020204" pitchFamily="34" charset="-122"/>
+            </a:endParaRPr>
+          </a:p>
+        </p:txBody>
+      </p:sp>
+      <p:sp>
+        <p:nvSpPr>
+          <p:cNvPr id="4" name="灯片编号占位符 3"/>
+          <p:cNvSpPr>
+            <a:spLocks noGrp="1"/>
+          </p:cNvSpPr>
+          <p:nvPr>
+            <p:ph type="sldNum" sz="quarter" idx="10"/>
+          </p:nvPr>
+        </p:nvSpPr>
+        <p:spPr/>
+        <p:txBody>
+          <a:bodyPr/>
+          <a:lstStyle/>
+          <a:p>
+            <a:pPr>
+              <a:defRPr/>
+            </a:pPr>
+            <a:fld id="{4816A599-0D7A-4ED1-B317-DB57F830172B}" type="slidenum">
+              <a:rPr lang="zh-CN" altLang="en-US" smtClean="0"/>
+              <a:t>31</a:t>
             </a:fld>
             <a:endParaRPr lang="zh-CN" altLang="en-US"/>
           </a:p>
@@ -23236,7 +24028,7 @@
 </p:sld>
 </file>
 
-<file path=ppt/slides/slide31.xml><?xml version="1.0" encoding="utf-8"?>
+<file path=ppt/slides/slide32.xml><?xml version="1.0" encoding="utf-8"?>
 <p:sld xmlns:a="http://schemas.openxmlformats.org/drawingml/2006/main" xmlns:r="http://schemas.openxmlformats.org/officeDocument/2006/relationships" xmlns:p="http://schemas.openxmlformats.org/presentationml/2006/main">
   <p:cSld>
     <p:spTree>
@@ -23326,31 +24118,6 @@
               <a:latin typeface="微软雅黑" panose="020B0503020204020204" pitchFamily="34" charset="-122"/>
             </a:endParaRPr>
           </a:p>
-          <a:p>
-            <a:pPr>
-              <a:buFont typeface="Wingdings" pitchFamily="2" charset="2"/>
-              <a:buChar char="ü"/>
-            </a:pPr>
-            <a:r>
-              <a:rPr lang="zh-CN" altLang="en-US" sz="1800" b="0" dirty="0" smtClean="0">
-                <a:solidFill>
-                  <a:schemeClr val="bg2">
-                    <a:lumMod val="75000"/>
-                  </a:schemeClr>
-                </a:solidFill>
-                <a:latin typeface="微软雅黑" panose="020B0503020204020204" pitchFamily="34" charset="-122"/>
-              </a:rPr>
-              <a:t>别的暂时没有咯</a:t>
-            </a:r>
-            <a:endParaRPr lang="zh-CN" altLang="en-US" sz="1800" b="0" dirty="0">
-              <a:solidFill>
-                <a:schemeClr val="bg2">
-                  <a:lumMod val="75000"/>
-                </a:schemeClr>
-              </a:solidFill>
-              <a:latin typeface="微软雅黑" panose="020B0503020204020204" pitchFamily="34" charset="-122"/>
-            </a:endParaRPr>
-          </a:p>
         </p:txBody>
       </p:sp>
       <p:sp>
@@ -23373,7 +24140,7 @@
             </a:pPr>
             <a:fld id="{4816A599-0D7A-4ED1-B317-DB57F830172B}" type="slidenum">
               <a:rPr lang="zh-CN" altLang="en-US" smtClean="0"/>
-              <a:t>31</a:t>
+              <a:t>32</a:t>
             </a:fld>
             <a:endParaRPr lang="zh-CN" altLang="en-US"/>
           </a:p>
@@ -23395,7 +24162,7 @@
 </p:sld>
 </file>
 
-<file path=ppt/slides/slide32.xml><?xml version="1.0" encoding="utf-8"?>
+<file path=ppt/slides/slide33.xml><?xml version="1.0" encoding="utf-8"?>
 <p:sld xmlns:a="http://schemas.openxmlformats.org/drawingml/2006/main" xmlns:r="http://schemas.openxmlformats.org/officeDocument/2006/relationships" xmlns:p="http://schemas.openxmlformats.org/presentationml/2006/main">
   <p:cSld>
     <p:spTree>
